--- a/slides/04 - Activity, Intent and UI design.pptx
+++ b/slides/04 - Activity, Intent and UI design.pptx
@@ -8,76 +8,79 @@
     <p:sldId id="257" r:id="rId2"/>
     <p:sldId id="349" r:id="rId3"/>
     <p:sldId id="280" r:id="rId4"/>
-    <p:sldId id="279" r:id="rId5"/>
-    <p:sldId id="284" r:id="rId6"/>
-    <p:sldId id="291" r:id="rId7"/>
-    <p:sldId id="292" r:id="rId8"/>
-    <p:sldId id="293" r:id="rId9"/>
-    <p:sldId id="294" r:id="rId10"/>
-    <p:sldId id="309" r:id="rId11"/>
-    <p:sldId id="305" r:id="rId12"/>
-    <p:sldId id="306" r:id="rId13"/>
-    <p:sldId id="310" r:id="rId14"/>
-    <p:sldId id="308" r:id="rId15"/>
-    <p:sldId id="295" r:id="rId16"/>
-    <p:sldId id="297" r:id="rId17"/>
-    <p:sldId id="300" r:id="rId18"/>
-    <p:sldId id="296" r:id="rId19"/>
-    <p:sldId id="299" r:id="rId20"/>
-    <p:sldId id="298" r:id="rId21"/>
-    <p:sldId id="301" r:id="rId22"/>
-    <p:sldId id="313" r:id="rId23"/>
-    <p:sldId id="314" r:id="rId24"/>
-    <p:sldId id="312" r:id="rId25"/>
-    <p:sldId id="311" r:id="rId26"/>
-    <p:sldId id="307" r:id="rId27"/>
-    <p:sldId id="302" r:id="rId28"/>
-    <p:sldId id="303" r:id="rId29"/>
-    <p:sldId id="315" r:id="rId30"/>
-    <p:sldId id="316" r:id="rId31"/>
-    <p:sldId id="304" r:id="rId32"/>
-    <p:sldId id="317" r:id="rId33"/>
-    <p:sldId id="319" r:id="rId34"/>
-    <p:sldId id="281" r:id="rId35"/>
-    <p:sldId id="283" r:id="rId36"/>
-    <p:sldId id="320" r:id="rId37"/>
-    <p:sldId id="354" r:id="rId38"/>
-    <p:sldId id="282" r:id="rId39"/>
-    <p:sldId id="322" r:id="rId40"/>
-    <p:sldId id="289" r:id="rId41"/>
-    <p:sldId id="331" r:id="rId42"/>
-    <p:sldId id="324" r:id="rId43"/>
-    <p:sldId id="325" r:id="rId44"/>
-    <p:sldId id="333" r:id="rId45"/>
-    <p:sldId id="334" r:id="rId46"/>
-    <p:sldId id="332" r:id="rId47"/>
-    <p:sldId id="346" r:id="rId48"/>
-    <p:sldId id="351" r:id="rId49"/>
-    <p:sldId id="353" r:id="rId50"/>
-    <p:sldId id="355" r:id="rId51"/>
-    <p:sldId id="356" r:id="rId52"/>
-    <p:sldId id="326" r:id="rId53"/>
-    <p:sldId id="335" r:id="rId54"/>
-    <p:sldId id="336" r:id="rId55"/>
-    <p:sldId id="337" r:id="rId56"/>
-    <p:sldId id="340" r:id="rId57"/>
-    <p:sldId id="342" r:id="rId58"/>
-    <p:sldId id="357" r:id="rId59"/>
-    <p:sldId id="285" r:id="rId60"/>
-    <p:sldId id="330" r:id="rId61"/>
-    <p:sldId id="286" r:id="rId62"/>
-    <p:sldId id="323" r:id="rId63"/>
-    <p:sldId id="327" r:id="rId64"/>
-    <p:sldId id="328" r:id="rId65"/>
-    <p:sldId id="329" r:id="rId66"/>
-    <p:sldId id="287" r:id="rId67"/>
-    <p:sldId id="288" r:id="rId68"/>
-    <p:sldId id="343" r:id="rId69"/>
-    <p:sldId id="344" r:id="rId70"/>
-    <p:sldId id="345" r:id="rId71"/>
-    <p:sldId id="348" r:id="rId72"/>
-    <p:sldId id="350" r:id="rId73"/>
-    <p:sldId id="321" r:id="rId74"/>
+    <p:sldId id="358" r:id="rId5"/>
+    <p:sldId id="359" r:id="rId6"/>
+    <p:sldId id="360" r:id="rId7"/>
+    <p:sldId id="279" r:id="rId8"/>
+    <p:sldId id="284" r:id="rId9"/>
+    <p:sldId id="291" r:id="rId10"/>
+    <p:sldId id="292" r:id="rId11"/>
+    <p:sldId id="293" r:id="rId12"/>
+    <p:sldId id="294" r:id="rId13"/>
+    <p:sldId id="309" r:id="rId14"/>
+    <p:sldId id="305" r:id="rId15"/>
+    <p:sldId id="306" r:id="rId16"/>
+    <p:sldId id="310" r:id="rId17"/>
+    <p:sldId id="308" r:id="rId18"/>
+    <p:sldId id="295" r:id="rId19"/>
+    <p:sldId id="297" r:id="rId20"/>
+    <p:sldId id="300" r:id="rId21"/>
+    <p:sldId id="296" r:id="rId22"/>
+    <p:sldId id="299" r:id="rId23"/>
+    <p:sldId id="298" r:id="rId24"/>
+    <p:sldId id="301" r:id="rId25"/>
+    <p:sldId id="313" r:id="rId26"/>
+    <p:sldId id="314" r:id="rId27"/>
+    <p:sldId id="312" r:id="rId28"/>
+    <p:sldId id="311" r:id="rId29"/>
+    <p:sldId id="307" r:id="rId30"/>
+    <p:sldId id="302" r:id="rId31"/>
+    <p:sldId id="303" r:id="rId32"/>
+    <p:sldId id="315" r:id="rId33"/>
+    <p:sldId id="316" r:id="rId34"/>
+    <p:sldId id="304" r:id="rId35"/>
+    <p:sldId id="317" r:id="rId36"/>
+    <p:sldId id="319" r:id="rId37"/>
+    <p:sldId id="281" r:id="rId38"/>
+    <p:sldId id="283" r:id="rId39"/>
+    <p:sldId id="320" r:id="rId40"/>
+    <p:sldId id="354" r:id="rId41"/>
+    <p:sldId id="282" r:id="rId42"/>
+    <p:sldId id="322" r:id="rId43"/>
+    <p:sldId id="289" r:id="rId44"/>
+    <p:sldId id="331" r:id="rId45"/>
+    <p:sldId id="324" r:id="rId46"/>
+    <p:sldId id="325" r:id="rId47"/>
+    <p:sldId id="333" r:id="rId48"/>
+    <p:sldId id="334" r:id="rId49"/>
+    <p:sldId id="332" r:id="rId50"/>
+    <p:sldId id="346" r:id="rId51"/>
+    <p:sldId id="351" r:id="rId52"/>
+    <p:sldId id="353" r:id="rId53"/>
+    <p:sldId id="355" r:id="rId54"/>
+    <p:sldId id="356" r:id="rId55"/>
+    <p:sldId id="326" r:id="rId56"/>
+    <p:sldId id="335" r:id="rId57"/>
+    <p:sldId id="336" r:id="rId58"/>
+    <p:sldId id="337" r:id="rId59"/>
+    <p:sldId id="340" r:id="rId60"/>
+    <p:sldId id="342" r:id="rId61"/>
+    <p:sldId id="357" r:id="rId62"/>
+    <p:sldId id="285" r:id="rId63"/>
+    <p:sldId id="330" r:id="rId64"/>
+    <p:sldId id="286" r:id="rId65"/>
+    <p:sldId id="323" r:id="rId66"/>
+    <p:sldId id="327" r:id="rId67"/>
+    <p:sldId id="328" r:id="rId68"/>
+    <p:sldId id="329" r:id="rId69"/>
+    <p:sldId id="287" r:id="rId70"/>
+    <p:sldId id="288" r:id="rId71"/>
+    <p:sldId id="343" r:id="rId72"/>
+    <p:sldId id="344" r:id="rId73"/>
+    <p:sldId id="345" r:id="rId74"/>
+    <p:sldId id="348" r:id="rId75"/>
+    <p:sldId id="350" r:id="rId76"/>
+    <p:sldId id="321" r:id="rId77"/>
   </p:sldIdLst>
   <p:sldSz cx="12192000" cy="6858000"/>
   <p:notesSz cx="6858000" cy="9144000"/>
@@ -184,6 +187,9 @@
             <p14:sldId id="257"/>
             <p14:sldId id="349"/>
             <p14:sldId id="280"/>
+            <p14:sldId id="358"/>
+            <p14:sldId id="359"/>
+            <p14:sldId id="360"/>
             <p14:sldId id="279"/>
             <p14:sldId id="284"/>
             <p14:sldId id="291"/>
@@ -7598,6 +7604,713 @@
           <p:cNvPr id="2" name="Title 1">
             <a:extLst>
               <a:ext uri="{FF2B5EF4-FFF2-40B4-BE49-F238E27FC236}">
+                <a16:creationId xmlns:a16="http://schemas.microsoft.com/office/drawing/2014/main" id="{22E5FCF6-439B-4A4B-94C5-5CE9B66CA483}"/>
+              </a:ext>
+            </a:extLst>
+          </p:cNvPr>
+          <p:cNvSpPr>
+            <a:spLocks noGrp="1"/>
+          </p:cNvSpPr>
+          <p:nvPr>
+            <p:ph type="title"/>
+          </p:nvPr>
+        </p:nvSpPr>
+        <p:spPr/>
+        <p:txBody>
+          <a:bodyPr/>
+          <a:lstStyle/>
+          <a:p>
+            <a:r>
+              <a:rPr lang="en-GB" dirty="0"/>
+              <a:t>Activity lifecycle</a:t>
+            </a:r>
+          </a:p>
+        </p:txBody>
+      </p:sp>
+      <p:sp>
+        <p:nvSpPr>
+          <p:cNvPr id="3" name="Content Placeholder 2">
+            <a:extLst>
+              <a:ext uri="{FF2B5EF4-FFF2-40B4-BE49-F238E27FC236}">
+                <a16:creationId xmlns:a16="http://schemas.microsoft.com/office/drawing/2014/main" id="{FE17CAF2-D62E-4849-923D-9437AAD240FB}"/>
+              </a:ext>
+            </a:extLst>
+          </p:cNvPr>
+          <p:cNvSpPr>
+            <a:spLocks noGrp="1"/>
+          </p:cNvSpPr>
+          <p:nvPr>
+            <p:ph sz="half" idx="1"/>
+          </p:nvPr>
+        </p:nvSpPr>
+        <p:spPr/>
+        <p:txBody>
+          <a:bodyPr>
+            <a:normAutofit fontScale="77500" lnSpcReduction="20000"/>
+          </a:bodyPr>
+          <a:lstStyle/>
+          <a:p>
+            <a:pPr marL="0" indent="0">
+              <a:buNone/>
+            </a:pPr>
+            <a:r>
+              <a:rPr lang="en-GB" dirty="0"/>
+              <a:t>Activity has 4 states (represented by oval):</a:t>
+            </a:r>
+          </a:p>
+          <a:p>
+            <a:r>
+              <a:rPr lang="en-GB" dirty="0">
+                <a:solidFill>
+                  <a:srgbClr val="FF0000"/>
+                </a:solidFill>
+              </a:rPr>
+              <a:t>Active or running: </a:t>
+            </a:r>
+            <a:r>
+              <a:rPr lang="en-GB" dirty="0"/>
+              <a:t>if activity is in the foreground of the screen (it is at the top of the stack). The user is interacting with.</a:t>
+            </a:r>
+          </a:p>
+          <a:p>
+            <a:r>
+              <a:rPr lang="en-GB" dirty="0">
+                <a:solidFill>
+                  <a:srgbClr val="FF0000"/>
+                </a:solidFill>
+              </a:rPr>
+              <a:t>Visible: </a:t>
+            </a:r>
+            <a:r>
+              <a:rPr lang="en-GB" dirty="0"/>
+              <a:t>If activity has lost focus but is still presented to the user (e.g. if activity has partial obscure by a pop-up) (activity is alive and maintains all information)</a:t>
+            </a:r>
+          </a:p>
+          <a:p>
+            <a:r>
+              <a:rPr lang="en-GB" dirty="0">
+                <a:solidFill>
+                  <a:srgbClr val="FF0000"/>
+                </a:solidFill>
+              </a:rPr>
+              <a:t>Stopped or hidden: </a:t>
+            </a:r>
+            <a:r>
+              <a:rPr lang="en-GB" dirty="0"/>
+              <a:t>if activity is completely obscured by another activity. (it maintains information but it could be killed by the system)</a:t>
+            </a:r>
+          </a:p>
+          <a:p>
+            <a:r>
+              <a:rPr lang="en-GB" dirty="0">
+                <a:solidFill>
+                  <a:srgbClr val="FF0000"/>
+                </a:solidFill>
+              </a:rPr>
+              <a:t>Destroyed: </a:t>
+            </a:r>
+            <a:r>
+              <a:rPr lang="en-GB" dirty="0"/>
+              <a:t>if activity is dropped from memory</a:t>
+            </a:r>
+          </a:p>
+        </p:txBody>
+      </p:sp>
+      <p:sp>
+        <p:nvSpPr>
+          <p:cNvPr id="5" name="Slide Number Placeholder 4">
+            <a:extLst>
+              <a:ext uri="{FF2B5EF4-FFF2-40B4-BE49-F238E27FC236}">
+                <a16:creationId xmlns:a16="http://schemas.microsoft.com/office/drawing/2014/main" id="{DD8E4127-44D6-420D-B92A-27FFE06EE8A0}"/>
+              </a:ext>
+            </a:extLst>
+          </p:cNvPr>
+          <p:cNvSpPr>
+            <a:spLocks noGrp="1"/>
+          </p:cNvSpPr>
+          <p:nvPr>
+            <p:ph type="sldNum" sz="quarter" idx="12"/>
+          </p:nvPr>
+        </p:nvSpPr>
+        <p:spPr/>
+        <p:txBody>
+          <a:bodyPr/>
+          <a:lstStyle/>
+          <a:p>
+            <a:fld id="{D2040F39-7941-49A4-B48D-F201B18B6351}" type="slidenum">
+              <a:rPr lang="it-IT" smtClean="0"/>
+              <a:pPr/>
+              <a:t>10</a:t>
+            </a:fld>
+            <a:endParaRPr lang="it-IT" dirty="0"/>
+          </a:p>
+        </p:txBody>
+      </p:sp>
+      <p:pic>
+        <p:nvPicPr>
+          <p:cNvPr id="2050" name="Picture 2" descr="State diagram for an Android Activity Lifecycle.">
+            <a:extLst>
+              <a:ext uri="{FF2B5EF4-FFF2-40B4-BE49-F238E27FC236}">
+                <a16:creationId xmlns:a16="http://schemas.microsoft.com/office/drawing/2014/main" id="{C1F69DD7-7411-4032-BA9F-F97D4F641755}"/>
+              </a:ext>
+            </a:extLst>
+          </p:cNvPr>
+          <p:cNvPicPr>
+            <a:picLocks noGrp="1" noChangeAspect="1" noChangeArrowheads="1"/>
+          </p:cNvPicPr>
+          <p:nvPr>
+            <p:ph sz="half" idx="2"/>
+          </p:nvPr>
+        </p:nvPicPr>
+        <p:blipFill>
+          <a:blip r:embed="rId2">
+            <a:extLst>
+              <a:ext uri="{28A0092B-C50C-407E-A947-70E740481C1C}">
+                <a14:useLocalDpi xmlns:a14="http://schemas.microsoft.com/office/drawing/2010/main" val="0"/>
+              </a:ext>
+            </a:extLst>
+          </a:blip>
+          <a:srcRect/>
+          <a:stretch>
+            <a:fillRect/>
+          </a:stretch>
+        </p:blipFill>
+        <p:spPr bwMode="auto">
+          <a:xfrm>
+            <a:off x="7139005" y="1600200"/>
+            <a:ext cx="3501989" cy="4525963"/>
+          </a:xfrm>
+          <a:prstGeom prst="rect">
+            <a:avLst/>
+          </a:prstGeom>
+          <a:noFill/>
+          <a:extLst>
+            <a:ext uri="{909E8E84-426E-40DD-AFC4-6F175D3DCCD1}">
+              <a14:hiddenFill xmlns:a14="http://schemas.microsoft.com/office/drawing/2010/main">
+                <a:solidFill>
+                  <a:srgbClr val="FFFFFF"/>
+                </a:solidFill>
+              </a14:hiddenFill>
+            </a:ext>
+          </a:extLst>
+        </p:spPr>
+      </p:pic>
+    </p:spTree>
+    <p:extLst>
+      <p:ext uri="{BB962C8B-B14F-4D97-AF65-F5344CB8AC3E}">
+        <p14:creationId xmlns:p14="http://schemas.microsoft.com/office/powerpoint/2010/main" val="683288592"/>
+      </p:ext>
+    </p:extLst>
+  </p:cSld>
+  <p:clrMapOvr>
+    <a:masterClrMapping/>
+  </p:clrMapOvr>
+</p:sld>
+</file>
+
+<file path=ppt/slides/slide11.xml><?xml version="1.0" encoding="utf-8"?>
+<p:sld xmlns:a="http://schemas.openxmlformats.org/drawingml/2006/main" xmlns:r="http://schemas.openxmlformats.org/officeDocument/2006/relationships" xmlns:p="http://schemas.openxmlformats.org/presentationml/2006/main">
+  <p:cSld>
+    <p:spTree>
+      <p:nvGrpSpPr>
+        <p:cNvPr id="1" name=""/>
+        <p:cNvGrpSpPr/>
+        <p:nvPr/>
+      </p:nvGrpSpPr>
+      <p:grpSpPr>
+        <a:xfrm>
+          <a:off x="0" y="0"/>
+          <a:ext cx="0" cy="0"/>
+          <a:chOff x="0" y="0"/>
+          <a:chExt cx="0" cy="0"/>
+        </a:xfrm>
+      </p:grpSpPr>
+      <p:sp>
+        <p:nvSpPr>
+          <p:cNvPr id="6" name="Title 5">
+            <a:extLst>
+              <a:ext uri="{FF2B5EF4-FFF2-40B4-BE49-F238E27FC236}">
+                <a16:creationId xmlns:a16="http://schemas.microsoft.com/office/drawing/2014/main" id="{4594C90E-1542-47C8-9333-850D43FB8D50}"/>
+              </a:ext>
+            </a:extLst>
+          </p:cNvPr>
+          <p:cNvSpPr>
+            <a:spLocks noGrp="1"/>
+          </p:cNvSpPr>
+          <p:nvPr>
+            <p:ph type="title"/>
+          </p:nvPr>
+        </p:nvSpPr>
+        <p:spPr/>
+        <p:txBody>
+          <a:bodyPr/>
+          <a:lstStyle/>
+          <a:p>
+            <a:r>
+              <a:rPr lang="en-GB" dirty="0"/>
+              <a:t>Activity lifecycle</a:t>
+            </a:r>
+          </a:p>
+        </p:txBody>
+      </p:sp>
+      <p:sp>
+        <p:nvSpPr>
+          <p:cNvPr id="7" name="Content Placeholder 6">
+            <a:extLst>
+              <a:ext uri="{FF2B5EF4-FFF2-40B4-BE49-F238E27FC236}">
+                <a16:creationId xmlns:a16="http://schemas.microsoft.com/office/drawing/2014/main" id="{F85E9359-EBE1-4410-ADB8-22A7312E3023}"/>
+              </a:ext>
+            </a:extLst>
+          </p:cNvPr>
+          <p:cNvSpPr>
+            <a:spLocks noGrp="1"/>
+          </p:cNvSpPr>
+          <p:nvPr>
+            <p:ph sz="half" idx="1"/>
+          </p:nvPr>
+        </p:nvSpPr>
+        <p:spPr/>
+        <p:txBody>
+          <a:bodyPr>
+            <a:normAutofit fontScale="92500" lnSpcReduction="20000"/>
+          </a:bodyPr>
+          <a:lstStyle/>
+          <a:p>
+            <a:pPr marL="0" indent="0">
+              <a:buNone/>
+            </a:pPr>
+            <a:r>
+              <a:rPr lang="en-GB" dirty="0"/>
+              <a:t>We can distinguish 3 loops:</a:t>
+            </a:r>
+          </a:p>
+          <a:p>
+            <a:r>
+              <a:rPr lang="en-GB" dirty="0">
+                <a:solidFill>
+                  <a:srgbClr val="FF0000"/>
+                </a:solidFill>
+              </a:rPr>
+              <a:t>Entire lifetime: </a:t>
+            </a:r>
+            <a:r>
+              <a:rPr lang="en-GB" b="1" dirty="0"/>
+              <a:t>from </a:t>
+            </a:r>
+            <a:r>
+              <a:rPr lang="en-GB" b="1" dirty="0" err="1"/>
+              <a:t>onCreate</a:t>
+            </a:r>
+            <a:r>
+              <a:rPr lang="en-GB" b="1" dirty="0"/>
+              <a:t>()</a:t>
+            </a:r>
+            <a:r>
+              <a:rPr lang="en-GB" dirty="0"/>
+              <a:t>, where activity setup global </a:t>
+            </a:r>
+            <a:r>
+              <a:rPr lang="en-GB" dirty="0" err="1"/>
+              <a:t>stae</a:t>
+            </a:r>
+            <a:r>
+              <a:rPr lang="en-GB" dirty="0"/>
+              <a:t>, </a:t>
+            </a:r>
+            <a:r>
+              <a:rPr lang="en-GB" b="1" dirty="0"/>
+              <a:t>until </a:t>
+            </a:r>
+            <a:r>
+              <a:rPr lang="en-GB" b="1" dirty="0" err="1"/>
+              <a:t>onDetroy</a:t>
+            </a:r>
+            <a:r>
+              <a:rPr lang="en-GB" b="1" dirty="0"/>
+              <a:t>()</a:t>
+            </a:r>
+            <a:r>
+              <a:rPr lang="en-GB" dirty="0"/>
+              <a:t>, where activity release all resources</a:t>
+            </a:r>
+          </a:p>
+          <a:p>
+            <a:r>
+              <a:rPr lang="en-GB" dirty="0">
+                <a:solidFill>
+                  <a:srgbClr val="FF0000"/>
+                </a:solidFill>
+              </a:rPr>
+              <a:t>Visible lifetime: </a:t>
+            </a:r>
+            <a:r>
+              <a:rPr lang="en-GB" b="1" dirty="0"/>
+              <a:t>from </a:t>
+            </a:r>
+            <a:r>
+              <a:rPr lang="en-GB" b="1" dirty="0" err="1"/>
+              <a:t>onStart</a:t>
+            </a:r>
+            <a:r>
+              <a:rPr lang="en-GB" b="1" dirty="0"/>
+              <a:t>() until </a:t>
+            </a:r>
+            <a:r>
+              <a:rPr lang="en-GB" b="1" dirty="0" err="1"/>
+              <a:t>onStop</a:t>
+            </a:r>
+            <a:r>
+              <a:rPr lang="en-GB" b="1" dirty="0"/>
+              <a:t>()</a:t>
+            </a:r>
+            <a:r>
+              <a:rPr lang="en-GB" dirty="0"/>
+              <a:t>, user can see the activity on screen, but it couldn't be in foreground</a:t>
+            </a:r>
+            <a:endParaRPr lang="en-GB" b="1" dirty="0"/>
+          </a:p>
+          <a:p>
+            <a:r>
+              <a:rPr lang="en-GB" dirty="0">
+                <a:solidFill>
+                  <a:srgbClr val="FF0000"/>
+                </a:solidFill>
+              </a:rPr>
+              <a:t>Foreground lifetime:  </a:t>
+            </a:r>
+            <a:r>
+              <a:rPr lang="en-GB" b="1" dirty="0"/>
+              <a:t>from </a:t>
+            </a:r>
+            <a:r>
+              <a:rPr lang="en-GB" b="1" dirty="0" err="1"/>
+              <a:t>onResume</a:t>
+            </a:r>
+            <a:r>
+              <a:rPr lang="en-GB" b="1" dirty="0"/>
+              <a:t>() until </a:t>
+            </a:r>
+            <a:r>
+              <a:rPr lang="en-GB" b="1" dirty="0" err="1"/>
+              <a:t>onPause</a:t>
+            </a:r>
+            <a:r>
+              <a:rPr lang="en-GB" b="1" dirty="0"/>
+              <a:t>()</a:t>
+            </a:r>
+            <a:r>
+              <a:rPr lang="en-GB" dirty="0"/>
+              <a:t>, user is interreacting with activity</a:t>
+            </a:r>
+          </a:p>
+        </p:txBody>
+      </p:sp>
+      <p:pic>
+        <p:nvPicPr>
+          <p:cNvPr id="10" name="Content Placeholder 9">
+            <a:extLst>
+              <a:ext uri="{FF2B5EF4-FFF2-40B4-BE49-F238E27FC236}">
+                <a16:creationId xmlns:a16="http://schemas.microsoft.com/office/drawing/2014/main" id="{EA8DE925-0DAA-4F67-A34B-D490A26D4590}"/>
+              </a:ext>
+            </a:extLst>
+          </p:cNvPr>
+          <p:cNvPicPr>
+            <a:picLocks noGrp="1" noChangeAspect="1"/>
+          </p:cNvPicPr>
+          <p:nvPr>
+            <p:ph sz="half" idx="2"/>
+          </p:nvPr>
+        </p:nvPicPr>
+        <p:blipFill>
+          <a:blip r:embed="rId2"/>
+          <a:stretch>
+            <a:fillRect/>
+          </a:stretch>
+        </p:blipFill>
+        <p:spPr>
+          <a:xfrm>
+            <a:off x="6197600" y="2095302"/>
+            <a:ext cx="5384800" cy="3535759"/>
+          </a:xfrm>
+        </p:spPr>
+      </p:pic>
+      <p:sp>
+        <p:nvSpPr>
+          <p:cNvPr id="5" name="Slide Number Placeholder 4">
+            <a:extLst>
+              <a:ext uri="{FF2B5EF4-FFF2-40B4-BE49-F238E27FC236}">
+                <a16:creationId xmlns:a16="http://schemas.microsoft.com/office/drawing/2014/main" id="{50751052-784A-4A5B-B78E-D475DF9D9121}"/>
+              </a:ext>
+            </a:extLst>
+          </p:cNvPr>
+          <p:cNvSpPr>
+            <a:spLocks noGrp="1"/>
+          </p:cNvSpPr>
+          <p:nvPr>
+            <p:ph type="sldNum" sz="quarter" idx="12"/>
+          </p:nvPr>
+        </p:nvSpPr>
+        <p:spPr/>
+        <p:txBody>
+          <a:bodyPr/>
+          <a:lstStyle/>
+          <a:p>
+            <a:fld id="{D2040F39-7941-49A4-B48D-F201B18B6351}" type="slidenum">
+              <a:rPr lang="it-IT" smtClean="0"/>
+              <a:pPr/>
+              <a:t>11</a:t>
+            </a:fld>
+            <a:endParaRPr lang="it-IT" dirty="0"/>
+          </a:p>
+        </p:txBody>
+      </p:sp>
+    </p:spTree>
+    <p:extLst>
+      <p:ext uri="{BB962C8B-B14F-4D97-AF65-F5344CB8AC3E}">
+        <p14:creationId xmlns:p14="http://schemas.microsoft.com/office/powerpoint/2010/main" val="583470196"/>
+      </p:ext>
+    </p:extLst>
+  </p:cSld>
+  <p:clrMapOvr>
+    <a:masterClrMapping/>
+  </p:clrMapOvr>
+</p:sld>
+</file>
+
+<file path=ppt/slides/slide12.xml><?xml version="1.0" encoding="utf-8"?>
+<p:sld xmlns:a="http://schemas.openxmlformats.org/drawingml/2006/main" xmlns:r="http://schemas.openxmlformats.org/officeDocument/2006/relationships" xmlns:p="http://schemas.openxmlformats.org/presentationml/2006/main">
+  <p:cSld>
+    <p:spTree>
+      <p:nvGrpSpPr>
+        <p:cNvPr id="1" name=""/>
+        <p:cNvGrpSpPr/>
+        <p:nvPr/>
+      </p:nvGrpSpPr>
+      <p:grpSpPr>
+        <a:xfrm>
+          <a:off x="0" y="0"/>
+          <a:ext cx="0" cy="0"/>
+          <a:chOff x="0" y="0"/>
+          <a:chExt cx="0" cy="0"/>
+        </a:xfrm>
+      </p:grpSpPr>
+      <p:sp>
+        <p:nvSpPr>
+          <p:cNvPr id="2" name="Title 1">
+            <a:extLst>
+              <a:ext uri="{FF2B5EF4-FFF2-40B4-BE49-F238E27FC236}">
+                <a16:creationId xmlns:a16="http://schemas.microsoft.com/office/drawing/2014/main" id="{8DE4BB22-F9C7-4F98-BA10-A7205C469673}"/>
+              </a:ext>
+            </a:extLst>
+          </p:cNvPr>
+          <p:cNvSpPr>
+            <a:spLocks noGrp="1"/>
+          </p:cNvSpPr>
+          <p:nvPr>
+            <p:ph type="title"/>
+          </p:nvPr>
+        </p:nvSpPr>
+        <p:spPr/>
+        <p:txBody>
+          <a:bodyPr/>
+          <a:lstStyle/>
+          <a:p>
+            <a:r>
+              <a:rPr lang="en-GB" dirty="0"/>
+              <a:t>Activity class</a:t>
+            </a:r>
+          </a:p>
+        </p:txBody>
+      </p:sp>
+      <p:sp>
+        <p:nvSpPr>
+          <p:cNvPr id="3" name="Content Placeholder 2">
+            <a:extLst>
+              <a:ext uri="{FF2B5EF4-FFF2-40B4-BE49-F238E27FC236}">
+                <a16:creationId xmlns:a16="http://schemas.microsoft.com/office/drawing/2014/main" id="{D2919A8F-3E0A-43E7-B12A-E47272032466}"/>
+              </a:ext>
+            </a:extLst>
+          </p:cNvPr>
+          <p:cNvSpPr>
+            <a:spLocks noGrp="1"/>
+          </p:cNvSpPr>
+          <p:nvPr>
+            <p:ph idx="1"/>
+          </p:nvPr>
+        </p:nvSpPr>
+        <p:spPr/>
+        <p:txBody>
+          <a:bodyPr>
+            <a:normAutofit fontScale="85000" lnSpcReduction="20000"/>
+          </a:bodyPr>
+          <a:lstStyle/>
+          <a:p>
+            <a:r>
+              <a:rPr lang="en-GB" dirty="0"/>
+              <a:t>Activity class takes care of creating a window for you in which you can place your UI </a:t>
+            </a:r>
+          </a:p>
+          <a:p>
+            <a:r>
+              <a:rPr lang="en-GB" dirty="0"/>
+              <a:t>Is located in </a:t>
+            </a:r>
+            <a:r>
+              <a:rPr lang="en-GB" dirty="0" err="1">
+                <a:latin typeface="Consolas" panose="020B0609020204030204" pitchFamily="49" charset="0"/>
+              </a:rPr>
+              <a:t>android.app</a:t>
+            </a:r>
+            <a:endParaRPr lang="en-GB" dirty="0"/>
+          </a:p>
+          <a:p>
+            <a:r>
+              <a:rPr lang="en-GB" dirty="0"/>
+              <a:t>Extends </a:t>
+            </a:r>
+            <a:r>
+              <a:rPr lang="en-GB" dirty="0" err="1">
+                <a:latin typeface="Consolas" panose="020B0609020204030204" pitchFamily="49" charset="0"/>
+              </a:rPr>
+              <a:t>ApplicationContext</a:t>
+            </a:r>
+            <a:r>
+              <a:rPr lang="en-GB" dirty="0"/>
+              <a:t> which is an implementation of </a:t>
+            </a:r>
+            <a:r>
+              <a:rPr lang="en-GB" dirty="0">
+                <a:solidFill>
+                  <a:srgbClr val="FF0000"/>
+                </a:solidFill>
+                <a:latin typeface="Consolas" panose="020B0609020204030204" pitchFamily="49" charset="0"/>
+              </a:rPr>
+              <a:t>Context,</a:t>
+            </a:r>
+            <a:r>
+              <a:rPr lang="en-GB" dirty="0">
+                <a:latin typeface="Consolas" panose="020B0609020204030204" pitchFamily="49" charset="0"/>
+              </a:rPr>
+              <a:t> </a:t>
+            </a:r>
+            <a:r>
+              <a:rPr lang="en-GB" dirty="0"/>
+              <a:t>represent an interface to global information about an application environment. This is an abstract class whose implementation is provided by the Android system. It allows access to application-specific resources and classes, as well as up-calls for application-level operations such as launching activities, broadcasting and receiving intents, etc.</a:t>
+            </a:r>
+          </a:p>
+          <a:p>
+            <a:pPr lvl="1"/>
+            <a:r>
+              <a:rPr lang="en-GB" dirty="0">
+                <a:latin typeface="Consolas" panose="020B0609020204030204" pitchFamily="49" charset="0"/>
+              </a:rPr>
+              <a:t>public abstract Context </a:t>
+            </a:r>
+            <a:r>
+              <a:rPr lang="en-GB" dirty="0" err="1">
+                <a:latin typeface="Consolas" panose="020B0609020204030204" pitchFamily="49" charset="0"/>
+              </a:rPr>
+              <a:t>getApplicationContext</a:t>
+            </a:r>
+            <a:r>
+              <a:rPr lang="en-GB" dirty="0">
+                <a:latin typeface="Consolas" panose="020B0609020204030204" pitchFamily="49" charset="0"/>
+              </a:rPr>
+              <a:t>() </a:t>
+            </a:r>
+            <a:r>
+              <a:rPr lang="en-GB" dirty="0"/>
+              <a:t>is an abstract method which return a context</a:t>
+            </a:r>
+            <a:endParaRPr lang="en-GB" dirty="0">
+              <a:latin typeface="Consolas" panose="020B0609020204030204" pitchFamily="49" charset="0"/>
+            </a:endParaRPr>
+          </a:p>
+          <a:p>
+            <a:r>
+              <a:rPr lang="en-GB" dirty="0">
+                <a:hlinkClick r:id="rId2"/>
+              </a:rPr>
+              <a:t>https://developer.android.com/reference/android/app/Activity</a:t>
+            </a:r>
+            <a:endParaRPr lang="en-GB" dirty="0"/>
+          </a:p>
+          <a:p>
+            <a:pPr marL="0" indent="0">
+              <a:buNone/>
+            </a:pPr>
+            <a:endParaRPr lang="en-GB" dirty="0"/>
+          </a:p>
+          <a:p>
+            <a:endParaRPr lang="en-GB" dirty="0"/>
+          </a:p>
+        </p:txBody>
+      </p:sp>
+      <p:sp>
+        <p:nvSpPr>
+          <p:cNvPr id="5" name="Slide Number Placeholder 4">
+            <a:extLst>
+              <a:ext uri="{FF2B5EF4-FFF2-40B4-BE49-F238E27FC236}">
+                <a16:creationId xmlns:a16="http://schemas.microsoft.com/office/drawing/2014/main" id="{EC991EAB-35BB-4FBA-AFFC-6F98CD932B5D}"/>
+              </a:ext>
+            </a:extLst>
+          </p:cNvPr>
+          <p:cNvSpPr>
+            <a:spLocks noGrp="1"/>
+          </p:cNvSpPr>
+          <p:nvPr>
+            <p:ph type="sldNum" sz="quarter" idx="12"/>
+          </p:nvPr>
+        </p:nvSpPr>
+        <p:spPr/>
+        <p:txBody>
+          <a:bodyPr/>
+          <a:lstStyle/>
+          <a:p>
+            <a:fld id="{D2040F39-7941-49A4-B48D-F201B18B6351}" type="slidenum">
+              <a:rPr lang="it-IT" smtClean="0"/>
+              <a:pPr/>
+              <a:t>12</a:t>
+            </a:fld>
+            <a:endParaRPr lang="it-IT" dirty="0"/>
+          </a:p>
+        </p:txBody>
+      </p:sp>
+    </p:spTree>
+    <p:extLst>
+      <p:ext uri="{BB962C8B-B14F-4D97-AF65-F5344CB8AC3E}">
+        <p14:creationId xmlns:p14="http://schemas.microsoft.com/office/powerpoint/2010/main" val="1936994934"/>
+      </p:ext>
+    </p:extLst>
+  </p:cSld>
+  <p:clrMapOvr>
+    <a:masterClrMapping/>
+  </p:clrMapOvr>
+</p:sld>
+</file>
+
+<file path=ppt/slides/slide13.xml><?xml version="1.0" encoding="utf-8"?>
+<p:sld xmlns:a="http://schemas.openxmlformats.org/drawingml/2006/main" xmlns:r="http://schemas.openxmlformats.org/officeDocument/2006/relationships" xmlns:p="http://schemas.openxmlformats.org/presentationml/2006/main">
+  <p:cSld>
+    <p:spTree>
+      <p:nvGrpSpPr>
+        <p:cNvPr id="1" name=""/>
+        <p:cNvGrpSpPr/>
+        <p:nvPr/>
+      </p:nvGrpSpPr>
+      <p:grpSpPr>
+        <a:xfrm>
+          <a:off x="0" y="0"/>
+          <a:ext cx="0" cy="0"/>
+          <a:chOff x="0" y="0"/>
+          <a:chExt cx="0" cy="0"/>
+        </a:xfrm>
+      </p:grpSpPr>
+      <p:sp>
+        <p:nvSpPr>
+          <p:cNvPr id="2" name="Title 1">
+            <a:extLst>
+              <a:ext uri="{FF2B5EF4-FFF2-40B4-BE49-F238E27FC236}">
                 <a16:creationId xmlns:a16="http://schemas.microsoft.com/office/drawing/2014/main" id="{87B49E24-DB36-4586-9F6B-EA2D5BFA7371}"/>
               </a:ext>
             </a:extLst>
@@ -8075,7 +8788,7 @@
             <a:fld id="{D2040F39-7941-49A4-B48D-F201B18B6351}" type="slidenum">
               <a:rPr lang="it-IT" smtClean="0"/>
               <a:pPr/>
-              <a:t>10</a:t>
+              <a:t>13</a:t>
             </a:fld>
             <a:endParaRPr lang="it-IT" dirty="0"/>
           </a:p>
@@ -8094,7 +8807,7 @@
 </p:sld>
 </file>
 
-<file path=ppt/slides/slide11.xml><?xml version="1.0" encoding="utf-8"?>
+<file path=ppt/slides/slide14.xml><?xml version="1.0" encoding="utf-8"?>
 <p:sld xmlns:a="http://schemas.openxmlformats.org/drawingml/2006/main" xmlns:r="http://schemas.openxmlformats.org/officeDocument/2006/relationships" xmlns:p="http://schemas.openxmlformats.org/presentationml/2006/main">
   <p:cSld>
     <p:spTree>
@@ -8341,7 +9054,7 @@
             <a:fld id="{D2040F39-7941-49A4-B48D-F201B18B6351}" type="slidenum">
               <a:rPr lang="it-IT" smtClean="0"/>
               <a:pPr/>
-              <a:t>11</a:t>
+              <a:t>14</a:t>
             </a:fld>
             <a:endParaRPr lang="it-IT" dirty="0"/>
           </a:p>
@@ -8360,7 +9073,7 @@
 </p:sld>
 </file>
 
-<file path=ppt/slides/slide12.xml><?xml version="1.0" encoding="utf-8"?>
+<file path=ppt/slides/slide15.xml><?xml version="1.0" encoding="utf-8"?>
 <p:sld xmlns:a="http://schemas.openxmlformats.org/drawingml/2006/main" xmlns:r="http://schemas.openxmlformats.org/officeDocument/2006/relationships" xmlns:p="http://schemas.openxmlformats.org/presentationml/2006/main">
   <p:cSld>
     <p:spTree>
@@ -8630,7 +9343,7 @@
             <a:fld id="{D2040F39-7941-49A4-B48D-F201B18B6351}" type="slidenum">
               <a:rPr lang="it-IT" smtClean="0"/>
               <a:pPr/>
-              <a:t>12</a:t>
+              <a:t>15</a:t>
             </a:fld>
             <a:endParaRPr lang="it-IT" dirty="0"/>
           </a:p>
@@ -8649,7 +9362,7 @@
 </p:sld>
 </file>
 
-<file path=ppt/slides/slide13.xml><?xml version="1.0" encoding="utf-8"?>
+<file path=ppt/slides/slide16.xml><?xml version="1.0" encoding="utf-8"?>
 <p:sld xmlns:a="http://schemas.openxmlformats.org/drawingml/2006/main" xmlns:r="http://schemas.openxmlformats.org/officeDocument/2006/relationships" xmlns:p="http://schemas.openxmlformats.org/presentationml/2006/main">
   <p:cSld>
     <p:spTree>
@@ -8786,7 +9499,7 @@
             <a:fld id="{D2040F39-7941-49A4-B48D-F201B18B6351}" type="slidenum">
               <a:rPr lang="it-IT" smtClean="0"/>
               <a:pPr/>
-              <a:t>13</a:t>
+              <a:t>16</a:t>
             </a:fld>
             <a:endParaRPr lang="it-IT" dirty="0"/>
           </a:p>
@@ -8805,7 +9518,7 @@
 </p:sld>
 </file>
 
-<file path=ppt/slides/slide14.xml><?xml version="1.0" encoding="utf-8"?>
+<file path=ppt/slides/slide17.xml><?xml version="1.0" encoding="utf-8"?>
 <p:sld xmlns:a="http://schemas.openxmlformats.org/drawingml/2006/main" xmlns:r="http://schemas.openxmlformats.org/officeDocument/2006/relationships" xmlns:p="http://schemas.openxmlformats.org/presentationml/2006/main">
   <p:cSld>
     <p:spTree>
@@ -8983,7 +9696,7 @@
             <a:fld id="{D2040F39-7941-49A4-B48D-F201B18B6351}" type="slidenum">
               <a:rPr lang="it-IT" smtClean="0"/>
               <a:pPr/>
-              <a:t>14</a:t>
+              <a:t>17</a:t>
             </a:fld>
             <a:endParaRPr lang="it-IT" dirty="0"/>
           </a:p>
@@ -9175,7 +9888,7 @@
 </p:sld>
 </file>
 
-<file path=ppt/slides/slide15.xml><?xml version="1.0" encoding="utf-8"?>
+<file path=ppt/slides/slide18.xml><?xml version="1.0" encoding="utf-8"?>
 <p:sld xmlns:a="http://schemas.openxmlformats.org/drawingml/2006/main" xmlns:r="http://schemas.openxmlformats.org/officeDocument/2006/relationships" xmlns:p="http://schemas.openxmlformats.org/presentationml/2006/main">
   <p:cSld>
     <p:spTree>
@@ -9338,7 +10051,7 @@
             <a:fld id="{D2040F39-7941-49A4-B48D-F201B18B6351}" type="slidenum">
               <a:rPr lang="it-IT" smtClean="0"/>
               <a:pPr/>
-              <a:t>15</a:t>
+              <a:t>18</a:t>
             </a:fld>
             <a:endParaRPr lang="it-IT" dirty="0"/>
           </a:p>
@@ -9406,7 +10119,7 @@
 </p:sld>
 </file>
 
-<file path=ppt/slides/slide16.xml><?xml version="1.0" encoding="utf-8"?>
+<file path=ppt/slides/slide19.xml><?xml version="1.0" encoding="utf-8"?>
 <p:sld xmlns:a="http://schemas.openxmlformats.org/drawingml/2006/main" xmlns:r="http://schemas.openxmlformats.org/officeDocument/2006/relationships" xmlns:p="http://schemas.openxmlformats.org/presentationml/2006/main">
   <p:cSld>
     <p:spTree>
@@ -9619,7 +10332,7 @@
             <a:fld id="{D2040F39-7941-49A4-B48D-F201B18B6351}" type="slidenum">
               <a:rPr lang="it-IT" smtClean="0"/>
               <a:pPr/>
-              <a:t>16</a:t>
+              <a:t>19</a:t>
             </a:fld>
             <a:endParaRPr lang="it-IT" dirty="0"/>
           </a:p>
@@ -9678,734 +10391,6 @@
     <p:extLst>
       <p:ext uri="{BB962C8B-B14F-4D97-AF65-F5344CB8AC3E}">
         <p14:creationId xmlns:p14="http://schemas.microsoft.com/office/powerpoint/2010/main" val="806069830"/>
-      </p:ext>
-    </p:extLst>
-  </p:cSld>
-  <p:clrMapOvr>
-    <a:masterClrMapping/>
-  </p:clrMapOvr>
-</p:sld>
-</file>
-
-<file path=ppt/slides/slide17.xml><?xml version="1.0" encoding="utf-8"?>
-<p:sld xmlns:a="http://schemas.openxmlformats.org/drawingml/2006/main" xmlns:r="http://schemas.openxmlformats.org/officeDocument/2006/relationships" xmlns:p="http://schemas.openxmlformats.org/presentationml/2006/main">
-  <p:cSld>
-    <p:spTree>
-      <p:nvGrpSpPr>
-        <p:cNvPr id="1" name=""/>
-        <p:cNvGrpSpPr/>
-        <p:nvPr/>
-      </p:nvGrpSpPr>
-      <p:grpSpPr>
-        <a:xfrm>
-          <a:off x="0" y="0"/>
-          <a:ext cx="0" cy="0"/>
-          <a:chOff x="0" y="0"/>
-          <a:chExt cx="0" cy="0"/>
-        </a:xfrm>
-      </p:grpSpPr>
-      <p:sp>
-        <p:nvSpPr>
-          <p:cNvPr id="2" name="Title 1">
-            <a:extLst>
-              <a:ext uri="{FF2B5EF4-FFF2-40B4-BE49-F238E27FC236}">
-                <a16:creationId xmlns:a16="http://schemas.microsoft.com/office/drawing/2014/main" id="{F9AB6669-988A-4E89-8A8B-D40819E236D5}"/>
-              </a:ext>
-            </a:extLst>
-          </p:cNvPr>
-          <p:cNvSpPr>
-            <a:spLocks noGrp="1"/>
-          </p:cNvSpPr>
-          <p:nvPr>
-            <p:ph type="title"/>
-          </p:nvPr>
-        </p:nvSpPr>
-        <p:spPr/>
-        <p:txBody>
-          <a:bodyPr/>
-          <a:lstStyle/>
-          <a:p>
-            <a:r>
-              <a:rPr lang="en-GB" dirty="0" err="1"/>
-              <a:t>onResume</a:t>
-            </a:r>
-            <a:r>
-              <a:rPr lang="en-GB" dirty="0"/>
-              <a:t>()</a:t>
-            </a:r>
-          </a:p>
-        </p:txBody>
-      </p:sp>
-      <p:sp>
-        <p:nvSpPr>
-          <p:cNvPr id="3" name="Content Placeholder 2">
-            <a:extLst>
-              <a:ext uri="{FF2B5EF4-FFF2-40B4-BE49-F238E27FC236}">
-                <a16:creationId xmlns:a16="http://schemas.microsoft.com/office/drawing/2014/main" id="{64E9061A-03AD-463D-AD10-CAD7EF436FF6}"/>
-              </a:ext>
-            </a:extLst>
-          </p:cNvPr>
-          <p:cNvSpPr>
-            <a:spLocks noGrp="1"/>
-          </p:cNvSpPr>
-          <p:nvPr>
-            <p:ph sz="half" idx="1"/>
-          </p:nvPr>
-        </p:nvSpPr>
-        <p:spPr>
-          <a:xfrm>
-            <a:off x="609600" y="1600201"/>
-            <a:ext cx="5384800" cy="4762500"/>
-          </a:xfrm>
-        </p:spPr>
-        <p:txBody>
-          <a:bodyPr>
-            <a:normAutofit fontScale="77500" lnSpcReduction="20000"/>
-          </a:bodyPr>
-          <a:lstStyle/>
-          <a:p>
-            <a:r>
-              <a:rPr lang="en-GB" dirty="0"/>
-              <a:t>When the activity enters the </a:t>
-            </a:r>
-            <a:r>
-              <a:rPr lang="en-GB" i="1" dirty="0"/>
-              <a:t>Resumed state</a:t>
-            </a:r>
-            <a:r>
-              <a:rPr lang="en-GB" dirty="0"/>
-              <a:t>, it comes to the foreground, and then the system invokes </a:t>
-            </a:r>
-            <a:r>
-              <a:rPr lang="en-GB" dirty="0" err="1"/>
-              <a:t>onResume</a:t>
-            </a:r>
-            <a:r>
-              <a:rPr lang="en-GB" dirty="0"/>
-              <a:t>(). This is the state in which the app interacts with the user.</a:t>
-            </a:r>
-          </a:p>
-          <a:p>
-            <a:r>
-              <a:rPr lang="en-GB" dirty="0"/>
-              <a:t>The app stays in this state until something happens to take focus away from the app, in which case activity enters the </a:t>
-            </a:r>
-            <a:r>
-              <a:rPr lang="en-GB" i="1" dirty="0"/>
-              <a:t>Paused state, </a:t>
-            </a:r>
-            <a:r>
-              <a:rPr lang="en-GB" dirty="0"/>
-              <a:t>and system invokes </a:t>
-            </a:r>
-            <a:r>
-              <a:rPr lang="en-GB" dirty="0" err="1"/>
-              <a:t>onPause</a:t>
-            </a:r>
-            <a:r>
-              <a:rPr lang="en-GB" dirty="0"/>
-              <a:t>()</a:t>
-            </a:r>
-          </a:p>
-          <a:p>
-            <a:r>
-              <a:rPr lang="en-GB" dirty="0"/>
-              <a:t>If the activity returns to the Resumed state from the Paused state, the system once again calls </a:t>
-            </a:r>
-            <a:r>
-              <a:rPr lang="en-GB" dirty="0" err="1"/>
-              <a:t>onResume</a:t>
-            </a:r>
-            <a:r>
-              <a:rPr lang="en-GB" dirty="0"/>
-              <a:t>()</a:t>
-            </a:r>
-          </a:p>
-          <a:p>
-            <a:pPr marL="0" indent="0">
-              <a:buNone/>
-            </a:pPr>
-            <a:r>
-              <a:rPr lang="en-GB" dirty="0"/>
-              <a:t>=====================================</a:t>
-            </a:r>
-          </a:p>
-          <a:p>
-            <a:pPr marL="0" indent="0">
-              <a:buNone/>
-            </a:pPr>
-            <a:r>
-              <a:rPr lang="en-GB" b="1" dirty="0"/>
-              <a:t>BEST PRACTISE: </a:t>
-            </a:r>
-            <a:r>
-              <a:rPr lang="en-GB" dirty="0"/>
-              <a:t>In this method you should updates any UI components which will be displayed to the user</a:t>
-            </a:r>
-          </a:p>
-        </p:txBody>
-      </p:sp>
-      <p:sp>
-        <p:nvSpPr>
-          <p:cNvPr id="4" name="Slide Number Placeholder 3">
-            <a:extLst>
-              <a:ext uri="{FF2B5EF4-FFF2-40B4-BE49-F238E27FC236}">
-                <a16:creationId xmlns:a16="http://schemas.microsoft.com/office/drawing/2014/main" id="{C7060780-B4E3-4297-9DC0-0144E3C66524}"/>
-              </a:ext>
-            </a:extLst>
-          </p:cNvPr>
-          <p:cNvSpPr>
-            <a:spLocks noGrp="1"/>
-          </p:cNvSpPr>
-          <p:nvPr>
-            <p:ph type="sldNum" sz="quarter" idx="12"/>
-          </p:nvPr>
-        </p:nvSpPr>
-        <p:spPr/>
-        <p:txBody>
-          <a:bodyPr/>
-          <a:lstStyle/>
-          <a:p>
-            <a:fld id="{D2040F39-7941-49A4-B48D-F201B18B6351}" type="slidenum">
-              <a:rPr lang="it-IT" smtClean="0"/>
-              <a:pPr/>
-              <a:t>17</a:t>
-            </a:fld>
-            <a:endParaRPr lang="it-IT" dirty="0"/>
-          </a:p>
-        </p:txBody>
-      </p:sp>
-      <p:pic>
-        <p:nvPicPr>
-          <p:cNvPr id="6" name="Picture 2" descr="State diagram for an Android Activity Lifecycle.">
-            <a:extLst>
-              <a:ext uri="{FF2B5EF4-FFF2-40B4-BE49-F238E27FC236}">
-                <a16:creationId xmlns:a16="http://schemas.microsoft.com/office/drawing/2014/main" id="{C90BE76E-5A0C-42A3-A868-66F5F2827D52}"/>
-              </a:ext>
-            </a:extLst>
-          </p:cNvPr>
-          <p:cNvPicPr>
-            <a:picLocks noGrp="1" noChangeAspect="1" noChangeArrowheads="1"/>
-          </p:cNvPicPr>
-          <p:nvPr>
-            <p:ph sz="half" idx="2"/>
-          </p:nvPr>
-        </p:nvPicPr>
-        <p:blipFill>
-          <a:blip r:embed="rId2">
-            <a:extLst>
-              <a:ext uri="{28A0092B-C50C-407E-A947-70E740481C1C}">
-                <a14:useLocalDpi xmlns:a14="http://schemas.microsoft.com/office/drawing/2010/main" val="0"/>
-              </a:ext>
-            </a:extLst>
-          </a:blip>
-          <a:srcRect/>
-          <a:stretch>
-            <a:fillRect/>
-          </a:stretch>
-        </p:blipFill>
-        <p:spPr bwMode="auto">
-          <a:xfrm>
-            <a:off x="7139005" y="1600200"/>
-            <a:ext cx="3501989" cy="4525963"/>
-          </a:xfrm>
-          <a:prstGeom prst="rect">
-            <a:avLst/>
-          </a:prstGeom>
-          <a:noFill/>
-          <a:extLst>
-            <a:ext uri="{909E8E84-426E-40DD-AFC4-6F175D3DCCD1}">
-              <a14:hiddenFill xmlns:a14="http://schemas.microsoft.com/office/drawing/2010/main">
-                <a:solidFill>
-                  <a:srgbClr val="FFFFFF"/>
-                </a:solidFill>
-              </a14:hiddenFill>
-            </a:ext>
-          </a:extLst>
-        </p:spPr>
-      </p:pic>
-    </p:spTree>
-    <p:extLst>
-      <p:ext uri="{BB962C8B-B14F-4D97-AF65-F5344CB8AC3E}">
-        <p14:creationId xmlns:p14="http://schemas.microsoft.com/office/powerpoint/2010/main" val="3413645180"/>
-      </p:ext>
-    </p:extLst>
-  </p:cSld>
-  <p:clrMapOvr>
-    <a:masterClrMapping/>
-  </p:clrMapOvr>
-</p:sld>
-</file>
-
-<file path=ppt/slides/slide18.xml><?xml version="1.0" encoding="utf-8"?>
-<p:sld xmlns:a="http://schemas.openxmlformats.org/drawingml/2006/main" xmlns:r="http://schemas.openxmlformats.org/officeDocument/2006/relationships" xmlns:p="http://schemas.openxmlformats.org/presentationml/2006/main">
-  <p:cSld>
-    <p:spTree>
-      <p:nvGrpSpPr>
-        <p:cNvPr id="1" name=""/>
-        <p:cNvGrpSpPr/>
-        <p:nvPr/>
-      </p:nvGrpSpPr>
-      <p:grpSpPr>
-        <a:xfrm>
-          <a:off x="0" y="0"/>
-          <a:ext cx="0" cy="0"/>
-          <a:chOff x="0" y="0"/>
-          <a:chExt cx="0" cy="0"/>
-        </a:xfrm>
-      </p:grpSpPr>
-      <p:sp>
-        <p:nvSpPr>
-          <p:cNvPr id="2" name="Title 1">
-            <a:extLst>
-              <a:ext uri="{FF2B5EF4-FFF2-40B4-BE49-F238E27FC236}">
-                <a16:creationId xmlns:a16="http://schemas.microsoft.com/office/drawing/2014/main" id="{8A0B7915-68D8-4CAC-8C5D-D2CE0D68C620}"/>
-              </a:ext>
-            </a:extLst>
-          </p:cNvPr>
-          <p:cNvSpPr>
-            <a:spLocks noGrp="1"/>
-          </p:cNvSpPr>
-          <p:nvPr>
-            <p:ph type="title"/>
-          </p:nvPr>
-        </p:nvSpPr>
-        <p:spPr/>
-        <p:txBody>
-          <a:bodyPr/>
-          <a:lstStyle/>
-          <a:p>
-            <a:r>
-              <a:rPr lang="en-GB" dirty="0" err="1"/>
-              <a:t>onPause</a:t>
-            </a:r>
-            <a:r>
-              <a:rPr lang="en-GB" dirty="0"/>
-              <a:t>()</a:t>
-            </a:r>
-          </a:p>
-        </p:txBody>
-      </p:sp>
-      <p:sp>
-        <p:nvSpPr>
-          <p:cNvPr id="3" name="Content Placeholder 2">
-            <a:extLst>
-              <a:ext uri="{FF2B5EF4-FFF2-40B4-BE49-F238E27FC236}">
-                <a16:creationId xmlns:a16="http://schemas.microsoft.com/office/drawing/2014/main" id="{D85637B8-77C7-4904-B3D8-8978A15D74D0}"/>
-              </a:ext>
-            </a:extLst>
-          </p:cNvPr>
-          <p:cNvSpPr>
-            <a:spLocks noGrp="1"/>
-          </p:cNvSpPr>
-          <p:nvPr>
-            <p:ph sz="half" idx="1"/>
-          </p:nvPr>
-        </p:nvSpPr>
-        <p:spPr>
-          <a:xfrm>
-            <a:off x="609600" y="1600201"/>
-            <a:ext cx="5384800" cy="4762500"/>
-          </a:xfrm>
-        </p:spPr>
-        <p:txBody>
-          <a:bodyPr>
-            <a:normAutofit fontScale="92500"/>
-          </a:bodyPr>
-          <a:lstStyle/>
-          <a:p>
-            <a:r>
-              <a:rPr lang="en-GB" sz="2400" dirty="0"/>
-              <a:t>Called as part of the activity lifecycle when the user no longer actively interacts with the activity, but it is still visible on screen.</a:t>
-            </a:r>
-          </a:p>
-          <a:p>
-            <a:r>
-              <a:rPr lang="en-GB" sz="2400" dirty="0"/>
-              <a:t>At the end of execution, Activity remains in paused state until activity resumes or become completely invisible. </a:t>
-            </a:r>
-          </a:p>
-          <a:p>
-            <a:pPr marL="0" indent="0">
-              <a:buNone/>
-            </a:pPr>
-            <a:r>
-              <a:rPr lang="en-GB" sz="2400" dirty="0"/>
-              <a:t>=====================================</a:t>
-            </a:r>
-          </a:p>
-          <a:p>
-            <a:pPr marL="0" indent="0">
-              <a:buNone/>
-            </a:pPr>
-            <a:r>
-              <a:rPr lang="en-GB" sz="2400" b="1" dirty="0"/>
-              <a:t>BEST PRACTISE: </a:t>
-            </a:r>
-            <a:r>
-              <a:rPr lang="en-GB" sz="2400" dirty="0"/>
-              <a:t>Use </a:t>
-            </a:r>
-            <a:r>
-              <a:rPr lang="en-GB" sz="2400" dirty="0" err="1"/>
-              <a:t>onPause</a:t>
-            </a:r>
-            <a:r>
-              <a:rPr lang="en-GB" sz="2400" dirty="0"/>
-              <a:t>() to pause operations and release system resources that should not continue while activity in in paused state, NOT use </a:t>
-            </a:r>
-            <a:r>
-              <a:rPr lang="en-GB" sz="2400" dirty="0" err="1"/>
-              <a:t>onPause</a:t>
-            </a:r>
-            <a:r>
-              <a:rPr lang="en-GB" sz="2400" dirty="0"/>
-              <a:t> to save user data or do  other "heavy" operation, such as database-transaction.</a:t>
-            </a:r>
-          </a:p>
-        </p:txBody>
-      </p:sp>
-      <p:sp>
-        <p:nvSpPr>
-          <p:cNvPr id="5" name="Slide Number Placeholder 4">
-            <a:extLst>
-              <a:ext uri="{FF2B5EF4-FFF2-40B4-BE49-F238E27FC236}">
-                <a16:creationId xmlns:a16="http://schemas.microsoft.com/office/drawing/2014/main" id="{91FDF09B-1A9B-4522-A197-7928AEE0D075}"/>
-              </a:ext>
-            </a:extLst>
-          </p:cNvPr>
-          <p:cNvSpPr>
-            <a:spLocks noGrp="1"/>
-          </p:cNvSpPr>
-          <p:nvPr>
-            <p:ph type="sldNum" sz="quarter" idx="12"/>
-          </p:nvPr>
-        </p:nvSpPr>
-        <p:spPr/>
-        <p:txBody>
-          <a:bodyPr/>
-          <a:lstStyle/>
-          <a:p>
-            <a:fld id="{D2040F39-7941-49A4-B48D-F201B18B6351}" type="slidenum">
-              <a:rPr lang="it-IT" smtClean="0"/>
-              <a:pPr/>
-              <a:t>18</a:t>
-            </a:fld>
-            <a:endParaRPr lang="it-IT" dirty="0"/>
-          </a:p>
-        </p:txBody>
-      </p:sp>
-      <p:pic>
-        <p:nvPicPr>
-          <p:cNvPr id="6" name="Picture 2" descr="State diagram for an Android Activity Lifecycle.">
-            <a:extLst>
-              <a:ext uri="{FF2B5EF4-FFF2-40B4-BE49-F238E27FC236}">
-                <a16:creationId xmlns:a16="http://schemas.microsoft.com/office/drawing/2014/main" id="{C2652EF3-9A51-4208-A473-043D14663C12}"/>
-              </a:ext>
-            </a:extLst>
-          </p:cNvPr>
-          <p:cNvPicPr>
-            <a:picLocks noGrp="1" noChangeAspect="1" noChangeArrowheads="1"/>
-          </p:cNvPicPr>
-          <p:nvPr>
-            <p:ph sz="half" idx="2"/>
-          </p:nvPr>
-        </p:nvPicPr>
-        <p:blipFill>
-          <a:blip r:embed="rId2">
-            <a:extLst>
-              <a:ext uri="{28A0092B-C50C-407E-A947-70E740481C1C}">
-                <a14:useLocalDpi xmlns:a14="http://schemas.microsoft.com/office/drawing/2010/main" val="0"/>
-              </a:ext>
-            </a:extLst>
-          </a:blip>
-          <a:srcRect/>
-          <a:stretch>
-            <a:fillRect/>
-          </a:stretch>
-        </p:blipFill>
-        <p:spPr bwMode="auto">
-          <a:xfrm>
-            <a:off x="7139005" y="1600200"/>
-            <a:ext cx="3501989" cy="4525963"/>
-          </a:xfrm>
-          <a:prstGeom prst="rect">
-            <a:avLst/>
-          </a:prstGeom>
-          <a:noFill/>
-          <a:extLst>
-            <a:ext uri="{909E8E84-426E-40DD-AFC4-6F175D3DCCD1}">
-              <a14:hiddenFill xmlns:a14="http://schemas.microsoft.com/office/drawing/2010/main">
-                <a:solidFill>
-                  <a:srgbClr val="FFFFFF"/>
-                </a:solidFill>
-              </a14:hiddenFill>
-            </a:ext>
-          </a:extLst>
-        </p:spPr>
-      </p:pic>
-    </p:spTree>
-    <p:extLst>
-      <p:ext uri="{BB962C8B-B14F-4D97-AF65-F5344CB8AC3E}">
-        <p14:creationId xmlns:p14="http://schemas.microsoft.com/office/powerpoint/2010/main" val="769111029"/>
-      </p:ext>
-    </p:extLst>
-  </p:cSld>
-  <p:clrMapOvr>
-    <a:masterClrMapping/>
-  </p:clrMapOvr>
-</p:sld>
-</file>
-
-<file path=ppt/slides/slide19.xml><?xml version="1.0" encoding="utf-8"?>
-<p:sld xmlns:a="http://schemas.openxmlformats.org/drawingml/2006/main" xmlns:r="http://schemas.openxmlformats.org/officeDocument/2006/relationships" xmlns:p="http://schemas.openxmlformats.org/presentationml/2006/main">
-  <p:cSld>
-    <p:spTree>
-      <p:nvGrpSpPr>
-        <p:cNvPr id="1" name=""/>
-        <p:cNvGrpSpPr/>
-        <p:nvPr/>
-      </p:nvGrpSpPr>
-      <p:grpSpPr>
-        <a:xfrm>
-          <a:off x="0" y="0"/>
-          <a:ext cx="0" cy="0"/>
-          <a:chOff x="0" y="0"/>
-          <a:chExt cx="0" cy="0"/>
-        </a:xfrm>
-      </p:grpSpPr>
-      <p:sp>
-        <p:nvSpPr>
-          <p:cNvPr id="2" name="Title 1">
-            <a:extLst>
-              <a:ext uri="{FF2B5EF4-FFF2-40B4-BE49-F238E27FC236}">
-                <a16:creationId xmlns:a16="http://schemas.microsoft.com/office/drawing/2014/main" id="{0715B7B6-E21D-457A-81C7-B65F2C5A3780}"/>
-              </a:ext>
-            </a:extLst>
-          </p:cNvPr>
-          <p:cNvSpPr>
-            <a:spLocks noGrp="1"/>
-          </p:cNvSpPr>
-          <p:nvPr>
-            <p:ph type="title"/>
-          </p:nvPr>
-        </p:nvSpPr>
-        <p:spPr/>
-        <p:txBody>
-          <a:bodyPr/>
-          <a:lstStyle/>
-          <a:p>
-            <a:r>
-              <a:rPr lang="en-GB" dirty="0" err="1"/>
-              <a:t>onStop</a:t>
-            </a:r>
-            <a:r>
-              <a:rPr lang="en-GB" dirty="0"/>
-              <a:t>()</a:t>
-            </a:r>
-          </a:p>
-        </p:txBody>
-      </p:sp>
-      <p:sp>
-        <p:nvSpPr>
-          <p:cNvPr id="3" name="Content Placeholder 2">
-            <a:extLst>
-              <a:ext uri="{FF2B5EF4-FFF2-40B4-BE49-F238E27FC236}">
-                <a16:creationId xmlns:a16="http://schemas.microsoft.com/office/drawing/2014/main" id="{61C2F7AF-0BDC-439C-BA14-275EA5FCE790}"/>
-              </a:ext>
-            </a:extLst>
-          </p:cNvPr>
-          <p:cNvSpPr>
-            <a:spLocks noGrp="1"/>
-          </p:cNvSpPr>
-          <p:nvPr>
-            <p:ph sz="half" idx="1"/>
-          </p:nvPr>
-        </p:nvSpPr>
-        <p:spPr>
-          <a:xfrm>
-            <a:off x="609600" y="1600201"/>
-            <a:ext cx="5384800" cy="4762500"/>
-          </a:xfrm>
-        </p:spPr>
-        <p:txBody>
-          <a:bodyPr>
-            <a:normAutofit fontScale="85000" lnSpcReduction="10000"/>
-          </a:bodyPr>
-          <a:lstStyle/>
-          <a:p>
-            <a:r>
-              <a:rPr lang="en-GB" sz="2400" dirty="0"/>
-              <a:t>Called when you are no longer visible to the user and enters in </a:t>
-            </a:r>
-            <a:r>
-              <a:rPr lang="en-GB" sz="2400" i="1" dirty="0"/>
-              <a:t>Stopped state</a:t>
-            </a:r>
-            <a:r>
-              <a:rPr lang="en-GB" sz="2400" dirty="0"/>
-              <a:t>. </a:t>
-            </a:r>
-          </a:p>
-          <a:p>
-            <a:r>
-              <a:rPr lang="en-GB" sz="2400" dirty="0"/>
-              <a:t>From the Stopped state, the activity either comes back to interact with the user, or the activity is finished running and goes away. If the activity comes back, the system invokes </a:t>
-            </a:r>
-            <a:r>
-              <a:rPr lang="en-GB" sz="2400" dirty="0" err="1"/>
-              <a:t>onRestart</a:t>
-            </a:r>
-            <a:r>
-              <a:rPr lang="en-GB" sz="2400" dirty="0"/>
-              <a:t>(), instead if activity is finished running, the system calls </a:t>
-            </a:r>
-            <a:r>
-              <a:rPr lang="en-GB" sz="2400" dirty="0" err="1"/>
-              <a:t>onDestroy</a:t>
-            </a:r>
-            <a:r>
-              <a:rPr lang="en-GB" sz="2400" dirty="0"/>
-              <a:t>()</a:t>
-            </a:r>
-          </a:p>
-          <a:p>
-            <a:pPr marL="0" indent="0">
-              <a:buNone/>
-            </a:pPr>
-            <a:r>
-              <a:rPr lang="en-GB" sz="2400" dirty="0"/>
-              <a:t>========================================</a:t>
-            </a:r>
-          </a:p>
-          <a:p>
-            <a:pPr marL="0" indent="0">
-              <a:buNone/>
-            </a:pPr>
-            <a:r>
-              <a:rPr lang="en-GB" sz="2400" b="1" dirty="0"/>
-              <a:t>BEST PRACTISE: </a:t>
-            </a:r>
-            <a:r>
-              <a:rPr lang="en-GB" sz="2400" dirty="0"/>
-              <a:t>this is a good place to </a:t>
-            </a:r>
-            <a:r>
-              <a:rPr lang="en-GB" sz="2400" i="0" dirty="0">
-                <a:solidFill>
-                  <a:srgbClr val="202124"/>
-                </a:solidFill>
-                <a:effectLst/>
-              </a:rPr>
-              <a:t>release resources that are not needed while the app is not visible to the user such us </a:t>
-            </a:r>
-            <a:r>
-              <a:rPr lang="en-GB" sz="2400" dirty="0"/>
-              <a:t>stop refreshing UI, running animations and other visual things.</a:t>
-            </a:r>
-          </a:p>
-          <a:p>
-            <a:pPr marL="0" indent="0">
-              <a:buNone/>
-            </a:pPr>
-            <a:r>
-              <a:rPr lang="en-GB" sz="2400" dirty="0"/>
-              <a:t>You can use </a:t>
-            </a:r>
-            <a:r>
-              <a:rPr lang="en-GB" sz="2400" dirty="0" err="1"/>
-              <a:t>onStop</a:t>
-            </a:r>
-            <a:r>
-              <a:rPr lang="en-GB" sz="2400" dirty="0"/>
-              <a:t>() to perform CPU-intensive operations, such us save information to a database</a:t>
-            </a:r>
-          </a:p>
-        </p:txBody>
-      </p:sp>
-      <p:sp>
-        <p:nvSpPr>
-          <p:cNvPr id="5" name="Slide Number Placeholder 4">
-            <a:extLst>
-              <a:ext uri="{FF2B5EF4-FFF2-40B4-BE49-F238E27FC236}">
-                <a16:creationId xmlns:a16="http://schemas.microsoft.com/office/drawing/2014/main" id="{2239C4EE-2819-42C1-A6E8-A719E434EE4D}"/>
-              </a:ext>
-            </a:extLst>
-          </p:cNvPr>
-          <p:cNvSpPr>
-            <a:spLocks noGrp="1"/>
-          </p:cNvSpPr>
-          <p:nvPr>
-            <p:ph type="sldNum" sz="quarter" idx="12"/>
-          </p:nvPr>
-        </p:nvSpPr>
-        <p:spPr/>
-        <p:txBody>
-          <a:bodyPr/>
-          <a:lstStyle/>
-          <a:p>
-            <a:fld id="{D2040F39-7941-49A4-B48D-F201B18B6351}" type="slidenum">
-              <a:rPr lang="it-IT" smtClean="0"/>
-              <a:pPr/>
-              <a:t>19</a:t>
-            </a:fld>
-            <a:endParaRPr lang="it-IT" dirty="0"/>
-          </a:p>
-        </p:txBody>
-      </p:sp>
-      <p:pic>
-        <p:nvPicPr>
-          <p:cNvPr id="6" name="Picture 2" descr="State diagram for an Android Activity Lifecycle.">
-            <a:extLst>
-              <a:ext uri="{FF2B5EF4-FFF2-40B4-BE49-F238E27FC236}">
-                <a16:creationId xmlns:a16="http://schemas.microsoft.com/office/drawing/2014/main" id="{A8F7B979-ED8F-46ED-BFE1-98A66F417FB7}"/>
-              </a:ext>
-            </a:extLst>
-          </p:cNvPr>
-          <p:cNvPicPr>
-            <a:picLocks noGrp="1" noChangeAspect="1" noChangeArrowheads="1"/>
-          </p:cNvPicPr>
-          <p:nvPr>
-            <p:ph sz="half" idx="2"/>
-          </p:nvPr>
-        </p:nvPicPr>
-        <p:blipFill>
-          <a:blip r:embed="rId2">
-            <a:extLst>
-              <a:ext uri="{28A0092B-C50C-407E-A947-70E740481C1C}">
-                <a14:useLocalDpi xmlns:a14="http://schemas.microsoft.com/office/drawing/2010/main" val="0"/>
-              </a:ext>
-            </a:extLst>
-          </a:blip>
-          <a:srcRect/>
-          <a:stretch>
-            <a:fillRect/>
-          </a:stretch>
-        </p:blipFill>
-        <p:spPr bwMode="auto">
-          <a:xfrm>
-            <a:off x="7139005" y="1600200"/>
-            <a:ext cx="3501989" cy="4525963"/>
-          </a:xfrm>
-          <a:prstGeom prst="rect">
-            <a:avLst/>
-          </a:prstGeom>
-          <a:noFill/>
-          <a:extLst>
-            <a:ext uri="{909E8E84-426E-40DD-AFC4-6F175D3DCCD1}">
-              <a14:hiddenFill xmlns:a14="http://schemas.microsoft.com/office/drawing/2010/main">
-                <a:solidFill>
-                  <a:srgbClr val="FFFFFF"/>
-                </a:solidFill>
-              </a14:hiddenFill>
-            </a:ext>
-          </a:extLst>
-        </p:spPr>
-      </p:pic>
-    </p:spTree>
-    <p:extLst>
-      <p:ext uri="{BB962C8B-B14F-4D97-AF65-F5344CB8AC3E}">
-        <p14:creationId xmlns:p14="http://schemas.microsoft.com/office/powerpoint/2010/main" val="574868505"/>
       </p:ext>
     </p:extLst>
   </p:cSld>
@@ -10594,6 +10579,734 @@
           <p:cNvPr id="2" name="Title 1">
             <a:extLst>
               <a:ext uri="{FF2B5EF4-FFF2-40B4-BE49-F238E27FC236}">
+                <a16:creationId xmlns:a16="http://schemas.microsoft.com/office/drawing/2014/main" id="{F9AB6669-988A-4E89-8A8B-D40819E236D5}"/>
+              </a:ext>
+            </a:extLst>
+          </p:cNvPr>
+          <p:cNvSpPr>
+            <a:spLocks noGrp="1"/>
+          </p:cNvSpPr>
+          <p:nvPr>
+            <p:ph type="title"/>
+          </p:nvPr>
+        </p:nvSpPr>
+        <p:spPr/>
+        <p:txBody>
+          <a:bodyPr/>
+          <a:lstStyle/>
+          <a:p>
+            <a:r>
+              <a:rPr lang="en-GB" dirty="0" err="1"/>
+              <a:t>onResume</a:t>
+            </a:r>
+            <a:r>
+              <a:rPr lang="en-GB" dirty="0"/>
+              <a:t>()</a:t>
+            </a:r>
+          </a:p>
+        </p:txBody>
+      </p:sp>
+      <p:sp>
+        <p:nvSpPr>
+          <p:cNvPr id="3" name="Content Placeholder 2">
+            <a:extLst>
+              <a:ext uri="{FF2B5EF4-FFF2-40B4-BE49-F238E27FC236}">
+                <a16:creationId xmlns:a16="http://schemas.microsoft.com/office/drawing/2014/main" id="{64E9061A-03AD-463D-AD10-CAD7EF436FF6}"/>
+              </a:ext>
+            </a:extLst>
+          </p:cNvPr>
+          <p:cNvSpPr>
+            <a:spLocks noGrp="1"/>
+          </p:cNvSpPr>
+          <p:nvPr>
+            <p:ph sz="half" idx="1"/>
+          </p:nvPr>
+        </p:nvSpPr>
+        <p:spPr>
+          <a:xfrm>
+            <a:off x="609600" y="1600201"/>
+            <a:ext cx="5384800" cy="4762500"/>
+          </a:xfrm>
+        </p:spPr>
+        <p:txBody>
+          <a:bodyPr>
+            <a:normAutofit fontScale="77500" lnSpcReduction="20000"/>
+          </a:bodyPr>
+          <a:lstStyle/>
+          <a:p>
+            <a:r>
+              <a:rPr lang="en-GB" dirty="0"/>
+              <a:t>When the activity enters the </a:t>
+            </a:r>
+            <a:r>
+              <a:rPr lang="en-GB" i="1" dirty="0"/>
+              <a:t>Resumed state</a:t>
+            </a:r>
+            <a:r>
+              <a:rPr lang="en-GB" dirty="0"/>
+              <a:t>, it comes to the foreground, and then the system invokes </a:t>
+            </a:r>
+            <a:r>
+              <a:rPr lang="en-GB" dirty="0" err="1"/>
+              <a:t>onResume</a:t>
+            </a:r>
+            <a:r>
+              <a:rPr lang="en-GB" dirty="0"/>
+              <a:t>(). This is the state in which the app interacts with the user.</a:t>
+            </a:r>
+          </a:p>
+          <a:p>
+            <a:r>
+              <a:rPr lang="en-GB" dirty="0"/>
+              <a:t>The app stays in this state until something happens to take focus away from the app, in which case activity enters the </a:t>
+            </a:r>
+            <a:r>
+              <a:rPr lang="en-GB" i="1" dirty="0"/>
+              <a:t>Paused state, </a:t>
+            </a:r>
+            <a:r>
+              <a:rPr lang="en-GB" dirty="0"/>
+              <a:t>and system invokes </a:t>
+            </a:r>
+            <a:r>
+              <a:rPr lang="en-GB" dirty="0" err="1"/>
+              <a:t>onPause</a:t>
+            </a:r>
+            <a:r>
+              <a:rPr lang="en-GB" dirty="0"/>
+              <a:t>()</a:t>
+            </a:r>
+          </a:p>
+          <a:p>
+            <a:r>
+              <a:rPr lang="en-GB" dirty="0"/>
+              <a:t>If the activity returns to the Resumed state from the Paused state, the system once again calls </a:t>
+            </a:r>
+            <a:r>
+              <a:rPr lang="en-GB" dirty="0" err="1"/>
+              <a:t>onResume</a:t>
+            </a:r>
+            <a:r>
+              <a:rPr lang="en-GB" dirty="0"/>
+              <a:t>()</a:t>
+            </a:r>
+          </a:p>
+          <a:p>
+            <a:pPr marL="0" indent="0">
+              <a:buNone/>
+            </a:pPr>
+            <a:r>
+              <a:rPr lang="en-GB" dirty="0"/>
+              <a:t>=====================================</a:t>
+            </a:r>
+          </a:p>
+          <a:p>
+            <a:pPr marL="0" indent="0">
+              <a:buNone/>
+            </a:pPr>
+            <a:r>
+              <a:rPr lang="en-GB" b="1" dirty="0"/>
+              <a:t>BEST PRACTISE: </a:t>
+            </a:r>
+            <a:r>
+              <a:rPr lang="en-GB" dirty="0"/>
+              <a:t>In this method you should updates any UI components which will be displayed to the user</a:t>
+            </a:r>
+          </a:p>
+        </p:txBody>
+      </p:sp>
+      <p:sp>
+        <p:nvSpPr>
+          <p:cNvPr id="4" name="Slide Number Placeholder 3">
+            <a:extLst>
+              <a:ext uri="{FF2B5EF4-FFF2-40B4-BE49-F238E27FC236}">
+                <a16:creationId xmlns:a16="http://schemas.microsoft.com/office/drawing/2014/main" id="{C7060780-B4E3-4297-9DC0-0144E3C66524}"/>
+              </a:ext>
+            </a:extLst>
+          </p:cNvPr>
+          <p:cNvSpPr>
+            <a:spLocks noGrp="1"/>
+          </p:cNvSpPr>
+          <p:nvPr>
+            <p:ph type="sldNum" sz="quarter" idx="12"/>
+          </p:nvPr>
+        </p:nvSpPr>
+        <p:spPr/>
+        <p:txBody>
+          <a:bodyPr/>
+          <a:lstStyle/>
+          <a:p>
+            <a:fld id="{D2040F39-7941-49A4-B48D-F201B18B6351}" type="slidenum">
+              <a:rPr lang="it-IT" smtClean="0"/>
+              <a:pPr/>
+              <a:t>20</a:t>
+            </a:fld>
+            <a:endParaRPr lang="it-IT" dirty="0"/>
+          </a:p>
+        </p:txBody>
+      </p:sp>
+      <p:pic>
+        <p:nvPicPr>
+          <p:cNvPr id="6" name="Picture 2" descr="State diagram for an Android Activity Lifecycle.">
+            <a:extLst>
+              <a:ext uri="{FF2B5EF4-FFF2-40B4-BE49-F238E27FC236}">
+                <a16:creationId xmlns:a16="http://schemas.microsoft.com/office/drawing/2014/main" id="{C90BE76E-5A0C-42A3-A868-66F5F2827D52}"/>
+              </a:ext>
+            </a:extLst>
+          </p:cNvPr>
+          <p:cNvPicPr>
+            <a:picLocks noGrp="1" noChangeAspect="1" noChangeArrowheads="1"/>
+          </p:cNvPicPr>
+          <p:nvPr>
+            <p:ph sz="half" idx="2"/>
+          </p:nvPr>
+        </p:nvPicPr>
+        <p:blipFill>
+          <a:blip r:embed="rId2">
+            <a:extLst>
+              <a:ext uri="{28A0092B-C50C-407E-A947-70E740481C1C}">
+                <a14:useLocalDpi xmlns:a14="http://schemas.microsoft.com/office/drawing/2010/main" val="0"/>
+              </a:ext>
+            </a:extLst>
+          </a:blip>
+          <a:srcRect/>
+          <a:stretch>
+            <a:fillRect/>
+          </a:stretch>
+        </p:blipFill>
+        <p:spPr bwMode="auto">
+          <a:xfrm>
+            <a:off x="7139005" y="1600200"/>
+            <a:ext cx="3501989" cy="4525963"/>
+          </a:xfrm>
+          <a:prstGeom prst="rect">
+            <a:avLst/>
+          </a:prstGeom>
+          <a:noFill/>
+          <a:extLst>
+            <a:ext uri="{909E8E84-426E-40DD-AFC4-6F175D3DCCD1}">
+              <a14:hiddenFill xmlns:a14="http://schemas.microsoft.com/office/drawing/2010/main">
+                <a:solidFill>
+                  <a:srgbClr val="FFFFFF"/>
+                </a:solidFill>
+              </a14:hiddenFill>
+            </a:ext>
+          </a:extLst>
+        </p:spPr>
+      </p:pic>
+    </p:spTree>
+    <p:extLst>
+      <p:ext uri="{BB962C8B-B14F-4D97-AF65-F5344CB8AC3E}">
+        <p14:creationId xmlns:p14="http://schemas.microsoft.com/office/powerpoint/2010/main" val="3413645180"/>
+      </p:ext>
+    </p:extLst>
+  </p:cSld>
+  <p:clrMapOvr>
+    <a:masterClrMapping/>
+  </p:clrMapOvr>
+</p:sld>
+</file>
+
+<file path=ppt/slides/slide21.xml><?xml version="1.0" encoding="utf-8"?>
+<p:sld xmlns:a="http://schemas.openxmlformats.org/drawingml/2006/main" xmlns:r="http://schemas.openxmlformats.org/officeDocument/2006/relationships" xmlns:p="http://schemas.openxmlformats.org/presentationml/2006/main">
+  <p:cSld>
+    <p:spTree>
+      <p:nvGrpSpPr>
+        <p:cNvPr id="1" name=""/>
+        <p:cNvGrpSpPr/>
+        <p:nvPr/>
+      </p:nvGrpSpPr>
+      <p:grpSpPr>
+        <a:xfrm>
+          <a:off x="0" y="0"/>
+          <a:ext cx="0" cy="0"/>
+          <a:chOff x="0" y="0"/>
+          <a:chExt cx="0" cy="0"/>
+        </a:xfrm>
+      </p:grpSpPr>
+      <p:sp>
+        <p:nvSpPr>
+          <p:cNvPr id="2" name="Title 1">
+            <a:extLst>
+              <a:ext uri="{FF2B5EF4-FFF2-40B4-BE49-F238E27FC236}">
+                <a16:creationId xmlns:a16="http://schemas.microsoft.com/office/drawing/2014/main" id="{8A0B7915-68D8-4CAC-8C5D-D2CE0D68C620}"/>
+              </a:ext>
+            </a:extLst>
+          </p:cNvPr>
+          <p:cNvSpPr>
+            <a:spLocks noGrp="1"/>
+          </p:cNvSpPr>
+          <p:nvPr>
+            <p:ph type="title"/>
+          </p:nvPr>
+        </p:nvSpPr>
+        <p:spPr/>
+        <p:txBody>
+          <a:bodyPr/>
+          <a:lstStyle/>
+          <a:p>
+            <a:r>
+              <a:rPr lang="en-GB" dirty="0" err="1"/>
+              <a:t>onPause</a:t>
+            </a:r>
+            <a:r>
+              <a:rPr lang="en-GB" dirty="0"/>
+              <a:t>()</a:t>
+            </a:r>
+          </a:p>
+        </p:txBody>
+      </p:sp>
+      <p:sp>
+        <p:nvSpPr>
+          <p:cNvPr id="3" name="Content Placeholder 2">
+            <a:extLst>
+              <a:ext uri="{FF2B5EF4-FFF2-40B4-BE49-F238E27FC236}">
+                <a16:creationId xmlns:a16="http://schemas.microsoft.com/office/drawing/2014/main" id="{D85637B8-77C7-4904-B3D8-8978A15D74D0}"/>
+              </a:ext>
+            </a:extLst>
+          </p:cNvPr>
+          <p:cNvSpPr>
+            <a:spLocks noGrp="1"/>
+          </p:cNvSpPr>
+          <p:nvPr>
+            <p:ph sz="half" idx="1"/>
+          </p:nvPr>
+        </p:nvSpPr>
+        <p:spPr>
+          <a:xfrm>
+            <a:off x="609600" y="1600201"/>
+            <a:ext cx="5384800" cy="4762500"/>
+          </a:xfrm>
+        </p:spPr>
+        <p:txBody>
+          <a:bodyPr>
+            <a:normAutofit fontScale="92500"/>
+          </a:bodyPr>
+          <a:lstStyle/>
+          <a:p>
+            <a:r>
+              <a:rPr lang="en-GB" sz="2400" dirty="0"/>
+              <a:t>Called as part of the activity lifecycle when the user no longer actively interacts with the activity, but it is still visible on screen.</a:t>
+            </a:r>
+          </a:p>
+          <a:p>
+            <a:r>
+              <a:rPr lang="en-GB" sz="2400" dirty="0"/>
+              <a:t>At the end of execution, Activity remains in paused state until activity resumes or become completely invisible. </a:t>
+            </a:r>
+          </a:p>
+          <a:p>
+            <a:pPr marL="0" indent="0">
+              <a:buNone/>
+            </a:pPr>
+            <a:r>
+              <a:rPr lang="en-GB" sz="2400" dirty="0"/>
+              <a:t>=====================================</a:t>
+            </a:r>
+          </a:p>
+          <a:p>
+            <a:pPr marL="0" indent="0">
+              <a:buNone/>
+            </a:pPr>
+            <a:r>
+              <a:rPr lang="en-GB" sz="2400" b="1" dirty="0"/>
+              <a:t>BEST PRACTISE: </a:t>
+            </a:r>
+            <a:r>
+              <a:rPr lang="en-GB" sz="2400" dirty="0"/>
+              <a:t>Use </a:t>
+            </a:r>
+            <a:r>
+              <a:rPr lang="en-GB" sz="2400" dirty="0" err="1"/>
+              <a:t>onPause</a:t>
+            </a:r>
+            <a:r>
+              <a:rPr lang="en-GB" sz="2400" dirty="0"/>
+              <a:t>() to pause operations and release system resources that should not continue while activity in in paused state, NOT use </a:t>
+            </a:r>
+            <a:r>
+              <a:rPr lang="en-GB" sz="2400" dirty="0" err="1"/>
+              <a:t>onPause</a:t>
+            </a:r>
+            <a:r>
+              <a:rPr lang="en-GB" sz="2400" dirty="0"/>
+              <a:t> to save user data or do  other "heavy" operation, such as database-transaction.</a:t>
+            </a:r>
+          </a:p>
+        </p:txBody>
+      </p:sp>
+      <p:sp>
+        <p:nvSpPr>
+          <p:cNvPr id="5" name="Slide Number Placeholder 4">
+            <a:extLst>
+              <a:ext uri="{FF2B5EF4-FFF2-40B4-BE49-F238E27FC236}">
+                <a16:creationId xmlns:a16="http://schemas.microsoft.com/office/drawing/2014/main" id="{91FDF09B-1A9B-4522-A197-7928AEE0D075}"/>
+              </a:ext>
+            </a:extLst>
+          </p:cNvPr>
+          <p:cNvSpPr>
+            <a:spLocks noGrp="1"/>
+          </p:cNvSpPr>
+          <p:nvPr>
+            <p:ph type="sldNum" sz="quarter" idx="12"/>
+          </p:nvPr>
+        </p:nvSpPr>
+        <p:spPr/>
+        <p:txBody>
+          <a:bodyPr/>
+          <a:lstStyle/>
+          <a:p>
+            <a:fld id="{D2040F39-7941-49A4-B48D-F201B18B6351}" type="slidenum">
+              <a:rPr lang="it-IT" smtClean="0"/>
+              <a:pPr/>
+              <a:t>21</a:t>
+            </a:fld>
+            <a:endParaRPr lang="it-IT" dirty="0"/>
+          </a:p>
+        </p:txBody>
+      </p:sp>
+      <p:pic>
+        <p:nvPicPr>
+          <p:cNvPr id="6" name="Picture 2" descr="State diagram for an Android Activity Lifecycle.">
+            <a:extLst>
+              <a:ext uri="{FF2B5EF4-FFF2-40B4-BE49-F238E27FC236}">
+                <a16:creationId xmlns:a16="http://schemas.microsoft.com/office/drawing/2014/main" id="{C2652EF3-9A51-4208-A473-043D14663C12}"/>
+              </a:ext>
+            </a:extLst>
+          </p:cNvPr>
+          <p:cNvPicPr>
+            <a:picLocks noGrp="1" noChangeAspect="1" noChangeArrowheads="1"/>
+          </p:cNvPicPr>
+          <p:nvPr>
+            <p:ph sz="half" idx="2"/>
+          </p:nvPr>
+        </p:nvPicPr>
+        <p:blipFill>
+          <a:blip r:embed="rId2">
+            <a:extLst>
+              <a:ext uri="{28A0092B-C50C-407E-A947-70E740481C1C}">
+                <a14:useLocalDpi xmlns:a14="http://schemas.microsoft.com/office/drawing/2010/main" val="0"/>
+              </a:ext>
+            </a:extLst>
+          </a:blip>
+          <a:srcRect/>
+          <a:stretch>
+            <a:fillRect/>
+          </a:stretch>
+        </p:blipFill>
+        <p:spPr bwMode="auto">
+          <a:xfrm>
+            <a:off x="7139005" y="1600200"/>
+            <a:ext cx="3501989" cy="4525963"/>
+          </a:xfrm>
+          <a:prstGeom prst="rect">
+            <a:avLst/>
+          </a:prstGeom>
+          <a:noFill/>
+          <a:extLst>
+            <a:ext uri="{909E8E84-426E-40DD-AFC4-6F175D3DCCD1}">
+              <a14:hiddenFill xmlns:a14="http://schemas.microsoft.com/office/drawing/2010/main">
+                <a:solidFill>
+                  <a:srgbClr val="FFFFFF"/>
+                </a:solidFill>
+              </a14:hiddenFill>
+            </a:ext>
+          </a:extLst>
+        </p:spPr>
+      </p:pic>
+    </p:spTree>
+    <p:extLst>
+      <p:ext uri="{BB962C8B-B14F-4D97-AF65-F5344CB8AC3E}">
+        <p14:creationId xmlns:p14="http://schemas.microsoft.com/office/powerpoint/2010/main" val="769111029"/>
+      </p:ext>
+    </p:extLst>
+  </p:cSld>
+  <p:clrMapOvr>
+    <a:masterClrMapping/>
+  </p:clrMapOvr>
+</p:sld>
+</file>
+
+<file path=ppt/slides/slide22.xml><?xml version="1.0" encoding="utf-8"?>
+<p:sld xmlns:a="http://schemas.openxmlformats.org/drawingml/2006/main" xmlns:r="http://schemas.openxmlformats.org/officeDocument/2006/relationships" xmlns:p="http://schemas.openxmlformats.org/presentationml/2006/main">
+  <p:cSld>
+    <p:spTree>
+      <p:nvGrpSpPr>
+        <p:cNvPr id="1" name=""/>
+        <p:cNvGrpSpPr/>
+        <p:nvPr/>
+      </p:nvGrpSpPr>
+      <p:grpSpPr>
+        <a:xfrm>
+          <a:off x="0" y="0"/>
+          <a:ext cx="0" cy="0"/>
+          <a:chOff x="0" y="0"/>
+          <a:chExt cx="0" cy="0"/>
+        </a:xfrm>
+      </p:grpSpPr>
+      <p:sp>
+        <p:nvSpPr>
+          <p:cNvPr id="2" name="Title 1">
+            <a:extLst>
+              <a:ext uri="{FF2B5EF4-FFF2-40B4-BE49-F238E27FC236}">
+                <a16:creationId xmlns:a16="http://schemas.microsoft.com/office/drawing/2014/main" id="{0715B7B6-E21D-457A-81C7-B65F2C5A3780}"/>
+              </a:ext>
+            </a:extLst>
+          </p:cNvPr>
+          <p:cNvSpPr>
+            <a:spLocks noGrp="1"/>
+          </p:cNvSpPr>
+          <p:nvPr>
+            <p:ph type="title"/>
+          </p:nvPr>
+        </p:nvSpPr>
+        <p:spPr/>
+        <p:txBody>
+          <a:bodyPr/>
+          <a:lstStyle/>
+          <a:p>
+            <a:r>
+              <a:rPr lang="en-GB" dirty="0" err="1"/>
+              <a:t>onStop</a:t>
+            </a:r>
+            <a:r>
+              <a:rPr lang="en-GB" dirty="0"/>
+              <a:t>()</a:t>
+            </a:r>
+          </a:p>
+        </p:txBody>
+      </p:sp>
+      <p:sp>
+        <p:nvSpPr>
+          <p:cNvPr id="3" name="Content Placeholder 2">
+            <a:extLst>
+              <a:ext uri="{FF2B5EF4-FFF2-40B4-BE49-F238E27FC236}">
+                <a16:creationId xmlns:a16="http://schemas.microsoft.com/office/drawing/2014/main" id="{61C2F7AF-0BDC-439C-BA14-275EA5FCE790}"/>
+              </a:ext>
+            </a:extLst>
+          </p:cNvPr>
+          <p:cNvSpPr>
+            <a:spLocks noGrp="1"/>
+          </p:cNvSpPr>
+          <p:nvPr>
+            <p:ph sz="half" idx="1"/>
+          </p:nvPr>
+        </p:nvSpPr>
+        <p:spPr>
+          <a:xfrm>
+            <a:off x="609600" y="1600201"/>
+            <a:ext cx="5384800" cy="4762500"/>
+          </a:xfrm>
+        </p:spPr>
+        <p:txBody>
+          <a:bodyPr>
+            <a:normAutofit fontScale="85000" lnSpcReduction="10000"/>
+          </a:bodyPr>
+          <a:lstStyle/>
+          <a:p>
+            <a:r>
+              <a:rPr lang="en-GB" sz="2400" dirty="0"/>
+              <a:t>Called when you are no longer visible to the user and enters in </a:t>
+            </a:r>
+            <a:r>
+              <a:rPr lang="en-GB" sz="2400" i="1" dirty="0"/>
+              <a:t>Stopped state</a:t>
+            </a:r>
+            <a:r>
+              <a:rPr lang="en-GB" sz="2400" dirty="0"/>
+              <a:t>. </a:t>
+            </a:r>
+          </a:p>
+          <a:p>
+            <a:r>
+              <a:rPr lang="en-GB" sz="2400" dirty="0"/>
+              <a:t>From the Stopped state, the activity either comes back to interact with the user, or the activity is finished running and goes away. If the activity comes back, the system invokes </a:t>
+            </a:r>
+            <a:r>
+              <a:rPr lang="en-GB" sz="2400" dirty="0" err="1"/>
+              <a:t>onRestart</a:t>
+            </a:r>
+            <a:r>
+              <a:rPr lang="en-GB" sz="2400" dirty="0"/>
+              <a:t>(), instead if activity is finished running, the system calls </a:t>
+            </a:r>
+            <a:r>
+              <a:rPr lang="en-GB" sz="2400" dirty="0" err="1"/>
+              <a:t>onDestroy</a:t>
+            </a:r>
+            <a:r>
+              <a:rPr lang="en-GB" sz="2400" dirty="0"/>
+              <a:t>()</a:t>
+            </a:r>
+          </a:p>
+          <a:p>
+            <a:pPr marL="0" indent="0">
+              <a:buNone/>
+            </a:pPr>
+            <a:r>
+              <a:rPr lang="en-GB" sz="2400" dirty="0"/>
+              <a:t>========================================</a:t>
+            </a:r>
+          </a:p>
+          <a:p>
+            <a:pPr marL="0" indent="0">
+              <a:buNone/>
+            </a:pPr>
+            <a:r>
+              <a:rPr lang="en-GB" sz="2400" b="1" dirty="0"/>
+              <a:t>BEST PRACTISE: </a:t>
+            </a:r>
+            <a:r>
+              <a:rPr lang="en-GB" sz="2400" dirty="0"/>
+              <a:t>this is a good place to </a:t>
+            </a:r>
+            <a:r>
+              <a:rPr lang="en-GB" sz="2400" i="0" dirty="0">
+                <a:solidFill>
+                  <a:srgbClr val="202124"/>
+                </a:solidFill>
+                <a:effectLst/>
+              </a:rPr>
+              <a:t>release resources that are not needed while the app is not visible to the user such us </a:t>
+            </a:r>
+            <a:r>
+              <a:rPr lang="en-GB" sz="2400" dirty="0"/>
+              <a:t>stop refreshing UI, running animations and other visual things.</a:t>
+            </a:r>
+          </a:p>
+          <a:p>
+            <a:pPr marL="0" indent="0">
+              <a:buNone/>
+            </a:pPr>
+            <a:r>
+              <a:rPr lang="en-GB" sz="2400" dirty="0"/>
+              <a:t>You can use </a:t>
+            </a:r>
+            <a:r>
+              <a:rPr lang="en-GB" sz="2400" dirty="0" err="1"/>
+              <a:t>onStop</a:t>
+            </a:r>
+            <a:r>
+              <a:rPr lang="en-GB" sz="2400" dirty="0"/>
+              <a:t>() to perform CPU-intensive operations, such us save information to a database</a:t>
+            </a:r>
+          </a:p>
+        </p:txBody>
+      </p:sp>
+      <p:sp>
+        <p:nvSpPr>
+          <p:cNvPr id="5" name="Slide Number Placeholder 4">
+            <a:extLst>
+              <a:ext uri="{FF2B5EF4-FFF2-40B4-BE49-F238E27FC236}">
+                <a16:creationId xmlns:a16="http://schemas.microsoft.com/office/drawing/2014/main" id="{2239C4EE-2819-42C1-A6E8-A719E434EE4D}"/>
+              </a:ext>
+            </a:extLst>
+          </p:cNvPr>
+          <p:cNvSpPr>
+            <a:spLocks noGrp="1"/>
+          </p:cNvSpPr>
+          <p:nvPr>
+            <p:ph type="sldNum" sz="quarter" idx="12"/>
+          </p:nvPr>
+        </p:nvSpPr>
+        <p:spPr/>
+        <p:txBody>
+          <a:bodyPr/>
+          <a:lstStyle/>
+          <a:p>
+            <a:fld id="{D2040F39-7941-49A4-B48D-F201B18B6351}" type="slidenum">
+              <a:rPr lang="it-IT" smtClean="0"/>
+              <a:pPr/>
+              <a:t>22</a:t>
+            </a:fld>
+            <a:endParaRPr lang="it-IT" dirty="0"/>
+          </a:p>
+        </p:txBody>
+      </p:sp>
+      <p:pic>
+        <p:nvPicPr>
+          <p:cNvPr id="6" name="Picture 2" descr="State diagram for an Android Activity Lifecycle.">
+            <a:extLst>
+              <a:ext uri="{FF2B5EF4-FFF2-40B4-BE49-F238E27FC236}">
+                <a16:creationId xmlns:a16="http://schemas.microsoft.com/office/drawing/2014/main" id="{A8F7B979-ED8F-46ED-BFE1-98A66F417FB7}"/>
+              </a:ext>
+            </a:extLst>
+          </p:cNvPr>
+          <p:cNvPicPr>
+            <a:picLocks noGrp="1" noChangeAspect="1" noChangeArrowheads="1"/>
+          </p:cNvPicPr>
+          <p:nvPr>
+            <p:ph sz="half" idx="2"/>
+          </p:nvPr>
+        </p:nvPicPr>
+        <p:blipFill>
+          <a:blip r:embed="rId2">
+            <a:extLst>
+              <a:ext uri="{28A0092B-C50C-407E-A947-70E740481C1C}">
+                <a14:useLocalDpi xmlns:a14="http://schemas.microsoft.com/office/drawing/2010/main" val="0"/>
+              </a:ext>
+            </a:extLst>
+          </a:blip>
+          <a:srcRect/>
+          <a:stretch>
+            <a:fillRect/>
+          </a:stretch>
+        </p:blipFill>
+        <p:spPr bwMode="auto">
+          <a:xfrm>
+            <a:off x="7139005" y="1600200"/>
+            <a:ext cx="3501989" cy="4525963"/>
+          </a:xfrm>
+          <a:prstGeom prst="rect">
+            <a:avLst/>
+          </a:prstGeom>
+          <a:noFill/>
+          <a:extLst>
+            <a:ext uri="{909E8E84-426E-40DD-AFC4-6F175D3DCCD1}">
+              <a14:hiddenFill xmlns:a14="http://schemas.microsoft.com/office/drawing/2010/main">
+                <a:solidFill>
+                  <a:srgbClr val="FFFFFF"/>
+                </a:solidFill>
+              </a14:hiddenFill>
+            </a:ext>
+          </a:extLst>
+        </p:spPr>
+      </p:pic>
+    </p:spTree>
+    <p:extLst>
+      <p:ext uri="{BB962C8B-B14F-4D97-AF65-F5344CB8AC3E}">
+        <p14:creationId xmlns:p14="http://schemas.microsoft.com/office/powerpoint/2010/main" val="574868505"/>
+      </p:ext>
+    </p:extLst>
+  </p:cSld>
+  <p:clrMapOvr>
+    <a:masterClrMapping/>
+  </p:clrMapOvr>
+</p:sld>
+</file>
+
+<file path=ppt/slides/slide23.xml><?xml version="1.0" encoding="utf-8"?>
+<p:sld xmlns:a="http://schemas.openxmlformats.org/drawingml/2006/main" xmlns:r="http://schemas.openxmlformats.org/officeDocument/2006/relationships" xmlns:p="http://schemas.openxmlformats.org/presentationml/2006/main">
+  <p:cSld>
+    <p:spTree>
+      <p:nvGrpSpPr>
+        <p:cNvPr id="1" name=""/>
+        <p:cNvGrpSpPr/>
+        <p:nvPr/>
+      </p:nvGrpSpPr>
+      <p:grpSpPr>
+        <a:xfrm>
+          <a:off x="0" y="0"/>
+          <a:ext cx="0" cy="0"/>
+          <a:chOff x="0" y="0"/>
+          <a:chExt cx="0" cy="0"/>
+        </a:xfrm>
+      </p:grpSpPr>
+      <p:sp>
+        <p:nvSpPr>
+          <p:cNvPr id="2" name="Title 1">
+            <a:extLst>
+              <a:ext uri="{FF2B5EF4-FFF2-40B4-BE49-F238E27FC236}">
                 <a16:creationId xmlns:a16="http://schemas.microsoft.com/office/drawing/2014/main" id="{4E0D5E01-FAE7-418A-B732-A2F730D9E72A}"/>
               </a:ext>
             </a:extLst>
@@ -10681,7 +11394,7 @@
             <a:fld id="{D2040F39-7941-49A4-B48D-F201B18B6351}" type="slidenum">
               <a:rPr lang="it-IT" smtClean="0"/>
               <a:pPr/>
-              <a:t>20</a:t>
+              <a:t>23</a:t>
             </a:fld>
             <a:endParaRPr lang="it-IT" dirty="0"/>
           </a:p>
@@ -10749,7 +11462,7 @@
 </p:sld>
 </file>
 
-<file path=ppt/slides/slide21.xml><?xml version="1.0" encoding="utf-8"?>
+<file path=ppt/slides/slide24.xml><?xml version="1.0" encoding="utf-8"?>
 <p:sld xmlns:a="http://schemas.openxmlformats.org/drawingml/2006/main" xmlns:r="http://schemas.openxmlformats.org/officeDocument/2006/relationships" xmlns:p="http://schemas.openxmlformats.org/presentationml/2006/main">
   <p:cSld>
     <p:spTree>
@@ -10990,7 +11703,7 @@
             <a:fld id="{D2040F39-7941-49A4-B48D-F201B18B6351}" type="slidenum">
               <a:rPr lang="it-IT" smtClean="0"/>
               <a:pPr/>
-              <a:t>21</a:t>
+              <a:t>24</a:t>
             </a:fld>
             <a:endParaRPr lang="it-IT" dirty="0"/>
           </a:p>
@@ -11009,7 +11722,7 @@
 </p:sld>
 </file>
 
-<file path=ppt/slides/slide22.xml><?xml version="1.0" encoding="utf-8"?>
+<file path=ppt/slides/slide25.xml><?xml version="1.0" encoding="utf-8"?>
 <p:sld xmlns:a="http://schemas.openxmlformats.org/drawingml/2006/main" xmlns:r="http://schemas.openxmlformats.org/officeDocument/2006/relationships" xmlns:p="http://schemas.openxmlformats.org/presentationml/2006/main">
   <p:cSld>
     <p:spTree>
@@ -11239,7 +11952,7 @@
             <a:fld id="{D2040F39-7941-49A4-B48D-F201B18B6351}" type="slidenum">
               <a:rPr lang="it-IT" smtClean="0"/>
               <a:pPr/>
-              <a:t>22</a:t>
+              <a:t>25</a:t>
             </a:fld>
             <a:endParaRPr lang="it-IT" dirty="0"/>
           </a:p>
@@ -11258,7 +11971,7 @@
 </p:sld>
 </file>
 
-<file path=ppt/slides/slide23.xml><?xml version="1.0" encoding="utf-8"?>
+<file path=ppt/slides/slide26.xml><?xml version="1.0" encoding="utf-8"?>
 <p:sld xmlns:a="http://schemas.openxmlformats.org/drawingml/2006/main" xmlns:r="http://schemas.openxmlformats.org/officeDocument/2006/relationships" xmlns:p="http://schemas.openxmlformats.org/presentationml/2006/main">
   <p:cSld>
     <p:spTree>
@@ -11484,7 +12197,7 @@
             <a:fld id="{D2040F39-7941-49A4-B48D-F201B18B6351}" type="slidenum">
               <a:rPr lang="it-IT" smtClean="0"/>
               <a:pPr/>
-              <a:t>23</a:t>
+              <a:t>26</a:t>
             </a:fld>
             <a:endParaRPr lang="it-IT" dirty="0"/>
           </a:p>
@@ -11503,7 +12216,7 @@
 </p:sld>
 </file>
 
-<file path=ppt/slides/slide24.xml><?xml version="1.0" encoding="utf-8"?>
+<file path=ppt/slides/slide27.xml><?xml version="1.0" encoding="utf-8"?>
 <p:sld xmlns:a="http://schemas.openxmlformats.org/drawingml/2006/main" xmlns:r="http://schemas.openxmlformats.org/officeDocument/2006/relationships" xmlns:p="http://schemas.openxmlformats.org/presentationml/2006/main">
   <p:cSld>
     <p:spTree>
@@ -11924,7 +12637,7 @@
             <a:fld id="{D2040F39-7941-49A4-B48D-F201B18B6351}" type="slidenum">
               <a:rPr lang="it-IT" smtClean="0"/>
               <a:pPr/>
-              <a:t>24</a:t>
+              <a:t>27</a:t>
             </a:fld>
             <a:endParaRPr lang="it-IT" dirty="0"/>
           </a:p>
@@ -11943,7 +12656,7 @@
 </p:sld>
 </file>
 
-<file path=ppt/slides/slide25.xml><?xml version="1.0" encoding="utf-8"?>
+<file path=ppt/slides/slide28.xml><?xml version="1.0" encoding="utf-8"?>
 <p:sld xmlns:a="http://schemas.openxmlformats.org/drawingml/2006/main" xmlns:r="http://schemas.openxmlformats.org/officeDocument/2006/relationships" xmlns:p="http://schemas.openxmlformats.org/presentationml/2006/main">
   <p:cSld>
     <p:spTree>
@@ -12152,7 +12865,7 @@
             <a:fld id="{D2040F39-7941-49A4-B48D-F201B18B6351}" type="slidenum">
               <a:rPr lang="it-IT" smtClean="0"/>
               <a:pPr/>
-              <a:t>25</a:t>
+              <a:t>28</a:t>
             </a:fld>
             <a:endParaRPr lang="it-IT" dirty="0"/>
           </a:p>
@@ -13237,7 +13950,7 @@
 </p:sld>
 </file>
 
-<file path=ppt/slides/slide26.xml><?xml version="1.0" encoding="utf-8"?>
+<file path=ppt/slides/slide29.xml><?xml version="1.0" encoding="utf-8"?>
 <p:sld xmlns:a="http://schemas.openxmlformats.org/drawingml/2006/main" xmlns:r="http://schemas.openxmlformats.org/officeDocument/2006/relationships" xmlns:p="http://schemas.openxmlformats.org/presentationml/2006/main">
   <p:cSld>
     <p:spTree>
@@ -13419,7 +14132,7 @@
             <a:fld id="{D2040F39-7941-49A4-B48D-F201B18B6351}" type="slidenum">
               <a:rPr lang="it-IT" smtClean="0"/>
               <a:pPr/>
-              <a:t>26</a:t>
+              <a:t>29</a:t>
             </a:fld>
             <a:endParaRPr lang="it-IT" dirty="0"/>
           </a:p>
@@ -13438,7 +14151,771 @@
 </p:sld>
 </file>
 
-<file path=ppt/slides/slide27.xml><?xml version="1.0" encoding="utf-8"?>
+<file path=ppt/slides/slide3.xml><?xml version="1.0" encoding="utf-8"?>
+<p:sld xmlns:a="http://schemas.openxmlformats.org/drawingml/2006/main" xmlns:r="http://schemas.openxmlformats.org/officeDocument/2006/relationships" xmlns:p="http://schemas.openxmlformats.org/presentationml/2006/main">
+  <p:cSld>
+    <p:spTree>
+      <p:nvGrpSpPr>
+        <p:cNvPr id="1" name=""/>
+        <p:cNvGrpSpPr/>
+        <p:nvPr/>
+      </p:nvGrpSpPr>
+      <p:grpSpPr>
+        <a:xfrm>
+          <a:off x="0" y="0"/>
+          <a:ext cx="0" cy="0"/>
+          <a:chOff x="0" y="0"/>
+          <a:chExt cx="0" cy="0"/>
+        </a:xfrm>
+      </p:grpSpPr>
+      <p:sp>
+        <p:nvSpPr>
+          <p:cNvPr id="2" name="Titolo 1">
+            <a:extLst>
+              <a:ext uri="{FF2B5EF4-FFF2-40B4-BE49-F238E27FC236}">
+                <a16:creationId xmlns:a16="http://schemas.microsoft.com/office/drawing/2014/main" id="{647AC6B3-E88C-4454-9088-D967C79B07DD}"/>
+              </a:ext>
+            </a:extLst>
+          </p:cNvPr>
+          <p:cNvSpPr>
+            <a:spLocks noGrp="1"/>
+          </p:cNvSpPr>
+          <p:nvPr>
+            <p:ph type="title"/>
+          </p:nvPr>
+        </p:nvSpPr>
+        <p:spPr/>
+        <p:txBody>
+          <a:bodyPr/>
+          <a:lstStyle/>
+          <a:p>
+            <a:r>
+              <a:rPr lang="it-IT" dirty="0"/>
+              <a:t>Application life-</a:t>
+            </a:r>
+            <a:r>
+              <a:rPr lang="it-IT" dirty="0" err="1"/>
+              <a:t>cycle</a:t>
+            </a:r>
+            <a:r>
+              <a:rPr lang="it-IT" dirty="0"/>
+              <a:t> and </a:t>
+            </a:r>
+            <a:r>
+              <a:rPr lang="it-IT" dirty="0" err="1"/>
+              <a:t>priority</a:t>
+            </a:r>
+            <a:endParaRPr lang="it-IT" dirty="0"/>
+          </a:p>
+        </p:txBody>
+      </p:sp>
+      <p:sp>
+        <p:nvSpPr>
+          <p:cNvPr id="3" name="Segnaposto contenuto 2">
+            <a:extLst>
+              <a:ext uri="{FF2B5EF4-FFF2-40B4-BE49-F238E27FC236}">
+                <a16:creationId xmlns:a16="http://schemas.microsoft.com/office/drawing/2014/main" id="{DC419C53-9EEA-43D6-8B56-F6B5C3E402E7}"/>
+              </a:ext>
+            </a:extLst>
+          </p:cNvPr>
+          <p:cNvSpPr>
+            <a:spLocks noGrp="1"/>
+          </p:cNvSpPr>
+          <p:nvPr>
+            <p:ph idx="1"/>
+          </p:nvPr>
+        </p:nvSpPr>
+        <p:spPr/>
+        <p:txBody>
+          <a:bodyPr>
+            <a:normAutofit fontScale="77500" lnSpcReduction="20000"/>
+          </a:bodyPr>
+          <a:lstStyle/>
+          <a:p>
+            <a:pPr marL="0" indent="0">
+              <a:buNone/>
+            </a:pPr>
+            <a:r>
+              <a:rPr lang="it-IT" dirty="0"/>
+              <a:t>Apps </a:t>
+            </a:r>
+            <a:r>
+              <a:rPr lang="en-GB" dirty="0"/>
+              <a:t>have</a:t>
+            </a:r>
+            <a:r>
+              <a:rPr lang="it-IT" dirty="0"/>
+              <a:t> limited control over </a:t>
+            </a:r>
+            <a:r>
+              <a:rPr lang="it-IT" dirty="0" err="1"/>
+              <a:t>their</a:t>
+            </a:r>
+            <a:r>
+              <a:rPr lang="it-IT" dirty="0"/>
+              <a:t> </a:t>
+            </a:r>
+            <a:r>
+              <a:rPr lang="it-IT" dirty="0" err="1"/>
+              <a:t>lyfe-cycle</a:t>
+            </a:r>
+            <a:r>
+              <a:rPr lang="it-IT" dirty="0"/>
+              <a:t>.</a:t>
+            </a:r>
+          </a:p>
+          <a:p>
+            <a:pPr marL="0" indent="0">
+              <a:buNone/>
+            </a:pPr>
+            <a:r>
+              <a:rPr lang="it-IT" dirty="0"/>
+              <a:t>E</a:t>
+            </a:r>
+            <a:r>
+              <a:rPr lang="en-US" dirty="0"/>
+              <a:t>very Android application runs in its own Linux process</a:t>
+            </a:r>
+            <a:r>
+              <a:rPr lang="it-IT" dirty="0"/>
+              <a:t>. </a:t>
+            </a:r>
+          </a:p>
+          <a:p>
+            <a:pPr marL="0" indent="0">
+              <a:buNone/>
+            </a:pPr>
+            <a:r>
+              <a:rPr lang="it-IT" dirty="0"/>
+              <a:t>Memory and </a:t>
+            </a:r>
+            <a:r>
+              <a:rPr lang="en-GB" dirty="0"/>
+              <a:t>process</a:t>
+            </a:r>
+            <a:r>
+              <a:rPr lang="it-IT" dirty="0"/>
+              <a:t> management </a:t>
+            </a:r>
+            <a:r>
+              <a:rPr lang="it-IT" dirty="0" err="1"/>
+              <a:t>is</a:t>
+            </a:r>
+            <a:r>
+              <a:rPr lang="it-IT" dirty="0"/>
+              <a:t> </a:t>
+            </a:r>
+            <a:r>
+              <a:rPr lang="it-IT" dirty="0" err="1"/>
+              <a:t>handled</a:t>
+            </a:r>
+            <a:r>
+              <a:rPr lang="it-IT" dirty="0"/>
+              <a:t> by ART. Android </a:t>
+            </a:r>
+            <a:r>
+              <a:rPr lang="it-IT" dirty="0" err="1"/>
+              <a:t>assigns</a:t>
+            </a:r>
+            <a:r>
+              <a:rPr lang="it-IT" dirty="0"/>
+              <a:t> </a:t>
+            </a:r>
+            <a:r>
+              <a:rPr lang="it-IT" dirty="0" err="1"/>
+              <a:t>resources</a:t>
+            </a:r>
+            <a:r>
+              <a:rPr lang="it-IT" dirty="0"/>
+              <a:t> and </a:t>
+            </a:r>
+            <a:r>
+              <a:rPr lang="it-IT" dirty="0" err="1"/>
+              <a:t>determines</a:t>
+            </a:r>
+            <a:r>
+              <a:rPr lang="it-IT" dirty="0"/>
+              <a:t> </a:t>
+            </a:r>
+            <a:r>
+              <a:rPr lang="it-IT" dirty="0" err="1"/>
+              <a:t>which</a:t>
+            </a:r>
+            <a:r>
+              <a:rPr lang="it-IT" dirty="0"/>
+              <a:t> </a:t>
+            </a:r>
+            <a:r>
+              <a:rPr lang="it-IT" dirty="0" err="1"/>
+              <a:t>processes</a:t>
+            </a:r>
+            <a:r>
+              <a:rPr lang="it-IT" dirty="0"/>
+              <a:t> </a:t>
+            </a:r>
+            <a:r>
+              <a:rPr lang="it-IT" dirty="0" err="1"/>
+              <a:t>should</a:t>
+            </a:r>
+            <a:r>
+              <a:rPr lang="it-IT" dirty="0"/>
+              <a:t> be </a:t>
+            </a:r>
+            <a:r>
+              <a:rPr lang="it-IT" dirty="0" err="1"/>
+              <a:t>killed</a:t>
+            </a:r>
+            <a:r>
+              <a:rPr lang="it-IT" dirty="0"/>
+              <a:t> on the </a:t>
+            </a:r>
+            <a:r>
+              <a:rPr lang="it-IT" dirty="0" err="1"/>
+              <a:t>basis</a:t>
+            </a:r>
+            <a:r>
+              <a:rPr lang="it-IT" dirty="0"/>
+              <a:t> of </a:t>
+            </a:r>
+            <a:r>
+              <a:rPr lang="it-IT" dirty="0" err="1">
+                <a:solidFill>
+                  <a:srgbClr val="FF0000"/>
+                </a:solidFill>
+              </a:rPr>
+              <a:t>process</a:t>
+            </a:r>
+            <a:r>
+              <a:rPr lang="it-IT" dirty="0">
+                <a:solidFill>
+                  <a:srgbClr val="FF0000"/>
+                </a:solidFill>
+              </a:rPr>
+              <a:t> </a:t>
+            </a:r>
+            <a:r>
+              <a:rPr lang="it-IT" dirty="0" err="1">
+                <a:solidFill>
+                  <a:srgbClr val="FF0000"/>
+                </a:solidFill>
+              </a:rPr>
+              <a:t>priority</a:t>
+            </a:r>
+            <a:r>
+              <a:rPr lang="it-IT" dirty="0"/>
+              <a:t>: </a:t>
+            </a:r>
+          </a:p>
+          <a:p>
+            <a:r>
+              <a:rPr lang="it-IT" dirty="0">
+                <a:solidFill>
+                  <a:srgbClr val="FF0000"/>
+                </a:solidFill>
+              </a:rPr>
+              <a:t>Active </a:t>
+            </a:r>
+            <a:r>
+              <a:rPr lang="it-IT" dirty="0" err="1">
+                <a:solidFill>
+                  <a:srgbClr val="FF0000"/>
+                </a:solidFill>
+              </a:rPr>
+              <a:t>process</a:t>
+            </a:r>
+            <a:r>
+              <a:rPr lang="it-IT" dirty="0">
+                <a:solidFill>
+                  <a:srgbClr val="FF0000"/>
+                </a:solidFill>
+              </a:rPr>
+              <a:t> (Top </a:t>
+            </a:r>
+            <a:r>
+              <a:rPr lang="it-IT" dirty="0" err="1">
+                <a:solidFill>
+                  <a:srgbClr val="FF0000"/>
+                </a:solidFill>
+              </a:rPr>
+              <a:t>Priority</a:t>
+            </a:r>
+            <a:r>
+              <a:rPr lang="it-IT" dirty="0">
+                <a:solidFill>
+                  <a:srgbClr val="FF0000"/>
+                </a:solidFill>
+              </a:rPr>
+              <a:t>): </a:t>
+            </a:r>
+            <a:r>
+              <a:rPr lang="it-IT" dirty="0" err="1"/>
+              <a:t>have</a:t>
+            </a:r>
+            <a:r>
+              <a:rPr lang="it-IT" dirty="0"/>
+              <a:t> </a:t>
+            </a:r>
+            <a:r>
+              <a:rPr lang="it-IT" dirty="0" err="1"/>
+              <a:t>active</a:t>
+            </a:r>
+            <a:r>
+              <a:rPr lang="it-IT" dirty="0"/>
+              <a:t> </a:t>
+            </a:r>
+            <a:r>
+              <a:rPr lang="it-IT" dirty="0" err="1"/>
+              <a:t>components</a:t>
+            </a:r>
+            <a:r>
+              <a:rPr lang="it-IT" dirty="0"/>
+              <a:t> </a:t>
+            </a:r>
+            <a:r>
+              <a:rPr lang="it-IT" dirty="0" err="1"/>
+              <a:t>which</a:t>
+            </a:r>
+            <a:r>
+              <a:rPr lang="it-IT" dirty="0"/>
+              <a:t> </a:t>
+            </a:r>
+            <a:r>
+              <a:rPr lang="it-IT" dirty="0" err="1"/>
+              <a:t>is</a:t>
+            </a:r>
+            <a:r>
+              <a:rPr lang="it-IT" dirty="0"/>
+              <a:t> </a:t>
+            </a:r>
+            <a:r>
+              <a:rPr lang="it-IT" dirty="0" err="1"/>
+              <a:t>interacting</a:t>
+            </a:r>
+            <a:r>
+              <a:rPr lang="it-IT" dirty="0"/>
+              <a:t> with user (e.g. user </a:t>
+            </a:r>
+            <a:r>
+              <a:rPr lang="it-IT" dirty="0" err="1"/>
+              <a:t>is</a:t>
+            </a:r>
+            <a:r>
+              <a:rPr lang="it-IT" dirty="0"/>
+              <a:t> </a:t>
+            </a:r>
+            <a:r>
+              <a:rPr lang="it-IT" dirty="0" err="1"/>
+              <a:t>typing</a:t>
+            </a:r>
+            <a:r>
+              <a:rPr lang="it-IT" dirty="0"/>
+              <a:t> in a </a:t>
+            </a:r>
+            <a:r>
+              <a:rPr lang="it-IT" dirty="0" err="1"/>
+              <a:t>search</a:t>
+            </a:r>
+            <a:r>
+              <a:rPr lang="it-IT" dirty="0"/>
+              <a:t> box)</a:t>
+            </a:r>
+          </a:p>
+          <a:p>
+            <a:r>
+              <a:rPr lang="it-IT" dirty="0" err="1">
+                <a:solidFill>
+                  <a:srgbClr val="FF0000"/>
+                </a:solidFill>
+              </a:rPr>
+              <a:t>Visible</a:t>
+            </a:r>
+            <a:r>
+              <a:rPr lang="it-IT" dirty="0">
+                <a:solidFill>
+                  <a:srgbClr val="FF0000"/>
+                </a:solidFill>
+              </a:rPr>
+              <a:t> </a:t>
+            </a:r>
+            <a:r>
+              <a:rPr lang="it-IT" dirty="0" err="1">
+                <a:solidFill>
+                  <a:srgbClr val="FF0000"/>
+                </a:solidFill>
+              </a:rPr>
+              <a:t>process</a:t>
+            </a:r>
+            <a:r>
+              <a:rPr lang="it-IT" dirty="0">
+                <a:solidFill>
+                  <a:srgbClr val="FF0000"/>
+                </a:solidFill>
+              </a:rPr>
+              <a:t> (High </a:t>
+            </a:r>
+            <a:r>
+              <a:rPr lang="it-IT" dirty="0" err="1">
+                <a:solidFill>
+                  <a:srgbClr val="FF0000"/>
+                </a:solidFill>
+              </a:rPr>
+              <a:t>Priority</a:t>
+            </a:r>
+            <a:r>
+              <a:rPr lang="it-IT" dirty="0">
+                <a:solidFill>
+                  <a:srgbClr val="FF0000"/>
+                </a:solidFill>
+              </a:rPr>
+              <a:t>): </a:t>
+            </a:r>
+            <a:r>
+              <a:rPr lang="it-IT" dirty="0" err="1"/>
+              <a:t>visible</a:t>
+            </a:r>
+            <a:r>
+              <a:rPr lang="it-IT" dirty="0"/>
+              <a:t> </a:t>
+            </a:r>
+            <a:r>
+              <a:rPr lang="it-IT" dirty="0" err="1"/>
+              <a:t>but</a:t>
+            </a:r>
+            <a:r>
+              <a:rPr lang="it-IT" dirty="0"/>
+              <a:t> </a:t>
+            </a:r>
+            <a:r>
+              <a:rPr lang="it-IT" dirty="0" err="1"/>
+              <a:t>inactive</a:t>
+            </a:r>
+            <a:r>
+              <a:rPr lang="it-IT" dirty="0"/>
+              <a:t> </a:t>
+            </a:r>
+            <a:r>
+              <a:rPr lang="it-IT" dirty="0" err="1"/>
+              <a:t>components</a:t>
+            </a:r>
+            <a:r>
+              <a:rPr lang="it-IT" dirty="0"/>
+              <a:t> (e.g. an activities </a:t>
+            </a:r>
+            <a:r>
+              <a:rPr lang="it-IT" dirty="0" err="1"/>
+              <a:t>partial</a:t>
+            </a:r>
+            <a:r>
+              <a:rPr lang="it-IT" dirty="0"/>
+              <a:t> </a:t>
+            </a:r>
+            <a:r>
+              <a:rPr lang="it-IT" dirty="0" err="1"/>
+              <a:t>obscured</a:t>
+            </a:r>
+            <a:r>
+              <a:rPr lang="it-IT" dirty="0"/>
+              <a:t> by a pop up </a:t>
+            </a:r>
+            <a:r>
+              <a:rPr lang="it-IT" dirty="0" err="1"/>
+              <a:t>element</a:t>
+            </a:r>
+            <a:r>
+              <a:rPr lang="it-IT" dirty="0"/>
+              <a:t>)</a:t>
+            </a:r>
+          </a:p>
+          <a:p>
+            <a:r>
+              <a:rPr lang="it-IT" dirty="0" err="1">
+                <a:solidFill>
+                  <a:srgbClr val="FF0000"/>
+                </a:solidFill>
+              </a:rPr>
+              <a:t>Started</a:t>
+            </a:r>
+            <a:r>
+              <a:rPr lang="it-IT" dirty="0">
+                <a:solidFill>
+                  <a:srgbClr val="FF0000"/>
+                </a:solidFill>
+              </a:rPr>
+              <a:t> background service </a:t>
+            </a:r>
+            <a:r>
+              <a:rPr lang="it-IT" dirty="0" err="1">
+                <a:solidFill>
+                  <a:srgbClr val="FF0000"/>
+                </a:solidFill>
+              </a:rPr>
+              <a:t>process</a:t>
+            </a:r>
+            <a:r>
+              <a:rPr lang="it-IT" dirty="0">
+                <a:solidFill>
+                  <a:srgbClr val="FF0000"/>
+                </a:solidFill>
+              </a:rPr>
+              <a:t> (Medium </a:t>
+            </a:r>
+            <a:r>
+              <a:rPr lang="it-IT" dirty="0" err="1">
+                <a:solidFill>
+                  <a:srgbClr val="FF0000"/>
+                </a:solidFill>
+              </a:rPr>
+              <a:t>priority</a:t>
+            </a:r>
+            <a:r>
+              <a:rPr lang="it-IT" dirty="0">
+                <a:solidFill>
+                  <a:srgbClr val="FF0000"/>
+                </a:solidFill>
+              </a:rPr>
+              <a:t>): </a:t>
+            </a:r>
+            <a:r>
+              <a:rPr lang="it-IT" dirty="0"/>
+              <a:t>hosting </a:t>
+            </a:r>
+            <a:r>
+              <a:rPr lang="it-IT" dirty="0" err="1"/>
+              <a:t>backgroud</a:t>
+            </a:r>
+            <a:r>
+              <a:rPr lang="it-IT" dirty="0"/>
+              <a:t> services </a:t>
+            </a:r>
+            <a:r>
+              <a:rPr lang="it-IT" dirty="0" err="1"/>
+              <a:t>that</a:t>
+            </a:r>
+            <a:r>
+              <a:rPr lang="it-IT" dirty="0"/>
+              <a:t> </a:t>
+            </a:r>
+            <a:r>
+              <a:rPr lang="it-IT" dirty="0" err="1"/>
+              <a:t>have</a:t>
+            </a:r>
+            <a:r>
+              <a:rPr lang="it-IT" dirty="0"/>
+              <a:t> </a:t>
+            </a:r>
+            <a:r>
+              <a:rPr lang="it-IT" dirty="0" err="1"/>
+              <a:t>been</a:t>
+            </a:r>
+            <a:r>
+              <a:rPr lang="it-IT" dirty="0"/>
+              <a:t> </a:t>
+            </a:r>
+            <a:r>
+              <a:rPr lang="it-IT" dirty="0" err="1"/>
+              <a:t>started</a:t>
+            </a:r>
+            <a:r>
+              <a:rPr lang="it-IT" dirty="0"/>
+              <a:t> </a:t>
+            </a:r>
+          </a:p>
+          <a:p>
+            <a:r>
+              <a:rPr lang="it-IT" dirty="0">
+                <a:solidFill>
+                  <a:srgbClr val="FF0000"/>
+                </a:solidFill>
+              </a:rPr>
+              <a:t>Background </a:t>
+            </a:r>
+            <a:r>
+              <a:rPr lang="it-IT" dirty="0" err="1">
+                <a:solidFill>
+                  <a:srgbClr val="FF0000"/>
+                </a:solidFill>
+              </a:rPr>
+              <a:t>process</a:t>
+            </a:r>
+            <a:r>
+              <a:rPr lang="it-IT" dirty="0">
+                <a:solidFill>
+                  <a:srgbClr val="FF0000"/>
+                </a:solidFill>
+              </a:rPr>
+              <a:t> (Low </a:t>
+            </a:r>
+            <a:r>
+              <a:rPr lang="it-IT" dirty="0" err="1">
+                <a:solidFill>
+                  <a:srgbClr val="FF0000"/>
+                </a:solidFill>
+              </a:rPr>
+              <a:t>Priority</a:t>
+            </a:r>
+            <a:r>
+              <a:rPr lang="it-IT" dirty="0">
+                <a:solidFill>
+                  <a:srgbClr val="FF0000"/>
+                </a:solidFill>
+              </a:rPr>
+              <a:t>): </a:t>
+            </a:r>
+            <a:r>
+              <a:rPr lang="it-IT" dirty="0"/>
+              <a:t>hosting activities </a:t>
+            </a:r>
+            <a:r>
+              <a:rPr lang="it-IT" dirty="0" err="1"/>
+              <a:t>wthat</a:t>
+            </a:r>
+            <a:r>
+              <a:rPr lang="it-IT" dirty="0"/>
+              <a:t> </a:t>
+            </a:r>
+            <a:r>
+              <a:rPr lang="it-IT" dirty="0" err="1"/>
+              <a:t>aren’t</a:t>
+            </a:r>
+            <a:r>
+              <a:rPr lang="it-IT" dirty="0"/>
+              <a:t> </a:t>
+            </a:r>
+            <a:r>
+              <a:rPr lang="it-IT" dirty="0" err="1"/>
+              <a:t>visible</a:t>
+            </a:r>
+            <a:r>
+              <a:rPr lang="it-IT" dirty="0"/>
+              <a:t> and </a:t>
+            </a:r>
+            <a:r>
+              <a:rPr lang="it-IT" dirty="0" err="1"/>
+              <a:t>don’t</a:t>
+            </a:r>
+            <a:r>
+              <a:rPr lang="it-IT" dirty="0"/>
+              <a:t> </a:t>
+            </a:r>
+            <a:r>
+              <a:rPr lang="it-IT" dirty="0" err="1"/>
+              <a:t>have</a:t>
+            </a:r>
+            <a:r>
+              <a:rPr lang="it-IT" dirty="0"/>
+              <a:t> running services (e.g. </a:t>
+            </a:r>
+            <a:r>
+              <a:rPr lang="it-IT" dirty="0" err="1"/>
+              <a:t>when</a:t>
+            </a:r>
+            <a:r>
+              <a:rPr lang="it-IT" dirty="0"/>
+              <a:t> </a:t>
+            </a:r>
+            <a:r>
+              <a:rPr lang="it-IT" dirty="0" err="1"/>
+              <a:t>you</a:t>
+            </a:r>
+            <a:r>
+              <a:rPr lang="it-IT" dirty="0"/>
+              <a:t> </a:t>
+            </a:r>
+            <a:r>
+              <a:rPr lang="it-IT" dirty="0" err="1"/>
+              <a:t>tap</a:t>
+            </a:r>
+            <a:r>
+              <a:rPr lang="it-IT" dirty="0"/>
+              <a:t> home screen or </a:t>
+            </a:r>
+            <a:r>
+              <a:rPr lang="it-IT" dirty="0" err="1"/>
+              <a:t>recent</a:t>
+            </a:r>
+            <a:r>
+              <a:rPr lang="it-IT" dirty="0"/>
+              <a:t> </a:t>
+            </a:r>
+            <a:r>
+              <a:rPr lang="it-IT" dirty="0" err="1"/>
+              <a:t>applications</a:t>
+            </a:r>
+            <a:r>
+              <a:rPr lang="it-IT" dirty="0"/>
+              <a:t> </a:t>
+            </a:r>
+            <a:r>
+              <a:rPr lang="it-IT" dirty="0" err="1"/>
+              <a:t>button</a:t>
+            </a:r>
+            <a:r>
+              <a:rPr lang="it-IT" dirty="0"/>
+              <a:t>, activity </a:t>
+            </a:r>
+            <a:r>
+              <a:rPr lang="it-IT" dirty="0" err="1"/>
+              <a:t>that</a:t>
+            </a:r>
+            <a:r>
+              <a:rPr lang="it-IT" dirty="0"/>
+              <a:t> </a:t>
+            </a:r>
+            <a:r>
+              <a:rPr lang="it-IT" dirty="0" err="1"/>
+              <a:t>was</a:t>
+            </a:r>
+            <a:r>
+              <a:rPr lang="it-IT" dirty="0"/>
+              <a:t> running go in background)</a:t>
+            </a:r>
+          </a:p>
+        </p:txBody>
+      </p:sp>
+      <p:sp>
+        <p:nvSpPr>
+          <p:cNvPr id="4" name="Segnaposto numero diapositiva 3">
+            <a:extLst>
+              <a:ext uri="{FF2B5EF4-FFF2-40B4-BE49-F238E27FC236}">
+                <a16:creationId xmlns:a16="http://schemas.microsoft.com/office/drawing/2014/main" id="{8DA66314-0731-4F76-9A8A-8AAEEA011B4B}"/>
+              </a:ext>
+            </a:extLst>
+          </p:cNvPr>
+          <p:cNvSpPr>
+            <a:spLocks noGrp="1"/>
+          </p:cNvSpPr>
+          <p:nvPr>
+            <p:ph type="sldNum" sz="quarter" idx="12"/>
+          </p:nvPr>
+        </p:nvSpPr>
+        <p:spPr/>
+        <p:txBody>
+          <a:bodyPr/>
+          <a:lstStyle/>
+          <a:p>
+            <a:fld id="{D2040F39-7941-49A4-B48D-F201B18B6351}" type="slidenum">
+              <a:rPr lang="it-IT" smtClean="0"/>
+              <a:pPr/>
+              <a:t>3</a:t>
+            </a:fld>
+            <a:endParaRPr lang="it-IT" dirty="0"/>
+          </a:p>
+        </p:txBody>
+      </p:sp>
+    </p:spTree>
+    <p:extLst>
+      <p:ext uri="{BB962C8B-B14F-4D97-AF65-F5344CB8AC3E}">
+        <p14:creationId xmlns:p14="http://schemas.microsoft.com/office/powerpoint/2010/main" val="272851862"/>
+      </p:ext>
+    </p:extLst>
+  </p:cSld>
+  <p:clrMapOvr>
+    <a:masterClrMapping/>
+  </p:clrMapOvr>
+</p:sld>
+</file>
+
+<file path=ppt/slides/slide30.xml><?xml version="1.0" encoding="utf-8"?>
 <p:sld xmlns:a="http://schemas.openxmlformats.org/drawingml/2006/main" xmlns:r="http://schemas.openxmlformats.org/officeDocument/2006/relationships" xmlns:p="http://schemas.openxmlformats.org/presentationml/2006/main">
   <p:cSld>
     <p:spTree>
@@ -13633,7 +15110,7 @@
             <a:fld id="{D2040F39-7941-49A4-B48D-F201B18B6351}" type="slidenum">
               <a:rPr lang="it-IT" smtClean="0"/>
               <a:pPr/>
-              <a:t>27</a:t>
+              <a:t>30</a:t>
             </a:fld>
             <a:endParaRPr lang="it-IT" dirty="0"/>
           </a:p>
@@ -13652,7 +15129,7 @@
 </p:sld>
 </file>
 
-<file path=ppt/slides/slide28.xml><?xml version="1.0" encoding="utf-8"?>
+<file path=ppt/slides/slide31.xml><?xml version="1.0" encoding="utf-8"?>
 <p:sld xmlns:a="http://schemas.openxmlformats.org/drawingml/2006/main" xmlns:r="http://schemas.openxmlformats.org/officeDocument/2006/relationships" xmlns:p="http://schemas.openxmlformats.org/presentationml/2006/main">
   <p:cSld>
     <p:spTree>
@@ -14045,7 +15522,7 @@
             <a:fld id="{D2040F39-7941-49A4-B48D-F201B18B6351}" type="slidenum">
               <a:rPr lang="it-IT" smtClean="0"/>
               <a:pPr/>
-              <a:t>28</a:t>
+              <a:t>31</a:t>
             </a:fld>
             <a:endParaRPr lang="it-IT" dirty="0"/>
           </a:p>
@@ -14064,7 +15541,7 @@
 </p:sld>
 </file>
 
-<file path=ppt/slides/slide29.xml><?xml version="1.0" encoding="utf-8"?>
+<file path=ppt/slides/slide32.xml><?xml version="1.0" encoding="utf-8"?>
 <p:sld xmlns:a="http://schemas.openxmlformats.org/drawingml/2006/main" xmlns:r="http://schemas.openxmlformats.org/officeDocument/2006/relationships" xmlns:p="http://schemas.openxmlformats.org/presentationml/2006/main">
   <p:cSld>
     <p:spTree>
@@ -14402,7 +15879,7 @@
             <a:fld id="{D2040F39-7941-49A4-B48D-F201B18B6351}" type="slidenum">
               <a:rPr lang="it-IT" smtClean="0"/>
               <a:pPr/>
-              <a:t>29</a:t>
+              <a:t>32</a:t>
             </a:fld>
             <a:endParaRPr lang="it-IT" dirty="0"/>
           </a:p>
@@ -14470,771 +15947,7 @@
 </p:sld>
 </file>
 
-<file path=ppt/slides/slide3.xml><?xml version="1.0" encoding="utf-8"?>
-<p:sld xmlns:a="http://schemas.openxmlformats.org/drawingml/2006/main" xmlns:r="http://schemas.openxmlformats.org/officeDocument/2006/relationships" xmlns:p="http://schemas.openxmlformats.org/presentationml/2006/main">
-  <p:cSld>
-    <p:spTree>
-      <p:nvGrpSpPr>
-        <p:cNvPr id="1" name=""/>
-        <p:cNvGrpSpPr/>
-        <p:nvPr/>
-      </p:nvGrpSpPr>
-      <p:grpSpPr>
-        <a:xfrm>
-          <a:off x="0" y="0"/>
-          <a:ext cx="0" cy="0"/>
-          <a:chOff x="0" y="0"/>
-          <a:chExt cx="0" cy="0"/>
-        </a:xfrm>
-      </p:grpSpPr>
-      <p:sp>
-        <p:nvSpPr>
-          <p:cNvPr id="2" name="Titolo 1">
-            <a:extLst>
-              <a:ext uri="{FF2B5EF4-FFF2-40B4-BE49-F238E27FC236}">
-                <a16:creationId xmlns:a16="http://schemas.microsoft.com/office/drawing/2014/main" id="{647AC6B3-E88C-4454-9088-D967C79B07DD}"/>
-              </a:ext>
-            </a:extLst>
-          </p:cNvPr>
-          <p:cNvSpPr>
-            <a:spLocks noGrp="1"/>
-          </p:cNvSpPr>
-          <p:nvPr>
-            <p:ph type="title"/>
-          </p:nvPr>
-        </p:nvSpPr>
-        <p:spPr/>
-        <p:txBody>
-          <a:bodyPr/>
-          <a:lstStyle/>
-          <a:p>
-            <a:r>
-              <a:rPr lang="it-IT" dirty="0"/>
-              <a:t>Application life-</a:t>
-            </a:r>
-            <a:r>
-              <a:rPr lang="it-IT" dirty="0" err="1"/>
-              <a:t>cycle</a:t>
-            </a:r>
-            <a:r>
-              <a:rPr lang="it-IT" dirty="0"/>
-              <a:t> and </a:t>
-            </a:r>
-            <a:r>
-              <a:rPr lang="it-IT" dirty="0" err="1"/>
-              <a:t>priority</a:t>
-            </a:r>
-            <a:endParaRPr lang="it-IT" dirty="0"/>
-          </a:p>
-        </p:txBody>
-      </p:sp>
-      <p:sp>
-        <p:nvSpPr>
-          <p:cNvPr id="3" name="Segnaposto contenuto 2">
-            <a:extLst>
-              <a:ext uri="{FF2B5EF4-FFF2-40B4-BE49-F238E27FC236}">
-                <a16:creationId xmlns:a16="http://schemas.microsoft.com/office/drawing/2014/main" id="{DC419C53-9EEA-43D6-8B56-F6B5C3E402E7}"/>
-              </a:ext>
-            </a:extLst>
-          </p:cNvPr>
-          <p:cNvSpPr>
-            <a:spLocks noGrp="1"/>
-          </p:cNvSpPr>
-          <p:nvPr>
-            <p:ph idx="1"/>
-          </p:nvPr>
-        </p:nvSpPr>
-        <p:spPr/>
-        <p:txBody>
-          <a:bodyPr>
-            <a:normAutofit fontScale="77500" lnSpcReduction="20000"/>
-          </a:bodyPr>
-          <a:lstStyle/>
-          <a:p>
-            <a:pPr marL="0" indent="0">
-              <a:buNone/>
-            </a:pPr>
-            <a:r>
-              <a:rPr lang="it-IT" dirty="0"/>
-              <a:t>Apps </a:t>
-            </a:r>
-            <a:r>
-              <a:rPr lang="en-GB" dirty="0"/>
-              <a:t>have</a:t>
-            </a:r>
-            <a:r>
-              <a:rPr lang="it-IT" dirty="0"/>
-              <a:t> limited control over </a:t>
-            </a:r>
-            <a:r>
-              <a:rPr lang="it-IT" dirty="0" err="1"/>
-              <a:t>their</a:t>
-            </a:r>
-            <a:r>
-              <a:rPr lang="it-IT" dirty="0"/>
-              <a:t> </a:t>
-            </a:r>
-            <a:r>
-              <a:rPr lang="it-IT" dirty="0" err="1"/>
-              <a:t>lyfe-cycle</a:t>
-            </a:r>
-            <a:r>
-              <a:rPr lang="it-IT" dirty="0"/>
-              <a:t>.</a:t>
-            </a:r>
-          </a:p>
-          <a:p>
-            <a:pPr marL="0" indent="0">
-              <a:buNone/>
-            </a:pPr>
-            <a:r>
-              <a:rPr lang="it-IT" dirty="0"/>
-              <a:t>E</a:t>
-            </a:r>
-            <a:r>
-              <a:rPr lang="en-US" dirty="0"/>
-              <a:t>very Android application runs in its own Linux process</a:t>
-            </a:r>
-            <a:r>
-              <a:rPr lang="it-IT" dirty="0"/>
-              <a:t>. </a:t>
-            </a:r>
-          </a:p>
-          <a:p>
-            <a:pPr marL="0" indent="0">
-              <a:buNone/>
-            </a:pPr>
-            <a:r>
-              <a:rPr lang="it-IT" dirty="0"/>
-              <a:t>Memory and </a:t>
-            </a:r>
-            <a:r>
-              <a:rPr lang="en-GB" dirty="0"/>
-              <a:t>process</a:t>
-            </a:r>
-            <a:r>
-              <a:rPr lang="it-IT" dirty="0"/>
-              <a:t> management </a:t>
-            </a:r>
-            <a:r>
-              <a:rPr lang="it-IT" dirty="0" err="1"/>
-              <a:t>is</a:t>
-            </a:r>
-            <a:r>
-              <a:rPr lang="it-IT" dirty="0"/>
-              <a:t> </a:t>
-            </a:r>
-            <a:r>
-              <a:rPr lang="it-IT" dirty="0" err="1"/>
-              <a:t>handled</a:t>
-            </a:r>
-            <a:r>
-              <a:rPr lang="it-IT" dirty="0"/>
-              <a:t> by ART. Android </a:t>
-            </a:r>
-            <a:r>
-              <a:rPr lang="it-IT" dirty="0" err="1"/>
-              <a:t>assigns</a:t>
-            </a:r>
-            <a:r>
-              <a:rPr lang="it-IT" dirty="0"/>
-              <a:t> </a:t>
-            </a:r>
-            <a:r>
-              <a:rPr lang="it-IT" dirty="0" err="1"/>
-              <a:t>resources</a:t>
-            </a:r>
-            <a:r>
-              <a:rPr lang="it-IT" dirty="0"/>
-              <a:t> and </a:t>
-            </a:r>
-            <a:r>
-              <a:rPr lang="it-IT" dirty="0" err="1"/>
-              <a:t>determines</a:t>
-            </a:r>
-            <a:r>
-              <a:rPr lang="it-IT" dirty="0"/>
-              <a:t> </a:t>
-            </a:r>
-            <a:r>
-              <a:rPr lang="it-IT" dirty="0" err="1"/>
-              <a:t>which</a:t>
-            </a:r>
-            <a:r>
-              <a:rPr lang="it-IT" dirty="0"/>
-              <a:t> </a:t>
-            </a:r>
-            <a:r>
-              <a:rPr lang="it-IT" dirty="0" err="1"/>
-              <a:t>processes</a:t>
-            </a:r>
-            <a:r>
-              <a:rPr lang="it-IT" dirty="0"/>
-              <a:t> </a:t>
-            </a:r>
-            <a:r>
-              <a:rPr lang="it-IT" dirty="0" err="1"/>
-              <a:t>should</a:t>
-            </a:r>
-            <a:r>
-              <a:rPr lang="it-IT" dirty="0"/>
-              <a:t> be </a:t>
-            </a:r>
-            <a:r>
-              <a:rPr lang="it-IT" dirty="0" err="1"/>
-              <a:t>killed</a:t>
-            </a:r>
-            <a:r>
-              <a:rPr lang="it-IT" dirty="0"/>
-              <a:t> on the </a:t>
-            </a:r>
-            <a:r>
-              <a:rPr lang="it-IT" dirty="0" err="1"/>
-              <a:t>basis</a:t>
-            </a:r>
-            <a:r>
-              <a:rPr lang="it-IT" dirty="0"/>
-              <a:t> of </a:t>
-            </a:r>
-            <a:r>
-              <a:rPr lang="it-IT" dirty="0" err="1">
-                <a:solidFill>
-                  <a:srgbClr val="FF0000"/>
-                </a:solidFill>
-              </a:rPr>
-              <a:t>process</a:t>
-            </a:r>
-            <a:r>
-              <a:rPr lang="it-IT" dirty="0">
-                <a:solidFill>
-                  <a:srgbClr val="FF0000"/>
-                </a:solidFill>
-              </a:rPr>
-              <a:t> </a:t>
-            </a:r>
-            <a:r>
-              <a:rPr lang="it-IT" dirty="0" err="1">
-                <a:solidFill>
-                  <a:srgbClr val="FF0000"/>
-                </a:solidFill>
-              </a:rPr>
-              <a:t>priority</a:t>
-            </a:r>
-            <a:r>
-              <a:rPr lang="it-IT" dirty="0"/>
-              <a:t>: </a:t>
-            </a:r>
-          </a:p>
-          <a:p>
-            <a:r>
-              <a:rPr lang="it-IT" dirty="0">
-                <a:solidFill>
-                  <a:srgbClr val="FF0000"/>
-                </a:solidFill>
-              </a:rPr>
-              <a:t>Active </a:t>
-            </a:r>
-            <a:r>
-              <a:rPr lang="it-IT" dirty="0" err="1">
-                <a:solidFill>
-                  <a:srgbClr val="FF0000"/>
-                </a:solidFill>
-              </a:rPr>
-              <a:t>process</a:t>
-            </a:r>
-            <a:r>
-              <a:rPr lang="it-IT" dirty="0">
-                <a:solidFill>
-                  <a:srgbClr val="FF0000"/>
-                </a:solidFill>
-              </a:rPr>
-              <a:t> (Top </a:t>
-            </a:r>
-            <a:r>
-              <a:rPr lang="it-IT" dirty="0" err="1">
-                <a:solidFill>
-                  <a:srgbClr val="FF0000"/>
-                </a:solidFill>
-              </a:rPr>
-              <a:t>Priority</a:t>
-            </a:r>
-            <a:r>
-              <a:rPr lang="it-IT" dirty="0">
-                <a:solidFill>
-                  <a:srgbClr val="FF0000"/>
-                </a:solidFill>
-              </a:rPr>
-              <a:t>): </a:t>
-            </a:r>
-            <a:r>
-              <a:rPr lang="it-IT" dirty="0" err="1"/>
-              <a:t>have</a:t>
-            </a:r>
-            <a:r>
-              <a:rPr lang="it-IT" dirty="0"/>
-              <a:t> </a:t>
-            </a:r>
-            <a:r>
-              <a:rPr lang="it-IT" dirty="0" err="1"/>
-              <a:t>active</a:t>
-            </a:r>
-            <a:r>
-              <a:rPr lang="it-IT" dirty="0"/>
-              <a:t> </a:t>
-            </a:r>
-            <a:r>
-              <a:rPr lang="it-IT" dirty="0" err="1"/>
-              <a:t>components</a:t>
-            </a:r>
-            <a:r>
-              <a:rPr lang="it-IT" dirty="0"/>
-              <a:t> </a:t>
-            </a:r>
-            <a:r>
-              <a:rPr lang="it-IT" dirty="0" err="1"/>
-              <a:t>which</a:t>
-            </a:r>
-            <a:r>
-              <a:rPr lang="it-IT" dirty="0"/>
-              <a:t> </a:t>
-            </a:r>
-            <a:r>
-              <a:rPr lang="it-IT" dirty="0" err="1"/>
-              <a:t>is</a:t>
-            </a:r>
-            <a:r>
-              <a:rPr lang="it-IT" dirty="0"/>
-              <a:t> </a:t>
-            </a:r>
-            <a:r>
-              <a:rPr lang="it-IT" dirty="0" err="1"/>
-              <a:t>interacting</a:t>
-            </a:r>
-            <a:r>
-              <a:rPr lang="it-IT" dirty="0"/>
-              <a:t> with user (e.g. user </a:t>
-            </a:r>
-            <a:r>
-              <a:rPr lang="it-IT" dirty="0" err="1"/>
-              <a:t>is</a:t>
-            </a:r>
-            <a:r>
-              <a:rPr lang="it-IT" dirty="0"/>
-              <a:t> </a:t>
-            </a:r>
-            <a:r>
-              <a:rPr lang="it-IT" dirty="0" err="1"/>
-              <a:t>typing</a:t>
-            </a:r>
-            <a:r>
-              <a:rPr lang="it-IT" dirty="0"/>
-              <a:t> in a </a:t>
-            </a:r>
-            <a:r>
-              <a:rPr lang="it-IT" dirty="0" err="1"/>
-              <a:t>search</a:t>
-            </a:r>
-            <a:r>
-              <a:rPr lang="it-IT" dirty="0"/>
-              <a:t> box)</a:t>
-            </a:r>
-          </a:p>
-          <a:p>
-            <a:r>
-              <a:rPr lang="it-IT" dirty="0" err="1">
-                <a:solidFill>
-                  <a:srgbClr val="FF0000"/>
-                </a:solidFill>
-              </a:rPr>
-              <a:t>Visible</a:t>
-            </a:r>
-            <a:r>
-              <a:rPr lang="it-IT" dirty="0">
-                <a:solidFill>
-                  <a:srgbClr val="FF0000"/>
-                </a:solidFill>
-              </a:rPr>
-              <a:t> </a:t>
-            </a:r>
-            <a:r>
-              <a:rPr lang="it-IT" dirty="0" err="1">
-                <a:solidFill>
-                  <a:srgbClr val="FF0000"/>
-                </a:solidFill>
-              </a:rPr>
-              <a:t>process</a:t>
-            </a:r>
-            <a:r>
-              <a:rPr lang="it-IT" dirty="0">
-                <a:solidFill>
-                  <a:srgbClr val="FF0000"/>
-                </a:solidFill>
-              </a:rPr>
-              <a:t> (High </a:t>
-            </a:r>
-            <a:r>
-              <a:rPr lang="it-IT" dirty="0" err="1">
-                <a:solidFill>
-                  <a:srgbClr val="FF0000"/>
-                </a:solidFill>
-              </a:rPr>
-              <a:t>Priority</a:t>
-            </a:r>
-            <a:r>
-              <a:rPr lang="it-IT" dirty="0">
-                <a:solidFill>
-                  <a:srgbClr val="FF0000"/>
-                </a:solidFill>
-              </a:rPr>
-              <a:t>): </a:t>
-            </a:r>
-            <a:r>
-              <a:rPr lang="it-IT" dirty="0" err="1"/>
-              <a:t>visible</a:t>
-            </a:r>
-            <a:r>
-              <a:rPr lang="it-IT" dirty="0"/>
-              <a:t> </a:t>
-            </a:r>
-            <a:r>
-              <a:rPr lang="it-IT" dirty="0" err="1"/>
-              <a:t>but</a:t>
-            </a:r>
-            <a:r>
-              <a:rPr lang="it-IT" dirty="0"/>
-              <a:t> </a:t>
-            </a:r>
-            <a:r>
-              <a:rPr lang="it-IT" dirty="0" err="1"/>
-              <a:t>inactive</a:t>
-            </a:r>
-            <a:r>
-              <a:rPr lang="it-IT" dirty="0"/>
-              <a:t> </a:t>
-            </a:r>
-            <a:r>
-              <a:rPr lang="it-IT" dirty="0" err="1"/>
-              <a:t>components</a:t>
-            </a:r>
-            <a:r>
-              <a:rPr lang="it-IT" dirty="0"/>
-              <a:t> (e.g. an activities </a:t>
-            </a:r>
-            <a:r>
-              <a:rPr lang="it-IT" dirty="0" err="1"/>
-              <a:t>partial</a:t>
-            </a:r>
-            <a:r>
-              <a:rPr lang="it-IT" dirty="0"/>
-              <a:t> </a:t>
-            </a:r>
-            <a:r>
-              <a:rPr lang="it-IT" dirty="0" err="1"/>
-              <a:t>obscured</a:t>
-            </a:r>
-            <a:r>
-              <a:rPr lang="it-IT" dirty="0"/>
-              <a:t> by a pop up </a:t>
-            </a:r>
-            <a:r>
-              <a:rPr lang="it-IT" dirty="0" err="1"/>
-              <a:t>element</a:t>
-            </a:r>
-            <a:r>
-              <a:rPr lang="it-IT" dirty="0"/>
-              <a:t>)</a:t>
-            </a:r>
-          </a:p>
-          <a:p>
-            <a:r>
-              <a:rPr lang="it-IT" dirty="0" err="1">
-                <a:solidFill>
-                  <a:srgbClr val="FF0000"/>
-                </a:solidFill>
-              </a:rPr>
-              <a:t>Started</a:t>
-            </a:r>
-            <a:r>
-              <a:rPr lang="it-IT" dirty="0">
-                <a:solidFill>
-                  <a:srgbClr val="FF0000"/>
-                </a:solidFill>
-              </a:rPr>
-              <a:t> background service </a:t>
-            </a:r>
-            <a:r>
-              <a:rPr lang="it-IT" dirty="0" err="1">
-                <a:solidFill>
-                  <a:srgbClr val="FF0000"/>
-                </a:solidFill>
-              </a:rPr>
-              <a:t>process</a:t>
-            </a:r>
-            <a:r>
-              <a:rPr lang="it-IT" dirty="0">
-                <a:solidFill>
-                  <a:srgbClr val="FF0000"/>
-                </a:solidFill>
-              </a:rPr>
-              <a:t> (Medium </a:t>
-            </a:r>
-            <a:r>
-              <a:rPr lang="it-IT" dirty="0" err="1">
-                <a:solidFill>
-                  <a:srgbClr val="FF0000"/>
-                </a:solidFill>
-              </a:rPr>
-              <a:t>priority</a:t>
-            </a:r>
-            <a:r>
-              <a:rPr lang="it-IT" dirty="0">
-                <a:solidFill>
-                  <a:srgbClr val="FF0000"/>
-                </a:solidFill>
-              </a:rPr>
-              <a:t>): </a:t>
-            </a:r>
-            <a:r>
-              <a:rPr lang="it-IT" dirty="0"/>
-              <a:t>hosting </a:t>
-            </a:r>
-            <a:r>
-              <a:rPr lang="it-IT" dirty="0" err="1"/>
-              <a:t>backgroud</a:t>
-            </a:r>
-            <a:r>
-              <a:rPr lang="it-IT" dirty="0"/>
-              <a:t> services </a:t>
-            </a:r>
-            <a:r>
-              <a:rPr lang="it-IT" dirty="0" err="1"/>
-              <a:t>that</a:t>
-            </a:r>
-            <a:r>
-              <a:rPr lang="it-IT" dirty="0"/>
-              <a:t> </a:t>
-            </a:r>
-            <a:r>
-              <a:rPr lang="it-IT" dirty="0" err="1"/>
-              <a:t>have</a:t>
-            </a:r>
-            <a:r>
-              <a:rPr lang="it-IT" dirty="0"/>
-              <a:t> </a:t>
-            </a:r>
-            <a:r>
-              <a:rPr lang="it-IT" dirty="0" err="1"/>
-              <a:t>been</a:t>
-            </a:r>
-            <a:r>
-              <a:rPr lang="it-IT" dirty="0"/>
-              <a:t> </a:t>
-            </a:r>
-            <a:r>
-              <a:rPr lang="it-IT" dirty="0" err="1"/>
-              <a:t>started</a:t>
-            </a:r>
-            <a:r>
-              <a:rPr lang="it-IT" dirty="0"/>
-              <a:t> </a:t>
-            </a:r>
-          </a:p>
-          <a:p>
-            <a:r>
-              <a:rPr lang="it-IT" dirty="0">
-                <a:solidFill>
-                  <a:srgbClr val="FF0000"/>
-                </a:solidFill>
-              </a:rPr>
-              <a:t>Background </a:t>
-            </a:r>
-            <a:r>
-              <a:rPr lang="it-IT" dirty="0" err="1">
-                <a:solidFill>
-                  <a:srgbClr val="FF0000"/>
-                </a:solidFill>
-              </a:rPr>
-              <a:t>process</a:t>
-            </a:r>
-            <a:r>
-              <a:rPr lang="it-IT" dirty="0">
-                <a:solidFill>
-                  <a:srgbClr val="FF0000"/>
-                </a:solidFill>
-              </a:rPr>
-              <a:t> (Low </a:t>
-            </a:r>
-            <a:r>
-              <a:rPr lang="it-IT" dirty="0" err="1">
-                <a:solidFill>
-                  <a:srgbClr val="FF0000"/>
-                </a:solidFill>
-              </a:rPr>
-              <a:t>Priority</a:t>
-            </a:r>
-            <a:r>
-              <a:rPr lang="it-IT" dirty="0">
-                <a:solidFill>
-                  <a:srgbClr val="FF0000"/>
-                </a:solidFill>
-              </a:rPr>
-              <a:t>): </a:t>
-            </a:r>
-            <a:r>
-              <a:rPr lang="it-IT" dirty="0"/>
-              <a:t>hosting activities </a:t>
-            </a:r>
-            <a:r>
-              <a:rPr lang="it-IT" dirty="0" err="1"/>
-              <a:t>wthat</a:t>
-            </a:r>
-            <a:r>
-              <a:rPr lang="it-IT" dirty="0"/>
-              <a:t> </a:t>
-            </a:r>
-            <a:r>
-              <a:rPr lang="it-IT" dirty="0" err="1"/>
-              <a:t>aren’t</a:t>
-            </a:r>
-            <a:r>
-              <a:rPr lang="it-IT" dirty="0"/>
-              <a:t> </a:t>
-            </a:r>
-            <a:r>
-              <a:rPr lang="it-IT" dirty="0" err="1"/>
-              <a:t>visible</a:t>
-            </a:r>
-            <a:r>
-              <a:rPr lang="it-IT" dirty="0"/>
-              <a:t> and </a:t>
-            </a:r>
-            <a:r>
-              <a:rPr lang="it-IT" dirty="0" err="1"/>
-              <a:t>don’t</a:t>
-            </a:r>
-            <a:r>
-              <a:rPr lang="it-IT" dirty="0"/>
-              <a:t> </a:t>
-            </a:r>
-            <a:r>
-              <a:rPr lang="it-IT" dirty="0" err="1"/>
-              <a:t>have</a:t>
-            </a:r>
-            <a:r>
-              <a:rPr lang="it-IT" dirty="0"/>
-              <a:t> running services (e.g. </a:t>
-            </a:r>
-            <a:r>
-              <a:rPr lang="it-IT" dirty="0" err="1"/>
-              <a:t>when</a:t>
-            </a:r>
-            <a:r>
-              <a:rPr lang="it-IT" dirty="0"/>
-              <a:t> </a:t>
-            </a:r>
-            <a:r>
-              <a:rPr lang="it-IT" dirty="0" err="1"/>
-              <a:t>you</a:t>
-            </a:r>
-            <a:r>
-              <a:rPr lang="it-IT" dirty="0"/>
-              <a:t> </a:t>
-            </a:r>
-            <a:r>
-              <a:rPr lang="it-IT" dirty="0" err="1"/>
-              <a:t>tap</a:t>
-            </a:r>
-            <a:r>
-              <a:rPr lang="it-IT" dirty="0"/>
-              <a:t> home screen or </a:t>
-            </a:r>
-            <a:r>
-              <a:rPr lang="it-IT" dirty="0" err="1"/>
-              <a:t>recent</a:t>
-            </a:r>
-            <a:r>
-              <a:rPr lang="it-IT" dirty="0"/>
-              <a:t> </a:t>
-            </a:r>
-            <a:r>
-              <a:rPr lang="it-IT" dirty="0" err="1"/>
-              <a:t>applications</a:t>
-            </a:r>
-            <a:r>
-              <a:rPr lang="it-IT" dirty="0"/>
-              <a:t> </a:t>
-            </a:r>
-            <a:r>
-              <a:rPr lang="it-IT" dirty="0" err="1"/>
-              <a:t>button</a:t>
-            </a:r>
-            <a:r>
-              <a:rPr lang="it-IT" dirty="0"/>
-              <a:t>, activity </a:t>
-            </a:r>
-            <a:r>
-              <a:rPr lang="it-IT" dirty="0" err="1"/>
-              <a:t>that</a:t>
-            </a:r>
-            <a:r>
-              <a:rPr lang="it-IT" dirty="0"/>
-              <a:t> </a:t>
-            </a:r>
-            <a:r>
-              <a:rPr lang="it-IT" dirty="0" err="1"/>
-              <a:t>was</a:t>
-            </a:r>
-            <a:r>
-              <a:rPr lang="it-IT" dirty="0"/>
-              <a:t> running go in background)</a:t>
-            </a:r>
-          </a:p>
-        </p:txBody>
-      </p:sp>
-      <p:sp>
-        <p:nvSpPr>
-          <p:cNvPr id="4" name="Segnaposto numero diapositiva 3">
-            <a:extLst>
-              <a:ext uri="{FF2B5EF4-FFF2-40B4-BE49-F238E27FC236}">
-                <a16:creationId xmlns:a16="http://schemas.microsoft.com/office/drawing/2014/main" id="{8DA66314-0731-4F76-9A8A-8AAEEA011B4B}"/>
-              </a:ext>
-            </a:extLst>
-          </p:cNvPr>
-          <p:cNvSpPr>
-            <a:spLocks noGrp="1"/>
-          </p:cNvSpPr>
-          <p:nvPr>
-            <p:ph type="sldNum" sz="quarter" idx="12"/>
-          </p:nvPr>
-        </p:nvSpPr>
-        <p:spPr/>
-        <p:txBody>
-          <a:bodyPr/>
-          <a:lstStyle/>
-          <a:p>
-            <a:fld id="{D2040F39-7941-49A4-B48D-F201B18B6351}" type="slidenum">
-              <a:rPr lang="it-IT" smtClean="0"/>
-              <a:pPr/>
-              <a:t>3</a:t>
-            </a:fld>
-            <a:endParaRPr lang="it-IT" dirty="0"/>
-          </a:p>
-        </p:txBody>
-      </p:sp>
-    </p:spTree>
-    <p:extLst>
-      <p:ext uri="{BB962C8B-B14F-4D97-AF65-F5344CB8AC3E}">
-        <p14:creationId xmlns:p14="http://schemas.microsoft.com/office/powerpoint/2010/main" val="272851862"/>
-      </p:ext>
-    </p:extLst>
-  </p:cSld>
-  <p:clrMapOvr>
-    <a:masterClrMapping/>
-  </p:clrMapOvr>
-</p:sld>
-</file>
-
-<file path=ppt/slides/slide30.xml><?xml version="1.0" encoding="utf-8"?>
+<file path=ppt/slides/slide33.xml><?xml version="1.0" encoding="utf-8"?>
 <p:sld xmlns:a="http://schemas.openxmlformats.org/drawingml/2006/main" xmlns:r="http://schemas.openxmlformats.org/officeDocument/2006/relationships" xmlns:p="http://schemas.openxmlformats.org/presentationml/2006/main">
   <p:cSld>
     <p:spTree>
@@ -15713,7 +16426,7 @@
             <a:fld id="{D2040F39-7941-49A4-B48D-F201B18B6351}" type="slidenum">
               <a:rPr lang="it-IT" smtClean="0"/>
               <a:pPr/>
-              <a:t>30</a:t>
+              <a:t>33</a:t>
             </a:fld>
             <a:endParaRPr lang="it-IT" dirty="0"/>
           </a:p>
@@ -15732,7 +16445,7 @@
 </p:sld>
 </file>
 
-<file path=ppt/slides/slide31.xml><?xml version="1.0" encoding="utf-8"?>
+<file path=ppt/slides/slide34.xml><?xml version="1.0" encoding="utf-8"?>
 <p:sld xmlns:a="http://schemas.openxmlformats.org/drawingml/2006/main" xmlns:r="http://schemas.openxmlformats.org/officeDocument/2006/relationships" xmlns:p="http://schemas.openxmlformats.org/presentationml/2006/main">
   <p:cSld>
     <p:spTree>
@@ -16128,7 +16841,7 @@
             <a:fld id="{D2040F39-7941-49A4-B48D-F201B18B6351}" type="slidenum">
               <a:rPr lang="it-IT" smtClean="0"/>
               <a:pPr/>
-              <a:t>31</a:t>
+              <a:t>34</a:t>
             </a:fld>
             <a:endParaRPr lang="it-IT" dirty="0"/>
           </a:p>
@@ -16147,7 +16860,7 @@
 </p:sld>
 </file>
 
-<file path=ppt/slides/slide32.xml><?xml version="1.0" encoding="utf-8"?>
+<file path=ppt/slides/slide35.xml><?xml version="1.0" encoding="utf-8"?>
 <p:sld xmlns:a="http://schemas.openxmlformats.org/drawingml/2006/main" xmlns:r="http://schemas.openxmlformats.org/officeDocument/2006/relationships" xmlns:p="http://schemas.openxmlformats.org/presentationml/2006/main">
   <p:cSld>
     <p:spTree>
@@ -16588,7 +17301,7 @@
             <a:fld id="{D2040F39-7941-49A4-B48D-F201B18B6351}" type="slidenum">
               <a:rPr lang="it-IT" smtClean="0"/>
               <a:pPr/>
-              <a:t>32</a:t>
+              <a:t>35</a:t>
             </a:fld>
             <a:endParaRPr lang="it-IT" dirty="0"/>
           </a:p>
@@ -16607,7 +17320,7 @@
 </p:sld>
 </file>
 
-<file path=ppt/slides/slide33.xml><?xml version="1.0" encoding="utf-8"?>
+<file path=ppt/slides/slide36.xml><?xml version="1.0" encoding="utf-8"?>
 <p:sld xmlns:a="http://schemas.openxmlformats.org/drawingml/2006/main" xmlns:r="http://schemas.openxmlformats.org/officeDocument/2006/relationships" xmlns:p="http://schemas.openxmlformats.org/presentationml/2006/main">
   <p:cSld>
     <p:spTree>
@@ -17139,7 +17852,7 @@
             <a:fld id="{D2040F39-7941-49A4-B48D-F201B18B6351}" type="slidenum">
               <a:rPr lang="it-IT" smtClean="0"/>
               <a:pPr/>
-              <a:t>33</a:t>
+              <a:t>36</a:t>
             </a:fld>
             <a:endParaRPr lang="it-IT" dirty="0"/>
           </a:p>
@@ -17158,7 +17871,7 @@
 </p:sld>
 </file>
 
-<file path=ppt/slides/slide34.xml><?xml version="1.0" encoding="utf-8"?>
+<file path=ppt/slides/slide37.xml><?xml version="1.0" encoding="utf-8"?>
 <p:sld xmlns:a="http://schemas.openxmlformats.org/drawingml/2006/main" xmlns:r="http://schemas.openxmlformats.org/officeDocument/2006/relationships" xmlns:p="http://schemas.openxmlformats.org/presentationml/2006/main">
   <p:cSld>
     <p:spTree>
@@ -17235,7 +17948,7 @@
             <a:fld id="{D2040F39-7941-49A4-B48D-F201B18B6351}" type="slidenum">
               <a:rPr lang="it-IT" smtClean="0"/>
               <a:pPr/>
-              <a:t>34</a:t>
+              <a:t>37</a:t>
             </a:fld>
             <a:endParaRPr lang="it-IT" dirty="0"/>
           </a:p>
@@ -17254,7 +17967,7 @@
 </p:sld>
 </file>
 
-<file path=ppt/slides/slide35.xml><?xml version="1.0" encoding="utf-8"?>
+<file path=ppt/slides/slide38.xml><?xml version="1.0" encoding="utf-8"?>
 <p:sld xmlns:a="http://schemas.openxmlformats.org/drawingml/2006/main" xmlns:r="http://schemas.openxmlformats.org/officeDocument/2006/relationships" xmlns:p="http://schemas.openxmlformats.org/presentationml/2006/main">
   <p:cSld>
     <p:spTree>
@@ -17380,7 +18093,7 @@
             <a:fld id="{D2040F39-7941-49A4-B48D-F201B18B6351}" type="slidenum">
               <a:rPr lang="it-IT" smtClean="0"/>
               <a:pPr/>
-              <a:t>35</a:t>
+              <a:t>38</a:t>
             </a:fld>
             <a:endParaRPr lang="it-IT" dirty="0"/>
           </a:p>
@@ -17428,7 +18141,7 @@
 </p:sld>
 </file>
 
-<file path=ppt/slides/slide36.xml><?xml version="1.0" encoding="utf-8"?>
+<file path=ppt/slides/slide39.xml><?xml version="1.0" encoding="utf-8"?>
 <p:sld xmlns:a="http://schemas.openxmlformats.org/drawingml/2006/main" xmlns:r="http://schemas.openxmlformats.org/officeDocument/2006/relationships" xmlns:p="http://schemas.openxmlformats.org/presentationml/2006/main">
   <p:cSld>
     <p:spTree>
@@ -17641,7 +18354,7 @@
                   <a:spcPts val="600"/>
                 </a:spcAft>
               </a:pPr>
-              <a:t>36</a:t>
+              <a:t>39</a:t>
             </a:fld>
             <a:endParaRPr lang="it-IT"/>
           </a:p>
@@ -17660,7 +18373,162 @@
 </p:sld>
 </file>
 
-<file path=ppt/slides/slide37.xml><?xml version="1.0" encoding="utf-8"?>
+<file path=ppt/slides/slide4.xml><?xml version="1.0" encoding="utf-8"?>
+<p:sld xmlns:a="http://schemas.openxmlformats.org/drawingml/2006/main" xmlns:r="http://schemas.openxmlformats.org/officeDocument/2006/relationships" xmlns:p="http://schemas.openxmlformats.org/presentationml/2006/main">
+  <p:cSld>
+    <p:spTree>
+      <p:nvGrpSpPr>
+        <p:cNvPr id="1" name=""/>
+        <p:cNvGrpSpPr/>
+        <p:nvPr/>
+      </p:nvGrpSpPr>
+      <p:grpSpPr>
+        <a:xfrm>
+          <a:off x="0" y="0"/>
+          <a:ext cx="0" cy="0"/>
+          <a:chOff x="0" y="0"/>
+          <a:chExt cx="0" cy="0"/>
+        </a:xfrm>
+      </p:grpSpPr>
+      <p:sp>
+        <p:nvSpPr>
+          <p:cNvPr id="2" name="Titolo 1">
+            <a:extLst>
+              <a:ext uri="{FF2B5EF4-FFF2-40B4-BE49-F238E27FC236}">
+                <a16:creationId xmlns:a16="http://schemas.microsoft.com/office/drawing/2014/main" id="{87393F5B-A2A5-3ED5-0110-B8E1410C5790}"/>
+              </a:ext>
+            </a:extLst>
+          </p:cNvPr>
+          <p:cNvSpPr>
+            <a:spLocks noGrp="1"/>
+          </p:cNvSpPr>
+          <p:nvPr>
+            <p:ph type="title"/>
+          </p:nvPr>
+        </p:nvSpPr>
+        <p:spPr/>
+        <p:txBody>
+          <a:bodyPr/>
+          <a:lstStyle/>
+          <a:p>
+            <a:r>
+              <a:rPr lang="en-GB" dirty="0"/>
+              <a:t>Application class</a:t>
+            </a:r>
+          </a:p>
+        </p:txBody>
+      </p:sp>
+      <p:sp>
+        <p:nvSpPr>
+          <p:cNvPr id="3" name="Segnaposto contenuto 2">
+            <a:extLst>
+              <a:ext uri="{FF2B5EF4-FFF2-40B4-BE49-F238E27FC236}">
+                <a16:creationId xmlns:a16="http://schemas.microsoft.com/office/drawing/2014/main" id="{132D8080-F0ED-9B59-83A2-2782D7892A34}"/>
+              </a:ext>
+            </a:extLst>
+          </p:cNvPr>
+          <p:cNvSpPr>
+            <a:spLocks noGrp="1"/>
+          </p:cNvSpPr>
+          <p:nvPr>
+            <p:ph idx="1"/>
+          </p:nvPr>
+        </p:nvSpPr>
+        <p:spPr/>
+        <p:txBody>
+          <a:bodyPr>
+            <a:normAutofit lnSpcReduction="10000"/>
+          </a:bodyPr>
+          <a:lstStyle/>
+          <a:p>
+            <a:pPr marL="0" indent="0">
+              <a:buNone/>
+            </a:pPr>
+            <a:r>
+              <a:rPr lang="en-GB" dirty="0"/>
+              <a:t>The Application class, or any subclass of the Application class, is instantiated before any other class when the process for your application/package is created. Application class is implemented using </a:t>
+            </a:r>
+            <a:r>
+              <a:rPr lang="en-GB" b="1" dirty="0"/>
+              <a:t>singleton design pattern.</a:t>
+            </a:r>
+          </a:p>
+          <a:p>
+            <a:pPr marL="0" indent="0">
+              <a:buNone/>
+            </a:pPr>
+            <a:r>
+              <a:rPr lang="en-GB" dirty="0"/>
+              <a:t>Extending this class you can:</a:t>
+            </a:r>
+          </a:p>
+          <a:p>
+            <a:r>
+              <a:rPr lang="en-GB" dirty="0"/>
+              <a:t>Manage global initialization</a:t>
+            </a:r>
+          </a:p>
+          <a:p>
+            <a:r>
+              <a:rPr lang="en-GB" dirty="0"/>
+              <a:t>Respond to application-level events broadcast by ART (like low memory condition)</a:t>
+            </a:r>
+          </a:p>
+          <a:p>
+            <a:pPr marL="0" indent="0">
+              <a:buNone/>
+            </a:pPr>
+            <a:r>
+              <a:rPr lang="en-GB" u="sng" dirty="0"/>
+              <a:t>Rarely extend application class is necessary </a:t>
+            </a:r>
+          </a:p>
+        </p:txBody>
+      </p:sp>
+      <p:sp>
+        <p:nvSpPr>
+          <p:cNvPr id="4" name="Segnaposto numero diapositiva 3">
+            <a:extLst>
+              <a:ext uri="{FF2B5EF4-FFF2-40B4-BE49-F238E27FC236}">
+                <a16:creationId xmlns:a16="http://schemas.microsoft.com/office/drawing/2014/main" id="{79C29B80-1F95-8F99-F9A6-A169DE0F65E2}"/>
+              </a:ext>
+            </a:extLst>
+          </p:cNvPr>
+          <p:cNvSpPr>
+            <a:spLocks noGrp="1"/>
+          </p:cNvSpPr>
+          <p:nvPr>
+            <p:ph type="sldNum" sz="quarter" idx="12"/>
+          </p:nvPr>
+        </p:nvSpPr>
+        <p:spPr/>
+        <p:txBody>
+          <a:bodyPr/>
+          <a:lstStyle/>
+          <a:p>
+            <a:fld id="{D2040F39-7941-49A4-B48D-F201B18B6351}" type="slidenum">
+              <a:rPr lang="it-IT" smtClean="0"/>
+              <a:pPr/>
+              <a:t>4</a:t>
+            </a:fld>
+            <a:endParaRPr lang="it-IT" dirty="0"/>
+          </a:p>
+        </p:txBody>
+      </p:sp>
+    </p:spTree>
+    <p:extLst>
+      <p:ext uri="{BB962C8B-B14F-4D97-AF65-F5344CB8AC3E}">
+        <p14:creationId xmlns:p14="http://schemas.microsoft.com/office/powerpoint/2010/main" val="154520377"/>
+      </p:ext>
+    </p:extLst>
+  </p:cSld>
+  <p:clrMapOvr>
+    <a:masterClrMapping/>
+  </p:clrMapOvr>
+</p:sld>
+</file>
+
+<file path=ppt/slides/slide40.xml><?xml version="1.0" encoding="utf-8"?>
 <p:sld xmlns:a="http://schemas.openxmlformats.org/drawingml/2006/main" xmlns:r="http://schemas.openxmlformats.org/officeDocument/2006/relationships" xmlns:p="http://schemas.openxmlformats.org/presentationml/2006/main">
   <p:cSld>
     <p:spTree>
@@ -17729,7 +18597,7 @@
             <a:fld id="{D2040F39-7941-49A4-B48D-F201B18B6351}" type="slidenum">
               <a:rPr lang="it-IT" smtClean="0"/>
               <a:pPr/>
-              <a:t>37</a:t>
+              <a:t>40</a:t>
             </a:fld>
             <a:endParaRPr lang="it-IT" dirty="0"/>
           </a:p>
@@ -17795,7 +18663,7 @@
 </p:sld>
 </file>
 
-<file path=ppt/slides/slide38.xml><?xml version="1.0" encoding="utf-8"?>
+<file path=ppt/slides/slide41.xml><?xml version="1.0" encoding="utf-8"?>
 <p:sld xmlns:a="http://schemas.openxmlformats.org/drawingml/2006/main" xmlns:r="http://schemas.openxmlformats.org/officeDocument/2006/relationships" xmlns:p="http://schemas.openxmlformats.org/presentationml/2006/main">
   <p:cSld>
     <p:spTree>
@@ -18122,7 +18990,7 @@
             <a:fld id="{D2040F39-7941-49A4-B48D-F201B18B6351}" type="slidenum">
               <a:rPr lang="it-IT" smtClean="0"/>
               <a:pPr/>
-              <a:t>38</a:t>
+              <a:t>41</a:t>
             </a:fld>
             <a:endParaRPr lang="it-IT" dirty="0"/>
           </a:p>
@@ -18170,7 +19038,7 @@
 </p:sld>
 </file>
 
-<file path=ppt/slides/slide39.xml><?xml version="1.0" encoding="utf-8"?>
+<file path=ppt/slides/slide42.xml><?xml version="1.0" encoding="utf-8"?>
 <p:sld xmlns:a="http://schemas.openxmlformats.org/drawingml/2006/main" xmlns:r="http://schemas.openxmlformats.org/officeDocument/2006/relationships" xmlns:p="http://schemas.openxmlformats.org/presentationml/2006/main">
   <p:cSld>
     <p:spTree>
@@ -18304,7 +19172,7 @@
             <a:fld id="{D2040F39-7941-49A4-B48D-F201B18B6351}" type="slidenum">
               <a:rPr lang="it-IT" smtClean="0"/>
               <a:pPr/>
-              <a:t>39</a:t>
+              <a:t>42</a:t>
             </a:fld>
             <a:endParaRPr lang="it-IT" dirty="0"/>
           </a:p>
@@ -18323,233 +19191,7 @@
 </p:sld>
 </file>
 
-<file path=ppt/slides/slide4.xml><?xml version="1.0" encoding="utf-8"?>
-<p:sld xmlns:a="http://schemas.openxmlformats.org/drawingml/2006/main" xmlns:r="http://schemas.openxmlformats.org/officeDocument/2006/relationships" xmlns:p="http://schemas.openxmlformats.org/presentationml/2006/main">
-  <p:cSld>
-    <p:spTree>
-      <p:nvGrpSpPr>
-        <p:cNvPr id="1" name=""/>
-        <p:cNvGrpSpPr/>
-        <p:nvPr/>
-      </p:nvGrpSpPr>
-      <p:grpSpPr>
-        <a:xfrm>
-          <a:off x="0" y="0"/>
-          <a:ext cx="0" cy="0"/>
-          <a:chOff x="0" y="0"/>
-          <a:chExt cx="0" cy="0"/>
-        </a:xfrm>
-      </p:grpSpPr>
-      <p:sp>
-        <p:nvSpPr>
-          <p:cNvPr id="2" name="Title 1"/>
-          <p:cNvSpPr>
-            <a:spLocks noGrp="1"/>
-          </p:cNvSpPr>
-          <p:nvPr>
-            <p:ph type="title"/>
-          </p:nvPr>
-        </p:nvSpPr>
-        <p:spPr/>
-        <p:txBody>
-          <a:bodyPr anchor="ctr">
-            <a:normAutofit/>
-          </a:bodyPr>
-          <a:lstStyle/>
-          <a:p>
-            <a:r>
-              <a:rPr lang="en-US" dirty="0"/>
-              <a:t>Application core components</a:t>
-            </a:r>
-          </a:p>
-        </p:txBody>
-      </p:sp>
-      <p:sp>
-        <p:nvSpPr>
-          <p:cNvPr id="9" name="Content Placeholder 2">
-            <a:extLst>
-              <a:ext uri="{FF2B5EF4-FFF2-40B4-BE49-F238E27FC236}">
-                <a16:creationId xmlns:a16="http://schemas.microsoft.com/office/drawing/2014/main" id="{EE8BC2F5-302E-4C97-82A7-705D04ABCB6B}"/>
-              </a:ext>
-            </a:extLst>
-          </p:cNvPr>
-          <p:cNvSpPr>
-            <a:spLocks noGrp="1"/>
-          </p:cNvSpPr>
-          <p:nvPr>
-            <p:ph idx="1"/>
-          </p:nvPr>
-        </p:nvSpPr>
-        <p:spPr/>
-        <p:txBody>
-          <a:bodyPr>
-            <a:normAutofit fontScale="77500" lnSpcReduction="20000"/>
-          </a:bodyPr>
-          <a:lstStyle/>
-          <a:p>
-            <a:pPr marL="0" indent="0">
-              <a:buNone/>
-            </a:pPr>
-            <a:r>
-              <a:rPr lang="en-US" dirty="0"/>
-              <a:t>App is composed by several elements, bounded in Android Manifest (which describe each of them and how they interact)</a:t>
-            </a:r>
-          </a:p>
-          <a:p>
-            <a:r>
-              <a:rPr lang="en-US" dirty="0">
-                <a:solidFill>
-                  <a:srgbClr val="FF0000"/>
-                </a:solidFill>
-              </a:rPr>
-              <a:t>Activities: </a:t>
-            </a:r>
-            <a:r>
-              <a:rPr lang="en-US" dirty="0"/>
-              <a:t>app presentation layer. The app’s UI is built around activities, which use </a:t>
-            </a:r>
-            <a:r>
-              <a:rPr lang="en-US" i="1" dirty="0"/>
-              <a:t>Views</a:t>
-            </a:r>
-            <a:r>
-              <a:rPr lang="en-US" dirty="0"/>
-              <a:t> and </a:t>
-            </a:r>
-            <a:r>
-              <a:rPr lang="en-US" i="1" dirty="0"/>
-              <a:t>Fragments</a:t>
-            </a:r>
-            <a:r>
-              <a:rPr lang="en-US" dirty="0"/>
-              <a:t> to display info and interact with user</a:t>
-            </a:r>
-          </a:p>
-          <a:p>
-            <a:r>
-              <a:rPr lang="en-US" dirty="0">
-                <a:solidFill>
-                  <a:srgbClr val="FF0000"/>
-                </a:solidFill>
-              </a:rPr>
-              <a:t>Services: </a:t>
-            </a:r>
-            <a:r>
-              <a:rPr lang="en-US" dirty="0"/>
-              <a:t>run without UI (update data, trigger notifications…)</a:t>
-            </a:r>
-          </a:p>
-          <a:p>
-            <a:r>
-              <a:rPr lang="en-US" dirty="0">
-                <a:solidFill>
-                  <a:srgbClr val="FF0000"/>
-                </a:solidFill>
-              </a:rPr>
-              <a:t>Broadcast receivers: </a:t>
-            </a:r>
-            <a:r>
-              <a:rPr lang="en-US" dirty="0"/>
-              <a:t>used to configure app to listen only Intents that match your specifications</a:t>
-            </a:r>
-          </a:p>
-          <a:p>
-            <a:r>
-              <a:rPr lang="en-US" dirty="0">
-                <a:solidFill>
-                  <a:srgbClr val="FF0000"/>
-                </a:solidFill>
-              </a:rPr>
-              <a:t>Content providers: </a:t>
-            </a:r>
-            <a:r>
-              <a:rPr lang="en-US" dirty="0"/>
-              <a:t>used to share data across application boundaries</a:t>
-            </a:r>
-          </a:p>
-          <a:p>
-            <a:r>
-              <a:rPr lang="en-US" dirty="0">
-                <a:solidFill>
-                  <a:srgbClr val="FF0000"/>
-                </a:solidFill>
-              </a:rPr>
-              <a:t>Intents: </a:t>
-            </a:r>
-            <a:r>
-              <a:rPr lang="en-US" dirty="0"/>
-              <a:t>inter and intra application  way to exchange massages, you can start Activities, Services… </a:t>
-            </a:r>
-          </a:p>
-          <a:p>
-            <a:r>
-              <a:rPr lang="en-US" dirty="0">
-                <a:solidFill>
-                  <a:srgbClr val="FF0000"/>
-                </a:solidFill>
-              </a:rPr>
-              <a:t>Notifications: </a:t>
-            </a:r>
-            <a:r>
-              <a:rPr lang="en-US" dirty="0"/>
-              <a:t>used to alert user to application events without interrupting current Activity</a:t>
-            </a:r>
-          </a:p>
-        </p:txBody>
-      </p:sp>
-      <p:sp>
-        <p:nvSpPr>
-          <p:cNvPr id="11" name="Slide Number Placeholder 3">
-            <a:extLst>
-              <a:ext uri="{FF2B5EF4-FFF2-40B4-BE49-F238E27FC236}">
-                <a16:creationId xmlns:a16="http://schemas.microsoft.com/office/drawing/2014/main" id="{CE491277-20F1-46D6-9B43-FE203ECD7578}"/>
-              </a:ext>
-            </a:extLst>
-          </p:cNvPr>
-          <p:cNvSpPr>
-            <a:spLocks noGrp="1"/>
-          </p:cNvSpPr>
-          <p:nvPr>
-            <p:ph type="sldNum" sz="quarter" idx="12"/>
-          </p:nvPr>
-        </p:nvSpPr>
-        <p:spPr/>
-        <p:txBody>
-          <a:bodyPr/>
-          <a:lstStyle/>
-          <a:p>
-            <a:pPr>
-              <a:spcAft>
-                <a:spcPts val="600"/>
-              </a:spcAft>
-            </a:pPr>
-            <a:fld id="{D2040F39-7941-49A4-B48D-F201B18B6351}" type="slidenum">
-              <a:rPr lang="it-IT" smtClean="0"/>
-              <a:pPr>
-                <a:spcAft>
-                  <a:spcPts val="600"/>
-                </a:spcAft>
-              </a:pPr>
-              <a:t>4</a:t>
-            </a:fld>
-            <a:endParaRPr lang="it-IT"/>
-          </a:p>
-        </p:txBody>
-      </p:sp>
-    </p:spTree>
-    <p:extLst>
-      <p:ext uri="{BB962C8B-B14F-4D97-AF65-F5344CB8AC3E}">
-        <p14:creationId xmlns:p14="http://schemas.microsoft.com/office/powerpoint/2010/main" val="265298269"/>
-      </p:ext>
-    </p:extLst>
-  </p:cSld>
-  <p:clrMapOvr>
-    <a:masterClrMapping/>
-  </p:clrMapOvr>
-</p:sld>
-</file>
-
-<file path=ppt/slides/slide40.xml><?xml version="1.0" encoding="utf-8"?>
+<file path=ppt/slides/slide43.xml><?xml version="1.0" encoding="utf-8"?>
 <p:sld xmlns:a="http://schemas.openxmlformats.org/drawingml/2006/main" xmlns:r="http://schemas.openxmlformats.org/officeDocument/2006/relationships" xmlns:p="http://schemas.openxmlformats.org/presentationml/2006/main">
   <p:cSld>
     <p:spTree>
@@ -18690,7 +19332,7 @@
                   <a:spcPts val="600"/>
                 </a:spcAft>
               </a:pPr>
-              <a:t>40</a:t>
+              <a:t>43</a:t>
             </a:fld>
             <a:endParaRPr lang="it-IT"/>
           </a:p>
@@ -18709,7 +19351,7 @@
 </p:sld>
 </file>
 
-<file path=ppt/slides/slide41.xml><?xml version="1.0" encoding="utf-8"?>
+<file path=ppt/slides/slide44.xml><?xml version="1.0" encoding="utf-8"?>
 <p:sld xmlns:a="http://schemas.openxmlformats.org/drawingml/2006/main" xmlns:r="http://schemas.openxmlformats.org/officeDocument/2006/relationships" xmlns:p="http://schemas.openxmlformats.org/presentationml/2006/main">
   <p:cSld>
     <p:spTree>
@@ -18854,7 +19496,7 @@
             <a:fld id="{D2040F39-7941-49A4-B48D-F201B18B6351}" type="slidenum">
               <a:rPr lang="it-IT" smtClean="0"/>
               <a:pPr/>
-              <a:t>41</a:t>
+              <a:t>44</a:t>
             </a:fld>
             <a:endParaRPr lang="it-IT" dirty="0"/>
           </a:p>
@@ -18873,7 +19515,7 @@
 </p:sld>
 </file>
 
-<file path=ppt/slides/slide42.xml><?xml version="1.0" encoding="utf-8"?>
+<file path=ppt/slides/slide45.xml><?xml version="1.0" encoding="utf-8"?>
 <p:sld xmlns:a="http://schemas.openxmlformats.org/drawingml/2006/main" xmlns:r="http://schemas.openxmlformats.org/officeDocument/2006/relationships" xmlns:p="http://schemas.openxmlformats.org/presentationml/2006/main">
   <p:cSld>
     <p:spTree>
@@ -19263,7 +19905,7 @@
             <a:fld id="{D2040F39-7941-49A4-B48D-F201B18B6351}" type="slidenum">
               <a:rPr lang="it-IT" smtClean="0"/>
               <a:pPr/>
-              <a:t>42</a:t>
+              <a:t>45</a:t>
             </a:fld>
             <a:endParaRPr lang="it-IT" dirty="0"/>
           </a:p>
@@ -19282,7 +19924,7 @@
 </p:sld>
 </file>
 
-<file path=ppt/slides/slide43.xml><?xml version="1.0" encoding="utf-8"?>
+<file path=ppt/slides/slide46.xml><?xml version="1.0" encoding="utf-8"?>
 <p:sld xmlns:a="http://schemas.openxmlformats.org/drawingml/2006/main" xmlns:r="http://schemas.openxmlformats.org/officeDocument/2006/relationships" xmlns:p="http://schemas.openxmlformats.org/presentationml/2006/main">
   <p:cSld>
     <p:spTree>
@@ -19543,7 +20185,7 @@
             <a:fld id="{D2040F39-7941-49A4-B48D-F201B18B6351}" type="slidenum">
               <a:rPr lang="it-IT" smtClean="0"/>
               <a:pPr/>
-              <a:t>43</a:t>
+              <a:t>46</a:t>
             </a:fld>
             <a:endParaRPr lang="it-IT" dirty="0"/>
           </a:p>
@@ -19562,7 +20204,7 @@
 </p:sld>
 </file>
 
-<file path=ppt/slides/slide44.xml><?xml version="1.0" encoding="utf-8"?>
+<file path=ppt/slides/slide47.xml><?xml version="1.0" encoding="utf-8"?>
 <p:sld xmlns:a="http://schemas.openxmlformats.org/drawingml/2006/main" xmlns:r="http://schemas.openxmlformats.org/officeDocument/2006/relationships" xmlns:p="http://schemas.openxmlformats.org/presentationml/2006/main">
   <p:cSld>
     <p:spTree>
@@ -19756,7 +20398,7 @@
             <a:fld id="{D2040F39-7941-49A4-B48D-F201B18B6351}" type="slidenum">
               <a:rPr lang="it-IT" smtClean="0"/>
               <a:pPr/>
-              <a:t>44</a:t>
+              <a:t>47</a:t>
             </a:fld>
             <a:endParaRPr lang="it-IT" dirty="0"/>
           </a:p>
@@ -19775,7 +20417,7 @@
 </p:sld>
 </file>
 
-<file path=ppt/slides/slide45.xml><?xml version="1.0" encoding="utf-8"?>
+<file path=ppt/slides/slide48.xml><?xml version="1.0" encoding="utf-8"?>
 <p:sld xmlns:a="http://schemas.openxmlformats.org/drawingml/2006/main" xmlns:r="http://schemas.openxmlformats.org/officeDocument/2006/relationships" xmlns:p="http://schemas.openxmlformats.org/presentationml/2006/main">
   <p:cSld>
     <p:spTree>
@@ -20110,7 +20752,7 @@
             <a:fld id="{D2040F39-7941-49A4-B48D-F201B18B6351}" type="slidenum">
               <a:rPr lang="it-IT" smtClean="0"/>
               <a:pPr/>
-              <a:t>45</a:t>
+              <a:t>48</a:t>
             </a:fld>
             <a:endParaRPr lang="it-IT" dirty="0"/>
           </a:p>
@@ -20129,7 +20771,7 @@
 </p:sld>
 </file>
 
-<file path=ppt/slides/slide46.xml><?xml version="1.0" encoding="utf-8"?>
+<file path=ppt/slides/slide49.xml><?xml version="1.0" encoding="utf-8"?>
 <p:sld xmlns:a="http://schemas.openxmlformats.org/drawingml/2006/main" xmlns:r="http://schemas.openxmlformats.org/officeDocument/2006/relationships" xmlns:p="http://schemas.openxmlformats.org/presentationml/2006/main">
   <p:cSld>
     <p:spTree>
@@ -20324,7 +20966,7 @@
             <a:fld id="{D2040F39-7941-49A4-B48D-F201B18B6351}" type="slidenum">
               <a:rPr lang="it-IT" smtClean="0"/>
               <a:pPr/>
-              <a:t>46</a:t>
+              <a:t>49</a:t>
             </a:fld>
             <a:endParaRPr lang="it-IT" dirty="0"/>
           </a:p>
@@ -20343,7 +20985,215 @@
 </p:sld>
 </file>
 
-<file path=ppt/slides/slide47.xml><?xml version="1.0" encoding="utf-8"?>
+<file path=ppt/slides/slide5.xml><?xml version="1.0" encoding="utf-8"?>
+<p:sld xmlns:a="http://schemas.openxmlformats.org/drawingml/2006/main" xmlns:r="http://schemas.openxmlformats.org/officeDocument/2006/relationships" xmlns:p="http://schemas.openxmlformats.org/presentationml/2006/main">
+  <p:cSld>
+    <p:spTree>
+      <p:nvGrpSpPr>
+        <p:cNvPr id="1" name=""/>
+        <p:cNvGrpSpPr/>
+        <p:nvPr/>
+      </p:nvGrpSpPr>
+      <p:grpSpPr>
+        <a:xfrm>
+          <a:off x="0" y="0"/>
+          <a:ext cx="0" cy="0"/>
+          <a:chOff x="0" y="0"/>
+          <a:chExt cx="0" cy="0"/>
+        </a:xfrm>
+      </p:grpSpPr>
+      <p:sp>
+        <p:nvSpPr>
+          <p:cNvPr id="2" name="Titolo 1">
+            <a:extLst>
+              <a:ext uri="{FF2B5EF4-FFF2-40B4-BE49-F238E27FC236}">
+                <a16:creationId xmlns:a16="http://schemas.microsoft.com/office/drawing/2014/main" id="{13770CA3-0CE3-620B-0EF6-989D1BF68304}"/>
+              </a:ext>
+            </a:extLst>
+          </p:cNvPr>
+          <p:cNvSpPr>
+            <a:spLocks noGrp="1"/>
+          </p:cNvSpPr>
+          <p:nvPr>
+            <p:ph type="title"/>
+          </p:nvPr>
+        </p:nvSpPr>
+        <p:spPr/>
+        <p:txBody>
+          <a:bodyPr/>
+          <a:lstStyle/>
+          <a:p>
+            <a:r>
+              <a:rPr lang="en-GB" dirty="0"/>
+              <a:t>Application class: </a:t>
+            </a:r>
+            <a:r>
+              <a:rPr lang="en-GB" dirty="0" err="1"/>
+              <a:t>callback</a:t>
+            </a:r>
+            <a:r>
+              <a:rPr lang="en-GB" dirty="0"/>
+              <a:t> methods</a:t>
+            </a:r>
+          </a:p>
+        </p:txBody>
+      </p:sp>
+      <p:sp>
+        <p:nvSpPr>
+          <p:cNvPr id="3" name="Segnaposto contenuto 2">
+            <a:extLst>
+              <a:ext uri="{FF2B5EF4-FFF2-40B4-BE49-F238E27FC236}">
+                <a16:creationId xmlns:a16="http://schemas.microsoft.com/office/drawing/2014/main" id="{F6520334-D8A9-8B67-487D-DD8200EA667B}"/>
+              </a:ext>
+            </a:extLst>
+          </p:cNvPr>
+          <p:cNvSpPr>
+            <a:spLocks noGrp="1"/>
+          </p:cNvSpPr>
+          <p:nvPr>
+            <p:ph idx="1"/>
+          </p:nvPr>
+        </p:nvSpPr>
+        <p:spPr/>
+        <p:txBody>
+          <a:bodyPr/>
+          <a:lstStyle/>
+          <a:p>
+            <a:r>
+              <a:rPr lang="en-GB" dirty="0">
+                <a:solidFill>
+                  <a:srgbClr val="FF0000"/>
+                </a:solidFill>
+                <a:latin typeface="Consolas" panose="020B0609020204030204" pitchFamily="49" charset="0"/>
+              </a:rPr>
+              <a:t>void </a:t>
+            </a:r>
+            <a:r>
+              <a:rPr lang="en-GB" dirty="0" err="1">
+                <a:solidFill>
+                  <a:srgbClr val="FF0000"/>
+                </a:solidFill>
+                <a:latin typeface="Consolas" panose="020B0609020204030204" pitchFamily="49" charset="0"/>
+              </a:rPr>
+              <a:t>onConfigurationChanged</a:t>
+            </a:r>
+            <a:r>
+              <a:rPr lang="en-GB" dirty="0">
+                <a:solidFill>
+                  <a:srgbClr val="FF0000"/>
+                </a:solidFill>
+                <a:latin typeface="Consolas" panose="020B0609020204030204" pitchFamily="49" charset="0"/>
+              </a:rPr>
+              <a:t>(Configuration </a:t>
+            </a:r>
+            <a:r>
+              <a:rPr lang="en-GB" dirty="0" err="1">
+                <a:solidFill>
+                  <a:srgbClr val="FF0000"/>
+                </a:solidFill>
+                <a:latin typeface="Consolas" panose="020B0609020204030204" pitchFamily="49" charset="0"/>
+              </a:rPr>
+              <a:t>newConfig</a:t>
+            </a:r>
+            <a:r>
+              <a:rPr lang="en-GB" dirty="0">
+                <a:solidFill>
+                  <a:srgbClr val="FF0000"/>
+                </a:solidFill>
+                <a:latin typeface="Consolas" panose="020B0609020204030204" pitchFamily="49" charset="0"/>
+              </a:rPr>
+              <a:t>)</a:t>
+            </a:r>
+          </a:p>
+          <a:p>
+            <a:pPr lvl="1"/>
+            <a:r>
+              <a:rPr lang="en-GB" dirty="0"/>
+              <a:t>Called by the system when the device configuration changes while running the application. The resource values are always up to date in this method, and can be retrieved by other components at any time.</a:t>
+            </a:r>
+          </a:p>
+          <a:p>
+            <a:r>
+              <a:rPr lang="en-GB" dirty="0">
+                <a:solidFill>
+                  <a:srgbClr val="FF0000"/>
+                </a:solidFill>
+                <a:latin typeface="Consolas" panose="020B0609020204030204" pitchFamily="49" charset="0"/>
+              </a:rPr>
+              <a:t>void </a:t>
+            </a:r>
+            <a:r>
+              <a:rPr lang="en-GB" dirty="0" err="1">
+                <a:solidFill>
+                  <a:srgbClr val="FF0000"/>
+                </a:solidFill>
+                <a:latin typeface="Consolas" panose="020B0609020204030204" pitchFamily="49" charset="0"/>
+              </a:rPr>
+              <a:t>onCreate</a:t>
+            </a:r>
+            <a:r>
+              <a:rPr lang="en-GB" dirty="0">
+                <a:solidFill>
+                  <a:srgbClr val="FF0000"/>
+                </a:solidFill>
+                <a:latin typeface="Consolas" panose="020B0609020204030204" pitchFamily="49" charset="0"/>
+              </a:rPr>
+              <a:t>()</a:t>
+            </a:r>
+          </a:p>
+          <a:p>
+            <a:pPr lvl="1"/>
+            <a:r>
+              <a:rPr lang="en-GB" dirty="0"/>
+              <a:t>This method is called when the application is starting, before any activity, service, or receiver objects (excluding content providers) have been created.</a:t>
+            </a:r>
+          </a:p>
+        </p:txBody>
+      </p:sp>
+      <p:sp>
+        <p:nvSpPr>
+          <p:cNvPr id="4" name="Segnaposto numero diapositiva 3">
+            <a:extLst>
+              <a:ext uri="{FF2B5EF4-FFF2-40B4-BE49-F238E27FC236}">
+                <a16:creationId xmlns:a16="http://schemas.microsoft.com/office/drawing/2014/main" id="{40E86A2A-E56C-00E0-DAA8-935C874CFC3A}"/>
+              </a:ext>
+            </a:extLst>
+          </p:cNvPr>
+          <p:cNvSpPr>
+            <a:spLocks noGrp="1"/>
+          </p:cNvSpPr>
+          <p:nvPr>
+            <p:ph type="sldNum" sz="quarter" idx="12"/>
+          </p:nvPr>
+        </p:nvSpPr>
+        <p:spPr/>
+        <p:txBody>
+          <a:bodyPr/>
+          <a:lstStyle/>
+          <a:p>
+            <a:fld id="{D2040F39-7941-49A4-B48D-F201B18B6351}" type="slidenum">
+              <a:rPr lang="it-IT" smtClean="0"/>
+              <a:pPr/>
+              <a:t>5</a:t>
+            </a:fld>
+            <a:endParaRPr lang="it-IT" dirty="0"/>
+          </a:p>
+        </p:txBody>
+      </p:sp>
+    </p:spTree>
+    <p:extLst>
+      <p:ext uri="{BB962C8B-B14F-4D97-AF65-F5344CB8AC3E}">
+        <p14:creationId xmlns:p14="http://schemas.microsoft.com/office/powerpoint/2010/main" val="250079365"/>
+      </p:ext>
+    </p:extLst>
+  </p:cSld>
+  <p:clrMapOvr>
+    <a:masterClrMapping/>
+  </p:clrMapOvr>
+</p:sld>
+</file>
+
+<file path=ppt/slides/slide50.xml><?xml version="1.0" encoding="utf-8"?>
 <p:sld xmlns:a="http://schemas.openxmlformats.org/drawingml/2006/main" xmlns:r="http://schemas.openxmlformats.org/officeDocument/2006/relationships" xmlns:p="http://schemas.openxmlformats.org/presentationml/2006/main">
   <p:cSld>
     <p:spTree>
@@ -20553,7 +21403,7 @@
                   <a:spcPts val="600"/>
                 </a:spcAft>
               </a:pPr>
-              <a:t>47</a:t>
+              <a:t>50</a:t>
             </a:fld>
             <a:endParaRPr lang="it-IT"/>
           </a:p>
@@ -20572,7 +21422,7 @@
 </p:sld>
 </file>
 
-<file path=ppt/slides/slide48.xml><?xml version="1.0" encoding="utf-8"?>
+<file path=ppt/slides/slide51.xml><?xml version="1.0" encoding="utf-8"?>
 <p:sld xmlns:a="http://schemas.openxmlformats.org/drawingml/2006/main" xmlns:r="http://schemas.openxmlformats.org/officeDocument/2006/relationships" xmlns:p="http://schemas.openxmlformats.org/presentationml/2006/main">
   <p:cSld>
     <p:spTree>
@@ -20966,7 +21816,7 @@
             <a:fld id="{D2040F39-7941-49A4-B48D-F201B18B6351}" type="slidenum">
               <a:rPr lang="it-IT" smtClean="0"/>
               <a:pPr/>
-              <a:t>48</a:t>
+              <a:t>51</a:t>
             </a:fld>
             <a:endParaRPr lang="it-IT" dirty="0"/>
           </a:p>
@@ -20985,7 +21835,7 @@
 </p:sld>
 </file>
 
-<file path=ppt/slides/slide49.xml><?xml version="1.0" encoding="utf-8"?>
+<file path=ppt/slides/slide52.xml><?xml version="1.0" encoding="utf-8"?>
 <p:sld xmlns:a="http://schemas.openxmlformats.org/drawingml/2006/main" xmlns:r="http://schemas.openxmlformats.org/officeDocument/2006/relationships" xmlns:p="http://schemas.openxmlformats.org/presentationml/2006/main">
   <p:cSld>
     <p:spTree>
@@ -21054,7 +21904,7 @@
             <a:fld id="{D2040F39-7941-49A4-B48D-F201B18B6351}" type="slidenum">
               <a:rPr lang="it-IT" smtClean="0"/>
               <a:pPr/>
-              <a:t>49</a:t>
+              <a:t>52</a:t>
             </a:fld>
             <a:endParaRPr lang="it-IT" dirty="0"/>
           </a:p>
@@ -21380,438 +22230,7 @@
 </p:sld>
 </file>
 
-<file path=ppt/slides/slide5.xml><?xml version="1.0" encoding="utf-8"?>
-<p:sld xmlns:a="http://schemas.openxmlformats.org/drawingml/2006/main" xmlns:r="http://schemas.openxmlformats.org/officeDocument/2006/relationships" xmlns:p="http://schemas.openxmlformats.org/presentationml/2006/main">
-  <p:cSld>
-    <p:spTree>
-      <p:nvGrpSpPr>
-        <p:cNvPr id="1" name=""/>
-        <p:cNvGrpSpPr/>
-        <p:nvPr/>
-      </p:nvGrpSpPr>
-      <p:grpSpPr>
-        <a:xfrm>
-          <a:off x="0" y="0"/>
-          <a:ext cx="0" cy="0"/>
-          <a:chOff x="0" y="0"/>
-          <a:chExt cx="0" cy="0"/>
-        </a:xfrm>
-      </p:grpSpPr>
-      <p:sp>
-        <p:nvSpPr>
-          <p:cNvPr id="2" name="Titolo 1">
-            <a:extLst>
-              <a:ext uri="{FF2B5EF4-FFF2-40B4-BE49-F238E27FC236}">
-                <a16:creationId xmlns:a16="http://schemas.microsoft.com/office/drawing/2014/main" id="{1F0B84B1-06CB-4AB0-A7AA-70D710FE60A9}"/>
-              </a:ext>
-            </a:extLst>
-          </p:cNvPr>
-          <p:cNvSpPr>
-            <a:spLocks noGrp="1"/>
-          </p:cNvSpPr>
-          <p:nvPr>
-            <p:ph type="title"/>
-          </p:nvPr>
-        </p:nvSpPr>
-        <p:spPr/>
-        <p:txBody>
-          <a:bodyPr/>
-          <a:lstStyle/>
-          <a:p>
-            <a:r>
-              <a:rPr lang="it-IT" dirty="0"/>
-              <a:t>Activity</a:t>
-            </a:r>
-          </a:p>
-        </p:txBody>
-      </p:sp>
-      <p:sp>
-        <p:nvSpPr>
-          <p:cNvPr id="3" name="Segnaposto contenuto 2">
-            <a:extLst>
-              <a:ext uri="{FF2B5EF4-FFF2-40B4-BE49-F238E27FC236}">
-                <a16:creationId xmlns:a16="http://schemas.microsoft.com/office/drawing/2014/main" id="{43D058E3-F6FC-4153-908B-BC6BB7823AAE}"/>
-              </a:ext>
-            </a:extLst>
-          </p:cNvPr>
-          <p:cNvSpPr>
-            <a:spLocks noGrp="1"/>
-          </p:cNvSpPr>
-          <p:nvPr>
-            <p:ph idx="1"/>
-          </p:nvPr>
-        </p:nvSpPr>
-        <p:spPr/>
-        <p:txBody>
-          <a:bodyPr>
-            <a:normAutofit fontScale="92500" lnSpcReduction="10000"/>
-          </a:bodyPr>
-          <a:lstStyle/>
-          <a:p>
-            <a:r>
-              <a:rPr lang="en-GB" dirty="0"/>
-              <a:t>Unlike</a:t>
-            </a:r>
-            <a:r>
-              <a:rPr lang="it-IT" dirty="0"/>
-              <a:t> programming para</a:t>
-            </a:r>
-            <a:r>
-              <a:rPr lang="en-GB" dirty="0"/>
-              <a:t>d</a:t>
-            </a:r>
-            <a:r>
-              <a:rPr lang="it-IT" dirty="0" err="1"/>
-              <a:t>igms</a:t>
-            </a:r>
-            <a:r>
-              <a:rPr lang="it-IT" dirty="0"/>
-              <a:t> in </a:t>
-            </a:r>
-            <a:r>
-              <a:rPr lang="it-IT" dirty="0" err="1"/>
-              <a:t>which</a:t>
-            </a:r>
-            <a:r>
-              <a:rPr lang="it-IT" dirty="0"/>
-              <a:t> app are </a:t>
-            </a:r>
-            <a:r>
-              <a:rPr lang="it-IT" dirty="0" err="1"/>
-              <a:t>launch</a:t>
-            </a:r>
-            <a:r>
-              <a:rPr lang="it-IT" dirty="0"/>
-              <a:t> with a </a:t>
-            </a:r>
-            <a:r>
-              <a:rPr lang="it-IT" dirty="0" err="1"/>
-              <a:t>main</a:t>
-            </a:r>
-            <a:r>
-              <a:rPr lang="it-IT" dirty="0"/>
-              <a:t>(), the Android system </a:t>
-            </a:r>
-            <a:r>
-              <a:rPr lang="it-IT" dirty="0" err="1"/>
-              <a:t>initiates</a:t>
-            </a:r>
-            <a:r>
-              <a:rPr lang="it-IT" dirty="0"/>
-              <a:t> code in an Activity by </a:t>
-            </a:r>
-            <a:r>
-              <a:rPr lang="it-IT" dirty="0" err="1"/>
-              <a:t>invoking</a:t>
-            </a:r>
-            <a:r>
-              <a:rPr lang="it-IT" dirty="0"/>
-              <a:t> </a:t>
-            </a:r>
-            <a:r>
-              <a:rPr lang="it-IT" dirty="0" err="1"/>
-              <a:t>specificic</a:t>
-            </a:r>
-            <a:r>
-              <a:rPr lang="it-IT" dirty="0"/>
-              <a:t> </a:t>
-            </a:r>
-            <a:r>
-              <a:rPr lang="it-IT" dirty="0" err="1"/>
-              <a:t>method</a:t>
-            </a:r>
-            <a:r>
-              <a:rPr lang="it-IT" dirty="0"/>
-              <a:t>.</a:t>
-            </a:r>
-          </a:p>
-          <a:p>
-            <a:r>
-              <a:rPr lang="it-IT" b="1" dirty="0" err="1"/>
-              <a:t>Why</a:t>
-            </a:r>
-            <a:r>
-              <a:rPr lang="it-IT" b="1" dirty="0"/>
-              <a:t>? </a:t>
-            </a:r>
-            <a:r>
-              <a:rPr lang="it-IT" dirty="0"/>
-              <a:t>In mobile-app, </a:t>
-            </a:r>
-            <a:r>
-              <a:rPr lang="it-IT" dirty="0" err="1"/>
-              <a:t>user's</a:t>
-            </a:r>
-            <a:r>
-              <a:rPr lang="it-IT" dirty="0"/>
-              <a:t> interaction </a:t>
-            </a:r>
-            <a:r>
-              <a:rPr lang="it-IT" dirty="0" err="1"/>
-              <a:t>doesn't</a:t>
-            </a:r>
-            <a:r>
-              <a:rPr lang="it-IT" dirty="0"/>
-              <a:t> </a:t>
-            </a:r>
-            <a:r>
-              <a:rPr lang="it-IT" dirty="0" err="1"/>
-              <a:t>always</a:t>
-            </a:r>
-            <a:r>
-              <a:rPr lang="it-IT" dirty="0"/>
-              <a:t> </a:t>
-            </a:r>
-            <a:r>
-              <a:rPr lang="it-IT" dirty="0" err="1"/>
-              <a:t>begin</a:t>
-            </a:r>
-            <a:r>
-              <a:rPr lang="it-IT" dirty="0"/>
-              <a:t> in the </a:t>
-            </a:r>
-            <a:r>
-              <a:rPr lang="it-IT" dirty="0" err="1"/>
-              <a:t>same</a:t>
-            </a:r>
-            <a:r>
-              <a:rPr lang="it-IT" dirty="0"/>
-              <a:t> place (e.g. app </a:t>
-            </a:r>
-            <a:r>
-              <a:rPr lang="it-IT" dirty="0" err="1"/>
-              <a:t>could</a:t>
-            </a:r>
-            <a:r>
-              <a:rPr lang="it-IT" dirty="0"/>
-              <a:t> be </a:t>
-            </a:r>
-            <a:r>
-              <a:rPr lang="it-IT" dirty="0" err="1"/>
-              <a:t>started</a:t>
-            </a:r>
-            <a:r>
-              <a:rPr lang="it-IT" dirty="0"/>
-              <a:t> with the </a:t>
-            </a:r>
-            <a:r>
-              <a:rPr lang="it-IT" dirty="0" err="1"/>
-              <a:t>launch</a:t>
-            </a:r>
-            <a:r>
-              <a:rPr lang="it-IT" dirty="0"/>
-              <a:t> </a:t>
-            </a:r>
-            <a:r>
-              <a:rPr lang="it-IT" dirty="0" err="1"/>
-              <a:t>icon</a:t>
-            </a:r>
-            <a:r>
-              <a:rPr lang="it-IT" dirty="0"/>
-              <a:t> and user </a:t>
-            </a:r>
-            <a:r>
-              <a:rPr lang="it-IT" dirty="0" err="1"/>
-              <a:t>might</a:t>
-            </a:r>
-            <a:r>
-              <a:rPr lang="it-IT" dirty="0"/>
-              <a:t> </a:t>
-            </a:r>
-            <a:r>
-              <a:rPr lang="it-IT" dirty="0" err="1"/>
-              <a:t>see</a:t>
-            </a:r>
-            <a:r>
-              <a:rPr lang="it-IT" dirty="0"/>
-              <a:t> a </a:t>
-            </a:r>
-            <a:r>
-              <a:rPr lang="it-IT" dirty="0" err="1"/>
-              <a:t>specific</a:t>
-            </a:r>
-            <a:r>
-              <a:rPr lang="it-IT" dirty="0"/>
-              <a:t> window, </a:t>
-            </a:r>
-            <a:r>
-              <a:rPr lang="it-IT" dirty="0" err="1"/>
-              <a:t>but</a:t>
-            </a:r>
-            <a:r>
-              <a:rPr lang="it-IT" dirty="0"/>
-              <a:t>, </a:t>
-            </a:r>
-            <a:r>
-              <a:rPr lang="it-IT" dirty="0" err="1"/>
-              <a:t>it</a:t>
-            </a:r>
-            <a:r>
-              <a:rPr lang="it-IT" dirty="0"/>
-              <a:t> </a:t>
-            </a:r>
-            <a:r>
-              <a:rPr lang="it-IT" dirty="0" err="1"/>
-              <a:t>could</a:t>
-            </a:r>
-            <a:r>
-              <a:rPr lang="it-IT" dirty="0"/>
-              <a:t> be </a:t>
-            </a:r>
-            <a:r>
-              <a:rPr lang="it-IT" dirty="0" err="1"/>
-              <a:t>started</a:t>
-            </a:r>
-            <a:r>
-              <a:rPr lang="it-IT" dirty="0"/>
-              <a:t> </a:t>
-            </a:r>
-            <a:r>
-              <a:rPr lang="it-IT" dirty="0" err="1"/>
-              <a:t>also</a:t>
-            </a:r>
-            <a:r>
-              <a:rPr lang="it-IT" dirty="0"/>
-              <a:t> </a:t>
-            </a:r>
-            <a:r>
-              <a:rPr lang="it-IT" dirty="0" err="1"/>
-              <a:t>using</a:t>
-            </a:r>
-            <a:r>
-              <a:rPr lang="it-IT" dirty="0"/>
-              <a:t> </a:t>
-            </a:r>
-            <a:r>
-              <a:rPr lang="it-IT" dirty="0" err="1"/>
-              <a:t>another</a:t>
-            </a:r>
-            <a:r>
-              <a:rPr lang="it-IT" dirty="0"/>
-              <a:t> app and user </a:t>
-            </a:r>
-            <a:r>
-              <a:rPr lang="it-IT" dirty="0" err="1"/>
-              <a:t>might</a:t>
-            </a:r>
-            <a:r>
-              <a:rPr lang="it-IT" dirty="0"/>
-              <a:t> se </a:t>
-            </a:r>
-            <a:r>
-              <a:rPr lang="it-IT" dirty="0" err="1"/>
-              <a:t>another</a:t>
-            </a:r>
-            <a:r>
-              <a:rPr lang="it-IT" dirty="0"/>
-              <a:t> </a:t>
-            </a:r>
-            <a:r>
-              <a:rPr lang="it-IT" dirty="0" err="1"/>
-              <a:t>different</a:t>
-            </a:r>
-            <a:r>
-              <a:rPr lang="it-IT" dirty="0"/>
-              <a:t> window). Activity </a:t>
-            </a:r>
-            <a:r>
-              <a:rPr lang="it-IT" dirty="0" err="1"/>
-              <a:t>is</a:t>
-            </a:r>
-            <a:r>
-              <a:rPr lang="it-IT" dirty="0"/>
-              <a:t> </a:t>
-            </a:r>
-            <a:r>
-              <a:rPr lang="it-IT" dirty="0" err="1"/>
-              <a:t>designed</a:t>
-            </a:r>
-            <a:r>
-              <a:rPr lang="it-IT" dirty="0"/>
-              <a:t> to facilitate </a:t>
-            </a:r>
-            <a:r>
-              <a:rPr lang="it-IT" dirty="0" err="1"/>
-              <a:t>this</a:t>
-            </a:r>
-            <a:r>
-              <a:rPr lang="it-IT" dirty="0"/>
-              <a:t> </a:t>
-            </a:r>
-            <a:r>
-              <a:rPr lang="it-IT" dirty="0" err="1"/>
-              <a:t>paradigm</a:t>
-            </a:r>
-            <a:r>
-              <a:rPr lang="it-IT" dirty="0"/>
-              <a:t>, </a:t>
-            </a:r>
-            <a:r>
-              <a:rPr lang="it-IT" dirty="0" err="1"/>
-              <a:t>it</a:t>
-            </a:r>
-            <a:r>
-              <a:rPr lang="it-IT" dirty="0"/>
-              <a:t> </a:t>
-            </a:r>
-            <a:r>
-              <a:rPr lang="en-GB" dirty="0"/>
-              <a:t>serves as the entry point for an app's interaction with the user</a:t>
-            </a:r>
-          </a:p>
-          <a:p>
-            <a:r>
-              <a:rPr lang="en-GB" b="1" dirty="0"/>
-              <a:t>An activity provides the window in which the app draws its UI.</a:t>
-            </a:r>
-            <a:endParaRPr lang="it-IT" b="1" dirty="0"/>
-          </a:p>
-        </p:txBody>
-      </p:sp>
-      <p:sp>
-        <p:nvSpPr>
-          <p:cNvPr id="4" name="Segnaposto numero diapositiva 3">
-            <a:extLst>
-              <a:ext uri="{FF2B5EF4-FFF2-40B4-BE49-F238E27FC236}">
-                <a16:creationId xmlns:a16="http://schemas.microsoft.com/office/drawing/2014/main" id="{3ED20E81-F9C3-4945-9EDA-7345CD0F69D3}"/>
-              </a:ext>
-            </a:extLst>
-          </p:cNvPr>
-          <p:cNvSpPr>
-            <a:spLocks noGrp="1"/>
-          </p:cNvSpPr>
-          <p:nvPr>
-            <p:ph type="sldNum" sz="quarter" idx="12"/>
-          </p:nvPr>
-        </p:nvSpPr>
-        <p:spPr/>
-        <p:txBody>
-          <a:bodyPr/>
-          <a:lstStyle/>
-          <a:p>
-            <a:fld id="{D2040F39-7941-49A4-B48D-F201B18B6351}" type="slidenum">
-              <a:rPr lang="it-IT" smtClean="0"/>
-              <a:pPr/>
-              <a:t>5</a:t>
-            </a:fld>
-            <a:endParaRPr lang="it-IT" dirty="0"/>
-          </a:p>
-        </p:txBody>
-      </p:sp>
-    </p:spTree>
-    <p:extLst>
-      <p:ext uri="{BB962C8B-B14F-4D97-AF65-F5344CB8AC3E}">
-        <p14:creationId xmlns:p14="http://schemas.microsoft.com/office/powerpoint/2010/main" val="3999457021"/>
-      </p:ext>
-    </p:extLst>
-  </p:cSld>
-  <p:clrMapOvr>
-    <a:masterClrMapping/>
-  </p:clrMapOvr>
-</p:sld>
-</file>
-
-<file path=ppt/slides/slide50.xml><?xml version="1.0" encoding="utf-8"?>
+<file path=ppt/slides/slide53.xml><?xml version="1.0" encoding="utf-8"?>
 <p:sld xmlns:a="http://schemas.openxmlformats.org/drawingml/2006/main" xmlns:r="http://schemas.openxmlformats.org/officeDocument/2006/relationships" xmlns:p="http://schemas.openxmlformats.org/presentationml/2006/main">
   <p:cSld>
     <p:spTree>
@@ -22405,7 +22824,7 @@
             <a:fld id="{D2040F39-7941-49A4-B48D-F201B18B6351}" type="slidenum">
               <a:rPr lang="it-IT" smtClean="0"/>
               <a:pPr/>
-              <a:t>50</a:t>
+              <a:t>53</a:t>
             </a:fld>
             <a:endParaRPr lang="it-IT" dirty="0"/>
           </a:p>
@@ -22424,7 +22843,7 @@
 </p:sld>
 </file>
 
-<file path=ppt/slides/slide51.xml><?xml version="1.0" encoding="utf-8"?>
+<file path=ppt/slides/slide54.xml><?xml version="1.0" encoding="utf-8"?>
 <p:sld xmlns:a="http://schemas.openxmlformats.org/drawingml/2006/main" xmlns:r="http://schemas.openxmlformats.org/officeDocument/2006/relationships" xmlns:p="http://schemas.openxmlformats.org/presentationml/2006/main">
   <p:cSld>
     <p:spTree>
@@ -22782,7 +23201,7 @@
             <a:fld id="{D2040F39-7941-49A4-B48D-F201B18B6351}" type="slidenum">
               <a:rPr lang="it-IT" smtClean="0"/>
               <a:pPr/>
-              <a:t>51</a:t>
+              <a:t>54</a:t>
             </a:fld>
             <a:endParaRPr lang="it-IT" dirty="0"/>
           </a:p>
@@ -22890,7 +23309,7 @@
 </p:sld>
 </file>
 
-<file path=ppt/slides/slide52.xml><?xml version="1.0" encoding="utf-8"?>
+<file path=ppt/slides/slide55.xml><?xml version="1.0" encoding="utf-8"?>
 <p:sld xmlns:a="http://schemas.openxmlformats.org/drawingml/2006/main" xmlns:r="http://schemas.openxmlformats.org/officeDocument/2006/relationships" xmlns:p="http://schemas.openxmlformats.org/presentationml/2006/main">
   <p:cSld>
     <p:spTree>
@@ -23164,7 +23583,7 @@
                   <a:spcPts val="600"/>
                 </a:spcAft>
               </a:pPr>
-              <a:t>52</a:t>
+              <a:t>55</a:t>
             </a:fld>
             <a:endParaRPr lang="it-IT"/>
           </a:p>
@@ -23183,7 +23602,7 @@
 </p:sld>
 </file>
 
-<file path=ppt/slides/slide53.xml><?xml version="1.0" encoding="utf-8"?>
+<file path=ppt/slides/slide56.xml><?xml version="1.0" encoding="utf-8"?>
 <p:sld xmlns:a="http://schemas.openxmlformats.org/drawingml/2006/main" xmlns:r="http://schemas.openxmlformats.org/officeDocument/2006/relationships" xmlns:p="http://schemas.openxmlformats.org/presentationml/2006/main">
   <p:cSld>
     <p:spTree>
@@ -23452,7 +23871,7 @@
             <a:fld id="{D2040F39-7941-49A4-B48D-F201B18B6351}" type="slidenum">
               <a:rPr lang="it-IT" smtClean="0"/>
               <a:pPr/>
-              <a:t>53</a:t>
+              <a:t>56</a:t>
             </a:fld>
             <a:endParaRPr lang="it-IT" dirty="0"/>
           </a:p>
@@ -23471,7 +23890,7 @@
 </p:sld>
 </file>
 
-<file path=ppt/slides/slide54.xml><?xml version="1.0" encoding="utf-8"?>
+<file path=ppt/slides/slide57.xml><?xml version="1.0" encoding="utf-8"?>
 <p:sld xmlns:a="http://schemas.openxmlformats.org/drawingml/2006/main" xmlns:r="http://schemas.openxmlformats.org/officeDocument/2006/relationships" xmlns:p="http://schemas.openxmlformats.org/presentationml/2006/main">
   <p:cSld>
     <p:spTree>
@@ -23638,7 +24057,7 @@
             <a:fld id="{D2040F39-7941-49A4-B48D-F201B18B6351}" type="slidenum">
               <a:rPr lang="it-IT" smtClean="0"/>
               <a:pPr/>
-              <a:t>54</a:t>
+              <a:t>57</a:t>
             </a:fld>
             <a:endParaRPr lang="it-IT" dirty="0"/>
           </a:p>
@@ -23657,7 +24076,7 @@
 </p:sld>
 </file>
 
-<file path=ppt/slides/slide55.xml><?xml version="1.0" encoding="utf-8"?>
+<file path=ppt/slides/slide58.xml><?xml version="1.0" encoding="utf-8"?>
 <p:sld xmlns:a="http://schemas.openxmlformats.org/drawingml/2006/main" xmlns:r="http://schemas.openxmlformats.org/officeDocument/2006/relationships" xmlns:p="http://schemas.openxmlformats.org/presentationml/2006/main">
   <p:cSld>
     <p:spTree>
@@ -23764,7 +24183,7 @@
             <a:fld id="{D2040F39-7941-49A4-B48D-F201B18B6351}" type="slidenum">
               <a:rPr lang="it-IT" smtClean="0"/>
               <a:pPr/>
-              <a:t>55</a:t>
+              <a:t>58</a:t>
             </a:fld>
             <a:endParaRPr lang="it-IT" dirty="0"/>
           </a:p>
@@ -24257,7 +24676,7 @@
 </p:sld>
 </file>
 
-<file path=ppt/slides/slide56.xml><?xml version="1.0" encoding="utf-8"?>
+<file path=ppt/slides/slide59.xml><?xml version="1.0" encoding="utf-8"?>
 <p:sld xmlns:a="http://schemas.openxmlformats.org/drawingml/2006/main" xmlns:r="http://schemas.openxmlformats.org/officeDocument/2006/relationships" xmlns:p="http://schemas.openxmlformats.org/presentationml/2006/main">
   <p:cSld>
     <p:spTree>
@@ -24431,7 +24850,7 @@
             <a:fld id="{D2040F39-7941-49A4-B48D-F201B18B6351}" type="slidenum">
               <a:rPr lang="it-IT" smtClean="0"/>
               <a:pPr/>
-              <a:t>56</a:t>
+              <a:t>59</a:t>
             </a:fld>
             <a:endParaRPr lang="it-IT" dirty="0"/>
           </a:p>
@@ -24484,7 +24903,187 @@
 </p:sld>
 </file>
 
-<file path=ppt/slides/slide57.xml><?xml version="1.0" encoding="utf-8"?>
+<file path=ppt/slides/slide6.xml><?xml version="1.0" encoding="utf-8"?>
+<p:sld xmlns:a="http://schemas.openxmlformats.org/drawingml/2006/main" xmlns:r="http://schemas.openxmlformats.org/officeDocument/2006/relationships" xmlns:p="http://schemas.openxmlformats.org/presentationml/2006/main">
+  <p:cSld>
+    <p:spTree>
+      <p:nvGrpSpPr>
+        <p:cNvPr id="1" name=""/>
+        <p:cNvGrpSpPr/>
+        <p:nvPr/>
+      </p:nvGrpSpPr>
+      <p:grpSpPr>
+        <a:xfrm>
+          <a:off x="0" y="0"/>
+          <a:ext cx="0" cy="0"/>
+          <a:chOff x="0" y="0"/>
+          <a:chExt cx="0" cy="0"/>
+        </a:xfrm>
+      </p:grpSpPr>
+      <p:sp>
+        <p:nvSpPr>
+          <p:cNvPr id="2" name="Titolo 1">
+            <a:extLst>
+              <a:ext uri="{FF2B5EF4-FFF2-40B4-BE49-F238E27FC236}">
+                <a16:creationId xmlns:a16="http://schemas.microsoft.com/office/drawing/2014/main" id="{F83E1A0A-C507-ECB1-73B9-94BA29B837DF}"/>
+              </a:ext>
+            </a:extLst>
+          </p:cNvPr>
+          <p:cNvSpPr>
+            <a:spLocks noGrp="1"/>
+          </p:cNvSpPr>
+          <p:nvPr>
+            <p:ph type="title"/>
+          </p:nvPr>
+        </p:nvSpPr>
+        <p:spPr/>
+        <p:txBody>
+          <a:bodyPr/>
+          <a:lstStyle/>
+          <a:p>
+            <a:endParaRPr lang="en-GB"/>
+          </a:p>
+        </p:txBody>
+      </p:sp>
+      <p:sp>
+        <p:nvSpPr>
+          <p:cNvPr id="3" name="Segnaposto contenuto 2">
+            <a:extLst>
+              <a:ext uri="{FF2B5EF4-FFF2-40B4-BE49-F238E27FC236}">
+                <a16:creationId xmlns:a16="http://schemas.microsoft.com/office/drawing/2014/main" id="{E662D512-F235-209C-2B4A-94AA076C0C89}"/>
+              </a:ext>
+            </a:extLst>
+          </p:cNvPr>
+          <p:cNvSpPr>
+            <a:spLocks noGrp="1"/>
+          </p:cNvSpPr>
+          <p:nvPr>
+            <p:ph idx="1"/>
+          </p:nvPr>
+        </p:nvSpPr>
+        <p:spPr/>
+        <p:txBody>
+          <a:bodyPr/>
+          <a:lstStyle/>
+          <a:p>
+            <a:r>
+              <a:rPr lang="en-GB" dirty="0">
+                <a:solidFill>
+                  <a:srgbClr val="FF0000"/>
+                </a:solidFill>
+                <a:latin typeface="Consolas" panose="020B0609020204030204" pitchFamily="49" charset="0"/>
+              </a:rPr>
+              <a:t>void </a:t>
+            </a:r>
+            <a:r>
+              <a:rPr lang="en-GB" dirty="0" err="1">
+                <a:solidFill>
+                  <a:srgbClr val="FF0000"/>
+                </a:solidFill>
+                <a:latin typeface="Consolas" panose="020B0609020204030204" pitchFamily="49" charset="0"/>
+              </a:rPr>
+              <a:t>onTrimMemory</a:t>
+            </a:r>
+            <a:r>
+              <a:rPr lang="en-GB" dirty="0">
+                <a:solidFill>
+                  <a:srgbClr val="FF0000"/>
+                </a:solidFill>
+                <a:latin typeface="Consolas" panose="020B0609020204030204" pitchFamily="49" charset="0"/>
+              </a:rPr>
+              <a:t>(int level)</a:t>
+            </a:r>
+          </a:p>
+          <a:p>
+            <a:pPr lvl="1"/>
+            <a:r>
+              <a:rPr lang="en-GB" dirty="0"/>
+              <a:t>This method is called when the operating system has determined that it is a good time for a process to trim unneeded memory from its process. This will happen for example, when it goes in the background and there is not enough memory to keep, as many background processes running as desired. This </a:t>
+            </a:r>
+            <a:r>
+              <a:rPr lang="en-GB" dirty="0" err="1"/>
+              <a:t>callback</a:t>
+            </a:r>
+            <a:r>
+              <a:rPr lang="en-GB" dirty="0"/>
+              <a:t> was added in API level 14. For older versions, you can use </a:t>
+            </a:r>
+            <a:r>
+              <a:rPr lang="en-GB" dirty="0" err="1">
+                <a:latin typeface="Consolas" panose="020B0609020204030204" pitchFamily="49" charset="0"/>
+              </a:rPr>
+              <a:t>onLowMemory</a:t>
+            </a:r>
+            <a:r>
+              <a:rPr lang="en-GB" dirty="0">
+                <a:latin typeface="Consolas" panose="020B0609020204030204" pitchFamily="49" charset="0"/>
+              </a:rPr>
+              <a:t>().</a:t>
+            </a:r>
+          </a:p>
+          <a:p>
+            <a:pPr lvl="1"/>
+            <a:r>
+              <a:rPr lang="en-GB" dirty="0"/>
+              <a:t>The params </a:t>
+            </a:r>
+            <a:r>
+              <a:rPr lang="en-GB" dirty="0">
+                <a:latin typeface="Consolas" panose="020B0609020204030204" pitchFamily="49" charset="0"/>
+              </a:rPr>
+              <a:t>level</a:t>
+            </a:r>
+            <a:r>
+              <a:rPr lang="en-GB" dirty="0"/>
+              <a:t> is included in application class like static attributes</a:t>
+            </a:r>
+          </a:p>
+        </p:txBody>
+      </p:sp>
+      <p:sp>
+        <p:nvSpPr>
+          <p:cNvPr id="4" name="Segnaposto numero diapositiva 3">
+            <a:extLst>
+              <a:ext uri="{FF2B5EF4-FFF2-40B4-BE49-F238E27FC236}">
+                <a16:creationId xmlns:a16="http://schemas.microsoft.com/office/drawing/2014/main" id="{F08B2F27-1C84-5076-FE1C-8075ABF0A9B4}"/>
+              </a:ext>
+            </a:extLst>
+          </p:cNvPr>
+          <p:cNvSpPr>
+            <a:spLocks noGrp="1"/>
+          </p:cNvSpPr>
+          <p:nvPr>
+            <p:ph type="sldNum" sz="quarter" idx="12"/>
+          </p:nvPr>
+        </p:nvSpPr>
+        <p:spPr/>
+        <p:txBody>
+          <a:bodyPr/>
+          <a:lstStyle/>
+          <a:p>
+            <a:fld id="{D2040F39-7941-49A4-B48D-F201B18B6351}" type="slidenum">
+              <a:rPr lang="it-IT" smtClean="0"/>
+              <a:pPr/>
+              <a:t>6</a:t>
+            </a:fld>
+            <a:endParaRPr lang="it-IT" dirty="0"/>
+          </a:p>
+        </p:txBody>
+      </p:sp>
+    </p:spTree>
+    <p:extLst>
+      <p:ext uri="{BB962C8B-B14F-4D97-AF65-F5344CB8AC3E}">
+        <p14:creationId xmlns:p14="http://schemas.microsoft.com/office/powerpoint/2010/main" val="2820950359"/>
+      </p:ext>
+    </p:extLst>
+  </p:cSld>
+  <p:clrMapOvr>
+    <a:masterClrMapping/>
+  </p:clrMapOvr>
+</p:sld>
+</file>
+
+<file path=ppt/slides/slide60.xml><?xml version="1.0" encoding="utf-8"?>
 <p:sld xmlns:a="http://schemas.openxmlformats.org/drawingml/2006/main" xmlns:r="http://schemas.openxmlformats.org/officeDocument/2006/relationships" xmlns:p="http://schemas.openxmlformats.org/presentationml/2006/main">
   <p:cSld>
     <p:spTree>
@@ -24587,7 +25186,7 @@
             <a:fld id="{D2040F39-7941-49A4-B48D-F201B18B6351}" type="slidenum">
               <a:rPr lang="it-IT" smtClean="0"/>
               <a:pPr/>
-              <a:t>57</a:t>
+              <a:t>60</a:t>
             </a:fld>
             <a:endParaRPr lang="it-IT" dirty="0"/>
           </a:p>
@@ -24655,7 +25254,7 @@
 </p:sld>
 </file>
 
-<file path=ppt/slides/slide58.xml><?xml version="1.0" encoding="utf-8"?>
+<file path=ppt/slides/slide61.xml><?xml version="1.0" encoding="utf-8"?>
 <p:sld xmlns:a="http://schemas.openxmlformats.org/drawingml/2006/main" xmlns:r="http://schemas.openxmlformats.org/officeDocument/2006/relationships" xmlns:p="http://schemas.openxmlformats.org/presentationml/2006/main">
   <p:cSld>
     <p:spTree>
@@ -24786,7 +25385,7 @@
             <a:fld id="{D2040F39-7941-49A4-B48D-F201B18B6351}" type="slidenum">
               <a:rPr lang="it-IT" smtClean="0"/>
               <a:pPr/>
-              <a:t>58</a:t>
+              <a:t>61</a:t>
             </a:fld>
             <a:endParaRPr lang="it-IT" dirty="0"/>
           </a:p>
@@ -24805,7 +25404,7 @@
 </p:sld>
 </file>
 
-<file path=ppt/slides/slide59.xml><?xml version="1.0" encoding="utf-8"?>
+<file path=ppt/slides/slide62.xml><?xml version="1.0" encoding="utf-8"?>
 <p:sld xmlns:a="http://schemas.openxmlformats.org/drawingml/2006/main" xmlns:r="http://schemas.openxmlformats.org/officeDocument/2006/relationships" xmlns:p="http://schemas.openxmlformats.org/presentationml/2006/main">
   <p:cSld>
     <p:spTree>
@@ -25162,7 +25761,7 @@
             <a:fld id="{D2040F39-7941-49A4-B48D-F201B18B6351}" type="slidenum">
               <a:rPr lang="it-IT" smtClean="0"/>
               <a:pPr/>
-              <a:t>59</a:t>
+              <a:t>62</a:t>
             </a:fld>
             <a:endParaRPr lang="it-IT" dirty="0"/>
           </a:p>
@@ -25210,164 +25809,7 @@
 </p:sld>
 </file>
 
-<file path=ppt/slides/slide6.xml><?xml version="1.0" encoding="utf-8"?>
-<p:sld xmlns:a="http://schemas.openxmlformats.org/drawingml/2006/main" xmlns:r="http://schemas.openxmlformats.org/officeDocument/2006/relationships" xmlns:p="http://schemas.openxmlformats.org/presentationml/2006/main">
-  <p:cSld>
-    <p:spTree>
-      <p:nvGrpSpPr>
-        <p:cNvPr id="1" name=""/>
-        <p:cNvGrpSpPr/>
-        <p:nvPr/>
-      </p:nvGrpSpPr>
-      <p:grpSpPr>
-        <a:xfrm>
-          <a:off x="0" y="0"/>
-          <a:ext cx="0" cy="0"/>
-          <a:chOff x="0" y="0"/>
-          <a:chExt cx="0" cy="0"/>
-        </a:xfrm>
-      </p:grpSpPr>
-      <p:sp>
-        <p:nvSpPr>
-          <p:cNvPr id="2" name="Title 1">
-            <a:extLst>
-              <a:ext uri="{FF2B5EF4-FFF2-40B4-BE49-F238E27FC236}">
-                <a16:creationId xmlns:a16="http://schemas.microsoft.com/office/drawing/2014/main" id="{21A46125-BE62-41FA-BB83-27D74BCA8247}"/>
-              </a:ext>
-            </a:extLst>
-          </p:cNvPr>
-          <p:cNvSpPr>
-            <a:spLocks noGrp="1"/>
-          </p:cNvSpPr>
-          <p:nvPr>
-            <p:ph type="title"/>
-          </p:nvPr>
-        </p:nvSpPr>
-        <p:spPr/>
-        <p:txBody>
-          <a:bodyPr/>
-          <a:lstStyle/>
-          <a:p>
-            <a:r>
-              <a:rPr lang="en-GB" dirty="0"/>
-              <a:t>Activity lifecycle</a:t>
-            </a:r>
-          </a:p>
-        </p:txBody>
-      </p:sp>
-      <p:sp>
-        <p:nvSpPr>
-          <p:cNvPr id="3" name="Content Placeholder 2">
-            <a:extLst>
-              <a:ext uri="{FF2B5EF4-FFF2-40B4-BE49-F238E27FC236}">
-                <a16:creationId xmlns:a16="http://schemas.microsoft.com/office/drawing/2014/main" id="{53FD6CF7-9F0C-4738-8B5F-83843AE743FF}"/>
-              </a:ext>
-            </a:extLst>
-          </p:cNvPr>
-          <p:cNvSpPr>
-            <a:spLocks noGrp="1"/>
-          </p:cNvSpPr>
-          <p:nvPr>
-            <p:ph idx="1"/>
-          </p:nvPr>
-        </p:nvSpPr>
-        <p:spPr/>
-        <p:txBody>
-          <a:bodyPr>
-            <a:normAutofit fontScale="92500" lnSpcReduction="10000"/>
-          </a:bodyPr>
-          <a:lstStyle/>
-          <a:p>
-            <a:r>
-              <a:rPr lang="en-GB" dirty="0"/>
-              <a:t>When user navigate through an app, the Activity instances transition through different states of their lifecycle. </a:t>
-            </a:r>
-          </a:p>
-          <a:p>
-            <a:r>
-              <a:rPr lang="en-GB" dirty="0"/>
-              <a:t>Activities in the system are managed as </a:t>
-            </a:r>
-            <a:r>
-              <a:rPr lang="en-GB" b="1" dirty="0"/>
-              <a:t>activity stacks </a:t>
-            </a:r>
-            <a:r>
-              <a:rPr lang="en-GB" dirty="0"/>
-              <a:t>by</a:t>
-            </a:r>
-            <a:r>
-              <a:rPr lang="en-GB" dirty="0">
-                <a:solidFill>
-                  <a:srgbClr val="FF0000"/>
-                </a:solidFill>
-              </a:rPr>
-              <a:t> </a:t>
-            </a:r>
-            <a:r>
-              <a:rPr lang="en-GB" b="1" dirty="0" err="1"/>
-              <a:t>ActivityManager</a:t>
-            </a:r>
-            <a:r>
-              <a:rPr lang="en-GB" dirty="0"/>
-              <a:t> using LRU-mechanism (When a new activity is started, it is usually placed on the top of the current stack and becomes the running activity -- the previous activity always remains below it in the stack, and will not come to the foreground again until the new activity exits.)</a:t>
-            </a:r>
-          </a:p>
-          <a:p>
-            <a:r>
-              <a:rPr lang="en-GB" dirty="0"/>
-              <a:t>Entire lifecycle is related to specific methods which are invoked by the system; developers can override them</a:t>
-            </a:r>
-          </a:p>
-          <a:p>
-            <a:endParaRPr lang="en-GB" dirty="0"/>
-          </a:p>
-        </p:txBody>
-      </p:sp>
-      <p:sp>
-        <p:nvSpPr>
-          <p:cNvPr id="4" name="Slide Number Placeholder 3">
-            <a:extLst>
-              <a:ext uri="{FF2B5EF4-FFF2-40B4-BE49-F238E27FC236}">
-                <a16:creationId xmlns:a16="http://schemas.microsoft.com/office/drawing/2014/main" id="{E606EF64-9EE0-461E-9376-C1A6FCDB33F1}"/>
-              </a:ext>
-            </a:extLst>
-          </p:cNvPr>
-          <p:cNvSpPr>
-            <a:spLocks noGrp="1"/>
-          </p:cNvSpPr>
-          <p:nvPr>
-            <p:ph type="sldNum" sz="quarter" idx="12"/>
-          </p:nvPr>
-        </p:nvSpPr>
-        <p:spPr/>
-        <p:txBody>
-          <a:bodyPr/>
-          <a:lstStyle/>
-          <a:p>
-            <a:fld id="{D2040F39-7941-49A4-B48D-F201B18B6351}" type="slidenum">
-              <a:rPr lang="it-IT" smtClean="0"/>
-              <a:pPr/>
-              <a:t>6</a:t>
-            </a:fld>
-            <a:endParaRPr lang="it-IT" dirty="0"/>
-          </a:p>
-        </p:txBody>
-      </p:sp>
-    </p:spTree>
-    <p:extLst>
-      <p:ext uri="{BB962C8B-B14F-4D97-AF65-F5344CB8AC3E}">
-        <p14:creationId xmlns:p14="http://schemas.microsoft.com/office/powerpoint/2010/main" val="4073641638"/>
-      </p:ext>
-    </p:extLst>
-  </p:cSld>
-  <p:clrMapOvr>
-    <a:masterClrMapping/>
-  </p:clrMapOvr>
-</p:sld>
-</file>
-
-<file path=ppt/slides/slide60.xml><?xml version="1.0" encoding="utf-8"?>
+<file path=ppt/slides/slide63.xml><?xml version="1.0" encoding="utf-8"?>
 <p:sld xmlns:a="http://schemas.openxmlformats.org/drawingml/2006/main" xmlns:r="http://schemas.openxmlformats.org/officeDocument/2006/relationships" xmlns:p="http://schemas.openxmlformats.org/presentationml/2006/main">
   <p:cSld>
     <p:spTree>
@@ -25534,7 +25976,7 @@
             <a:fld id="{D2040F39-7941-49A4-B48D-F201B18B6351}" type="slidenum">
               <a:rPr lang="it-IT" smtClean="0"/>
               <a:pPr/>
-              <a:t>60</a:t>
+              <a:t>63</a:t>
             </a:fld>
             <a:endParaRPr lang="it-IT" dirty="0"/>
           </a:p>
@@ -25602,7 +26044,7 @@
 </p:sld>
 </file>
 
-<file path=ppt/slides/slide61.xml><?xml version="1.0" encoding="utf-8"?>
+<file path=ppt/slides/slide64.xml><?xml version="1.0" encoding="utf-8"?>
 <p:sld xmlns:a="http://schemas.openxmlformats.org/drawingml/2006/main" xmlns:r="http://schemas.openxmlformats.org/officeDocument/2006/relationships" xmlns:p="http://schemas.openxmlformats.org/presentationml/2006/main">
   <p:cSld>
     <p:spTree>
@@ -25846,7 +26288,7 @@
             <a:fld id="{D2040F39-7941-49A4-B48D-F201B18B6351}" type="slidenum">
               <a:rPr lang="it-IT" smtClean="0"/>
               <a:pPr/>
-              <a:t>61</a:t>
+              <a:t>64</a:t>
             </a:fld>
             <a:endParaRPr lang="it-IT" dirty="0"/>
           </a:p>
@@ -25894,7 +26336,7 @@
 </p:sld>
 </file>
 
-<file path=ppt/slides/slide62.xml><?xml version="1.0" encoding="utf-8"?>
+<file path=ppt/slides/slide65.xml><?xml version="1.0" encoding="utf-8"?>
 <p:sld xmlns:a="http://schemas.openxmlformats.org/drawingml/2006/main" xmlns:r="http://schemas.openxmlformats.org/officeDocument/2006/relationships" xmlns:p="http://schemas.openxmlformats.org/presentationml/2006/main">
   <p:cSld>
     <p:spTree>
@@ -26041,7 +26483,7 @@
             <a:fld id="{D2040F39-7941-49A4-B48D-F201B18B6351}" type="slidenum">
               <a:rPr lang="it-IT" smtClean="0"/>
               <a:pPr/>
-              <a:t>62</a:t>
+              <a:t>65</a:t>
             </a:fld>
             <a:endParaRPr lang="it-IT" dirty="0"/>
           </a:p>
@@ -26060,7 +26502,7 @@
 </p:sld>
 </file>
 
-<file path=ppt/slides/slide63.xml><?xml version="1.0" encoding="utf-8"?>
+<file path=ppt/slides/slide66.xml><?xml version="1.0" encoding="utf-8"?>
 <p:sld xmlns:a="http://schemas.openxmlformats.org/drawingml/2006/main" xmlns:r="http://schemas.openxmlformats.org/officeDocument/2006/relationships" xmlns:p="http://schemas.openxmlformats.org/presentationml/2006/main">
   <p:cSld>
     <p:spTree>
@@ -26208,7 +26650,7 @@
             <a:fld id="{D2040F39-7941-49A4-B48D-F201B18B6351}" type="slidenum">
               <a:rPr lang="it-IT" smtClean="0"/>
               <a:pPr/>
-              <a:t>63</a:t>
+              <a:t>66</a:t>
             </a:fld>
             <a:endParaRPr lang="it-IT" dirty="0"/>
           </a:p>
@@ -26320,7 +26762,7 @@
 </p:sld>
 </file>
 
-<file path=ppt/slides/slide64.xml><?xml version="1.0" encoding="utf-8"?>
+<file path=ppt/slides/slide67.xml><?xml version="1.0" encoding="utf-8"?>
 <p:sld xmlns:a="http://schemas.openxmlformats.org/drawingml/2006/main" xmlns:r="http://schemas.openxmlformats.org/officeDocument/2006/relationships" xmlns:p="http://schemas.openxmlformats.org/presentationml/2006/main">
   <p:cSld>
     <p:spTree>
@@ -26389,7 +26831,7 @@
             <a:fld id="{D2040F39-7941-49A4-B48D-F201B18B6351}" type="slidenum">
               <a:rPr lang="it-IT" smtClean="0"/>
               <a:pPr/>
-              <a:t>64</a:t>
+              <a:t>67</a:t>
             </a:fld>
             <a:endParaRPr lang="it-IT" dirty="0"/>
           </a:p>
@@ -28100,7 +28542,7 @@
 </p:sld>
 </file>
 
-<file path=ppt/slides/slide65.xml><?xml version="1.0" encoding="utf-8"?>
+<file path=ppt/slides/slide68.xml><?xml version="1.0" encoding="utf-8"?>
 <p:sld xmlns:a="http://schemas.openxmlformats.org/drawingml/2006/main" xmlns:r="http://schemas.openxmlformats.org/officeDocument/2006/relationships" xmlns:p="http://schemas.openxmlformats.org/presentationml/2006/main">
   <p:cSld>
     <p:spTree>
@@ -29197,7 +29639,7 @@
             <a:fld id="{D2040F39-7941-49A4-B48D-F201B18B6351}" type="slidenum">
               <a:rPr lang="it-IT" smtClean="0"/>
               <a:pPr/>
-              <a:t>65</a:t>
+              <a:t>68</a:t>
             </a:fld>
             <a:endParaRPr lang="it-IT" dirty="0"/>
           </a:p>
@@ -29216,7 +29658,7 @@
 </p:sld>
 </file>
 
-<file path=ppt/slides/slide66.xml><?xml version="1.0" encoding="utf-8"?>
+<file path=ppt/slides/slide69.xml><?xml version="1.0" encoding="utf-8"?>
 <p:sld xmlns:a="http://schemas.openxmlformats.org/drawingml/2006/main" xmlns:r="http://schemas.openxmlformats.org/officeDocument/2006/relationships" xmlns:p="http://schemas.openxmlformats.org/presentationml/2006/main">
   <p:cSld>
     <p:spTree>
@@ -29478,7 +29920,7 @@
             <a:fld id="{D2040F39-7941-49A4-B48D-F201B18B6351}" type="slidenum">
               <a:rPr lang="it-IT" smtClean="0"/>
               <a:pPr/>
-              <a:t>66</a:t>
+              <a:t>69</a:t>
             </a:fld>
             <a:endParaRPr lang="it-IT" dirty="0"/>
           </a:p>
@@ -29497,7 +29939,233 @@
 </p:sld>
 </file>
 
-<file path=ppt/slides/slide67.xml><?xml version="1.0" encoding="utf-8"?>
+<file path=ppt/slides/slide7.xml><?xml version="1.0" encoding="utf-8"?>
+<p:sld xmlns:a="http://schemas.openxmlformats.org/drawingml/2006/main" xmlns:r="http://schemas.openxmlformats.org/officeDocument/2006/relationships" xmlns:p="http://schemas.openxmlformats.org/presentationml/2006/main">
+  <p:cSld>
+    <p:spTree>
+      <p:nvGrpSpPr>
+        <p:cNvPr id="1" name=""/>
+        <p:cNvGrpSpPr/>
+        <p:nvPr/>
+      </p:nvGrpSpPr>
+      <p:grpSpPr>
+        <a:xfrm>
+          <a:off x="0" y="0"/>
+          <a:ext cx="0" cy="0"/>
+          <a:chOff x="0" y="0"/>
+          <a:chExt cx="0" cy="0"/>
+        </a:xfrm>
+      </p:grpSpPr>
+      <p:sp>
+        <p:nvSpPr>
+          <p:cNvPr id="2" name="Title 1"/>
+          <p:cNvSpPr>
+            <a:spLocks noGrp="1"/>
+          </p:cNvSpPr>
+          <p:nvPr>
+            <p:ph type="title"/>
+          </p:nvPr>
+        </p:nvSpPr>
+        <p:spPr/>
+        <p:txBody>
+          <a:bodyPr anchor="ctr">
+            <a:normAutofit/>
+          </a:bodyPr>
+          <a:lstStyle/>
+          <a:p>
+            <a:r>
+              <a:rPr lang="en-US" dirty="0"/>
+              <a:t>Application core components</a:t>
+            </a:r>
+          </a:p>
+        </p:txBody>
+      </p:sp>
+      <p:sp>
+        <p:nvSpPr>
+          <p:cNvPr id="9" name="Content Placeholder 2">
+            <a:extLst>
+              <a:ext uri="{FF2B5EF4-FFF2-40B4-BE49-F238E27FC236}">
+                <a16:creationId xmlns:a16="http://schemas.microsoft.com/office/drawing/2014/main" id="{EE8BC2F5-302E-4C97-82A7-705D04ABCB6B}"/>
+              </a:ext>
+            </a:extLst>
+          </p:cNvPr>
+          <p:cNvSpPr>
+            <a:spLocks noGrp="1"/>
+          </p:cNvSpPr>
+          <p:nvPr>
+            <p:ph idx="1"/>
+          </p:nvPr>
+        </p:nvSpPr>
+        <p:spPr/>
+        <p:txBody>
+          <a:bodyPr>
+            <a:normAutofit fontScale="77500" lnSpcReduction="20000"/>
+          </a:bodyPr>
+          <a:lstStyle/>
+          <a:p>
+            <a:pPr marL="0" indent="0">
+              <a:buNone/>
+            </a:pPr>
+            <a:r>
+              <a:rPr lang="en-US" dirty="0"/>
+              <a:t>App is composed by several elements, bounded in Android Manifest (which describe each of them and how they interact)</a:t>
+            </a:r>
+          </a:p>
+          <a:p>
+            <a:r>
+              <a:rPr lang="en-US" dirty="0">
+                <a:solidFill>
+                  <a:srgbClr val="FF0000"/>
+                </a:solidFill>
+              </a:rPr>
+              <a:t>Activities: </a:t>
+            </a:r>
+            <a:r>
+              <a:rPr lang="en-US" dirty="0"/>
+              <a:t>app presentation layer. The app’s UI is built around activities, which use </a:t>
+            </a:r>
+            <a:r>
+              <a:rPr lang="en-US" i="1" dirty="0"/>
+              <a:t>Views</a:t>
+            </a:r>
+            <a:r>
+              <a:rPr lang="en-US" dirty="0"/>
+              <a:t> and </a:t>
+            </a:r>
+            <a:r>
+              <a:rPr lang="en-US" i="1" dirty="0"/>
+              <a:t>Fragments</a:t>
+            </a:r>
+            <a:r>
+              <a:rPr lang="en-US" dirty="0"/>
+              <a:t> to display info and interact with user</a:t>
+            </a:r>
+          </a:p>
+          <a:p>
+            <a:r>
+              <a:rPr lang="en-US" dirty="0">
+                <a:solidFill>
+                  <a:srgbClr val="FF0000"/>
+                </a:solidFill>
+              </a:rPr>
+              <a:t>Services: </a:t>
+            </a:r>
+            <a:r>
+              <a:rPr lang="en-US" dirty="0"/>
+              <a:t>run without UI (update data, trigger notifications…)</a:t>
+            </a:r>
+          </a:p>
+          <a:p>
+            <a:r>
+              <a:rPr lang="en-US" dirty="0">
+                <a:solidFill>
+                  <a:srgbClr val="FF0000"/>
+                </a:solidFill>
+              </a:rPr>
+              <a:t>Broadcast receivers: </a:t>
+            </a:r>
+            <a:r>
+              <a:rPr lang="en-US" dirty="0"/>
+              <a:t>used to configure app to listen only Intents that match your specifications</a:t>
+            </a:r>
+          </a:p>
+          <a:p>
+            <a:r>
+              <a:rPr lang="en-US" dirty="0">
+                <a:solidFill>
+                  <a:srgbClr val="FF0000"/>
+                </a:solidFill>
+              </a:rPr>
+              <a:t>Content providers: </a:t>
+            </a:r>
+            <a:r>
+              <a:rPr lang="en-US" dirty="0"/>
+              <a:t>used to share data across application boundaries</a:t>
+            </a:r>
+          </a:p>
+          <a:p>
+            <a:r>
+              <a:rPr lang="en-US" dirty="0">
+                <a:solidFill>
+                  <a:srgbClr val="FF0000"/>
+                </a:solidFill>
+              </a:rPr>
+              <a:t>Intents: </a:t>
+            </a:r>
+            <a:r>
+              <a:rPr lang="en-US" dirty="0"/>
+              <a:t>inter and intra application  way to exchange massages, you can start Activities, Services… </a:t>
+            </a:r>
+          </a:p>
+          <a:p>
+            <a:r>
+              <a:rPr lang="en-US" dirty="0">
+                <a:solidFill>
+                  <a:srgbClr val="FF0000"/>
+                </a:solidFill>
+              </a:rPr>
+              <a:t>Notifications: </a:t>
+            </a:r>
+            <a:r>
+              <a:rPr lang="en-US" dirty="0"/>
+              <a:t>used to alert user to application events without interrupting current Activity</a:t>
+            </a:r>
+          </a:p>
+        </p:txBody>
+      </p:sp>
+      <p:sp>
+        <p:nvSpPr>
+          <p:cNvPr id="11" name="Slide Number Placeholder 3">
+            <a:extLst>
+              <a:ext uri="{FF2B5EF4-FFF2-40B4-BE49-F238E27FC236}">
+                <a16:creationId xmlns:a16="http://schemas.microsoft.com/office/drawing/2014/main" id="{CE491277-20F1-46D6-9B43-FE203ECD7578}"/>
+              </a:ext>
+            </a:extLst>
+          </p:cNvPr>
+          <p:cNvSpPr>
+            <a:spLocks noGrp="1"/>
+          </p:cNvSpPr>
+          <p:nvPr>
+            <p:ph type="sldNum" sz="quarter" idx="12"/>
+          </p:nvPr>
+        </p:nvSpPr>
+        <p:spPr/>
+        <p:txBody>
+          <a:bodyPr/>
+          <a:lstStyle/>
+          <a:p>
+            <a:pPr>
+              <a:spcAft>
+                <a:spcPts val="600"/>
+              </a:spcAft>
+            </a:pPr>
+            <a:fld id="{D2040F39-7941-49A4-B48D-F201B18B6351}" type="slidenum">
+              <a:rPr lang="it-IT" smtClean="0"/>
+              <a:pPr>
+                <a:spcAft>
+                  <a:spcPts val="600"/>
+                </a:spcAft>
+              </a:pPr>
+              <a:t>7</a:t>
+            </a:fld>
+            <a:endParaRPr lang="it-IT"/>
+          </a:p>
+        </p:txBody>
+      </p:sp>
+    </p:spTree>
+    <p:extLst>
+      <p:ext uri="{BB962C8B-B14F-4D97-AF65-F5344CB8AC3E}">
+        <p14:creationId xmlns:p14="http://schemas.microsoft.com/office/powerpoint/2010/main" val="265298269"/>
+      </p:ext>
+    </p:extLst>
+  </p:cSld>
+  <p:clrMapOvr>
+    <a:masterClrMapping/>
+  </p:clrMapOvr>
+</p:sld>
+</file>
+
+<file path=ppt/slides/slide70.xml><?xml version="1.0" encoding="utf-8"?>
 <p:sld xmlns:a="http://schemas.openxmlformats.org/drawingml/2006/main" xmlns:r="http://schemas.openxmlformats.org/officeDocument/2006/relationships" xmlns:p="http://schemas.openxmlformats.org/presentationml/2006/main">
   <p:cSld>
     <p:spTree>
@@ -29677,7 +30345,7 @@
             <a:fld id="{D2040F39-7941-49A4-B48D-F201B18B6351}" type="slidenum">
               <a:rPr lang="it-IT" smtClean="0"/>
               <a:pPr/>
-              <a:t>67</a:t>
+              <a:t>70</a:t>
             </a:fld>
             <a:endParaRPr lang="it-IT" dirty="0"/>
           </a:p>
@@ -29696,7 +30364,7 @@
 </p:sld>
 </file>
 
-<file path=ppt/slides/slide68.xml><?xml version="1.0" encoding="utf-8"?>
+<file path=ppt/slides/slide71.xml><?xml version="1.0" encoding="utf-8"?>
 <p:sld xmlns:a="http://schemas.openxmlformats.org/drawingml/2006/main" xmlns:r="http://schemas.openxmlformats.org/officeDocument/2006/relationships" xmlns:p="http://schemas.openxmlformats.org/presentationml/2006/main">
   <p:cSld>
     <p:spTree>
@@ -29921,7 +30589,7 @@
             <a:fld id="{D2040F39-7941-49A4-B48D-F201B18B6351}" type="slidenum">
               <a:rPr lang="it-IT" smtClean="0"/>
               <a:pPr/>
-              <a:t>68</a:t>
+              <a:t>71</a:t>
             </a:fld>
             <a:endParaRPr lang="it-IT" dirty="0"/>
           </a:p>
@@ -29940,7 +30608,7 @@
 </p:sld>
 </file>
 
-<file path=ppt/slides/slide69.xml><?xml version="1.0" encoding="utf-8"?>
+<file path=ppt/slides/slide72.xml><?xml version="1.0" encoding="utf-8"?>
 <p:sld xmlns:a="http://schemas.openxmlformats.org/drawingml/2006/main" xmlns:r="http://schemas.openxmlformats.org/officeDocument/2006/relationships" xmlns:p="http://schemas.openxmlformats.org/presentationml/2006/main">
   <p:cSld>
     <p:spTree>
@@ -30124,7 +30792,7 @@
             <a:fld id="{D2040F39-7941-49A4-B48D-F201B18B6351}" type="slidenum">
               <a:rPr lang="it-IT" smtClean="0"/>
               <a:pPr/>
-              <a:t>69</a:t>
+              <a:t>72</a:t>
             </a:fld>
             <a:endParaRPr lang="it-IT" dirty="0"/>
           </a:p>
@@ -30143,233 +30811,7 @@
 </p:sld>
 </file>
 
-<file path=ppt/slides/slide7.xml><?xml version="1.0" encoding="utf-8"?>
-<p:sld xmlns:a="http://schemas.openxmlformats.org/drawingml/2006/main" xmlns:r="http://schemas.openxmlformats.org/officeDocument/2006/relationships" xmlns:p="http://schemas.openxmlformats.org/presentationml/2006/main">
-  <p:cSld>
-    <p:spTree>
-      <p:nvGrpSpPr>
-        <p:cNvPr id="1" name=""/>
-        <p:cNvGrpSpPr/>
-        <p:nvPr/>
-      </p:nvGrpSpPr>
-      <p:grpSpPr>
-        <a:xfrm>
-          <a:off x="0" y="0"/>
-          <a:ext cx="0" cy="0"/>
-          <a:chOff x="0" y="0"/>
-          <a:chExt cx="0" cy="0"/>
-        </a:xfrm>
-      </p:grpSpPr>
-      <p:sp>
-        <p:nvSpPr>
-          <p:cNvPr id="2" name="Title 1">
-            <a:extLst>
-              <a:ext uri="{FF2B5EF4-FFF2-40B4-BE49-F238E27FC236}">
-                <a16:creationId xmlns:a16="http://schemas.microsoft.com/office/drawing/2014/main" id="{22E5FCF6-439B-4A4B-94C5-5CE9B66CA483}"/>
-              </a:ext>
-            </a:extLst>
-          </p:cNvPr>
-          <p:cNvSpPr>
-            <a:spLocks noGrp="1"/>
-          </p:cNvSpPr>
-          <p:nvPr>
-            <p:ph type="title"/>
-          </p:nvPr>
-        </p:nvSpPr>
-        <p:spPr/>
-        <p:txBody>
-          <a:bodyPr/>
-          <a:lstStyle/>
-          <a:p>
-            <a:r>
-              <a:rPr lang="en-GB" dirty="0"/>
-              <a:t>Activity lifecycle</a:t>
-            </a:r>
-          </a:p>
-        </p:txBody>
-      </p:sp>
-      <p:sp>
-        <p:nvSpPr>
-          <p:cNvPr id="3" name="Content Placeholder 2">
-            <a:extLst>
-              <a:ext uri="{FF2B5EF4-FFF2-40B4-BE49-F238E27FC236}">
-                <a16:creationId xmlns:a16="http://schemas.microsoft.com/office/drawing/2014/main" id="{FE17CAF2-D62E-4849-923D-9437AAD240FB}"/>
-              </a:ext>
-            </a:extLst>
-          </p:cNvPr>
-          <p:cNvSpPr>
-            <a:spLocks noGrp="1"/>
-          </p:cNvSpPr>
-          <p:nvPr>
-            <p:ph sz="half" idx="1"/>
-          </p:nvPr>
-        </p:nvSpPr>
-        <p:spPr/>
-        <p:txBody>
-          <a:bodyPr>
-            <a:normAutofit fontScale="77500" lnSpcReduction="20000"/>
-          </a:bodyPr>
-          <a:lstStyle/>
-          <a:p>
-            <a:pPr marL="0" indent="0">
-              <a:buNone/>
-            </a:pPr>
-            <a:r>
-              <a:rPr lang="en-GB" dirty="0"/>
-              <a:t>Activity has 4 states (represented by oval):</a:t>
-            </a:r>
-          </a:p>
-          <a:p>
-            <a:r>
-              <a:rPr lang="en-GB" dirty="0">
-                <a:solidFill>
-                  <a:srgbClr val="FF0000"/>
-                </a:solidFill>
-              </a:rPr>
-              <a:t>Active or running: </a:t>
-            </a:r>
-            <a:r>
-              <a:rPr lang="en-GB" dirty="0"/>
-              <a:t>if activity is in the foreground of the screen (it is at the top of the stack). The user is interacting with.</a:t>
-            </a:r>
-          </a:p>
-          <a:p>
-            <a:r>
-              <a:rPr lang="en-GB" dirty="0">
-                <a:solidFill>
-                  <a:srgbClr val="FF0000"/>
-                </a:solidFill>
-              </a:rPr>
-              <a:t>Visible: </a:t>
-            </a:r>
-            <a:r>
-              <a:rPr lang="en-GB" dirty="0"/>
-              <a:t>If activity has lost focus but is still presented to the user (e.g. if activity has partial obscure by a pop-up) (activity is alive and maintains all information)</a:t>
-            </a:r>
-          </a:p>
-          <a:p>
-            <a:r>
-              <a:rPr lang="en-GB" dirty="0">
-                <a:solidFill>
-                  <a:srgbClr val="FF0000"/>
-                </a:solidFill>
-              </a:rPr>
-              <a:t>Stopped or hidden: </a:t>
-            </a:r>
-            <a:r>
-              <a:rPr lang="en-GB" dirty="0"/>
-              <a:t>if activity is completely obscured by another activity. (it maintains information but it could be killed by the system)</a:t>
-            </a:r>
-          </a:p>
-          <a:p>
-            <a:r>
-              <a:rPr lang="en-GB" dirty="0">
-                <a:solidFill>
-                  <a:srgbClr val="FF0000"/>
-                </a:solidFill>
-              </a:rPr>
-              <a:t>Destroyed: </a:t>
-            </a:r>
-            <a:r>
-              <a:rPr lang="en-GB" dirty="0"/>
-              <a:t>if activity is dropped from memory</a:t>
-            </a:r>
-          </a:p>
-        </p:txBody>
-      </p:sp>
-      <p:sp>
-        <p:nvSpPr>
-          <p:cNvPr id="5" name="Slide Number Placeholder 4">
-            <a:extLst>
-              <a:ext uri="{FF2B5EF4-FFF2-40B4-BE49-F238E27FC236}">
-                <a16:creationId xmlns:a16="http://schemas.microsoft.com/office/drawing/2014/main" id="{DD8E4127-44D6-420D-B92A-27FFE06EE8A0}"/>
-              </a:ext>
-            </a:extLst>
-          </p:cNvPr>
-          <p:cNvSpPr>
-            <a:spLocks noGrp="1"/>
-          </p:cNvSpPr>
-          <p:nvPr>
-            <p:ph type="sldNum" sz="quarter" idx="12"/>
-          </p:nvPr>
-        </p:nvSpPr>
-        <p:spPr/>
-        <p:txBody>
-          <a:bodyPr/>
-          <a:lstStyle/>
-          <a:p>
-            <a:fld id="{D2040F39-7941-49A4-B48D-F201B18B6351}" type="slidenum">
-              <a:rPr lang="it-IT" smtClean="0"/>
-              <a:pPr/>
-              <a:t>7</a:t>
-            </a:fld>
-            <a:endParaRPr lang="it-IT" dirty="0"/>
-          </a:p>
-        </p:txBody>
-      </p:sp>
-      <p:pic>
-        <p:nvPicPr>
-          <p:cNvPr id="2050" name="Picture 2" descr="State diagram for an Android Activity Lifecycle.">
-            <a:extLst>
-              <a:ext uri="{FF2B5EF4-FFF2-40B4-BE49-F238E27FC236}">
-                <a16:creationId xmlns:a16="http://schemas.microsoft.com/office/drawing/2014/main" id="{C1F69DD7-7411-4032-BA9F-F97D4F641755}"/>
-              </a:ext>
-            </a:extLst>
-          </p:cNvPr>
-          <p:cNvPicPr>
-            <a:picLocks noGrp="1" noChangeAspect="1" noChangeArrowheads="1"/>
-          </p:cNvPicPr>
-          <p:nvPr>
-            <p:ph sz="half" idx="2"/>
-          </p:nvPr>
-        </p:nvPicPr>
-        <p:blipFill>
-          <a:blip r:embed="rId2">
-            <a:extLst>
-              <a:ext uri="{28A0092B-C50C-407E-A947-70E740481C1C}">
-                <a14:useLocalDpi xmlns:a14="http://schemas.microsoft.com/office/drawing/2010/main" val="0"/>
-              </a:ext>
-            </a:extLst>
-          </a:blip>
-          <a:srcRect/>
-          <a:stretch>
-            <a:fillRect/>
-          </a:stretch>
-        </p:blipFill>
-        <p:spPr bwMode="auto">
-          <a:xfrm>
-            <a:off x="7139005" y="1600200"/>
-            <a:ext cx="3501989" cy="4525963"/>
-          </a:xfrm>
-          <a:prstGeom prst="rect">
-            <a:avLst/>
-          </a:prstGeom>
-          <a:noFill/>
-          <a:extLst>
-            <a:ext uri="{909E8E84-426E-40DD-AFC4-6F175D3DCCD1}">
-              <a14:hiddenFill xmlns:a14="http://schemas.microsoft.com/office/drawing/2010/main">
-                <a:solidFill>
-                  <a:srgbClr val="FFFFFF"/>
-                </a:solidFill>
-              </a14:hiddenFill>
-            </a:ext>
-          </a:extLst>
-        </p:spPr>
-      </p:pic>
-    </p:spTree>
-    <p:extLst>
-      <p:ext uri="{BB962C8B-B14F-4D97-AF65-F5344CB8AC3E}">
-        <p14:creationId xmlns:p14="http://schemas.microsoft.com/office/powerpoint/2010/main" val="683288592"/>
-      </p:ext>
-    </p:extLst>
-  </p:cSld>
-  <p:clrMapOvr>
-    <a:masterClrMapping/>
-  </p:clrMapOvr>
-</p:sld>
-</file>
-
-<file path=ppt/slides/slide70.xml><?xml version="1.0" encoding="utf-8"?>
+<file path=ppt/slides/slide73.xml><?xml version="1.0" encoding="utf-8"?>
 <p:sld xmlns:a="http://schemas.openxmlformats.org/drawingml/2006/main" xmlns:r="http://schemas.openxmlformats.org/officeDocument/2006/relationships" xmlns:p="http://schemas.openxmlformats.org/presentationml/2006/main">
   <p:cSld>
     <p:spTree>
@@ -30575,7 +31017,7 @@
             <a:fld id="{D2040F39-7941-49A4-B48D-F201B18B6351}" type="slidenum">
               <a:rPr lang="it-IT" smtClean="0"/>
               <a:pPr/>
-              <a:t>70</a:t>
+              <a:t>73</a:t>
             </a:fld>
             <a:endParaRPr lang="it-IT" dirty="0"/>
           </a:p>
@@ -30594,7 +31036,7 @@
 </p:sld>
 </file>
 
-<file path=ppt/slides/slide71.xml><?xml version="1.0" encoding="utf-8"?>
+<file path=ppt/slides/slide74.xml><?xml version="1.0" encoding="utf-8"?>
 <p:sld xmlns:a="http://schemas.openxmlformats.org/drawingml/2006/main" xmlns:r="http://schemas.openxmlformats.org/officeDocument/2006/relationships" xmlns:p="http://schemas.openxmlformats.org/presentationml/2006/main">
   <p:cSld>
     <p:spTree>
@@ -33370,7 +33812,7 @@
             <a:fld id="{D2040F39-7941-49A4-B48D-F201B18B6351}" type="slidenum">
               <a:rPr lang="it-IT" smtClean="0"/>
               <a:pPr/>
-              <a:t>71</a:t>
+              <a:t>74</a:t>
             </a:fld>
             <a:endParaRPr lang="it-IT" dirty="0"/>
           </a:p>
@@ -33389,7 +33831,7 @@
 </p:sld>
 </file>
 
-<file path=ppt/slides/slide72.xml><?xml version="1.0" encoding="utf-8"?>
+<file path=ppt/slides/slide75.xml><?xml version="1.0" encoding="utf-8"?>
 <p:sld xmlns:a="http://schemas.openxmlformats.org/drawingml/2006/main" xmlns:r="http://schemas.openxmlformats.org/officeDocument/2006/relationships" xmlns:p="http://schemas.openxmlformats.org/presentationml/2006/main">
   <p:cSld>
     <p:spTree>
@@ -34570,7 +35012,7 @@
             <a:fld id="{D2040F39-7941-49A4-B48D-F201B18B6351}" type="slidenum">
               <a:rPr lang="it-IT" smtClean="0"/>
               <a:pPr/>
-              <a:t>72</a:t>
+              <a:t>75</a:t>
             </a:fld>
             <a:endParaRPr lang="it-IT" dirty="0"/>
           </a:p>
@@ -34589,7 +35031,7 @@
 </p:sld>
 </file>
 
-<file path=ppt/slides/slide73.xml><?xml version="1.0" encoding="utf-8"?>
+<file path=ppt/slides/slide76.xml><?xml version="1.0" encoding="utf-8"?>
 <p:sld xmlns:a="http://schemas.openxmlformats.org/drawingml/2006/main" xmlns:r="http://schemas.openxmlformats.org/officeDocument/2006/relationships" xmlns:p="http://schemas.openxmlformats.org/presentationml/2006/main">
   <p:cSld>
     <p:spTree>
@@ -35274,7 +35716,7 @@
             <a:fld id="{D2040F39-7941-49A4-B48D-F201B18B6351}" type="slidenum">
               <a:rPr lang="it-IT" smtClean="0"/>
               <a:pPr/>
-              <a:t>73</a:t>
+              <a:t>76</a:t>
             </a:fld>
             <a:endParaRPr lang="it-IT" dirty="0"/>
           </a:p>
@@ -35312,10 +35754,10 @@
       </p:grpSpPr>
       <p:sp>
         <p:nvSpPr>
-          <p:cNvPr id="6" name="Title 5">
+          <p:cNvPr id="2" name="Titolo 1">
             <a:extLst>
               <a:ext uri="{FF2B5EF4-FFF2-40B4-BE49-F238E27FC236}">
-                <a16:creationId xmlns:a16="http://schemas.microsoft.com/office/drawing/2014/main" id="{4594C90E-1542-47C8-9333-850D43FB8D50}"/>
+                <a16:creationId xmlns:a16="http://schemas.microsoft.com/office/drawing/2014/main" id="{1F0B84B1-06CB-4AB0-A7AA-70D710FE60A9}"/>
               </a:ext>
             </a:extLst>
           </p:cNvPr>
@@ -35332,18 +35774,18 @@
           <a:lstStyle/>
           <a:p>
             <a:r>
-              <a:rPr lang="en-GB" dirty="0"/>
-              <a:t>Activity lifecycle</a:t>
+              <a:rPr lang="it-IT" dirty="0"/>
+              <a:t>Activity</a:t>
             </a:r>
           </a:p>
         </p:txBody>
       </p:sp>
       <p:sp>
         <p:nvSpPr>
-          <p:cNvPr id="7" name="Content Placeholder 6">
+          <p:cNvPr id="3" name="Segnaposto contenuto 2">
             <a:extLst>
               <a:ext uri="{FF2B5EF4-FFF2-40B4-BE49-F238E27FC236}">
-                <a16:creationId xmlns:a16="http://schemas.microsoft.com/office/drawing/2014/main" id="{F85E9359-EBE1-4410-ADB8-22A7312E3023}"/>
+                <a16:creationId xmlns:a16="http://schemas.microsoft.com/office/drawing/2014/main" id="{43D058E3-F6FC-4153-908B-BC6BB7823AAE}"/>
               </a:ext>
             </a:extLst>
           </p:cNvPr>
@@ -35351,180 +35793,342 @@
             <a:spLocks noGrp="1"/>
           </p:cNvSpPr>
           <p:nvPr>
-            <p:ph sz="half" idx="1"/>
+            <p:ph idx="1"/>
           </p:nvPr>
         </p:nvSpPr>
         <p:spPr/>
         <p:txBody>
           <a:bodyPr>
-            <a:normAutofit fontScale="92500" lnSpcReduction="20000"/>
+            <a:normAutofit fontScale="92500" lnSpcReduction="10000"/>
           </a:bodyPr>
           <a:lstStyle/>
           <a:p>
-            <a:pPr marL="0" indent="0">
-              <a:buNone/>
-            </a:pPr>
             <a:r>
               <a:rPr lang="en-GB" dirty="0"/>
-              <a:t>We can distinguish 3 loops:</a:t>
-            </a:r>
-          </a:p>
-          <a:p>
-            <a:r>
-              <a:rPr lang="en-GB" dirty="0">
-                <a:solidFill>
-                  <a:srgbClr val="FF0000"/>
-                </a:solidFill>
-              </a:rPr>
-              <a:t>Entire lifetime: </a:t>
-            </a:r>
+              <a:t>Unlike</a:t>
+            </a:r>
+            <a:r>
+              <a:rPr lang="it-IT" dirty="0"/>
+              <a:t> programming para</a:t>
+            </a:r>
+            <a:r>
+              <a:rPr lang="en-GB" dirty="0"/>
+              <a:t>d</a:t>
+            </a:r>
+            <a:r>
+              <a:rPr lang="it-IT" dirty="0" err="1"/>
+              <a:t>igms</a:t>
+            </a:r>
+            <a:r>
+              <a:rPr lang="it-IT" dirty="0"/>
+              <a:t> in </a:t>
+            </a:r>
+            <a:r>
+              <a:rPr lang="it-IT" dirty="0" err="1"/>
+              <a:t>which</a:t>
+            </a:r>
+            <a:r>
+              <a:rPr lang="it-IT" dirty="0"/>
+              <a:t> app are </a:t>
+            </a:r>
+            <a:r>
+              <a:rPr lang="it-IT" dirty="0" err="1"/>
+              <a:t>launch</a:t>
+            </a:r>
+            <a:r>
+              <a:rPr lang="it-IT" dirty="0"/>
+              <a:t> with a </a:t>
+            </a:r>
+            <a:r>
+              <a:rPr lang="it-IT" dirty="0" err="1"/>
+              <a:t>main</a:t>
+            </a:r>
+            <a:r>
+              <a:rPr lang="it-IT" dirty="0"/>
+              <a:t>(), the Android system </a:t>
+            </a:r>
+            <a:r>
+              <a:rPr lang="it-IT" dirty="0" err="1"/>
+              <a:t>initiates</a:t>
+            </a:r>
+            <a:r>
+              <a:rPr lang="it-IT" dirty="0"/>
+              <a:t> code in an Activity by </a:t>
+            </a:r>
+            <a:r>
+              <a:rPr lang="it-IT" dirty="0" err="1"/>
+              <a:t>invoking</a:t>
+            </a:r>
+            <a:r>
+              <a:rPr lang="it-IT" dirty="0"/>
+              <a:t> </a:t>
+            </a:r>
+            <a:r>
+              <a:rPr lang="it-IT" dirty="0" err="1"/>
+              <a:t>specificic</a:t>
+            </a:r>
+            <a:r>
+              <a:rPr lang="it-IT" dirty="0"/>
+              <a:t> </a:t>
+            </a:r>
+            <a:r>
+              <a:rPr lang="it-IT" dirty="0" err="1"/>
+              <a:t>method</a:t>
+            </a:r>
+            <a:r>
+              <a:rPr lang="it-IT" dirty="0"/>
+              <a:t>.</a:t>
+            </a:r>
+          </a:p>
+          <a:p>
+            <a:r>
+              <a:rPr lang="it-IT" b="1" dirty="0" err="1"/>
+              <a:t>Why</a:t>
+            </a:r>
+            <a:r>
+              <a:rPr lang="it-IT" b="1" dirty="0"/>
+              <a:t>? </a:t>
+            </a:r>
+            <a:r>
+              <a:rPr lang="it-IT" dirty="0"/>
+              <a:t>In mobile-app, </a:t>
+            </a:r>
+            <a:r>
+              <a:rPr lang="it-IT" dirty="0" err="1"/>
+              <a:t>user's</a:t>
+            </a:r>
+            <a:r>
+              <a:rPr lang="it-IT" dirty="0"/>
+              <a:t> interaction </a:t>
+            </a:r>
+            <a:r>
+              <a:rPr lang="it-IT" dirty="0" err="1"/>
+              <a:t>doesn't</a:t>
+            </a:r>
+            <a:r>
+              <a:rPr lang="it-IT" dirty="0"/>
+              <a:t> </a:t>
+            </a:r>
+            <a:r>
+              <a:rPr lang="it-IT" dirty="0" err="1"/>
+              <a:t>always</a:t>
+            </a:r>
+            <a:r>
+              <a:rPr lang="it-IT" dirty="0"/>
+              <a:t> </a:t>
+            </a:r>
+            <a:r>
+              <a:rPr lang="it-IT" dirty="0" err="1"/>
+              <a:t>begin</a:t>
+            </a:r>
+            <a:r>
+              <a:rPr lang="it-IT" dirty="0"/>
+              <a:t> in the </a:t>
+            </a:r>
+            <a:r>
+              <a:rPr lang="it-IT" dirty="0" err="1"/>
+              <a:t>same</a:t>
+            </a:r>
+            <a:r>
+              <a:rPr lang="it-IT" dirty="0"/>
+              <a:t> place (e.g. app </a:t>
+            </a:r>
+            <a:r>
+              <a:rPr lang="it-IT" dirty="0" err="1"/>
+              <a:t>could</a:t>
+            </a:r>
+            <a:r>
+              <a:rPr lang="it-IT" dirty="0"/>
+              <a:t> be </a:t>
+            </a:r>
+            <a:r>
+              <a:rPr lang="it-IT" dirty="0" err="1"/>
+              <a:t>started</a:t>
+            </a:r>
+            <a:r>
+              <a:rPr lang="it-IT" dirty="0"/>
+              <a:t> with the </a:t>
+            </a:r>
+            <a:r>
+              <a:rPr lang="it-IT" dirty="0" err="1"/>
+              <a:t>launch</a:t>
+            </a:r>
+            <a:r>
+              <a:rPr lang="it-IT" dirty="0"/>
+              <a:t> </a:t>
+            </a:r>
+            <a:r>
+              <a:rPr lang="it-IT" dirty="0" err="1"/>
+              <a:t>icon</a:t>
+            </a:r>
+            <a:r>
+              <a:rPr lang="it-IT" dirty="0"/>
+              <a:t> and user </a:t>
+            </a:r>
+            <a:r>
+              <a:rPr lang="it-IT" dirty="0" err="1"/>
+              <a:t>might</a:t>
+            </a:r>
+            <a:r>
+              <a:rPr lang="it-IT" dirty="0"/>
+              <a:t> </a:t>
+            </a:r>
+            <a:r>
+              <a:rPr lang="it-IT" dirty="0" err="1"/>
+              <a:t>see</a:t>
+            </a:r>
+            <a:r>
+              <a:rPr lang="it-IT" dirty="0"/>
+              <a:t> a </a:t>
+            </a:r>
+            <a:r>
+              <a:rPr lang="it-IT" dirty="0" err="1"/>
+              <a:t>specific</a:t>
+            </a:r>
+            <a:r>
+              <a:rPr lang="it-IT" dirty="0"/>
+              <a:t> window, </a:t>
+            </a:r>
+            <a:r>
+              <a:rPr lang="it-IT" dirty="0" err="1"/>
+              <a:t>but</a:t>
+            </a:r>
+            <a:r>
+              <a:rPr lang="it-IT" dirty="0"/>
+              <a:t>, </a:t>
+            </a:r>
+            <a:r>
+              <a:rPr lang="it-IT" dirty="0" err="1"/>
+              <a:t>it</a:t>
+            </a:r>
+            <a:r>
+              <a:rPr lang="it-IT" dirty="0"/>
+              <a:t> </a:t>
+            </a:r>
+            <a:r>
+              <a:rPr lang="it-IT" dirty="0" err="1"/>
+              <a:t>could</a:t>
+            </a:r>
+            <a:r>
+              <a:rPr lang="it-IT" dirty="0"/>
+              <a:t> be </a:t>
+            </a:r>
+            <a:r>
+              <a:rPr lang="it-IT" dirty="0" err="1"/>
+              <a:t>started</a:t>
+            </a:r>
+            <a:r>
+              <a:rPr lang="it-IT" dirty="0"/>
+              <a:t> </a:t>
+            </a:r>
+            <a:r>
+              <a:rPr lang="it-IT" dirty="0" err="1"/>
+              <a:t>also</a:t>
+            </a:r>
+            <a:r>
+              <a:rPr lang="it-IT" dirty="0"/>
+              <a:t> </a:t>
+            </a:r>
+            <a:r>
+              <a:rPr lang="it-IT" dirty="0" err="1"/>
+              <a:t>using</a:t>
+            </a:r>
+            <a:r>
+              <a:rPr lang="it-IT" dirty="0"/>
+              <a:t> </a:t>
+            </a:r>
+            <a:r>
+              <a:rPr lang="it-IT" dirty="0" err="1"/>
+              <a:t>another</a:t>
+            </a:r>
+            <a:r>
+              <a:rPr lang="it-IT" dirty="0"/>
+              <a:t> app and user </a:t>
+            </a:r>
+            <a:r>
+              <a:rPr lang="it-IT" dirty="0" err="1"/>
+              <a:t>might</a:t>
+            </a:r>
+            <a:r>
+              <a:rPr lang="it-IT" dirty="0"/>
+              <a:t> se </a:t>
+            </a:r>
+            <a:r>
+              <a:rPr lang="it-IT" dirty="0" err="1"/>
+              <a:t>another</a:t>
+            </a:r>
+            <a:r>
+              <a:rPr lang="it-IT" dirty="0"/>
+              <a:t> </a:t>
+            </a:r>
+            <a:r>
+              <a:rPr lang="it-IT" dirty="0" err="1"/>
+              <a:t>different</a:t>
+            </a:r>
+            <a:r>
+              <a:rPr lang="it-IT" dirty="0"/>
+              <a:t> window). Activity </a:t>
+            </a:r>
+            <a:r>
+              <a:rPr lang="it-IT" dirty="0" err="1"/>
+              <a:t>is</a:t>
+            </a:r>
+            <a:r>
+              <a:rPr lang="it-IT" dirty="0"/>
+              <a:t> </a:t>
+            </a:r>
+            <a:r>
+              <a:rPr lang="it-IT" dirty="0" err="1"/>
+              <a:t>designed</a:t>
+            </a:r>
+            <a:r>
+              <a:rPr lang="it-IT" dirty="0"/>
+              <a:t> to facilitate </a:t>
+            </a:r>
+            <a:r>
+              <a:rPr lang="it-IT" dirty="0" err="1"/>
+              <a:t>this</a:t>
+            </a:r>
+            <a:r>
+              <a:rPr lang="it-IT" dirty="0"/>
+              <a:t> </a:t>
+            </a:r>
+            <a:r>
+              <a:rPr lang="it-IT" dirty="0" err="1"/>
+              <a:t>paradigm</a:t>
+            </a:r>
+            <a:r>
+              <a:rPr lang="it-IT" dirty="0"/>
+              <a:t>, </a:t>
+            </a:r>
+            <a:r>
+              <a:rPr lang="it-IT" dirty="0" err="1"/>
+              <a:t>it</a:t>
+            </a:r>
+            <a:r>
+              <a:rPr lang="it-IT" dirty="0"/>
+              <a:t> </a:t>
+            </a:r>
+            <a:r>
+              <a:rPr lang="en-GB" dirty="0"/>
+              <a:t>serves as the entry point for an app's interaction with the user</a:t>
+            </a:r>
+          </a:p>
+          <a:p>
             <a:r>
               <a:rPr lang="en-GB" b="1" dirty="0"/>
-              <a:t>from </a:t>
-            </a:r>
-            <a:r>
-              <a:rPr lang="en-GB" b="1" dirty="0" err="1"/>
-              <a:t>onCreate</a:t>
-            </a:r>
-            <a:r>
-              <a:rPr lang="en-GB" b="1" dirty="0"/>
-              <a:t>()</a:t>
-            </a:r>
-            <a:r>
-              <a:rPr lang="en-GB" dirty="0"/>
-              <a:t>, where activity setup global </a:t>
-            </a:r>
-            <a:r>
-              <a:rPr lang="en-GB" dirty="0" err="1"/>
-              <a:t>stae</a:t>
-            </a:r>
-            <a:r>
-              <a:rPr lang="en-GB" dirty="0"/>
-              <a:t>, </a:t>
-            </a:r>
-            <a:r>
-              <a:rPr lang="en-GB" b="1" dirty="0"/>
-              <a:t>until </a:t>
-            </a:r>
-            <a:r>
-              <a:rPr lang="en-GB" b="1" dirty="0" err="1"/>
-              <a:t>onDetroy</a:t>
-            </a:r>
-            <a:r>
-              <a:rPr lang="en-GB" b="1" dirty="0"/>
-              <a:t>()</a:t>
-            </a:r>
-            <a:r>
-              <a:rPr lang="en-GB" dirty="0"/>
-              <a:t>, where activity release all resources</a:t>
-            </a:r>
-          </a:p>
-          <a:p>
-            <a:r>
-              <a:rPr lang="en-GB" dirty="0">
-                <a:solidFill>
-                  <a:srgbClr val="FF0000"/>
-                </a:solidFill>
-              </a:rPr>
-              <a:t>Visible lifetime: </a:t>
-            </a:r>
-            <a:r>
-              <a:rPr lang="en-GB" b="1" dirty="0"/>
-              <a:t>from </a:t>
-            </a:r>
-            <a:r>
-              <a:rPr lang="en-GB" b="1" dirty="0" err="1"/>
-              <a:t>onStart</a:t>
-            </a:r>
-            <a:r>
-              <a:rPr lang="en-GB" b="1" dirty="0"/>
-              <a:t>() until </a:t>
-            </a:r>
-            <a:r>
-              <a:rPr lang="en-GB" b="1" dirty="0" err="1"/>
-              <a:t>onStop</a:t>
-            </a:r>
-            <a:r>
-              <a:rPr lang="en-GB" b="1" dirty="0"/>
-              <a:t>()</a:t>
-            </a:r>
-            <a:r>
-              <a:rPr lang="en-GB" dirty="0"/>
-              <a:t>, user can see the activity on screen, but it couldn't be in foreground</a:t>
-            </a:r>
-            <a:endParaRPr lang="en-GB" b="1" dirty="0"/>
-          </a:p>
-          <a:p>
-            <a:r>
-              <a:rPr lang="en-GB" dirty="0">
-                <a:solidFill>
-                  <a:srgbClr val="FF0000"/>
-                </a:solidFill>
-              </a:rPr>
-              <a:t>Foreground lifetime:  </a:t>
-            </a:r>
-            <a:r>
-              <a:rPr lang="en-GB" b="1" dirty="0"/>
-              <a:t>from </a:t>
-            </a:r>
-            <a:r>
-              <a:rPr lang="en-GB" b="1" dirty="0" err="1"/>
-              <a:t>onResume</a:t>
-            </a:r>
-            <a:r>
-              <a:rPr lang="en-GB" b="1" dirty="0"/>
-              <a:t>() until </a:t>
-            </a:r>
-            <a:r>
-              <a:rPr lang="en-GB" b="1" dirty="0" err="1"/>
-              <a:t>onPause</a:t>
-            </a:r>
-            <a:r>
-              <a:rPr lang="en-GB" b="1" dirty="0"/>
-              <a:t>()</a:t>
-            </a:r>
-            <a:r>
-              <a:rPr lang="en-GB" dirty="0"/>
-              <a:t>, user is interreacting with activity</a:t>
-            </a:r>
+              <a:t>An activity provides the window in which the app draws its UI.</a:t>
+            </a:r>
+            <a:endParaRPr lang="it-IT" b="1" dirty="0"/>
           </a:p>
         </p:txBody>
       </p:sp>
-      <p:pic>
-        <p:nvPicPr>
-          <p:cNvPr id="10" name="Content Placeholder 9">
+      <p:sp>
+        <p:nvSpPr>
+          <p:cNvPr id="4" name="Segnaposto numero diapositiva 3">
             <a:extLst>
               <a:ext uri="{FF2B5EF4-FFF2-40B4-BE49-F238E27FC236}">
-                <a16:creationId xmlns:a16="http://schemas.microsoft.com/office/drawing/2014/main" id="{EA8DE925-0DAA-4F67-A34B-D490A26D4590}"/>
-              </a:ext>
-            </a:extLst>
-          </p:cNvPr>
-          <p:cNvPicPr>
-            <a:picLocks noGrp="1" noChangeAspect="1"/>
-          </p:cNvPicPr>
-          <p:nvPr>
-            <p:ph sz="half" idx="2"/>
-          </p:nvPr>
-        </p:nvPicPr>
-        <p:blipFill>
-          <a:blip r:embed="rId2"/>
-          <a:stretch>
-            <a:fillRect/>
-          </a:stretch>
-        </p:blipFill>
-        <p:spPr>
-          <a:xfrm>
-            <a:off x="6197600" y="2095302"/>
-            <a:ext cx="5384800" cy="3535759"/>
-          </a:xfrm>
-        </p:spPr>
-      </p:pic>
-      <p:sp>
-        <p:nvSpPr>
-          <p:cNvPr id="5" name="Slide Number Placeholder 4">
-            <a:extLst>
-              <a:ext uri="{FF2B5EF4-FFF2-40B4-BE49-F238E27FC236}">
-                <a16:creationId xmlns:a16="http://schemas.microsoft.com/office/drawing/2014/main" id="{50751052-784A-4A5B-B78E-D475DF9D9121}"/>
+                <a16:creationId xmlns:a16="http://schemas.microsoft.com/office/drawing/2014/main" id="{3ED20E81-F9C3-4945-9EDA-7345CD0F69D3}"/>
               </a:ext>
             </a:extLst>
           </p:cNvPr>
@@ -35552,7 +36156,7 @@
     </p:spTree>
     <p:extLst>
       <p:ext uri="{BB962C8B-B14F-4D97-AF65-F5344CB8AC3E}">
-        <p14:creationId xmlns:p14="http://schemas.microsoft.com/office/powerpoint/2010/main" val="583470196"/>
+        <p14:creationId xmlns:p14="http://schemas.microsoft.com/office/powerpoint/2010/main" val="3999457021"/>
       </p:ext>
     </p:extLst>
   </p:cSld>
@@ -35584,7 +36188,7 @@
           <p:cNvPr id="2" name="Title 1">
             <a:extLst>
               <a:ext uri="{FF2B5EF4-FFF2-40B4-BE49-F238E27FC236}">
-                <a16:creationId xmlns:a16="http://schemas.microsoft.com/office/drawing/2014/main" id="{8DE4BB22-F9C7-4F98-BA10-A7205C469673}"/>
+                <a16:creationId xmlns:a16="http://schemas.microsoft.com/office/drawing/2014/main" id="{21A46125-BE62-41FA-BB83-27D74BCA8247}"/>
               </a:ext>
             </a:extLst>
           </p:cNvPr>
@@ -35602,7 +36206,7 @@
           <a:p>
             <a:r>
               <a:rPr lang="en-GB" dirty="0"/>
-              <a:t>Activity class</a:t>
+              <a:t>Activity lifecycle</a:t>
             </a:r>
           </a:p>
         </p:txBody>
@@ -35612,7 +36216,7 @@
           <p:cNvPr id="3" name="Content Placeholder 2">
             <a:extLst>
               <a:ext uri="{FF2B5EF4-FFF2-40B4-BE49-F238E27FC236}">
-                <a16:creationId xmlns:a16="http://schemas.microsoft.com/office/drawing/2014/main" id="{D2919A8F-3E0A-43E7-B12A-E47272032466}"/>
+                <a16:creationId xmlns:a16="http://schemas.microsoft.com/office/drawing/2014/main" id="{53FD6CF7-9F0C-4738-8B5F-83843AE743FF}"/>
               </a:ext>
             </a:extLst>
           </p:cNvPr>
@@ -35626,105 +36230,50 @@
         <p:spPr/>
         <p:txBody>
           <a:bodyPr>
-            <a:normAutofit fontScale="85000" lnSpcReduction="20000"/>
+            <a:normAutofit fontScale="92500" lnSpcReduction="10000"/>
           </a:bodyPr>
           <a:lstStyle/>
           <a:p>
             <a:r>
               <a:rPr lang="en-GB" dirty="0"/>
-              <a:t>Activity class takes care of creating a window for you in which you can place your UI </a:t>
+              <a:t>When user navigate through an app, the Activity instances transition through different states of their lifecycle. </a:t>
             </a:r>
           </a:p>
           <a:p>
             <a:r>
               <a:rPr lang="en-GB" dirty="0"/>
-              <a:t>Is located in </a:t>
-            </a:r>
-            <a:r>
-              <a:rPr lang="en-GB" dirty="0" err="1">
-                <a:latin typeface="Consolas" panose="020B0609020204030204" pitchFamily="49" charset="0"/>
-              </a:rPr>
-              <a:t>android.app</a:t>
-            </a:r>
-            <a:endParaRPr lang="en-GB" dirty="0"/>
-          </a:p>
-          <a:p>
+              <a:t>Activities in the system are managed as </a:t>
+            </a:r>
+            <a:r>
+              <a:rPr lang="en-GB" b="1" dirty="0"/>
+              <a:t>activity stacks </a:t>
+            </a:r>
             <a:r>
               <a:rPr lang="en-GB" dirty="0"/>
-              <a:t>Extends </a:t>
-            </a:r>
-            <a:r>
-              <a:rPr lang="en-GB" dirty="0" err="1">
-                <a:latin typeface="Consolas" panose="020B0609020204030204" pitchFamily="49" charset="0"/>
-              </a:rPr>
-              <a:t>ApplicationContext</a:t>
+              <a:t>by</a:t>
+            </a:r>
+            <a:r>
+              <a:rPr lang="en-GB" dirty="0">
+                <a:solidFill>
+                  <a:srgbClr val="FF0000"/>
+                </a:solidFill>
+              </a:rPr>
+              <a:t> </a:t>
+            </a:r>
+            <a:r>
+              <a:rPr lang="en-GB" b="1" dirty="0" err="1"/>
+              <a:t>ActivityManager</a:t>
             </a:r>
             <a:r>
               <a:rPr lang="en-GB" dirty="0"/>
-              <a:t> which is an implementation of </a:t>
-            </a:r>
-            <a:r>
-              <a:rPr lang="en-GB" dirty="0">
-                <a:solidFill>
-                  <a:srgbClr val="FF0000"/>
-                </a:solidFill>
-                <a:latin typeface="Consolas" panose="020B0609020204030204" pitchFamily="49" charset="0"/>
-              </a:rPr>
-              <a:t>Context,</a:t>
-            </a:r>
-            <a:r>
-              <a:rPr lang="en-GB" dirty="0">
-                <a:latin typeface="Consolas" panose="020B0609020204030204" pitchFamily="49" charset="0"/>
-              </a:rPr>
-              <a:t> </a:t>
-            </a:r>
+              <a:t> using LRU-mechanism (When a new activity is started, it is usually placed on the top of the current stack and becomes the running activity -- the previous activity always remains below it in the stack, and will not come to the foreground again until the new activity exits.)</a:t>
+            </a:r>
+          </a:p>
+          <a:p>
             <a:r>
               <a:rPr lang="en-GB" dirty="0"/>
-              <a:t>represent an interface to global information about an application environment. This is an abstract class whose implementation is provided by the Android system. It allows access to application-specific resources and classes, as well as up-calls for application-level operations such as launching activities, broadcasting and receiving intents, etc.</a:t>
-            </a:r>
-          </a:p>
-          <a:p>
-            <a:pPr lvl="1"/>
-            <a:r>
-              <a:rPr lang="en-GB" dirty="0">
-                <a:latin typeface="Consolas" panose="020B0609020204030204" pitchFamily="49" charset="0"/>
-              </a:rPr>
-              <a:t>public abstract Context </a:t>
-            </a:r>
-            <a:r>
-              <a:rPr lang="en-GB" dirty="0" err="1">
-                <a:latin typeface="Consolas" panose="020B0609020204030204" pitchFamily="49" charset="0"/>
-              </a:rPr>
-              <a:t>getApplicationContext</a:t>
-            </a:r>
-            <a:r>
-              <a:rPr lang="en-GB" dirty="0">
-                <a:latin typeface="Consolas" panose="020B0609020204030204" pitchFamily="49" charset="0"/>
-              </a:rPr>
-              <a:t>() </a:t>
-            </a:r>
-            <a:r>
-              <a:rPr lang="en-GB" dirty="0"/>
-              <a:t>is an abstract method which return a context</a:t>
-            </a:r>
-            <a:endParaRPr lang="en-GB" dirty="0">
-              <a:latin typeface="Consolas" panose="020B0609020204030204" pitchFamily="49" charset="0"/>
-            </a:endParaRPr>
-          </a:p>
-          <a:p>
-            <a:r>
-              <a:rPr lang="en-GB" dirty="0">
-                <a:hlinkClick r:id="rId2"/>
-              </a:rPr>
-              <a:t>https://developer.android.com/reference/android/app/Activity</a:t>
-            </a:r>
-            <a:endParaRPr lang="en-GB" dirty="0"/>
-          </a:p>
-          <a:p>
-            <a:pPr marL="0" indent="0">
-              <a:buNone/>
-            </a:pPr>
-            <a:endParaRPr lang="en-GB" dirty="0"/>
+              <a:t>Entire lifecycle is related to specific methods which are invoked by the system; developers can override them</a:t>
+            </a:r>
           </a:p>
           <a:p>
             <a:endParaRPr lang="en-GB" dirty="0"/>
@@ -35733,10 +36282,10 @@
       </p:sp>
       <p:sp>
         <p:nvSpPr>
-          <p:cNvPr id="5" name="Slide Number Placeholder 4">
+          <p:cNvPr id="4" name="Slide Number Placeholder 3">
             <a:extLst>
               <a:ext uri="{FF2B5EF4-FFF2-40B4-BE49-F238E27FC236}">
-                <a16:creationId xmlns:a16="http://schemas.microsoft.com/office/drawing/2014/main" id="{EC991EAB-35BB-4FBA-AFFC-6F98CD932B5D}"/>
+                <a16:creationId xmlns:a16="http://schemas.microsoft.com/office/drawing/2014/main" id="{E606EF64-9EE0-461E-9376-C1A6FCDB33F1}"/>
               </a:ext>
             </a:extLst>
           </p:cNvPr>
@@ -35764,7 +36313,7 @@
     </p:spTree>
     <p:extLst>
       <p:ext uri="{BB962C8B-B14F-4D97-AF65-F5344CB8AC3E}">
-        <p14:creationId xmlns:p14="http://schemas.microsoft.com/office/powerpoint/2010/main" val="1936994934"/>
+        <p14:creationId xmlns:p14="http://schemas.microsoft.com/office/powerpoint/2010/main" val="4073641638"/>
       </p:ext>
     </p:extLst>
   </p:cSld>

--- a/slides/04 - Activity, Intent and UI design.pptx
+++ b/slides/04 - Activity, Intent and UI design.pptx
@@ -9,78 +9,76 @@
     <p:sldId id="349" r:id="rId3"/>
     <p:sldId id="280" r:id="rId4"/>
     <p:sldId id="358" r:id="rId5"/>
-    <p:sldId id="359" r:id="rId6"/>
-    <p:sldId id="360" r:id="rId7"/>
-    <p:sldId id="279" r:id="rId8"/>
-    <p:sldId id="284" r:id="rId9"/>
-    <p:sldId id="291" r:id="rId10"/>
-    <p:sldId id="292" r:id="rId11"/>
-    <p:sldId id="293" r:id="rId12"/>
-    <p:sldId id="294" r:id="rId13"/>
-    <p:sldId id="309" r:id="rId14"/>
-    <p:sldId id="305" r:id="rId15"/>
-    <p:sldId id="306" r:id="rId16"/>
-    <p:sldId id="310" r:id="rId17"/>
-    <p:sldId id="308" r:id="rId18"/>
-    <p:sldId id="295" r:id="rId19"/>
-    <p:sldId id="297" r:id="rId20"/>
-    <p:sldId id="300" r:id="rId21"/>
-    <p:sldId id="296" r:id="rId22"/>
-    <p:sldId id="299" r:id="rId23"/>
-    <p:sldId id="298" r:id="rId24"/>
-    <p:sldId id="301" r:id="rId25"/>
-    <p:sldId id="313" r:id="rId26"/>
-    <p:sldId id="314" r:id="rId27"/>
-    <p:sldId id="312" r:id="rId28"/>
-    <p:sldId id="311" r:id="rId29"/>
-    <p:sldId id="307" r:id="rId30"/>
-    <p:sldId id="302" r:id="rId31"/>
-    <p:sldId id="303" r:id="rId32"/>
-    <p:sldId id="315" r:id="rId33"/>
-    <p:sldId id="316" r:id="rId34"/>
-    <p:sldId id="304" r:id="rId35"/>
-    <p:sldId id="317" r:id="rId36"/>
-    <p:sldId id="319" r:id="rId37"/>
-    <p:sldId id="281" r:id="rId38"/>
-    <p:sldId id="283" r:id="rId39"/>
-    <p:sldId id="320" r:id="rId40"/>
-    <p:sldId id="354" r:id="rId41"/>
-    <p:sldId id="282" r:id="rId42"/>
-    <p:sldId id="322" r:id="rId43"/>
-    <p:sldId id="289" r:id="rId44"/>
-    <p:sldId id="331" r:id="rId45"/>
-    <p:sldId id="324" r:id="rId46"/>
-    <p:sldId id="325" r:id="rId47"/>
-    <p:sldId id="333" r:id="rId48"/>
-    <p:sldId id="334" r:id="rId49"/>
-    <p:sldId id="332" r:id="rId50"/>
-    <p:sldId id="346" r:id="rId51"/>
-    <p:sldId id="351" r:id="rId52"/>
-    <p:sldId id="353" r:id="rId53"/>
-    <p:sldId id="355" r:id="rId54"/>
-    <p:sldId id="356" r:id="rId55"/>
-    <p:sldId id="326" r:id="rId56"/>
-    <p:sldId id="335" r:id="rId57"/>
-    <p:sldId id="336" r:id="rId58"/>
-    <p:sldId id="337" r:id="rId59"/>
-    <p:sldId id="340" r:id="rId60"/>
-    <p:sldId id="342" r:id="rId61"/>
-    <p:sldId id="357" r:id="rId62"/>
-    <p:sldId id="285" r:id="rId63"/>
-    <p:sldId id="330" r:id="rId64"/>
-    <p:sldId id="286" r:id="rId65"/>
-    <p:sldId id="323" r:id="rId66"/>
-    <p:sldId id="327" r:id="rId67"/>
-    <p:sldId id="328" r:id="rId68"/>
-    <p:sldId id="329" r:id="rId69"/>
-    <p:sldId id="287" r:id="rId70"/>
-    <p:sldId id="288" r:id="rId71"/>
-    <p:sldId id="343" r:id="rId72"/>
-    <p:sldId id="344" r:id="rId73"/>
-    <p:sldId id="345" r:id="rId74"/>
-    <p:sldId id="348" r:id="rId75"/>
-    <p:sldId id="350" r:id="rId76"/>
-    <p:sldId id="321" r:id="rId77"/>
+    <p:sldId id="279" r:id="rId6"/>
+    <p:sldId id="284" r:id="rId7"/>
+    <p:sldId id="291" r:id="rId8"/>
+    <p:sldId id="292" r:id="rId9"/>
+    <p:sldId id="293" r:id="rId10"/>
+    <p:sldId id="294" r:id="rId11"/>
+    <p:sldId id="309" r:id="rId12"/>
+    <p:sldId id="305" r:id="rId13"/>
+    <p:sldId id="306" r:id="rId14"/>
+    <p:sldId id="310" r:id="rId15"/>
+    <p:sldId id="308" r:id="rId16"/>
+    <p:sldId id="295" r:id="rId17"/>
+    <p:sldId id="297" r:id="rId18"/>
+    <p:sldId id="300" r:id="rId19"/>
+    <p:sldId id="296" r:id="rId20"/>
+    <p:sldId id="299" r:id="rId21"/>
+    <p:sldId id="298" r:id="rId22"/>
+    <p:sldId id="301" r:id="rId23"/>
+    <p:sldId id="313" r:id="rId24"/>
+    <p:sldId id="314" r:id="rId25"/>
+    <p:sldId id="312" r:id="rId26"/>
+    <p:sldId id="311" r:id="rId27"/>
+    <p:sldId id="307" r:id="rId28"/>
+    <p:sldId id="302" r:id="rId29"/>
+    <p:sldId id="303" r:id="rId30"/>
+    <p:sldId id="315" r:id="rId31"/>
+    <p:sldId id="316" r:id="rId32"/>
+    <p:sldId id="304" r:id="rId33"/>
+    <p:sldId id="317" r:id="rId34"/>
+    <p:sldId id="319" r:id="rId35"/>
+    <p:sldId id="281" r:id="rId36"/>
+    <p:sldId id="283" r:id="rId37"/>
+    <p:sldId id="320" r:id="rId38"/>
+    <p:sldId id="354" r:id="rId39"/>
+    <p:sldId id="282" r:id="rId40"/>
+    <p:sldId id="322" r:id="rId41"/>
+    <p:sldId id="289" r:id="rId42"/>
+    <p:sldId id="331" r:id="rId43"/>
+    <p:sldId id="324" r:id="rId44"/>
+    <p:sldId id="325" r:id="rId45"/>
+    <p:sldId id="333" r:id="rId46"/>
+    <p:sldId id="334" r:id="rId47"/>
+    <p:sldId id="332" r:id="rId48"/>
+    <p:sldId id="346" r:id="rId49"/>
+    <p:sldId id="351" r:id="rId50"/>
+    <p:sldId id="353" r:id="rId51"/>
+    <p:sldId id="355" r:id="rId52"/>
+    <p:sldId id="356" r:id="rId53"/>
+    <p:sldId id="326" r:id="rId54"/>
+    <p:sldId id="335" r:id="rId55"/>
+    <p:sldId id="336" r:id="rId56"/>
+    <p:sldId id="337" r:id="rId57"/>
+    <p:sldId id="340" r:id="rId58"/>
+    <p:sldId id="342" r:id="rId59"/>
+    <p:sldId id="357" r:id="rId60"/>
+    <p:sldId id="285" r:id="rId61"/>
+    <p:sldId id="330" r:id="rId62"/>
+    <p:sldId id="286" r:id="rId63"/>
+    <p:sldId id="323" r:id="rId64"/>
+    <p:sldId id="327" r:id="rId65"/>
+    <p:sldId id="328" r:id="rId66"/>
+    <p:sldId id="329" r:id="rId67"/>
+    <p:sldId id="287" r:id="rId68"/>
+    <p:sldId id="288" r:id="rId69"/>
+    <p:sldId id="343" r:id="rId70"/>
+    <p:sldId id="344" r:id="rId71"/>
+    <p:sldId id="345" r:id="rId72"/>
+    <p:sldId id="348" r:id="rId73"/>
+    <p:sldId id="350" r:id="rId74"/>
+    <p:sldId id="321" r:id="rId75"/>
   </p:sldIdLst>
   <p:sldSz cx="12192000" cy="6858000"/>
   <p:notesSz cx="6858000" cy="9144000"/>
@@ -188,8 +186,6 @@
             <p14:sldId id="349"/>
             <p14:sldId id="280"/>
             <p14:sldId id="358"/>
-            <p14:sldId id="359"/>
-            <p14:sldId id="360"/>
             <p14:sldId id="279"/>
             <p14:sldId id="284"/>
             <p14:sldId id="291"/>
@@ -294,8 +290,8 @@
 <pc:chgInfo xmlns:a="http://schemas.openxmlformats.org/drawingml/2006/main" xmlns:r="http://schemas.openxmlformats.org/officeDocument/2006/relationships" xmlns:ac="http://schemas.microsoft.com/office/drawing/2013/main/command" xmlns:pc="http://schemas.microsoft.com/office/powerpoint/2013/main/command">
   <pc:docChgLst>
     <pc:chgData name="KEVIN MALAGOLI" userId="4753276f-5182-4cb6-86cf-6602de7c63db" providerId="ADAL" clId="{65965FDB-5137-44F4-8498-EA360D6BDDB8}"/>
-    <pc:docChg chg="undo redo custSel addSld delSld modSld sldOrd modMainMaster">
-      <pc:chgData name="KEVIN MALAGOLI" userId="4753276f-5182-4cb6-86cf-6602de7c63db" providerId="ADAL" clId="{65965FDB-5137-44F4-8498-EA360D6BDDB8}" dt="2022-02-21T09:39:24.869" v="30042" actId="22"/>
+    <pc:docChg chg="undo redo custSel addSld delSld modSld sldOrd modMainMaster modSection">
+      <pc:chgData name="KEVIN MALAGOLI" userId="4753276f-5182-4cb6-86cf-6602de7c63db" providerId="ADAL" clId="{65965FDB-5137-44F4-8498-EA360D6BDDB8}" dt="2022-10-19T20:28:06.493" v="30044" actId="47"/>
       <pc:docMkLst>
         <pc:docMk/>
       </pc:docMkLst>
@@ -4036,6 +4032,20 @@
             <ac:spMk id="2" creationId="{DCBB7974-8E61-48EE-A1C1-40DB7519FC23}"/>
           </ac:spMkLst>
         </pc:spChg>
+      </pc:sldChg>
+      <pc:sldChg chg="del">
+        <pc:chgData name="KEVIN MALAGOLI" userId="4753276f-5182-4cb6-86cf-6602de7c63db" providerId="ADAL" clId="{65965FDB-5137-44F4-8498-EA360D6BDDB8}" dt="2022-10-19T20:28:06.493" v="30044" actId="47"/>
+        <pc:sldMkLst>
+          <pc:docMk/>
+          <pc:sldMk cId="250079365" sldId="359"/>
+        </pc:sldMkLst>
+      </pc:sldChg>
+      <pc:sldChg chg="del">
+        <pc:chgData name="KEVIN MALAGOLI" userId="4753276f-5182-4cb6-86cf-6602de7c63db" providerId="ADAL" clId="{65965FDB-5137-44F4-8498-EA360D6BDDB8}" dt="2022-10-19T20:28:04.833" v="30043" actId="47"/>
+        <pc:sldMkLst>
+          <pc:docMk/>
+          <pc:sldMk cId="2820950359" sldId="360"/>
+        </pc:sldMkLst>
       </pc:sldChg>
       <pc:sldMasterChg chg="modSldLayout">
         <pc:chgData name="KEVIN MALAGOLI" userId="4753276f-5182-4cb6-86cf-6602de7c63db" providerId="ADAL" clId="{65965FDB-5137-44F4-8498-EA360D6BDDB8}" dt="2021-12-29T16:52:47.345" v="116"/>
@@ -7604,501 +7614,6 @@
           <p:cNvPr id="2" name="Title 1">
             <a:extLst>
               <a:ext uri="{FF2B5EF4-FFF2-40B4-BE49-F238E27FC236}">
-                <a16:creationId xmlns:a16="http://schemas.microsoft.com/office/drawing/2014/main" id="{22E5FCF6-439B-4A4B-94C5-5CE9B66CA483}"/>
-              </a:ext>
-            </a:extLst>
-          </p:cNvPr>
-          <p:cNvSpPr>
-            <a:spLocks noGrp="1"/>
-          </p:cNvSpPr>
-          <p:nvPr>
-            <p:ph type="title"/>
-          </p:nvPr>
-        </p:nvSpPr>
-        <p:spPr/>
-        <p:txBody>
-          <a:bodyPr/>
-          <a:lstStyle/>
-          <a:p>
-            <a:r>
-              <a:rPr lang="en-GB" dirty="0"/>
-              <a:t>Activity lifecycle</a:t>
-            </a:r>
-          </a:p>
-        </p:txBody>
-      </p:sp>
-      <p:sp>
-        <p:nvSpPr>
-          <p:cNvPr id="3" name="Content Placeholder 2">
-            <a:extLst>
-              <a:ext uri="{FF2B5EF4-FFF2-40B4-BE49-F238E27FC236}">
-                <a16:creationId xmlns:a16="http://schemas.microsoft.com/office/drawing/2014/main" id="{FE17CAF2-D62E-4849-923D-9437AAD240FB}"/>
-              </a:ext>
-            </a:extLst>
-          </p:cNvPr>
-          <p:cNvSpPr>
-            <a:spLocks noGrp="1"/>
-          </p:cNvSpPr>
-          <p:nvPr>
-            <p:ph sz="half" idx="1"/>
-          </p:nvPr>
-        </p:nvSpPr>
-        <p:spPr/>
-        <p:txBody>
-          <a:bodyPr>
-            <a:normAutofit fontScale="77500" lnSpcReduction="20000"/>
-          </a:bodyPr>
-          <a:lstStyle/>
-          <a:p>
-            <a:pPr marL="0" indent="0">
-              <a:buNone/>
-            </a:pPr>
-            <a:r>
-              <a:rPr lang="en-GB" dirty="0"/>
-              <a:t>Activity has 4 states (represented by oval):</a:t>
-            </a:r>
-          </a:p>
-          <a:p>
-            <a:r>
-              <a:rPr lang="en-GB" dirty="0">
-                <a:solidFill>
-                  <a:srgbClr val="FF0000"/>
-                </a:solidFill>
-              </a:rPr>
-              <a:t>Active or running: </a:t>
-            </a:r>
-            <a:r>
-              <a:rPr lang="en-GB" dirty="0"/>
-              <a:t>if activity is in the foreground of the screen (it is at the top of the stack). The user is interacting with.</a:t>
-            </a:r>
-          </a:p>
-          <a:p>
-            <a:r>
-              <a:rPr lang="en-GB" dirty="0">
-                <a:solidFill>
-                  <a:srgbClr val="FF0000"/>
-                </a:solidFill>
-              </a:rPr>
-              <a:t>Visible: </a:t>
-            </a:r>
-            <a:r>
-              <a:rPr lang="en-GB" dirty="0"/>
-              <a:t>If activity has lost focus but is still presented to the user (e.g. if activity has partial obscure by a pop-up) (activity is alive and maintains all information)</a:t>
-            </a:r>
-          </a:p>
-          <a:p>
-            <a:r>
-              <a:rPr lang="en-GB" dirty="0">
-                <a:solidFill>
-                  <a:srgbClr val="FF0000"/>
-                </a:solidFill>
-              </a:rPr>
-              <a:t>Stopped or hidden: </a:t>
-            </a:r>
-            <a:r>
-              <a:rPr lang="en-GB" dirty="0"/>
-              <a:t>if activity is completely obscured by another activity. (it maintains information but it could be killed by the system)</a:t>
-            </a:r>
-          </a:p>
-          <a:p>
-            <a:r>
-              <a:rPr lang="en-GB" dirty="0">
-                <a:solidFill>
-                  <a:srgbClr val="FF0000"/>
-                </a:solidFill>
-              </a:rPr>
-              <a:t>Destroyed: </a:t>
-            </a:r>
-            <a:r>
-              <a:rPr lang="en-GB" dirty="0"/>
-              <a:t>if activity is dropped from memory</a:t>
-            </a:r>
-          </a:p>
-        </p:txBody>
-      </p:sp>
-      <p:sp>
-        <p:nvSpPr>
-          <p:cNvPr id="5" name="Slide Number Placeholder 4">
-            <a:extLst>
-              <a:ext uri="{FF2B5EF4-FFF2-40B4-BE49-F238E27FC236}">
-                <a16:creationId xmlns:a16="http://schemas.microsoft.com/office/drawing/2014/main" id="{DD8E4127-44D6-420D-B92A-27FFE06EE8A0}"/>
-              </a:ext>
-            </a:extLst>
-          </p:cNvPr>
-          <p:cNvSpPr>
-            <a:spLocks noGrp="1"/>
-          </p:cNvSpPr>
-          <p:nvPr>
-            <p:ph type="sldNum" sz="quarter" idx="12"/>
-          </p:nvPr>
-        </p:nvSpPr>
-        <p:spPr/>
-        <p:txBody>
-          <a:bodyPr/>
-          <a:lstStyle/>
-          <a:p>
-            <a:fld id="{D2040F39-7941-49A4-B48D-F201B18B6351}" type="slidenum">
-              <a:rPr lang="it-IT" smtClean="0"/>
-              <a:pPr/>
-              <a:t>10</a:t>
-            </a:fld>
-            <a:endParaRPr lang="it-IT" dirty="0"/>
-          </a:p>
-        </p:txBody>
-      </p:sp>
-      <p:pic>
-        <p:nvPicPr>
-          <p:cNvPr id="2050" name="Picture 2" descr="State diagram for an Android Activity Lifecycle.">
-            <a:extLst>
-              <a:ext uri="{FF2B5EF4-FFF2-40B4-BE49-F238E27FC236}">
-                <a16:creationId xmlns:a16="http://schemas.microsoft.com/office/drawing/2014/main" id="{C1F69DD7-7411-4032-BA9F-F97D4F641755}"/>
-              </a:ext>
-            </a:extLst>
-          </p:cNvPr>
-          <p:cNvPicPr>
-            <a:picLocks noGrp="1" noChangeAspect="1" noChangeArrowheads="1"/>
-          </p:cNvPicPr>
-          <p:nvPr>
-            <p:ph sz="half" idx="2"/>
-          </p:nvPr>
-        </p:nvPicPr>
-        <p:blipFill>
-          <a:blip r:embed="rId2">
-            <a:extLst>
-              <a:ext uri="{28A0092B-C50C-407E-A947-70E740481C1C}">
-                <a14:useLocalDpi xmlns:a14="http://schemas.microsoft.com/office/drawing/2010/main" val="0"/>
-              </a:ext>
-            </a:extLst>
-          </a:blip>
-          <a:srcRect/>
-          <a:stretch>
-            <a:fillRect/>
-          </a:stretch>
-        </p:blipFill>
-        <p:spPr bwMode="auto">
-          <a:xfrm>
-            <a:off x="7139005" y="1600200"/>
-            <a:ext cx="3501989" cy="4525963"/>
-          </a:xfrm>
-          <a:prstGeom prst="rect">
-            <a:avLst/>
-          </a:prstGeom>
-          <a:noFill/>
-          <a:extLst>
-            <a:ext uri="{909E8E84-426E-40DD-AFC4-6F175D3DCCD1}">
-              <a14:hiddenFill xmlns:a14="http://schemas.microsoft.com/office/drawing/2010/main">
-                <a:solidFill>
-                  <a:srgbClr val="FFFFFF"/>
-                </a:solidFill>
-              </a14:hiddenFill>
-            </a:ext>
-          </a:extLst>
-        </p:spPr>
-      </p:pic>
-    </p:spTree>
-    <p:extLst>
-      <p:ext uri="{BB962C8B-B14F-4D97-AF65-F5344CB8AC3E}">
-        <p14:creationId xmlns:p14="http://schemas.microsoft.com/office/powerpoint/2010/main" val="683288592"/>
-      </p:ext>
-    </p:extLst>
-  </p:cSld>
-  <p:clrMapOvr>
-    <a:masterClrMapping/>
-  </p:clrMapOvr>
-</p:sld>
-</file>
-
-<file path=ppt/slides/slide11.xml><?xml version="1.0" encoding="utf-8"?>
-<p:sld xmlns:a="http://schemas.openxmlformats.org/drawingml/2006/main" xmlns:r="http://schemas.openxmlformats.org/officeDocument/2006/relationships" xmlns:p="http://schemas.openxmlformats.org/presentationml/2006/main">
-  <p:cSld>
-    <p:spTree>
-      <p:nvGrpSpPr>
-        <p:cNvPr id="1" name=""/>
-        <p:cNvGrpSpPr/>
-        <p:nvPr/>
-      </p:nvGrpSpPr>
-      <p:grpSpPr>
-        <a:xfrm>
-          <a:off x="0" y="0"/>
-          <a:ext cx="0" cy="0"/>
-          <a:chOff x="0" y="0"/>
-          <a:chExt cx="0" cy="0"/>
-        </a:xfrm>
-      </p:grpSpPr>
-      <p:sp>
-        <p:nvSpPr>
-          <p:cNvPr id="6" name="Title 5">
-            <a:extLst>
-              <a:ext uri="{FF2B5EF4-FFF2-40B4-BE49-F238E27FC236}">
-                <a16:creationId xmlns:a16="http://schemas.microsoft.com/office/drawing/2014/main" id="{4594C90E-1542-47C8-9333-850D43FB8D50}"/>
-              </a:ext>
-            </a:extLst>
-          </p:cNvPr>
-          <p:cNvSpPr>
-            <a:spLocks noGrp="1"/>
-          </p:cNvSpPr>
-          <p:nvPr>
-            <p:ph type="title"/>
-          </p:nvPr>
-        </p:nvSpPr>
-        <p:spPr/>
-        <p:txBody>
-          <a:bodyPr/>
-          <a:lstStyle/>
-          <a:p>
-            <a:r>
-              <a:rPr lang="en-GB" dirty="0"/>
-              <a:t>Activity lifecycle</a:t>
-            </a:r>
-          </a:p>
-        </p:txBody>
-      </p:sp>
-      <p:sp>
-        <p:nvSpPr>
-          <p:cNvPr id="7" name="Content Placeholder 6">
-            <a:extLst>
-              <a:ext uri="{FF2B5EF4-FFF2-40B4-BE49-F238E27FC236}">
-                <a16:creationId xmlns:a16="http://schemas.microsoft.com/office/drawing/2014/main" id="{F85E9359-EBE1-4410-ADB8-22A7312E3023}"/>
-              </a:ext>
-            </a:extLst>
-          </p:cNvPr>
-          <p:cNvSpPr>
-            <a:spLocks noGrp="1"/>
-          </p:cNvSpPr>
-          <p:nvPr>
-            <p:ph sz="half" idx="1"/>
-          </p:nvPr>
-        </p:nvSpPr>
-        <p:spPr/>
-        <p:txBody>
-          <a:bodyPr>
-            <a:normAutofit fontScale="92500" lnSpcReduction="20000"/>
-          </a:bodyPr>
-          <a:lstStyle/>
-          <a:p>
-            <a:pPr marL="0" indent="0">
-              <a:buNone/>
-            </a:pPr>
-            <a:r>
-              <a:rPr lang="en-GB" dirty="0"/>
-              <a:t>We can distinguish 3 loops:</a:t>
-            </a:r>
-          </a:p>
-          <a:p>
-            <a:r>
-              <a:rPr lang="en-GB" dirty="0">
-                <a:solidFill>
-                  <a:srgbClr val="FF0000"/>
-                </a:solidFill>
-              </a:rPr>
-              <a:t>Entire lifetime: </a:t>
-            </a:r>
-            <a:r>
-              <a:rPr lang="en-GB" b="1" dirty="0"/>
-              <a:t>from </a:t>
-            </a:r>
-            <a:r>
-              <a:rPr lang="en-GB" b="1" dirty="0" err="1"/>
-              <a:t>onCreate</a:t>
-            </a:r>
-            <a:r>
-              <a:rPr lang="en-GB" b="1" dirty="0"/>
-              <a:t>()</a:t>
-            </a:r>
-            <a:r>
-              <a:rPr lang="en-GB" dirty="0"/>
-              <a:t>, where activity setup global </a:t>
-            </a:r>
-            <a:r>
-              <a:rPr lang="en-GB" dirty="0" err="1"/>
-              <a:t>stae</a:t>
-            </a:r>
-            <a:r>
-              <a:rPr lang="en-GB" dirty="0"/>
-              <a:t>, </a:t>
-            </a:r>
-            <a:r>
-              <a:rPr lang="en-GB" b="1" dirty="0"/>
-              <a:t>until </a:t>
-            </a:r>
-            <a:r>
-              <a:rPr lang="en-GB" b="1" dirty="0" err="1"/>
-              <a:t>onDetroy</a:t>
-            </a:r>
-            <a:r>
-              <a:rPr lang="en-GB" b="1" dirty="0"/>
-              <a:t>()</a:t>
-            </a:r>
-            <a:r>
-              <a:rPr lang="en-GB" dirty="0"/>
-              <a:t>, where activity release all resources</a:t>
-            </a:r>
-          </a:p>
-          <a:p>
-            <a:r>
-              <a:rPr lang="en-GB" dirty="0">
-                <a:solidFill>
-                  <a:srgbClr val="FF0000"/>
-                </a:solidFill>
-              </a:rPr>
-              <a:t>Visible lifetime: </a:t>
-            </a:r>
-            <a:r>
-              <a:rPr lang="en-GB" b="1" dirty="0"/>
-              <a:t>from </a:t>
-            </a:r>
-            <a:r>
-              <a:rPr lang="en-GB" b="1" dirty="0" err="1"/>
-              <a:t>onStart</a:t>
-            </a:r>
-            <a:r>
-              <a:rPr lang="en-GB" b="1" dirty="0"/>
-              <a:t>() until </a:t>
-            </a:r>
-            <a:r>
-              <a:rPr lang="en-GB" b="1" dirty="0" err="1"/>
-              <a:t>onStop</a:t>
-            </a:r>
-            <a:r>
-              <a:rPr lang="en-GB" b="1" dirty="0"/>
-              <a:t>()</a:t>
-            </a:r>
-            <a:r>
-              <a:rPr lang="en-GB" dirty="0"/>
-              <a:t>, user can see the activity on screen, but it couldn't be in foreground</a:t>
-            </a:r>
-            <a:endParaRPr lang="en-GB" b="1" dirty="0"/>
-          </a:p>
-          <a:p>
-            <a:r>
-              <a:rPr lang="en-GB" dirty="0">
-                <a:solidFill>
-                  <a:srgbClr val="FF0000"/>
-                </a:solidFill>
-              </a:rPr>
-              <a:t>Foreground lifetime:  </a:t>
-            </a:r>
-            <a:r>
-              <a:rPr lang="en-GB" b="1" dirty="0"/>
-              <a:t>from </a:t>
-            </a:r>
-            <a:r>
-              <a:rPr lang="en-GB" b="1" dirty="0" err="1"/>
-              <a:t>onResume</a:t>
-            </a:r>
-            <a:r>
-              <a:rPr lang="en-GB" b="1" dirty="0"/>
-              <a:t>() until </a:t>
-            </a:r>
-            <a:r>
-              <a:rPr lang="en-GB" b="1" dirty="0" err="1"/>
-              <a:t>onPause</a:t>
-            </a:r>
-            <a:r>
-              <a:rPr lang="en-GB" b="1" dirty="0"/>
-              <a:t>()</a:t>
-            </a:r>
-            <a:r>
-              <a:rPr lang="en-GB" dirty="0"/>
-              <a:t>, user is interreacting with activity</a:t>
-            </a:r>
-          </a:p>
-        </p:txBody>
-      </p:sp>
-      <p:pic>
-        <p:nvPicPr>
-          <p:cNvPr id="10" name="Content Placeholder 9">
-            <a:extLst>
-              <a:ext uri="{FF2B5EF4-FFF2-40B4-BE49-F238E27FC236}">
-                <a16:creationId xmlns:a16="http://schemas.microsoft.com/office/drawing/2014/main" id="{EA8DE925-0DAA-4F67-A34B-D490A26D4590}"/>
-              </a:ext>
-            </a:extLst>
-          </p:cNvPr>
-          <p:cNvPicPr>
-            <a:picLocks noGrp="1" noChangeAspect="1"/>
-          </p:cNvPicPr>
-          <p:nvPr>
-            <p:ph sz="half" idx="2"/>
-          </p:nvPr>
-        </p:nvPicPr>
-        <p:blipFill>
-          <a:blip r:embed="rId2"/>
-          <a:stretch>
-            <a:fillRect/>
-          </a:stretch>
-        </p:blipFill>
-        <p:spPr>
-          <a:xfrm>
-            <a:off x="6197600" y="2095302"/>
-            <a:ext cx="5384800" cy="3535759"/>
-          </a:xfrm>
-        </p:spPr>
-      </p:pic>
-      <p:sp>
-        <p:nvSpPr>
-          <p:cNvPr id="5" name="Slide Number Placeholder 4">
-            <a:extLst>
-              <a:ext uri="{FF2B5EF4-FFF2-40B4-BE49-F238E27FC236}">
-                <a16:creationId xmlns:a16="http://schemas.microsoft.com/office/drawing/2014/main" id="{50751052-784A-4A5B-B78E-D475DF9D9121}"/>
-              </a:ext>
-            </a:extLst>
-          </p:cNvPr>
-          <p:cNvSpPr>
-            <a:spLocks noGrp="1"/>
-          </p:cNvSpPr>
-          <p:nvPr>
-            <p:ph type="sldNum" sz="quarter" idx="12"/>
-          </p:nvPr>
-        </p:nvSpPr>
-        <p:spPr/>
-        <p:txBody>
-          <a:bodyPr/>
-          <a:lstStyle/>
-          <a:p>
-            <a:fld id="{D2040F39-7941-49A4-B48D-F201B18B6351}" type="slidenum">
-              <a:rPr lang="it-IT" smtClean="0"/>
-              <a:pPr/>
-              <a:t>11</a:t>
-            </a:fld>
-            <a:endParaRPr lang="it-IT" dirty="0"/>
-          </a:p>
-        </p:txBody>
-      </p:sp>
-    </p:spTree>
-    <p:extLst>
-      <p:ext uri="{BB962C8B-B14F-4D97-AF65-F5344CB8AC3E}">
-        <p14:creationId xmlns:p14="http://schemas.microsoft.com/office/powerpoint/2010/main" val="583470196"/>
-      </p:ext>
-    </p:extLst>
-  </p:cSld>
-  <p:clrMapOvr>
-    <a:masterClrMapping/>
-  </p:clrMapOvr>
-</p:sld>
-</file>
-
-<file path=ppt/slides/slide12.xml><?xml version="1.0" encoding="utf-8"?>
-<p:sld xmlns:a="http://schemas.openxmlformats.org/drawingml/2006/main" xmlns:r="http://schemas.openxmlformats.org/officeDocument/2006/relationships" xmlns:p="http://schemas.openxmlformats.org/presentationml/2006/main">
-  <p:cSld>
-    <p:spTree>
-      <p:nvGrpSpPr>
-        <p:cNvPr id="1" name=""/>
-        <p:cNvGrpSpPr/>
-        <p:nvPr/>
-      </p:nvGrpSpPr>
-      <p:grpSpPr>
-        <a:xfrm>
-          <a:off x="0" y="0"/>
-          <a:ext cx="0" cy="0"/>
-          <a:chOff x="0" y="0"/>
-          <a:chExt cx="0" cy="0"/>
-        </a:xfrm>
-      </p:grpSpPr>
-      <p:sp>
-        <p:nvSpPr>
-          <p:cNvPr id="2" name="Title 1">
-            <a:extLst>
-              <a:ext uri="{FF2B5EF4-FFF2-40B4-BE49-F238E27FC236}">
                 <a16:creationId xmlns:a16="http://schemas.microsoft.com/office/drawing/2014/main" id="{8DE4BB22-F9C7-4F98-BA10-A7205C469673}"/>
               </a:ext>
             </a:extLst>
@@ -8270,7 +7785,7 @@
             <a:fld id="{D2040F39-7941-49A4-B48D-F201B18B6351}" type="slidenum">
               <a:rPr lang="it-IT" smtClean="0"/>
               <a:pPr/>
-              <a:t>12</a:t>
+              <a:t>10</a:t>
             </a:fld>
             <a:endParaRPr lang="it-IT" dirty="0"/>
           </a:p>
@@ -8289,7 +7804,7 @@
 </p:sld>
 </file>
 
-<file path=ppt/slides/slide13.xml><?xml version="1.0" encoding="utf-8"?>
+<file path=ppt/slides/slide11.xml><?xml version="1.0" encoding="utf-8"?>
 <p:sld xmlns:a="http://schemas.openxmlformats.org/drawingml/2006/main" xmlns:r="http://schemas.openxmlformats.org/officeDocument/2006/relationships" xmlns:p="http://schemas.openxmlformats.org/presentationml/2006/main">
   <p:cSld>
     <p:spTree>
@@ -8788,7 +8303,7 @@
             <a:fld id="{D2040F39-7941-49A4-B48D-F201B18B6351}" type="slidenum">
               <a:rPr lang="it-IT" smtClean="0"/>
               <a:pPr/>
-              <a:t>13</a:t>
+              <a:t>11</a:t>
             </a:fld>
             <a:endParaRPr lang="it-IT" dirty="0"/>
           </a:p>
@@ -8807,7 +8322,7 @@
 </p:sld>
 </file>
 
-<file path=ppt/slides/slide14.xml><?xml version="1.0" encoding="utf-8"?>
+<file path=ppt/slides/slide12.xml><?xml version="1.0" encoding="utf-8"?>
 <p:sld xmlns:a="http://schemas.openxmlformats.org/drawingml/2006/main" xmlns:r="http://schemas.openxmlformats.org/officeDocument/2006/relationships" xmlns:p="http://schemas.openxmlformats.org/presentationml/2006/main">
   <p:cSld>
     <p:spTree>
@@ -9054,7 +8569,7 @@
             <a:fld id="{D2040F39-7941-49A4-B48D-F201B18B6351}" type="slidenum">
               <a:rPr lang="it-IT" smtClean="0"/>
               <a:pPr/>
-              <a:t>14</a:t>
+              <a:t>12</a:t>
             </a:fld>
             <a:endParaRPr lang="it-IT" dirty="0"/>
           </a:p>
@@ -9073,7 +8588,7 @@
 </p:sld>
 </file>
 
-<file path=ppt/slides/slide15.xml><?xml version="1.0" encoding="utf-8"?>
+<file path=ppt/slides/slide13.xml><?xml version="1.0" encoding="utf-8"?>
 <p:sld xmlns:a="http://schemas.openxmlformats.org/drawingml/2006/main" xmlns:r="http://schemas.openxmlformats.org/officeDocument/2006/relationships" xmlns:p="http://schemas.openxmlformats.org/presentationml/2006/main">
   <p:cSld>
     <p:spTree>
@@ -9343,7 +8858,7 @@
             <a:fld id="{D2040F39-7941-49A4-B48D-F201B18B6351}" type="slidenum">
               <a:rPr lang="it-IT" smtClean="0"/>
               <a:pPr/>
-              <a:t>15</a:t>
+              <a:t>13</a:t>
             </a:fld>
             <a:endParaRPr lang="it-IT" dirty="0"/>
           </a:p>
@@ -9362,7 +8877,7 @@
 </p:sld>
 </file>
 
-<file path=ppt/slides/slide16.xml><?xml version="1.0" encoding="utf-8"?>
+<file path=ppt/slides/slide14.xml><?xml version="1.0" encoding="utf-8"?>
 <p:sld xmlns:a="http://schemas.openxmlformats.org/drawingml/2006/main" xmlns:r="http://schemas.openxmlformats.org/officeDocument/2006/relationships" xmlns:p="http://schemas.openxmlformats.org/presentationml/2006/main">
   <p:cSld>
     <p:spTree>
@@ -9499,7 +9014,7 @@
             <a:fld id="{D2040F39-7941-49A4-B48D-F201B18B6351}" type="slidenum">
               <a:rPr lang="it-IT" smtClean="0"/>
               <a:pPr/>
-              <a:t>16</a:t>
+              <a:t>14</a:t>
             </a:fld>
             <a:endParaRPr lang="it-IT" dirty="0"/>
           </a:p>
@@ -9518,7 +9033,7 @@
 </p:sld>
 </file>
 
-<file path=ppt/slides/slide17.xml><?xml version="1.0" encoding="utf-8"?>
+<file path=ppt/slides/slide15.xml><?xml version="1.0" encoding="utf-8"?>
 <p:sld xmlns:a="http://schemas.openxmlformats.org/drawingml/2006/main" xmlns:r="http://schemas.openxmlformats.org/officeDocument/2006/relationships" xmlns:p="http://schemas.openxmlformats.org/presentationml/2006/main">
   <p:cSld>
     <p:spTree>
@@ -9696,7 +9211,7 @@
             <a:fld id="{D2040F39-7941-49A4-B48D-F201B18B6351}" type="slidenum">
               <a:rPr lang="it-IT" smtClean="0"/>
               <a:pPr/>
-              <a:t>17</a:t>
+              <a:t>15</a:t>
             </a:fld>
             <a:endParaRPr lang="it-IT" dirty="0"/>
           </a:p>
@@ -9888,7 +9403,7 @@
 </p:sld>
 </file>
 
-<file path=ppt/slides/slide18.xml><?xml version="1.0" encoding="utf-8"?>
+<file path=ppt/slides/slide16.xml><?xml version="1.0" encoding="utf-8"?>
 <p:sld xmlns:a="http://schemas.openxmlformats.org/drawingml/2006/main" xmlns:r="http://schemas.openxmlformats.org/officeDocument/2006/relationships" xmlns:p="http://schemas.openxmlformats.org/presentationml/2006/main">
   <p:cSld>
     <p:spTree>
@@ -10051,7 +9566,7 @@
             <a:fld id="{D2040F39-7941-49A4-B48D-F201B18B6351}" type="slidenum">
               <a:rPr lang="it-IT" smtClean="0"/>
               <a:pPr/>
-              <a:t>18</a:t>
+              <a:t>16</a:t>
             </a:fld>
             <a:endParaRPr lang="it-IT" dirty="0"/>
           </a:p>
@@ -10119,7 +9634,7 @@
 </p:sld>
 </file>
 
-<file path=ppt/slides/slide19.xml><?xml version="1.0" encoding="utf-8"?>
+<file path=ppt/slides/slide17.xml><?xml version="1.0" encoding="utf-8"?>
 <p:sld xmlns:a="http://schemas.openxmlformats.org/drawingml/2006/main" xmlns:r="http://schemas.openxmlformats.org/officeDocument/2006/relationships" xmlns:p="http://schemas.openxmlformats.org/presentationml/2006/main">
   <p:cSld>
     <p:spTree>
@@ -10332,7 +9847,7 @@
             <a:fld id="{D2040F39-7941-49A4-B48D-F201B18B6351}" type="slidenum">
               <a:rPr lang="it-IT" smtClean="0"/>
               <a:pPr/>
-              <a:t>19</a:t>
+              <a:t>17</a:t>
             </a:fld>
             <a:endParaRPr lang="it-IT" dirty="0"/>
           </a:p>
@@ -10391,6 +9906,476 @@
     <p:extLst>
       <p:ext uri="{BB962C8B-B14F-4D97-AF65-F5344CB8AC3E}">
         <p14:creationId xmlns:p14="http://schemas.microsoft.com/office/powerpoint/2010/main" val="806069830"/>
+      </p:ext>
+    </p:extLst>
+  </p:cSld>
+  <p:clrMapOvr>
+    <a:masterClrMapping/>
+  </p:clrMapOvr>
+</p:sld>
+</file>
+
+<file path=ppt/slides/slide18.xml><?xml version="1.0" encoding="utf-8"?>
+<p:sld xmlns:a="http://schemas.openxmlformats.org/drawingml/2006/main" xmlns:r="http://schemas.openxmlformats.org/officeDocument/2006/relationships" xmlns:p="http://schemas.openxmlformats.org/presentationml/2006/main">
+  <p:cSld>
+    <p:spTree>
+      <p:nvGrpSpPr>
+        <p:cNvPr id="1" name=""/>
+        <p:cNvGrpSpPr/>
+        <p:nvPr/>
+      </p:nvGrpSpPr>
+      <p:grpSpPr>
+        <a:xfrm>
+          <a:off x="0" y="0"/>
+          <a:ext cx="0" cy="0"/>
+          <a:chOff x="0" y="0"/>
+          <a:chExt cx="0" cy="0"/>
+        </a:xfrm>
+      </p:grpSpPr>
+      <p:sp>
+        <p:nvSpPr>
+          <p:cNvPr id="2" name="Title 1">
+            <a:extLst>
+              <a:ext uri="{FF2B5EF4-FFF2-40B4-BE49-F238E27FC236}">
+                <a16:creationId xmlns:a16="http://schemas.microsoft.com/office/drawing/2014/main" id="{F9AB6669-988A-4E89-8A8B-D40819E236D5}"/>
+              </a:ext>
+            </a:extLst>
+          </p:cNvPr>
+          <p:cNvSpPr>
+            <a:spLocks noGrp="1"/>
+          </p:cNvSpPr>
+          <p:nvPr>
+            <p:ph type="title"/>
+          </p:nvPr>
+        </p:nvSpPr>
+        <p:spPr/>
+        <p:txBody>
+          <a:bodyPr/>
+          <a:lstStyle/>
+          <a:p>
+            <a:r>
+              <a:rPr lang="en-GB" dirty="0" err="1"/>
+              <a:t>onResume</a:t>
+            </a:r>
+            <a:r>
+              <a:rPr lang="en-GB" dirty="0"/>
+              <a:t>()</a:t>
+            </a:r>
+          </a:p>
+        </p:txBody>
+      </p:sp>
+      <p:sp>
+        <p:nvSpPr>
+          <p:cNvPr id="3" name="Content Placeholder 2">
+            <a:extLst>
+              <a:ext uri="{FF2B5EF4-FFF2-40B4-BE49-F238E27FC236}">
+                <a16:creationId xmlns:a16="http://schemas.microsoft.com/office/drawing/2014/main" id="{64E9061A-03AD-463D-AD10-CAD7EF436FF6}"/>
+              </a:ext>
+            </a:extLst>
+          </p:cNvPr>
+          <p:cNvSpPr>
+            <a:spLocks noGrp="1"/>
+          </p:cNvSpPr>
+          <p:nvPr>
+            <p:ph sz="half" idx="1"/>
+          </p:nvPr>
+        </p:nvSpPr>
+        <p:spPr>
+          <a:xfrm>
+            <a:off x="609600" y="1600201"/>
+            <a:ext cx="5384800" cy="4762500"/>
+          </a:xfrm>
+        </p:spPr>
+        <p:txBody>
+          <a:bodyPr>
+            <a:normAutofit fontScale="77500" lnSpcReduction="20000"/>
+          </a:bodyPr>
+          <a:lstStyle/>
+          <a:p>
+            <a:r>
+              <a:rPr lang="en-GB" dirty="0"/>
+              <a:t>When the activity enters the </a:t>
+            </a:r>
+            <a:r>
+              <a:rPr lang="en-GB" i="1" dirty="0"/>
+              <a:t>Resumed state</a:t>
+            </a:r>
+            <a:r>
+              <a:rPr lang="en-GB" dirty="0"/>
+              <a:t>, it comes to the foreground, and then the system invokes </a:t>
+            </a:r>
+            <a:r>
+              <a:rPr lang="en-GB" dirty="0" err="1"/>
+              <a:t>onResume</a:t>
+            </a:r>
+            <a:r>
+              <a:rPr lang="en-GB" dirty="0"/>
+              <a:t>(). This is the state in which the app interacts with the user.</a:t>
+            </a:r>
+          </a:p>
+          <a:p>
+            <a:r>
+              <a:rPr lang="en-GB" dirty="0"/>
+              <a:t>The app stays in this state until something happens to take focus away from the app, in which case activity enters the </a:t>
+            </a:r>
+            <a:r>
+              <a:rPr lang="en-GB" i="1" dirty="0"/>
+              <a:t>Paused state, </a:t>
+            </a:r>
+            <a:r>
+              <a:rPr lang="en-GB" dirty="0"/>
+              <a:t>and system invokes </a:t>
+            </a:r>
+            <a:r>
+              <a:rPr lang="en-GB" dirty="0" err="1"/>
+              <a:t>onPause</a:t>
+            </a:r>
+            <a:r>
+              <a:rPr lang="en-GB" dirty="0"/>
+              <a:t>()</a:t>
+            </a:r>
+          </a:p>
+          <a:p>
+            <a:r>
+              <a:rPr lang="en-GB" dirty="0"/>
+              <a:t>If the activity returns to the Resumed state from the Paused state, the system once again calls </a:t>
+            </a:r>
+            <a:r>
+              <a:rPr lang="en-GB" dirty="0" err="1"/>
+              <a:t>onResume</a:t>
+            </a:r>
+            <a:r>
+              <a:rPr lang="en-GB" dirty="0"/>
+              <a:t>()</a:t>
+            </a:r>
+          </a:p>
+          <a:p>
+            <a:pPr marL="0" indent="0">
+              <a:buNone/>
+            </a:pPr>
+            <a:r>
+              <a:rPr lang="en-GB" dirty="0"/>
+              <a:t>=====================================</a:t>
+            </a:r>
+          </a:p>
+          <a:p>
+            <a:pPr marL="0" indent="0">
+              <a:buNone/>
+            </a:pPr>
+            <a:r>
+              <a:rPr lang="en-GB" b="1" dirty="0"/>
+              <a:t>BEST PRACTISE: </a:t>
+            </a:r>
+            <a:r>
+              <a:rPr lang="en-GB" dirty="0"/>
+              <a:t>In this method you should updates any UI components which will be displayed to the user</a:t>
+            </a:r>
+          </a:p>
+        </p:txBody>
+      </p:sp>
+      <p:sp>
+        <p:nvSpPr>
+          <p:cNvPr id="4" name="Slide Number Placeholder 3">
+            <a:extLst>
+              <a:ext uri="{FF2B5EF4-FFF2-40B4-BE49-F238E27FC236}">
+                <a16:creationId xmlns:a16="http://schemas.microsoft.com/office/drawing/2014/main" id="{C7060780-B4E3-4297-9DC0-0144E3C66524}"/>
+              </a:ext>
+            </a:extLst>
+          </p:cNvPr>
+          <p:cNvSpPr>
+            <a:spLocks noGrp="1"/>
+          </p:cNvSpPr>
+          <p:nvPr>
+            <p:ph type="sldNum" sz="quarter" idx="12"/>
+          </p:nvPr>
+        </p:nvSpPr>
+        <p:spPr/>
+        <p:txBody>
+          <a:bodyPr/>
+          <a:lstStyle/>
+          <a:p>
+            <a:fld id="{D2040F39-7941-49A4-B48D-F201B18B6351}" type="slidenum">
+              <a:rPr lang="it-IT" smtClean="0"/>
+              <a:pPr/>
+              <a:t>18</a:t>
+            </a:fld>
+            <a:endParaRPr lang="it-IT" dirty="0"/>
+          </a:p>
+        </p:txBody>
+      </p:sp>
+      <p:pic>
+        <p:nvPicPr>
+          <p:cNvPr id="6" name="Picture 2" descr="State diagram for an Android Activity Lifecycle.">
+            <a:extLst>
+              <a:ext uri="{FF2B5EF4-FFF2-40B4-BE49-F238E27FC236}">
+                <a16:creationId xmlns:a16="http://schemas.microsoft.com/office/drawing/2014/main" id="{C90BE76E-5A0C-42A3-A868-66F5F2827D52}"/>
+              </a:ext>
+            </a:extLst>
+          </p:cNvPr>
+          <p:cNvPicPr>
+            <a:picLocks noGrp="1" noChangeAspect="1" noChangeArrowheads="1"/>
+          </p:cNvPicPr>
+          <p:nvPr>
+            <p:ph sz="half" idx="2"/>
+          </p:nvPr>
+        </p:nvPicPr>
+        <p:blipFill>
+          <a:blip r:embed="rId2">
+            <a:extLst>
+              <a:ext uri="{28A0092B-C50C-407E-A947-70E740481C1C}">
+                <a14:useLocalDpi xmlns:a14="http://schemas.microsoft.com/office/drawing/2010/main" val="0"/>
+              </a:ext>
+            </a:extLst>
+          </a:blip>
+          <a:srcRect/>
+          <a:stretch>
+            <a:fillRect/>
+          </a:stretch>
+        </p:blipFill>
+        <p:spPr bwMode="auto">
+          <a:xfrm>
+            <a:off x="7139005" y="1600200"/>
+            <a:ext cx="3501989" cy="4525963"/>
+          </a:xfrm>
+          <a:prstGeom prst="rect">
+            <a:avLst/>
+          </a:prstGeom>
+          <a:noFill/>
+          <a:extLst>
+            <a:ext uri="{909E8E84-426E-40DD-AFC4-6F175D3DCCD1}">
+              <a14:hiddenFill xmlns:a14="http://schemas.microsoft.com/office/drawing/2010/main">
+                <a:solidFill>
+                  <a:srgbClr val="FFFFFF"/>
+                </a:solidFill>
+              </a14:hiddenFill>
+            </a:ext>
+          </a:extLst>
+        </p:spPr>
+      </p:pic>
+    </p:spTree>
+    <p:extLst>
+      <p:ext uri="{BB962C8B-B14F-4D97-AF65-F5344CB8AC3E}">
+        <p14:creationId xmlns:p14="http://schemas.microsoft.com/office/powerpoint/2010/main" val="3413645180"/>
+      </p:ext>
+    </p:extLst>
+  </p:cSld>
+  <p:clrMapOvr>
+    <a:masterClrMapping/>
+  </p:clrMapOvr>
+</p:sld>
+</file>
+
+<file path=ppt/slides/slide19.xml><?xml version="1.0" encoding="utf-8"?>
+<p:sld xmlns:a="http://schemas.openxmlformats.org/drawingml/2006/main" xmlns:r="http://schemas.openxmlformats.org/officeDocument/2006/relationships" xmlns:p="http://schemas.openxmlformats.org/presentationml/2006/main">
+  <p:cSld>
+    <p:spTree>
+      <p:nvGrpSpPr>
+        <p:cNvPr id="1" name=""/>
+        <p:cNvGrpSpPr/>
+        <p:nvPr/>
+      </p:nvGrpSpPr>
+      <p:grpSpPr>
+        <a:xfrm>
+          <a:off x="0" y="0"/>
+          <a:ext cx="0" cy="0"/>
+          <a:chOff x="0" y="0"/>
+          <a:chExt cx="0" cy="0"/>
+        </a:xfrm>
+      </p:grpSpPr>
+      <p:sp>
+        <p:nvSpPr>
+          <p:cNvPr id="2" name="Title 1">
+            <a:extLst>
+              <a:ext uri="{FF2B5EF4-FFF2-40B4-BE49-F238E27FC236}">
+                <a16:creationId xmlns:a16="http://schemas.microsoft.com/office/drawing/2014/main" id="{8A0B7915-68D8-4CAC-8C5D-D2CE0D68C620}"/>
+              </a:ext>
+            </a:extLst>
+          </p:cNvPr>
+          <p:cNvSpPr>
+            <a:spLocks noGrp="1"/>
+          </p:cNvSpPr>
+          <p:nvPr>
+            <p:ph type="title"/>
+          </p:nvPr>
+        </p:nvSpPr>
+        <p:spPr/>
+        <p:txBody>
+          <a:bodyPr/>
+          <a:lstStyle/>
+          <a:p>
+            <a:r>
+              <a:rPr lang="en-GB" dirty="0" err="1"/>
+              <a:t>onPause</a:t>
+            </a:r>
+            <a:r>
+              <a:rPr lang="en-GB" dirty="0"/>
+              <a:t>()</a:t>
+            </a:r>
+          </a:p>
+        </p:txBody>
+      </p:sp>
+      <p:sp>
+        <p:nvSpPr>
+          <p:cNvPr id="3" name="Content Placeholder 2">
+            <a:extLst>
+              <a:ext uri="{FF2B5EF4-FFF2-40B4-BE49-F238E27FC236}">
+                <a16:creationId xmlns:a16="http://schemas.microsoft.com/office/drawing/2014/main" id="{D85637B8-77C7-4904-B3D8-8978A15D74D0}"/>
+              </a:ext>
+            </a:extLst>
+          </p:cNvPr>
+          <p:cNvSpPr>
+            <a:spLocks noGrp="1"/>
+          </p:cNvSpPr>
+          <p:nvPr>
+            <p:ph sz="half" idx="1"/>
+          </p:nvPr>
+        </p:nvSpPr>
+        <p:spPr>
+          <a:xfrm>
+            <a:off x="609600" y="1600201"/>
+            <a:ext cx="5384800" cy="4762500"/>
+          </a:xfrm>
+        </p:spPr>
+        <p:txBody>
+          <a:bodyPr>
+            <a:normAutofit fontScale="92500"/>
+          </a:bodyPr>
+          <a:lstStyle/>
+          <a:p>
+            <a:r>
+              <a:rPr lang="en-GB" sz="2400" dirty="0"/>
+              <a:t>Called as part of the activity lifecycle when the user no longer actively interacts with the activity, but it is still visible on screen.</a:t>
+            </a:r>
+          </a:p>
+          <a:p>
+            <a:r>
+              <a:rPr lang="en-GB" sz="2400" dirty="0"/>
+              <a:t>At the end of execution, Activity remains in paused state until activity resumes or become completely invisible. </a:t>
+            </a:r>
+          </a:p>
+          <a:p>
+            <a:pPr marL="0" indent="0">
+              <a:buNone/>
+            </a:pPr>
+            <a:r>
+              <a:rPr lang="en-GB" sz="2400" dirty="0"/>
+              <a:t>=====================================</a:t>
+            </a:r>
+          </a:p>
+          <a:p>
+            <a:pPr marL="0" indent="0">
+              <a:buNone/>
+            </a:pPr>
+            <a:r>
+              <a:rPr lang="en-GB" sz="2400" b="1" dirty="0"/>
+              <a:t>BEST PRACTISE: </a:t>
+            </a:r>
+            <a:r>
+              <a:rPr lang="en-GB" sz="2400" dirty="0"/>
+              <a:t>Use </a:t>
+            </a:r>
+            <a:r>
+              <a:rPr lang="en-GB" sz="2400" dirty="0" err="1"/>
+              <a:t>onPause</a:t>
+            </a:r>
+            <a:r>
+              <a:rPr lang="en-GB" sz="2400" dirty="0"/>
+              <a:t>() to pause operations and release system resources that should not continue while activity in in paused state, NOT use </a:t>
+            </a:r>
+            <a:r>
+              <a:rPr lang="en-GB" sz="2400" dirty="0" err="1"/>
+              <a:t>onPause</a:t>
+            </a:r>
+            <a:r>
+              <a:rPr lang="en-GB" sz="2400" dirty="0"/>
+              <a:t> to save user data or do  other "heavy" operation, such as database-transaction.</a:t>
+            </a:r>
+          </a:p>
+        </p:txBody>
+      </p:sp>
+      <p:sp>
+        <p:nvSpPr>
+          <p:cNvPr id="5" name="Slide Number Placeholder 4">
+            <a:extLst>
+              <a:ext uri="{FF2B5EF4-FFF2-40B4-BE49-F238E27FC236}">
+                <a16:creationId xmlns:a16="http://schemas.microsoft.com/office/drawing/2014/main" id="{91FDF09B-1A9B-4522-A197-7928AEE0D075}"/>
+              </a:ext>
+            </a:extLst>
+          </p:cNvPr>
+          <p:cNvSpPr>
+            <a:spLocks noGrp="1"/>
+          </p:cNvSpPr>
+          <p:nvPr>
+            <p:ph type="sldNum" sz="quarter" idx="12"/>
+          </p:nvPr>
+        </p:nvSpPr>
+        <p:spPr/>
+        <p:txBody>
+          <a:bodyPr/>
+          <a:lstStyle/>
+          <a:p>
+            <a:fld id="{D2040F39-7941-49A4-B48D-F201B18B6351}" type="slidenum">
+              <a:rPr lang="it-IT" smtClean="0"/>
+              <a:pPr/>
+              <a:t>19</a:t>
+            </a:fld>
+            <a:endParaRPr lang="it-IT" dirty="0"/>
+          </a:p>
+        </p:txBody>
+      </p:sp>
+      <p:pic>
+        <p:nvPicPr>
+          <p:cNvPr id="6" name="Picture 2" descr="State diagram for an Android Activity Lifecycle.">
+            <a:extLst>
+              <a:ext uri="{FF2B5EF4-FFF2-40B4-BE49-F238E27FC236}">
+                <a16:creationId xmlns:a16="http://schemas.microsoft.com/office/drawing/2014/main" id="{C2652EF3-9A51-4208-A473-043D14663C12}"/>
+              </a:ext>
+            </a:extLst>
+          </p:cNvPr>
+          <p:cNvPicPr>
+            <a:picLocks noGrp="1" noChangeAspect="1" noChangeArrowheads="1"/>
+          </p:cNvPicPr>
+          <p:nvPr>
+            <p:ph sz="half" idx="2"/>
+          </p:nvPr>
+        </p:nvPicPr>
+        <p:blipFill>
+          <a:blip r:embed="rId2">
+            <a:extLst>
+              <a:ext uri="{28A0092B-C50C-407E-A947-70E740481C1C}">
+                <a14:useLocalDpi xmlns:a14="http://schemas.microsoft.com/office/drawing/2010/main" val="0"/>
+              </a:ext>
+            </a:extLst>
+          </a:blip>
+          <a:srcRect/>
+          <a:stretch>
+            <a:fillRect/>
+          </a:stretch>
+        </p:blipFill>
+        <p:spPr bwMode="auto">
+          <a:xfrm>
+            <a:off x="7139005" y="1600200"/>
+            <a:ext cx="3501989" cy="4525963"/>
+          </a:xfrm>
+          <a:prstGeom prst="rect">
+            <a:avLst/>
+          </a:prstGeom>
+          <a:noFill/>
+          <a:extLst>
+            <a:ext uri="{909E8E84-426E-40DD-AFC4-6F175D3DCCD1}">
+              <a14:hiddenFill xmlns:a14="http://schemas.microsoft.com/office/drawing/2010/main">
+                <a:solidFill>
+                  <a:srgbClr val="FFFFFF"/>
+                </a:solidFill>
+              </a14:hiddenFill>
+            </a:ext>
+          </a:extLst>
+        </p:spPr>
+      </p:pic>
+    </p:spTree>
+    <p:extLst>
+      <p:ext uri="{BB962C8B-B14F-4D97-AF65-F5344CB8AC3E}">
+        <p14:creationId xmlns:p14="http://schemas.microsoft.com/office/powerpoint/2010/main" val="769111029"/>
       </p:ext>
     </p:extLst>
   </p:cSld>
@@ -10579,476 +10564,6 @@
           <p:cNvPr id="2" name="Title 1">
             <a:extLst>
               <a:ext uri="{FF2B5EF4-FFF2-40B4-BE49-F238E27FC236}">
-                <a16:creationId xmlns:a16="http://schemas.microsoft.com/office/drawing/2014/main" id="{F9AB6669-988A-4E89-8A8B-D40819E236D5}"/>
-              </a:ext>
-            </a:extLst>
-          </p:cNvPr>
-          <p:cNvSpPr>
-            <a:spLocks noGrp="1"/>
-          </p:cNvSpPr>
-          <p:nvPr>
-            <p:ph type="title"/>
-          </p:nvPr>
-        </p:nvSpPr>
-        <p:spPr/>
-        <p:txBody>
-          <a:bodyPr/>
-          <a:lstStyle/>
-          <a:p>
-            <a:r>
-              <a:rPr lang="en-GB" dirty="0" err="1"/>
-              <a:t>onResume</a:t>
-            </a:r>
-            <a:r>
-              <a:rPr lang="en-GB" dirty="0"/>
-              <a:t>()</a:t>
-            </a:r>
-          </a:p>
-        </p:txBody>
-      </p:sp>
-      <p:sp>
-        <p:nvSpPr>
-          <p:cNvPr id="3" name="Content Placeholder 2">
-            <a:extLst>
-              <a:ext uri="{FF2B5EF4-FFF2-40B4-BE49-F238E27FC236}">
-                <a16:creationId xmlns:a16="http://schemas.microsoft.com/office/drawing/2014/main" id="{64E9061A-03AD-463D-AD10-CAD7EF436FF6}"/>
-              </a:ext>
-            </a:extLst>
-          </p:cNvPr>
-          <p:cNvSpPr>
-            <a:spLocks noGrp="1"/>
-          </p:cNvSpPr>
-          <p:nvPr>
-            <p:ph sz="half" idx="1"/>
-          </p:nvPr>
-        </p:nvSpPr>
-        <p:spPr>
-          <a:xfrm>
-            <a:off x="609600" y="1600201"/>
-            <a:ext cx="5384800" cy="4762500"/>
-          </a:xfrm>
-        </p:spPr>
-        <p:txBody>
-          <a:bodyPr>
-            <a:normAutofit fontScale="77500" lnSpcReduction="20000"/>
-          </a:bodyPr>
-          <a:lstStyle/>
-          <a:p>
-            <a:r>
-              <a:rPr lang="en-GB" dirty="0"/>
-              <a:t>When the activity enters the </a:t>
-            </a:r>
-            <a:r>
-              <a:rPr lang="en-GB" i="1" dirty="0"/>
-              <a:t>Resumed state</a:t>
-            </a:r>
-            <a:r>
-              <a:rPr lang="en-GB" dirty="0"/>
-              <a:t>, it comes to the foreground, and then the system invokes </a:t>
-            </a:r>
-            <a:r>
-              <a:rPr lang="en-GB" dirty="0" err="1"/>
-              <a:t>onResume</a:t>
-            </a:r>
-            <a:r>
-              <a:rPr lang="en-GB" dirty="0"/>
-              <a:t>(). This is the state in which the app interacts with the user.</a:t>
-            </a:r>
-          </a:p>
-          <a:p>
-            <a:r>
-              <a:rPr lang="en-GB" dirty="0"/>
-              <a:t>The app stays in this state until something happens to take focus away from the app, in which case activity enters the </a:t>
-            </a:r>
-            <a:r>
-              <a:rPr lang="en-GB" i="1" dirty="0"/>
-              <a:t>Paused state, </a:t>
-            </a:r>
-            <a:r>
-              <a:rPr lang="en-GB" dirty="0"/>
-              <a:t>and system invokes </a:t>
-            </a:r>
-            <a:r>
-              <a:rPr lang="en-GB" dirty="0" err="1"/>
-              <a:t>onPause</a:t>
-            </a:r>
-            <a:r>
-              <a:rPr lang="en-GB" dirty="0"/>
-              <a:t>()</a:t>
-            </a:r>
-          </a:p>
-          <a:p>
-            <a:r>
-              <a:rPr lang="en-GB" dirty="0"/>
-              <a:t>If the activity returns to the Resumed state from the Paused state, the system once again calls </a:t>
-            </a:r>
-            <a:r>
-              <a:rPr lang="en-GB" dirty="0" err="1"/>
-              <a:t>onResume</a:t>
-            </a:r>
-            <a:r>
-              <a:rPr lang="en-GB" dirty="0"/>
-              <a:t>()</a:t>
-            </a:r>
-          </a:p>
-          <a:p>
-            <a:pPr marL="0" indent="0">
-              <a:buNone/>
-            </a:pPr>
-            <a:r>
-              <a:rPr lang="en-GB" dirty="0"/>
-              <a:t>=====================================</a:t>
-            </a:r>
-          </a:p>
-          <a:p>
-            <a:pPr marL="0" indent="0">
-              <a:buNone/>
-            </a:pPr>
-            <a:r>
-              <a:rPr lang="en-GB" b="1" dirty="0"/>
-              <a:t>BEST PRACTISE: </a:t>
-            </a:r>
-            <a:r>
-              <a:rPr lang="en-GB" dirty="0"/>
-              <a:t>In this method you should updates any UI components which will be displayed to the user</a:t>
-            </a:r>
-          </a:p>
-        </p:txBody>
-      </p:sp>
-      <p:sp>
-        <p:nvSpPr>
-          <p:cNvPr id="4" name="Slide Number Placeholder 3">
-            <a:extLst>
-              <a:ext uri="{FF2B5EF4-FFF2-40B4-BE49-F238E27FC236}">
-                <a16:creationId xmlns:a16="http://schemas.microsoft.com/office/drawing/2014/main" id="{C7060780-B4E3-4297-9DC0-0144E3C66524}"/>
-              </a:ext>
-            </a:extLst>
-          </p:cNvPr>
-          <p:cNvSpPr>
-            <a:spLocks noGrp="1"/>
-          </p:cNvSpPr>
-          <p:nvPr>
-            <p:ph type="sldNum" sz="quarter" idx="12"/>
-          </p:nvPr>
-        </p:nvSpPr>
-        <p:spPr/>
-        <p:txBody>
-          <a:bodyPr/>
-          <a:lstStyle/>
-          <a:p>
-            <a:fld id="{D2040F39-7941-49A4-B48D-F201B18B6351}" type="slidenum">
-              <a:rPr lang="it-IT" smtClean="0"/>
-              <a:pPr/>
-              <a:t>20</a:t>
-            </a:fld>
-            <a:endParaRPr lang="it-IT" dirty="0"/>
-          </a:p>
-        </p:txBody>
-      </p:sp>
-      <p:pic>
-        <p:nvPicPr>
-          <p:cNvPr id="6" name="Picture 2" descr="State diagram for an Android Activity Lifecycle.">
-            <a:extLst>
-              <a:ext uri="{FF2B5EF4-FFF2-40B4-BE49-F238E27FC236}">
-                <a16:creationId xmlns:a16="http://schemas.microsoft.com/office/drawing/2014/main" id="{C90BE76E-5A0C-42A3-A868-66F5F2827D52}"/>
-              </a:ext>
-            </a:extLst>
-          </p:cNvPr>
-          <p:cNvPicPr>
-            <a:picLocks noGrp="1" noChangeAspect="1" noChangeArrowheads="1"/>
-          </p:cNvPicPr>
-          <p:nvPr>
-            <p:ph sz="half" idx="2"/>
-          </p:nvPr>
-        </p:nvPicPr>
-        <p:blipFill>
-          <a:blip r:embed="rId2">
-            <a:extLst>
-              <a:ext uri="{28A0092B-C50C-407E-A947-70E740481C1C}">
-                <a14:useLocalDpi xmlns:a14="http://schemas.microsoft.com/office/drawing/2010/main" val="0"/>
-              </a:ext>
-            </a:extLst>
-          </a:blip>
-          <a:srcRect/>
-          <a:stretch>
-            <a:fillRect/>
-          </a:stretch>
-        </p:blipFill>
-        <p:spPr bwMode="auto">
-          <a:xfrm>
-            <a:off x="7139005" y="1600200"/>
-            <a:ext cx="3501989" cy="4525963"/>
-          </a:xfrm>
-          <a:prstGeom prst="rect">
-            <a:avLst/>
-          </a:prstGeom>
-          <a:noFill/>
-          <a:extLst>
-            <a:ext uri="{909E8E84-426E-40DD-AFC4-6F175D3DCCD1}">
-              <a14:hiddenFill xmlns:a14="http://schemas.microsoft.com/office/drawing/2010/main">
-                <a:solidFill>
-                  <a:srgbClr val="FFFFFF"/>
-                </a:solidFill>
-              </a14:hiddenFill>
-            </a:ext>
-          </a:extLst>
-        </p:spPr>
-      </p:pic>
-    </p:spTree>
-    <p:extLst>
-      <p:ext uri="{BB962C8B-B14F-4D97-AF65-F5344CB8AC3E}">
-        <p14:creationId xmlns:p14="http://schemas.microsoft.com/office/powerpoint/2010/main" val="3413645180"/>
-      </p:ext>
-    </p:extLst>
-  </p:cSld>
-  <p:clrMapOvr>
-    <a:masterClrMapping/>
-  </p:clrMapOvr>
-</p:sld>
-</file>
-
-<file path=ppt/slides/slide21.xml><?xml version="1.0" encoding="utf-8"?>
-<p:sld xmlns:a="http://schemas.openxmlformats.org/drawingml/2006/main" xmlns:r="http://schemas.openxmlformats.org/officeDocument/2006/relationships" xmlns:p="http://schemas.openxmlformats.org/presentationml/2006/main">
-  <p:cSld>
-    <p:spTree>
-      <p:nvGrpSpPr>
-        <p:cNvPr id="1" name=""/>
-        <p:cNvGrpSpPr/>
-        <p:nvPr/>
-      </p:nvGrpSpPr>
-      <p:grpSpPr>
-        <a:xfrm>
-          <a:off x="0" y="0"/>
-          <a:ext cx="0" cy="0"/>
-          <a:chOff x="0" y="0"/>
-          <a:chExt cx="0" cy="0"/>
-        </a:xfrm>
-      </p:grpSpPr>
-      <p:sp>
-        <p:nvSpPr>
-          <p:cNvPr id="2" name="Title 1">
-            <a:extLst>
-              <a:ext uri="{FF2B5EF4-FFF2-40B4-BE49-F238E27FC236}">
-                <a16:creationId xmlns:a16="http://schemas.microsoft.com/office/drawing/2014/main" id="{8A0B7915-68D8-4CAC-8C5D-D2CE0D68C620}"/>
-              </a:ext>
-            </a:extLst>
-          </p:cNvPr>
-          <p:cNvSpPr>
-            <a:spLocks noGrp="1"/>
-          </p:cNvSpPr>
-          <p:nvPr>
-            <p:ph type="title"/>
-          </p:nvPr>
-        </p:nvSpPr>
-        <p:spPr/>
-        <p:txBody>
-          <a:bodyPr/>
-          <a:lstStyle/>
-          <a:p>
-            <a:r>
-              <a:rPr lang="en-GB" dirty="0" err="1"/>
-              <a:t>onPause</a:t>
-            </a:r>
-            <a:r>
-              <a:rPr lang="en-GB" dirty="0"/>
-              <a:t>()</a:t>
-            </a:r>
-          </a:p>
-        </p:txBody>
-      </p:sp>
-      <p:sp>
-        <p:nvSpPr>
-          <p:cNvPr id="3" name="Content Placeholder 2">
-            <a:extLst>
-              <a:ext uri="{FF2B5EF4-FFF2-40B4-BE49-F238E27FC236}">
-                <a16:creationId xmlns:a16="http://schemas.microsoft.com/office/drawing/2014/main" id="{D85637B8-77C7-4904-B3D8-8978A15D74D0}"/>
-              </a:ext>
-            </a:extLst>
-          </p:cNvPr>
-          <p:cNvSpPr>
-            <a:spLocks noGrp="1"/>
-          </p:cNvSpPr>
-          <p:nvPr>
-            <p:ph sz="half" idx="1"/>
-          </p:nvPr>
-        </p:nvSpPr>
-        <p:spPr>
-          <a:xfrm>
-            <a:off x="609600" y="1600201"/>
-            <a:ext cx="5384800" cy="4762500"/>
-          </a:xfrm>
-        </p:spPr>
-        <p:txBody>
-          <a:bodyPr>
-            <a:normAutofit fontScale="92500"/>
-          </a:bodyPr>
-          <a:lstStyle/>
-          <a:p>
-            <a:r>
-              <a:rPr lang="en-GB" sz="2400" dirty="0"/>
-              <a:t>Called as part of the activity lifecycle when the user no longer actively interacts with the activity, but it is still visible on screen.</a:t>
-            </a:r>
-          </a:p>
-          <a:p>
-            <a:r>
-              <a:rPr lang="en-GB" sz="2400" dirty="0"/>
-              <a:t>At the end of execution, Activity remains in paused state until activity resumes or become completely invisible. </a:t>
-            </a:r>
-          </a:p>
-          <a:p>
-            <a:pPr marL="0" indent="0">
-              <a:buNone/>
-            </a:pPr>
-            <a:r>
-              <a:rPr lang="en-GB" sz="2400" dirty="0"/>
-              <a:t>=====================================</a:t>
-            </a:r>
-          </a:p>
-          <a:p>
-            <a:pPr marL="0" indent="0">
-              <a:buNone/>
-            </a:pPr>
-            <a:r>
-              <a:rPr lang="en-GB" sz="2400" b="1" dirty="0"/>
-              <a:t>BEST PRACTISE: </a:t>
-            </a:r>
-            <a:r>
-              <a:rPr lang="en-GB" sz="2400" dirty="0"/>
-              <a:t>Use </a:t>
-            </a:r>
-            <a:r>
-              <a:rPr lang="en-GB" sz="2400" dirty="0" err="1"/>
-              <a:t>onPause</a:t>
-            </a:r>
-            <a:r>
-              <a:rPr lang="en-GB" sz="2400" dirty="0"/>
-              <a:t>() to pause operations and release system resources that should not continue while activity in in paused state, NOT use </a:t>
-            </a:r>
-            <a:r>
-              <a:rPr lang="en-GB" sz="2400" dirty="0" err="1"/>
-              <a:t>onPause</a:t>
-            </a:r>
-            <a:r>
-              <a:rPr lang="en-GB" sz="2400" dirty="0"/>
-              <a:t> to save user data or do  other "heavy" operation, such as database-transaction.</a:t>
-            </a:r>
-          </a:p>
-        </p:txBody>
-      </p:sp>
-      <p:sp>
-        <p:nvSpPr>
-          <p:cNvPr id="5" name="Slide Number Placeholder 4">
-            <a:extLst>
-              <a:ext uri="{FF2B5EF4-FFF2-40B4-BE49-F238E27FC236}">
-                <a16:creationId xmlns:a16="http://schemas.microsoft.com/office/drawing/2014/main" id="{91FDF09B-1A9B-4522-A197-7928AEE0D075}"/>
-              </a:ext>
-            </a:extLst>
-          </p:cNvPr>
-          <p:cNvSpPr>
-            <a:spLocks noGrp="1"/>
-          </p:cNvSpPr>
-          <p:nvPr>
-            <p:ph type="sldNum" sz="quarter" idx="12"/>
-          </p:nvPr>
-        </p:nvSpPr>
-        <p:spPr/>
-        <p:txBody>
-          <a:bodyPr/>
-          <a:lstStyle/>
-          <a:p>
-            <a:fld id="{D2040F39-7941-49A4-B48D-F201B18B6351}" type="slidenum">
-              <a:rPr lang="it-IT" smtClean="0"/>
-              <a:pPr/>
-              <a:t>21</a:t>
-            </a:fld>
-            <a:endParaRPr lang="it-IT" dirty="0"/>
-          </a:p>
-        </p:txBody>
-      </p:sp>
-      <p:pic>
-        <p:nvPicPr>
-          <p:cNvPr id="6" name="Picture 2" descr="State diagram for an Android Activity Lifecycle.">
-            <a:extLst>
-              <a:ext uri="{FF2B5EF4-FFF2-40B4-BE49-F238E27FC236}">
-                <a16:creationId xmlns:a16="http://schemas.microsoft.com/office/drawing/2014/main" id="{C2652EF3-9A51-4208-A473-043D14663C12}"/>
-              </a:ext>
-            </a:extLst>
-          </p:cNvPr>
-          <p:cNvPicPr>
-            <a:picLocks noGrp="1" noChangeAspect="1" noChangeArrowheads="1"/>
-          </p:cNvPicPr>
-          <p:nvPr>
-            <p:ph sz="half" idx="2"/>
-          </p:nvPr>
-        </p:nvPicPr>
-        <p:blipFill>
-          <a:blip r:embed="rId2">
-            <a:extLst>
-              <a:ext uri="{28A0092B-C50C-407E-A947-70E740481C1C}">
-                <a14:useLocalDpi xmlns:a14="http://schemas.microsoft.com/office/drawing/2010/main" val="0"/>
-              </a:ext>
-            </a:extLst>
-          </a:blip>
-          <a:srcRect/>
-          <a:stretch>
-            <a:fillRect/>
-          </a:stretch>
-        </p:blipFill>
-        <p:spPr bwMode="auto">
-          <a:xfrm>
-            <a:off x="7139005" y="1600200"/>
-            <a:ext cx="3501989" cy="4525963"/>
-          </a:xfrm>
-          <a:prstGeom prst="rect">
-            <a:avLst/>
-          </a:prstGeom>
-          <a:noFill/>
-          <a:extLst>
-            <a:ext uri="{909E8E84-426E-40DD-AFC4-6F175D3DCCD1}">
-              <a14:hiddenFill xmlns:a14="http://schemas.microsoft.com/office/drawing/2010/main">
-                <a:solidFill>
-                  <a:srgbClr val="FFFFFF"/>
-                </a:solidFill>
-              </a14:hiddenFill>
-            </a:ext>
-          </a:extLst>
-        </p:spPr>
-      </p:pic>
-    </p:spTree>
-    <p:extLst>
-      <p:ext uri="{BB962C8B-B14F-4D97-AF65-F5344CB8AC3E}">
-        <p14:creationId xmlns:p14="http://schemas.microsoft.com/office/powerpoint/2010/main" val="769111029"/>
-      </p:ext>
-    </p:extLst>
-  </p:cSld>
-  <p:clrMapOvr>
-    <a:masterClrMapping/>
-  </p:clrMapOvr>
-</p:sld>
-</file>
-
-<file path=ppt/slides/slide22.xml><?xml version="1.0" encoding="utf-8"?>
-<p:sld xmlns:a="http://schemas.openxmlformats.org/drawingml/2006/main" xmlns:r="http://schemas.openxmlformats.org/officeDocument/2006/relationships" xmlns:p="http://schemas.openxmlformats.org/presentationml/2006/main">
-  <p:cSld>
-    <p:spTree>
-      <p:nvGrpSpPr>
-        <p:cNvPr id="1" name=""/>
-        <p:cNvGrpSpPr/>
-        <p:nvPr/>
-      </p:nvGrpSpPr>
-      <p:grpSpPr>
-        <a:xfrm>
-          <a:off x="0" y="0"/>
-          <a:ext cx="0" cy="0"/>
-          <a:chOff x="0" y="0"/>
-          <a:chExt cx="0" cy="0"/>
-        </a:xfrm>
-      </p:grpSpPr>
-      <p:sp>
-        <p:nvSpPr>
-          <p:cNvPr id="2" name="Title 1">
-            <a:extLst>
-              <a:ext uri="{FF2B5EF4-FFF2-40B4-BE49-F238E27FC236}">
                 <a16:creationId xmlns:a16="http://schemas.microsoft.com/office/drawing/2014/main" id="{0715B7B6-E21D-457A-81C7-B65F2C5A3780}"/>
               </a:ext>
             </a:extLst>
@@ -11217,7 +10732,7 @@
             <a:fld id="{D2040F39-7941-49A4-B48D-F201B18B6351}" type="slidenum">
               <a:rPr lang="it-IT" smtClean="0"/>
               <a:pPr/>
-              <a:t>22</a:t>
+              <a:t>20</a:t>
             </a:fld>
             <a:endParaRPr lang="it-IT" dirty="0"/>
           </a:p>
@@ -11285,7 +10800,7 @@
 </p:sld>
 </file>
 
-<file path=ppt/slides/slide23.xml><?xml version="1.0" encoding="utf-8"?>
+<file path=ppt/slides/slide21.xml><?xml version="1.0" encoding="utf-8"?>
 <p:sld xmlns:a="http://schemas.openxmlformats.org/drawingml/2006/main" xmlns:r="http://schemas.openxmlformats.org/officeDocument/2006/relationships" xmlns:p="http://schemas.openxmlformats.org/presentationml/2006/main">
   <p:cSld>
     <p:spTree>
@@ -11394,7 +10909,7 @@
             <a:fld id="{D2040F39-7941-49A4-B48D-F201B18B6351}" type="slidenum">
               <a:rPr lang="it-IT" smtClean="0"/>
               <a:pPr/>
-              <a:t>23</a:t>
+              <a:t>21</a:t>
             </a:fld>
             <a:endParaRPr lang="it-IT" dirty="0"/>
           </a:p>
@@ -11462,7 +10977,7 @@
 </p:sld>
 </file>
 
-<file path=ppt/slides/slide24.xml><?xml version="1.0" encoding="utf-8"?>
+<file path=ppt/slides/slide22.xml><?xml version="1.0" encoding="utf-8"?>
 <p:sld xmlns:a="http://schemas.openxmlformats.org/drawingml/2006/main" xmlns:r="http://schemas.openxmlformats.org/officeDocument/2006/relationships" xmlns:p="http://schemas.openxmlformats.org/presentationml/2006/main">
   <p:cSld>
     <p:spTree>
@@ -11703,7 +11218,7 @@
             <a:fld id="{D2040F39-7941-49A4-B48D-F201B18B6351}" type="slidenum">
               <a:rPr lang="it-IT" smtClean="0"/>
               <a:pPr/>
-              <a:t>24</a:t>
+              <a:t>22</a:t>
             </a:fld>
             <a:endParaRPr lang="it-IT" dirty="0"/>
           </a:p>
@@ -11722,7 +11237,7 @@
 </p:sld>
 </file>
 
-<file path=ppt/slides/slide25.xml><?xml version="1.0" encoding="utf-8"?>
+<file path=ppt/slides/slide23.xml><?xml version="1.0" encoding="utf-8"?>
 <p:sld xmlns:a="http://schemas.openxmlformats.org/drawingml/2006/main" xmlns:r="http://schemas.openxmlformats.org/officeDocument/2006/relationships" xmlns:p="http://schemas.openxmlformats.org/presentationml/2006/main">
   <p:cSld>
     <p:spTree>
@@ -11952,7 +11467,7 @@
             <a:fld id="{D2040F39-7941-49A4-B48D-F201B18B6351}" type="slidenum">
               <a:rPr lang="it-IT" smtClean="0"/>
               <a:pPr/>
-              <a:t>25</a:t>
+              <a:t>23</a:t>
             </a:fld>
             <a:endParaRPr lang="it-IT" dirty="0"/>
           </a:p>
@@ -11971,7 +11486,7 @@
 </p:sld>
 </file>
 
-<file path=ppt/slides/slide26.xml><?xml version="1.0" encoding="utf-8"?>
+<file path=ppt/slides/slide24.xml><?xml version="1.0" encoding="utf-8"?>
 <p:sld xmlns:a="http://schemas.openxmlformats.org/drawingml/2006/main" xmlns:r="http://schemas.openxmlformats.org/officeDocument/2006/relationships" xmlns:p="http://schemas.openxmlformats.org/presentationml/2006/main">
   <p:cSld>
     <p:spTree>
@@ -12197,7 +11712,7 @@
             <a:fld id="{D2040F39-7941-49A4-B48D-F201B18B6351}" type="slidenum">
               <a:rPr lang="it-IT" smtClean="0"/>
               <a:pPr/>
-              <a:t>26</a:t>
+              <a:t>24</a:t>
             </a:fld>
             <a:endParaRPr lang="it-IT" dirty="0"/>
           </a:p>
@@ -12216,7 +11731,7 @@
 </p:sld>
 </file>
 
-<file path=ppt/slides/slide27.xml><?xml version="1.0" encoding="utf-8"?>
+<file path=ppt/slides/slide25.xml><?xml version="1.0" encoding="utf-8"?>
 <p:sld xmlns:a="http://schemas.openxmlformats.org/drawingml/2006/main" xmlns:r="http://schemas.openxmlformats.org/officeDocument/2006/relationships" xmlns:p="http://schemas.openxmlformats.org/presentationml/2006/main">
   <p:cSld>
     <p:spTree>
@@ -12637,7 +12152,7 @@
             <a:fld id="{D2040F39-7941-49A4-B48D-F201B18B6351}" type="slidenum">
               <a:rPr lang="it-IT" smtClean="0"/>
               <a:pPr/>
-              <a:t>27</a:t>
+              <a:t>25</a:t>
             </a:fld>
             <a:endParaRPr lang="it-IT" dirty="0"/>
           </a:p>
@@ -12656,7 +12171,7 @@
 </p:sld>
 </file>
 
-<file path=ppt/slides/slide28.xml><?xml version="1.0" encoding="utf-8"?>
+<file path=ppt/slides/slide26.xml><?xml version="1.0" encoding="utf-8"?>
 <p:sld xmlns:a="http://schemas.openxmlformats.org/drawingml/2006/main" xmlns:r="http://schemas.openxmlformats.org/officeDocument/2006/relationships" xmlns:p="http://schemas.openxmlformats.org/presentationml/2006/main">
   <p:cSld>
     <p:spTree>
@@ -12865,7 +12380,7 @@
             <a:fld id="{D2040F39-7941-49A4-B48D-F201B18B6351}" type="slidenum">
               <a:rPr lang="it-IT" smtClean="0"/>
               <a:pPr/>
-              <a:t>28</a:t>
+              <a:t>26</a:t>
             </a:fld>
             <a:endParaRPr lang="it-IT" dirty="0"/>
           </a:p>
@@ -13950,7 +13465,7 @@
 </p:sld>
 </file>
 
-<file path=ppt/slides/slide29.xml><?xml version="1.0" encoding="utf-8"?>
+<file path=ppt/slides/slide27.xml><?xml version="1.0" encoding="utf-8"?>
 <p:sld xmlns:a="http://schemas.openxmlformats.org/drawingml/2006/main" xmlns:r="http://schemas.openxmlformats.org/officeDocument/2006/relationships" xmlns:p="http://schemas.openxmlformats.org/presentationml/2006/main">
   <p:cSld>
     <p:spTree>
@@ -14132,7 +13647,7 @@
             <a:fld id="{D2040F39-7941-49A4-B48D-F201B18B6351}" type="slidenum">
               <a:rPr lang="it-IT" smtClean="0"/>
               <a:pPr/>
-              <a:t>29</a:t>
+              <a:t>27</a:t>
             </a:fld>
             <a:endParaRPr lang="it-IT" dirty="0"/>
           </a:p>
@@ -14151,771 +13666,7 @@
 </p:sld>
 </file>
 
-<file path=ppt/slides/slide3.xml><?xml version="1.0" encoding="utf-8"?>
-<p:sld xmlns:a="http://schemas.openxmlformats.org/drawingml/2006/main" xmlns:r="http://schemas.openxmlformats.org/officeDocument/2006/relationships" xmlns:p="http://schemas.openxmlformats.org/presentationml/2006/main">
-  <p:cSld>
-    <p:spTree>
-      <p:nvGrpSpPr>
-        <p:cNvPr id="1" name=""/>
-        <p:cNvGrpSpPr/>
-        <p:nvPr/>
-      </p:nvGrpSpPr>
-      <p:grpSpPr>
-        <a:xfrm>
-          <a:off x="0" y="0"/>
-          <a:ext cx="0" cy="0"/>
-          <a:chOff x="0" y="0"/>
-          <a:chExt cx="0" cy="0"/>
-        </a:xfrm>
-      </p:grpSpPr>
-      <p:sp>
-        <p:nvSpPr>
-          <p:cNvPr id="2" name="Titolo 1">
-            <a:extLst>
-              <a:ext uri="{FF2B5EF4-FFF2-40B4-BE49-F238E27FC236}">
-                <a16:creationId xmlns:a16="http://schemas.microsoft.com/office/drawing/2014/main" id="{647AC6B3-E88C-4454-9088-D967C79B07DD}"/>
-              </a:ext>
-            </a:extLst>
-          </p:cNvPr>
-          <p:cNvSpPr>
-            <a:spLocks noGrp="1"/>
-          </p:cNvSpPr>
-          <p:nvPr>
-            <p:ph type="title"/>
-          </p:nvPr>
-        </p:nvSpPr>
-        <p:spPr/>
-        <p:txBody>
-          <a:bodyPr/>
-          <a:lstStyle/>
-          <a:p>
-            <a:r>
-              <a:rPr lang="it-IT" dirty="0"/>
-              <a:t>Application life-</a:t>
-            </a:r>
-            <a:r>
-              <a:rPr lang="it-IT" dirty="0" err="1"/>
-              <a:t>cycle</a:t>
-            </a:r>
-            <a:r>
-              <a:rPr lang="it-IT" dirty="0"/>
-              <a:t> and </a:t>
-            </a:r>
-            <a:r>
-              <a:rPr lang="it-IT" dirty="0" err="1"/>
-              <a:t>priority</a:t>
-            </a:r>
-            <a:endParaRPr lang="it-IT" dirty="0"/>
-          </a:p>
-        </p:txBody>
-      </p:sp>
-      <p:sp>
-        <p:nvSpPr>
-          <p:cNvPr id="3" name="Segnaposto contenuto 2">
-            <a:extLst>
-              <a:ext uri="{FF2B5EF4-FFF2-40B4-BE49-F238E27FC236}">
-                <a16:creationId xmlns:a16="http://schemas.microsoft.com/office/drawing/2014/main" id="{DC419C53-9EEA-43D6-8B56-F6B5C3E402E7}"/>
-              </a:ext>
-            </a:extLst>
-          </p:cNvPr>
-          <p:cNvSpPr>
-            <a:spLocks noGrp="1"/>
-          </p:cNvSpPr>
-          <p:nvPr>
-            <p:ph idx="1"/>
-          </p:nvPr>
-        </p:nvSpPr>
-        <p:spPr/>
-        <p:txBody>
-          <a:bodyPr>
-            <a:normAutofit fontScale="77500" lnSpcReduction="20000"/>
-          </a:bodyPr>
-          <a:lstStyle/>
-          <a:p>
-            <a:pPr marL="0" indent="0">
-              <a:buNone/>
-            </a:pPr>
-            <a:r>
-              <a:rPr lang="it-IT" dirty="0"/>
-              <a:t>Apps </a:t>
-            </a:r>
-            <a:r>
-              <a:rPr lang="en-GB" dirty="0"/>
-              <a:t>have</a:t>
-            </a:r>
-            <a:r>
-              <a:rPr lang="it-IT" dirty="0"/>
-              <a:t> limited control over </a:t>
-            </a:r>
-            <a:r>
-              <a:rPr lang="it-IT" dirty="0" err="1"/>
-              <a:t>their</a:t>
-            </a:r>
-            <a:r>
-              <a:rPr lang="it-IT" dirty="0"/>
-              <a:t> </a:t>
-            </a:r>
-            <a:r>
-              <a:rPr lang="it-IT" dirty="0" err="1"/>
-              <a:t>lyfe-cycle</a:t>
-            </a:r>
-            <a:r>
-              <a:rPr lang="it-IT" dirty="0"/>
-              <a:t>.</a:t>
-            </a:r>
-          </a:p>
-          <a:p>
-            <a:pPr marL="0" indent="0">
-              <a:buNone/>
-            </a:pPr>
-            <a:r>
-              <a:rPr lang="it-IT" dirty="0"/>
-              <a:t>E</a:t>
-            </a:r>
-            <a:r>
-              <a:rPr lang="en-US" dirty="0"/>
-              <a:t>very Android application runs in its own Linux process</a:t>
-            </a:r>
-            <a:r>
-              <a:rPr lang="it-IT" dirty="0"/>
-              <a:t>. </a:t>
-            </a:r>
-          </a:p>
-          <a:p>
-            <a:pPr marL="0" indent="0">
-              <a:buNone/>
-            </a:pPr>
-            <a:r>
-              <a:rPr lang="it-IT" dirty="0"/>
-              <a:t>Memory and </a:t>
-            </a:r>
-            <a:r>
-              <a:rPr lang="en-GB" dirty="0"/>
-              <a:t>process</a:t>
-            </a:r>
-            <a:r>
-              <a:rPr lang="it-IT" dirty="0"/>
-              <a:t> management </a:t>
-            </a:r>
-            <a:r>
-              <a:rPr lang="it-IT" dirty="0" err="1"/>
-              <a:t>is</a:t>
-            </a:r>
-            <a:r>
-              <a:rPr lang="it-IT" dirty="0"/>
-              <a:t> </a:t>
-            </a:r>
-            <a:r>
-              <a:rPr lang="it-IT" dirty="0" err="1"/>
-              <a:t>handled</a:t>
-            </a:r>
-            <a:r>
-              <a:rPr lang="it-IT" dirty="0"/>
-              <a:t> by ART. Android </a:t>
-            </a:r>
-            <a:r>
-              <a:rPr lang="it-IT" dirty="0" err="1"/>
-              <a:t>assigns</a:t>
-            </a:r>
-            <a:r>
-              <a:rPr lang="it-IT" dirty="0"/>
-              <a:t> </a:t>
-            </a:r>
-            <a:r>
-              <a:rPr lang="it-IT" dirty="0" err="1"/>
-              <a:t>resources</a:t>
-            </a:r>
-            <a:r>
-              <a:rPr lang="it-IT" dirty="0"/>
-              <a:t> and </a:t>
-            </a:r>
-            <a:r>
-              <a:rPr lang="it-IT" dirty="0" err="1"/>
-              <a:t>determines</a:t>
-            </a:r>
-            <a:r>
-              <a:rPr lang="it-IT" dirty="0"/>
-              <a:t> </a:t>
-            </a:r>
-            <a:r>
-              <a:rPr lang="it-IT" dirty="0" err="1"/>
-              <a:t>which</a:t>
-            </a:r>
-            <a:r>
-              <a:rPr lang="it-IT" dirty="0"/>
-              <a:t> </a:t>
-            </a:r>
-            <a:r>
-              <a:rPr lang="it-IT" dirty="0" err="1"/>
-              <a:t>processes</a:t>
-            </a:r>
-            <a:r>
-              <a:rPr lang="it-IT" dirty="0"/>
-              <a:t> </a:t>
-            </a:r>
-            <a:r>
-              <a:rPr lang="it-IT" dirty="0" err="1"/>
-              <a:t>should</a:t>
-            </a:r>
-            <a:r>
-              <a:rPr lang="it-IT" dirty="0"/>
-              <a:t> be </a:t>
-            </a:r>
-            <a:r>
-              <a:rPr lang="it-IT" dirty="0" err="1"/>
-              <a:t>killed</a:t>
-            </a:r>
-            <a:r>
-              <a:rPr lang="it-IT" dirty="0"/>
-              <a:t> on the </a:t>
-            </a:r>
-            <a:r>
-              <a:rPr lang="it-IT" dirty="0" err="1"/>
-              <a:t>basis</a:t>
-            </a:r>
-            <a:r>
-              <a:rPr lang="it-IT" dirty="0"/>
-              <a:t> of </a:t>
-            </a:r>
-            <a:r>
-              <a:rPr lang="it-IT" dirty="0" err="1">
-                <a:solidFill>
-                  <a:srgbClr val="FF0000"/>
-                </a:solidFill>
-              </a:rPr>
-              <a:t>process</a:t>
-            </a:r>
-            <a:r>
-              <a:rPr lang="it-IT" dirty="0">
-                <a:solidFill>
-                  <a:srgbClr val="FF0000"/>
-                </a:solidFill>
-              </a:rPr>
-              <a:t> </a:t>
-            </a:r>
-            <a:r>
-              <a:rPr lang="it-IT" dirty="0" err="1">
-                <a:solidFill>
-                  <a:srgbClr val="FF0000"/>
-                </a:solidFill>
-              </a:rPr>
-              <a:t>priority</a:t>
-            </a:r>
-            <a:r>
-              <a:rPr lang="it-IT" dirty="0"/>
-              <a:t>: </a:t>
-            </a:r>
-          </a:p>
-          <a:p>
-            <a:r>
-              <a:rPr lang="it-IT" dirty="0">
-                <a:solidFill>
-                  <a:srgbClr val="FF0000"/>
-                </a:solidFill>
-              </a:rPr>
-              <a:t>Active </a:t>
-            </a:r>
-            <a:r>
-              <a:rPr lang="it-IT" dirty="0" err="1">
-                <a:solidFill>
-                  <a:srgbClr val="FF0000"/>
-                </a:solidFill>
-              </a:rPr>
-              <a:t>process</a:t>
-            </a:r>
-            <a:r>
-              <a:rPr lang="it-IT" dirty="0">
-                <a:solidFill>
-                  <a:srgbClr val="FF0000"/>
-                </a:solidFill>
-              </a:rPr>
-              <a:t> (Top </a:t>
-            </a:r>
-            <a:r>
-              <a:rPr lang="it-IT" dirty="0" err="1">
-                <a:solidFill>
-                  <a:srgbClr val="FF0000"/>
-                </a:solidFill>
-              </a:rPr>
-              <a:t>Priority</a:t>
-            </a:r>
-            <a:r>
-              <a:rPr lang="it-IT" dirty="0">
-                <a:solidFill>
-                  <a:srgbClr val="FF0000"/>
-                </a:solidFill>
-              </a:rPr>
-              <a:t>): </a:t>
-            </a:r>
-            <a:r>
-              <a:rPr lang="it-IT" dirty="0" err="1"/>
-              <a:t>have</a:t>
-            </a:r>
-            <a:r>
-              <a:rPr lang="it-IT" dirty="0"/>
-              <a:t> </a:t>
-            </a:r>
-            <a:r>
-              <a:rPr lang="it-IT" dirty="0" err="1"/>
-              <a:t>active</a:t>
-            </a:r>
-            <a:r>
-              <a:rPr lang="it-IT" dirty="0"/>
-              <a:t> </a:t>
-            </a:r>
-            <a:r>
-              <a:rPr lang="it-IT" dirty="0" err="1"/>
-              <a:t>components</a:t>
-            </a:r>
-            <a:r>
-              <a:rPr lang="it-IT" dirty="0"/>
-              <a:t> </a:t>
-            </a:r>
-            <a:r>
-              <a:rPr lang="it-IT" dirty="0" err="1"/>
-              <a:t>which</a:t>
-            </a:r>
-            <a:r>
-              <a:rPr lang="it-IT" dirty="0"/>
-              <a:t> </a:t>
-            </a:r>
-            <a:r>
-              <a:rPr lang="it-IT" dirty="0" err="1"/>
-              <a:t>is</a:t>
-            </a:r>
-            <a:r>
-              <a:rPr lang="it-IT" dirty="0"/>
-              <a:t> </a:t>
-            </a:r>
-            <a:r>
-              <a:rPr lang="it-IT" dirty="0" err="1"/>
-              <a:t>interacting</a:t>
-            </a:r>
-            <a:r>
-              <a:rPr lang="it-IT" dirty="0"/>
-              <a:t> with user (e.g. user </a:t>
-            </a:r>
-            <a:r>
-              <a:rPr lang="it-IT" dirty="0" err="1"/>
-              <a:t>is</a:t>
-            </a:r>
-            <a:r>
-              <a:rPr lang="it-IT" dirty="0"/>
-              <a:t> </a:t>
-            </a:r>
-            <a:r>
-              <a:rPr lang="it-IT" dirty="0" err="1"/>
-              <a:t>typing</a:t>
-            </a:r>
-            <a:r>
-              <a:rPr lang="it-IT" dirty="0"/>
-              <a:t> in a </a:t>
-            </a:r>
-            <a:r>
-              <a:rPr lang="it-IT" dirty="0" err="1"/>
-              <a:t>search</a:t>
-            </a:r>
-            <a:r>
-              <a:rPr lang="it-IT" dirty="0"/>
-              <a:t> box)</a:t>
-            </a:r>
-          </a:p>
-          <a:p>
-            <a:r>
-              <a:rPr lang="it-IT" dirty="0" err="1">
-                <a:solidFill>
-                  <a:srgbClr val="FF0000"/>
-                </a:solidFill>
-              </a:rPr>
-              <a:t>Visible</a:t>
-            </a:r>
-            <a:r>
-              <a:rPr lang="it-IT" dirty="0">
-                <a:solidFill>
-                  <a:srgbClr val="FF0000"/>
-                </a:solidFill>
-              </a:rPr>
-              <a:t> </a:t>
-            </a:r>
-            <a:r>
-              <a:rPr lang="it-IT" dirty="0" err="1">
-                <a:solidFill>
-                  <a:srgbClr val="FF0000"/>
-                </a:solidFill>
-              </a:rPr>
-              <a:t>process</a:t>
-            </a:r>
-            <a:r>
-              <a:rPr lang="it-IT" dirty="0">
-                <a:solidFill>
-                  <a:srgbClr val="FF0000"/>
-                </a:solidFill>
-              </a:rPr>
-              <a:t> (High </a:t>
-            </a:r>
-            <a:r>
-              <a:rPr lang="it-IT" dirty="0" err="1">
-                <a:solidFill>
-                  <a:srgbClr val="FF0000"/>
-                </a:solidFill>
-              </a:rPr>
-              <a:t>Priority</a:t>
-            </a:r>
-            <a:r>
-              <a:rPr lang="it-IT" dirty="0">
-                <a:solidFill>
-                  <a:srgbClr val="FF0000"/>
-                </a:solidFill>
-              </a:rPr>
-              <a:t>): </a:t>
-            </a:r>
-            <a:r>
-              <a:rPr lang="it-IT" dirty="0" err="1"/>
-              <a:t>visible</a:t>
-            </a:r>
-            <a:r>
-              <a:rPr lang="it-IT" dirty="0"/>
-              <a:t> </a:t>
-            </a:r>
-            <a:r>
-              <a:rPr lang="it-IT" dirty="0" err="1"/>
-              <a:t>but</a:t>
-            </a:r>
-            <a:r>
-              <a:rPr lang="it-IT" dirty="0"/>
-              <a:t> </a:t>
-            </a:r>
-            <a:r>
-              <a:rPr lang="it-IT" dirty="0" err="1"/>
-              <a:t>inactive</a:t>
-            </a:r>
-            <a:r>
-              <a:rPr lang="it-IT" dirty="0"/>
-              <a:t> </a:t>
-            </a:r>
-            <a:r>
-              <a:rPr lang="it-IT" dirty="0" err="1"/>
-              <a:t>components</a:t>
-            </a:r>
-            <a:r>
-              <a:rPr lang="it-IT" dirty="0"/>
-              <a:t> (e.g. an activities </a:t>
-            </a:r>
-            <a:r>
-              <a:rPr lang="it-IT" dirty="0" err="1"/>
-              <a:t>partial</a:t>
-            </a:r>
-            <a:r>
-              <a:rPr lang="it-IT" dirty="0"/>
-              <a:t> </a:t>
-            </a:r>
-            <a:r>
-              <a:rPr lang="it-IT" dirty="0" err="1"/>
-              <a:t>obscured</a:t>
-            </a:r>
-            <a:r>
-              <a:rPr lang="it-IT" dirty="0"/>
-              <a:t> by a pop up </a:t>
-            </a:r>
-            <a:r>
-              <a:rPr lang="it-IT" dirty="0" err="1"/>
-              <a:t>element</a:t>
-            </a:r>
-            <a:r>
-              <a:rPr lang="it-IT" dirty="0"/>
-              <a:t>)</a:t>
-            </a:r>
-          </a:p>
-          <a:p>
-            <a:r>
-              <a:rPr lang="it-IT" dirty="0" err="1">
-                <a:solidFill>
-                  <a:srgbClr val="FF0000"/>
-                </a:solidFill>
-              </a:rPr>
-              <a:t>Started</a:t>
-            </a:r>
-            <a:r>
-              <a:rPr lang="it-IT" dirty="0">
-                <a:solidFill>
-                  <a:srgbClr val="FF0000"/>
-                </a:solidFill>
-              </a:rPr>
-              <a:t> background service </a:t>
-            </a:r>
-            <a:r>
-              <a:rPr lang="it-IT" dirty="0" err="1">
-                <a:solidFill>
-                  <a:srgbClr val="FF0000"/>
-                </a:solidFill>
-              </a:rPr>
-              <a:t>process</a:t>
-            </a:r>
-            <a:r>
-              <a:rPr lang="it-IT" dirty="0">
-                <a:solidFill>
-                  <a:srgbClr val="FF0000"/>
-                </a:solidFill>
-              </a:rPr>
-              <a:t> (Medium </a:t>
-            </a:r>
-            <a:r>
-              <a:rPr lang="it-IT" dirty="0" err="1">
-                <a:solidFill>
-                  <a:srgbClr val="FF0000"/>
-                </a:solidFill>
-              </a:rPr>
-              <a:t>priority</a:t>
-            </a:r>
-            <a:r>
-              <a:rPr lang="it-IT" dirty="0">
-                <a:solidFill>
-                  <a:srgbClr val="FF0000"/>
-                </a:solidFill>
-              </a:rPr>
-              <a:t>): </a:t>
-            </a:r>
-            <a:r>
-              <a:rPr lang="it-IT" dirty="0"/>
-              <a:t>hosting </a:t>
-            </a:r>
-            <a:r>
-              <a:rPr lang="it-IT" dirty="0" err="1"/>
-              <a:t>backgroud</a:t>
-            </a:r>
-            <a:r>
-              <a:rPr lang="it-IT" dirty="0"/>
-              <a:t> services </a:t>
-            </a:r>
-            <a:r>
-              <a:rPr lang="it-IT" dirty="0" err="1"/>
-              <a:t>that</a:t>
-            </a:r>
-            <a:r>
-              <a:rPr lang="it-IT" dirty="0"/>
-              <a:t> </a:t>
-            </a:r>
-            <a:r>
-              <a:rPr lang="it-IT" dirty="0" err="1"/>
-              <a:t>have</a:t>
-            </a:r>
-            <a:r>
-              <a:rPr lang="it-IT" dirty="0"/>
-              <a:t> </a:t>
-            </a:r>
-            <a:r>
-              <a:rPr lang="it-IT" dirty="0" err="1"/>
-              <a:t>been</a:t>
-            </a:r>
-            <a:r>
-              <a:rPr lang="it-IT" dirty="0"/>
-              <a:t> </a:t>
-            </a:r>
-            <a:r>
-              <a:rPr lang="it-IT" dirty="0" err="1"/>
-              <a:t>started</a:t>
-            </a:r>
-            <a:r>
-              <a:rPr lang="it-IT" dirty="0"/>
-              <a:t> </a:t>
-            </a:r>
-          </a:p>
-          <a:p>
-            <a:r>
-              <a:rPr lang="it-IT" dirty="0">
-                <a:solidFill>
-                  <a:srgbClr val="FF0000"/>
-                </a:solidFill>
-              </a:rPr>
-              <a:t>Background </a:t>
-            </a:r>
-            <a:r>
-              <a:rPr lang="it-IT" dirty="0" err="1">
-                <a:solidFill>
-                  <a:srgbClr val="FF0000"/>
-                </a:solidFill>
-              </a:rPr>
-              <a:t>process</a:t>
-            </a:r>
-            <a:r>
-              <a:rPr lang="it-IT" dirty="0">
-                <a:solidFill>
-                  <a:srgbClr val="FF0000"/>
-                </a:solidFill>
-              </a:rPr>
-              <a:t> (Low </a:t>
-            </a:r>
-            <a:r>
-              <a:rPr lang="it-IT" dirty="0" err="1">
-                <a:solidFill>
-                  <a:srgbClr val="FF0000"/>
-                </a:solidFill>
-              </a:rPr>
-              <a:t>Priority</a:t>
-            </a:r>
-            <a:r>
-              <a:rPr lang="it-IT" dirty="0">
-                <a:solidFill>
-                  <a:srgbClr val="FF0000"/>
-                </a:solidFill>
-              </a:rPr>
-              <a:t>): </a:t>
-            </a:r>
-            <a:r>
-              <a:rPr lang="it-IT" dirty="0"/>
-              <a:t>hosting activities </a:t>
-            </a:r>
-            <a:r>
-              <a:rPr lang="it-IT" dirty="0" err="1"/>
-              <a:t>wthat</a:t>
-            </a:r>
-            <a:r>
-              <a:rPr lang="it-IT" dirty="0"/>
-              <a:t> </a:t>
-            </a:r>
-            <a:r>
-              <a:rPr lang="it-IT" dirty="0" err="1"/>
-              <a:t>aren’t</a:t>
-            </a:r>
-            <a:r>
-              <a:rPr lang="it-IT" dirty="0"/>
-              <a:t> </a:t>
-            </a:r>
-            <a:r>
-              <a:rPr lang="it-IT" dirty="0" err="1"/>
-              <a:t>visible</a:t>
-            </a:r>
-            <a:r>
-              <a:rPr lang="it-IT" dirty="0"/>
-              <a:t> and </a:t>
-            </a:r>
-            <a:r>
-              <a:rPr lang="it-IT" dirty="0" err="1"/>
-              <a:t>don’t</a:t>
-            </a:r>
-            <a:r>
-              <a:rPr lang="it-IT" dirty="0"/>
-              <a:t> </a:t>
-            </a:r>
-            <a:r>
-              <a:rPr lang="it-IT" dirty="0" err="1"/>
-              <a:t>have</a:t>
-            </a:r>
-            <a:r>
-              <a:rPr lang="it-IT" dirty="0"/>
-              <a:t> running services (e.g. </a:t>
-            </a:r>
-            <a:r>
-              <a:rPr lang="it-IT" dirty="0" err="1"/>
-              <a:t>when</a:t>
-            </a:r>
-            <a:r>
-              <a:rPr lang="it-IT" dirty="0"/>
-              <a:t> </a:t>
-            </a:r>
-            <a:r>
-              <a:rPr lang="it-IT" dirty="0" err="1"/>
-              <a:t>you</a:t>
-            </a:r>
-            <a:r>
-              <a:rPr lang="it-IT" dirty="0"/>
-              <a:t> </a:t>
-            </a:r>
-            <a:r>
-              <a:rPr lang="it-IT" dirty="0" err="1"/>
-              <a:t>tap</a:t>
-            </a:r>
-            <a:r>
-              <a:rPr lang="it-IT" dirty="0"/>
-              <a:t> home screen or </a:t>
-            </a:r>
-            <a:r>
-              <a:rPr lang="it-IT" dirty="0" err="1"/>
-              <a:t>recent</a:t>
-            </a:r>
-            <a:r>
-              <a:rPr lang="it-IT" dirty="0"/>
-              <a:t> </a:t>
-            </a:r>
-            <a:r>
-              <a:rPr lang="it-IT" dirty="0" err="1"/>
-              <a:t>applications</a:t>
-            </a:r>
-            <a:r>
-              <a:rPr lang="it-IT" dirty="0"/>
-              <a:t> </a:t>
-            </a:r>
-            <a:r>
-              <a:rPr lang="it-IT" dirty="0" err="1"/>
-              <a:t>button</a:t>
-            </a:r>
-            <a:r>
-              <a:rPr lang="it-IT" dirty="0"/>
-              <a:t>, activity </a:t>
-            </a:r>
-            <a:r>
-              <a:rPr lang="it-IT" dirty="0" err="1"/>
-              <a:t>that</a:t>
-            </a:r>
-            <a:r>
-              <a:rPr lang="it-IT" dirty="0"/>
-              <a:t> </a:t>
-            </a:r>
-            <a:r>
-              <a:rPr lang="it-IT" dirty="0" err="1"/>
-              <a:t>was</a:t>
-            </a:r>
-            <a:r>
-              <a:rPr lang="it-IT" dirty="0"/>
-              <a:t> running go in background)</a:t>
-            </a:r>
-          </a:p>
-        </p:txBody>
-      </p:sp>
-      <p:sp>
-        <p:nvSpPr>
-          <p:cNvPr id="4" name="Segnaposto numero diapositiva 3">
-            <a:extLst>
-              <a:ext uri="{FF2B5EF4-FFF2-40B4-BE49-F238E27FC236}">
-                <a16:creationId xmlns:a16="http://schemas.microsoft.com/office/drawing/2014/main" id="{8DA66314-0731-4F76-9A8A-8AAEEA011B4B}"/>
-              </a:ext>
-            </a:extLst>
-          </p:cNvPr>
-          <p:cNvSpPr>
-            <a:spLocks noGrp="1"/>
-          </p:cNvSpPr>
-          <p:nvPr>
-            <p:ph type="sldNum" sz="quarter" idx="12"/>
-          </p:nvPr>
-        </p:nvSpPr>
-        <p:spPr/>
-        <p:txBody>
-          <a:bodyPr/>
-          <a:lstStyle/>
-          <a:p>
-            <a:fld id="{D2040F39-7941-49A4-B48D-F201B18B6351}" type="slidenum">
-              <a:rPr lang="it-IT" smtClean="0"/>
-              <a:pPr/>
-              <a:t>3</a:t>
-            </a:fld>
-            <a:endParaRPr lang="it-IT" dirty="0"/>
-          </a:p>
-        </p:txBody>
-      </p:sp>
-    </p:spTree>
-    <p:extLst>
-      <p:ext uri="{BB962C8B-B14F-4D97-AF65-F5344CB8AC3E}">
-        <p14:creationId xmlns:p14="http://schemas.microsoft.com/office/powerpoint/2010/main" val="272851862"/>
-      </p:ext>
-    </p:extLst>
-  </p:cSld>
-  <p:clrMapOvr>
-    <a:masterClrMapping/>
-  </p:clrMapOvr>
-</p:sld>
-</file>
-
-<file path=ppt/slides/slide30.xml><?xml version="1.0" encoding="utf-8"?>
+<file path=ppt/slides/slide28.xml><?xml version="1.0" encoding="utf-8"?>
 <p:sld xmlns:a="http://schemas.openxmlformats.org/drawingml/2006/main" xmlns:r="http://schemas.openxmlformats.org/officeDocument/2006/relationships" xmlns:p="http://schemas.openxmlformats.org/presentationml/2006/main">
   <p:cSld>
     <p:spTree>
@@ -15110,7 +13861,7 @@
             <a:fld id="{D2040F39-7941-49A4-B48D-F201B18B6351}" type="slidenum">
               <a:rPr lang="it-IT" smtClean="0"/>
               <a:pPr/>
-              <a:t>30</a:t>
+              <a:t>28</a:t>
             </a:fld>
             <a:endParaRPr lang="it-IT" dirty="0"/>
           </a:p>
@@ -15129,7 +13880,7 @@
 </p:sld>
 </file>
 
-<file path=ppt/slides/slide31.xml><?xml version="1.0" encoding="utf-8"?>
+<file path=ppt/slides/slide29.xml><?xml version="1.0" encoding="utf-8"?>
 <p:sld xmlns:a="http://schemas.openxmlformats.org/drawingml/2006/main" xmlns:r="http://schemas.openxmlformats.org/officeDocument/2006/relationships" xmlns:p="http://schemas.openxmlformats.org/presentationml/2006/main">
   <p:cSld>
     <p:spTree>
@@ -15522,7 +14273,7 @@
             <a:fld id="{D2040F39-7941-49A4-B48D-F201B18B6351}" type="slidenum">
               <a:rPr lang="it-IT" smtClean="0"/>
               <a:pPr/>
-              <a:t>31</a:t>
+              <a:t>29</a:t>
             </a:fld>
             <a:endParaRPr lang="it-IT" dirty="0"/>
           </a:p>
@@ -15541,7 +14292,771 @@
 </p:sld>
 </file>
 
-<file path=ppt/slides/slide32.xml><?xml version="1.0" encoding="utf-8"?>
+<file path=ppt/slides/slide3.xml><?xml version="1.0" encoding="utf-8"?>
+<p:sld xmlns:a="http://schemas.openxmlformats.org/drawingml/2006/main" xmlns:r="http://schemas.openxmlformats.org/officeDocument/2006/relationships" xmlns:p="http://schemas.openxmlformats.org/presentationml/2006/main">
+  <p:cSld>
+    <p:spTree>
+      <p:nvGrpSpPr>
+        <p:cNvPr id="1" name=""/>
+        <p:cNvGrpSpPr/>
+        <p:nvPr/>
+      </p:nvGrpSpPr>
+      <p:grpSpPr>
+        <a:xfrm>
+          <a:off x="0" y="0"/>
+          <a:ext cx="0" cy="0"/>
+          <a:chOff x="0" y="0"/>
+          <a:chExt cx="0" cy="0"/>
+        </a:xfrm>
+      </p:grpSpPr>
+      <p:sp>
+        <p:nvSpPr>
+          <p:cNvPr id="2" name="Titolo 1">
+            <a:extLst>
+              <a:ext uri="{FF2B5EF4-FFF2-40B4-BE49-F238E27FC236}">
+                <a16:creationId xmlns:a16="http://schemas.microsoft.com/office/drawing/2014/main" id="{647AC6B3-E88C-4454-9088-D967C79B07DD}"/>
+              </a:ext>
+            </a:extLst>
+          </p:cNvPr>
+          <p:cNvSpPr>
+            <a:spLocks noGrp="1"/>
+          </p:cNvSpPr>
+          <p:nvPr>
+            <p:ph type="title"/>
+          </p:nvPr>
+        </p:nvSpPr>
+        <p:spPr/>
+        <p:txBody>
+          <a:bodyPr/>
+          <a:lstStyle/>
+          <a:p>
+            <a:r>
+              <a:rPr lang="it-IT" dirty="0"/>
+              <a:t>Application life-</a:t>
+            </a:r>
+            <a:r>
+              <a:rPr lang="it-IT" dirty="0" err="1"/>
+              <a:t>cycle</a:t>
+            </a:r>
+            <a:r>
+              <a:rPr lang="it-IT" dirty="0"/>
+              <a:t> and </a:t>
+            </a:r>
+            <a:r>
+              <a:rPr lang="it-IT" dirty="0" err="1"/>
+              <a:t>priority</a:t>
+            </a:r>
+            <a:endParaRPr lang="it-IT" dirty="0"/>
+          </a:p>
+        </p:txBody>
+      </p:sp>
+      <p:sp>
+        <p:nvSpPr>
+          <p:cNvPr id="3" name="Segnaposto contenuto 2">
+            <a:extLst>
+              <a:ext uri="{FF2B5EF4-FFF2-40B4-BE49-F238E27FC236}">
+                <a16:creationId xmlns:a16="http://schemas.microsoft.com/office/drawing/2014/main" id="{DC419C53-9EEA-43D6-8B56-F6B5C3E402E7}"/>
+              </a:ext>
+            </a:extLst>
+          </p:cNvPr>
+          <p:cNvSpPr>
+            <a:spLocks noGrp="1"/>
+          </p:cNvSpPr>
+          <p:nvPr>
+            <p:ph idx="1"/>
+          </p:nvPr>
+        </p:nvSpPr>
+        <p:spPr/>
+        <p:txBody>
+          <a:bodyPr>
+            <a:normAutofit fontScale="77500" lnSpcReduction="20000"/>
+          </a:bodyPr>
+          <a:lstStyle/>
+          <a:p>
+            <a:pPr marL="0" indent="0">
+              <a:buNone/>
+            </a:pPr>
+            <a:r>
+              <a:rPr lang="it-IT" dirty="0"/>
+              <a:t>Apps </a:t>
+            </a:r>
+            <a:r>
+              <a:rPr lang="en-GB" dirty="0"/>
+              <a:t>have</a:t>
+            </a:r>
+            <a:r>
+              <a:rPr lang="it-IT" dirty="0"/>
+              <a:t> limited control over </a:t>
+            </a:r>
+            <a:r>
+              <a:rPr lang="it-IT" dirty="0" err="1"/>
+              <a:t>their</a:t>
+            </a:r>
+            <a:r>
+              <a:rPr lang="it-IT" dirty="0"/>
+              <a:t> </a:t>
+            </a:r>
+            <a:r>
+              <a:rPr lang="it-IT" dirty="0" err="1"/>
+              <a:t>lyfe-cycle</a:t>
+            </a:r>
+            <a:r>
+              <a:rPr lang="it-IT" dirty="0"/>
+              <a:t>.</a:t>
+            </a:r>
+          </a:p>
+          <a:p>
+            <a:pPr marL="0" indent="0">
+              <a:buNone/>
+            </a:pPr>
+            <a:r>
+              <a:rPr lang="it-IT" dirty="0"/>
+              <a:t>E</a:t>
+            </a:r>
+            <a:r>
+              <a:rPr lang="en-US" dirty="0"/>
+              <a:t>very Android application runs in its own Linux process</a:t>
+            </a:r>
+            <a:r>
+              <a:rPr lang="it-IT" dirty="0"/>
+              <a:t>. </a:t>
+            </a:r>
+          </a:p>
+          <a:p>
+            <a:pPr marL="0" indent="0">
+              <a:buNone/>
+            </a:pPr>
+            <a:r>
+              <a:rPr lang="it-IT" dirty="0"/>
+              <a:t>Memory and </a:t>
+            </a:r>
+            <a:r>
+              <a:rPr lang="en-GB" dirty="0"/>
+              <a:t>process</a:t>
+            </a:r>
+            <a:r>
+              <a:rPr lang="it-IT" dirty="0"/>
+              <a:t> management </a:t>
+            </a:r>
+            <a:r>
+              <a:rPr lang="it-IT" dirty="0" err="1"/>
+              <a:t>is</a:t>
+            </a:r>
+            <a:r>
+              <a:rPr lang="it-IT" dirty="0"/>
+              <a:t> </a:t>
+            </a:r>
+            <a:r>
+              <a:rPr lang="it-IT" dirty="0" err="1"/>
+              <a:t>handled</a:t>
+            </a:r>
+            <a:r>
+              <a:rPr lang="it-IT" dirty="0"/>
+              <a:t> by ART. Android </a:t>
+            </a:r>
+            <a:r>
+              <a:rPr lang="it-IT" dirty="0" err="1"/>
+              <a:t>assigns</a:t>
+            </a:r>
+            <a:r>
+              <a:rPr lang="it-IT" dirty="0"/>
+              <a:t> </a:t>
+            </a:r>
+            <a:r>
+              <a:rPr lang="it-IT" dirty="0" err="1"/>
+              <a:t>resources</a:t>
+            </a:r>
+            <a:r>
+              <a:rPr lang="it-IT" dirty="0"/>
+              <a:t> and </a:t>
+            </a:r>
+            <a:r>
+              <a:rPr lang="it-IT" dirty="0" err="1"/>
+              <a:t>determines</a:t>
+            </a:r>
+            <a:r>
+              <a:rPr lang="it-IT" dirty="0"/>
+              <a:t> </a:t>
+            </a:r>
+            <a:r>
+              <a:rPr lang="it-IT" dirty="0" err="1"/>
+              <a:t>which</a:t>
+            </a:r>
+            <a:r>
+              <a:rPr lang="it-IT" dirty="0"/>
+              <a:t> </a:t>
+            </a:r>
+            <a:r>
+              <a:rPr lang="it-IT" dirty="0" err="1"/>
+              <a:t>processes</a:t>
+            </a:r>
+            <a:r>
+              <a:rPr lang="it-IT" dirty="0"/>
+              <a:t> </a:t>
+            </a:r>
+            <a:r>
+              <a:rPr lang="it-IT" dirty="0" err="1"/>
+              <a:t>should</a:t>
+            </a:r>
+            <a:r>
+              <a:rPr lang="it-IT" dirty="0"/>
+              <a:t> be </a:t>
+            </a:r>
+            <a:r>
+              <a:rPr lang="it-IT" dirty="0" err="1"/>
+              <a:t>killed</a:t>
+            </a:r>
+            <a:r>
+              <a:rPr lang="it-IT" dirty="0"/>
+              <a:t> on the </a:t>
+            </a:r>
+            <a:r>
+              <a:rPr lang="it-IT" dirty="0" err="1"/>
+              <a:t>basis</a:t>
+            </a:r>
+            <a:r>
+              <a:rPr lang="it-IT" dirty="0"/>
+              <a:t> of </a:t>
+            </a:r>
+            <a:r>
+              <a:rPr lang="it-IT" dirty="0" err="1">
+                <a:solidFill>
+                  <a:srgbClr val="FF0000"/>
+                </a:solidFill>
+              </a:rPr>
+              <a:t>process</a:t>
+            </a:r>
+            <a:r>
+              <a:rPr lang="it-IT" dirty="0">
+                <a:solidFill>
+                  <a:srgbClr val="FF0000"/>
+                </a:solidFill>
+              </a:rPr>
+              <a:t> </a:t>
+            </a:r>
+            <a:r>
+              <a:rPr lang="it-IT" dirty="0" err="1">
+                <a:solidFill>
+                  <a:srgbClr val="FF0000"/>
+                </a:solidFill>
+              </a:rPr>
+              <a:t>priority</a:t>
+            </a:r>
+            <a:r>
+              <a:rPr lang="it-IT" dirty="0"/>
+              <a:t>: </a:t>
+            </a:r>
+          </a:p>
+          <a:p>
+            <a:r>
+              <a:rPr lang="it-IT" dirty="0">
+                <a:solidFill>
+                  <a:srgbClr val="FF0000"/>
+                </a:solidFill>
+              </a:rPr>
+              <a:t>Active </a:t>
+            </a:r>
+            <a:r>
+              <a:rPr lang="it-IT" dirty="0" err="1">
+                <a:solidFill>
+                  <a:srgbClr val="FF0000"/>
+                </a:solidFill>
+              </a:rPr>
+              <a:t>process</a:t>
+            </a:r>
+            <a:r>
+              <a:rPr lang="it-IT" dirty="0">
+                <a:solidFill>
+                  <a:srgbClr val="FF0000"/>
+                </a:solidFill>
+              </a:rPr>
+              <a:t> (Top </a:t>
+            </a:r>
+            <a:r>
+              <a:rPr lang="it-IT" dirty="0" err="1">
+                <a:solidFill>
+                  <a:srgbClr val="FF0000"/>
+                </a:solidFill>
+              </a:rPr>
+              <a:t>Priority</a:t>
+            </a:r>
+            <a:r>
+              <a:rPr lang="it-IT" dirty="0">
+                <a:solidFill>
+                  <a:srgbClr val="FF0000"/>
+                </a:solidFill>
+              </a:rPr>
+              <a:t>): </a:t>
+            </a:r>
+            <a:r>
+              <a:rPr lang="it-IT" dirty="0" err="1"/>
+              <a:t>have</a:t>
+            </a:r>
+            <a:r>
+              <a:rPr lang="it-IT" dirty="0"/>
+              <a:t> </a:t>
+            </a:r>
+            <a:r>
+              <a:rPr lang="it-IT" dirty="0" err="1"/>
+              <a:t>active</a:t>
+            </a:r>
+            <a:r>
+              <a:rPr lang="it-IT" dirty="0"/>
+              <a:t> </a:t>
+            </a:r>
+            <a:r>
+              <a:rPr lang="it-IT" dirty="0" err="1"/>
+              <a:t>components</a:t>
+            </a:r>
+            <a:r>
+              <a:rPr lang="it-IT" dirty="0"/>
+              <a:t> </a:t>
+            </a:r>
+            <a:r>
+              <a:rPr lang="it-IT" dirty="0" err="1"/>
+              <a:t>which</a:t>
+            </a:r>
+            <a:r>
+              <a:rPr lang="it-IT" dirty="0"/>
+              <a:t> </a:t>
+            </a:r>
+            <a:r>
+              <a:rPr lang="it-IT" dirty="0" err="1"/>
+              <a:t>is</a:t>
+            </a:r>
+            <a:r>
+              <a:rPr lang="it-IT" dirty="0"/>
+              <a:t> </a:t>
+            </a:r>
+            <a:r>
+              <a:rPr lang="it-IT" dirty="0" err="1"/>
+              <a:t>interacting</a:t>
+            </a:r>
+            <a:r>
+              <a:rPr lang="it-IT" dirty="0"/>
+              <a:t> with user (e.g. user </a:t>
+            </a:r>
+            <a:r>
+              <a:rPr lang="it-IT" dirty="0" err="1"/>
+              <a:t>is</a:t>
+            </a:r>
+            <a:r>
+              <a:rPr lang="it-IT" dirty="0"/>
+              <a:t> </a:t>
+            </a:r>
+            <a:r>
+              <a:rPr lang="it-IT" dirty="0" err="1"/>
+              <a:t>typing</a:t>
+            </a:r>
+            <a:r>
+              <a:rPr lang="it-IT" dirty="0"/>
+              <a:t> in a </a:t>
+            </a:r>
+            <a:r>
+              <a:rPr lang="it-IT" dirty="0" err="1"/>
+              <a:t>search</a:t>
+            </a:r>
+            <a:r>
+              <a:rPr lang="it-IT" dirty="0"/>
+              <a:t> box)</a:t>
+            </a:r>
+          </a:p>
+          <a:p>
+            <a:r>
+              <a:rPr lang="it-IT" dirty="0" err="1">
+                <a:solidFill>
+                  <a:srgbClr val="FF0000"/>
+                </a:solidFill>
+              </a:rPr>
+              <a:t>Visible</a:t>
+            </a:r>
+            <a:r>
+              <a:rPr lang="it-IT" dirty="0">
+                <a:solidFill>
+                  <a:srgbClr val="FF0000"/>
+                </a:solidFill>
+              </a:rPr>
+              <a:t> </a:t>
+            </a:r>
+            <a:r>
+              <a:rPr lang="it-IT" dirty="0" err="1">
+                <a:solidFill>
+                  <a:srgbClr val="FF0000"/>
+                </a:solidFill>
+              </a:rPr>
+              <a:t>process</a:t>
+            </a:r>
+            <a:r>
+              <a:rPr lang="it-IT" dirty="0">
+                <a:solidFill>
+                  <a:srgbClr val="FF0000"/>
+                </a:solidFill>
+              </a:rPr>
+              <a:t> (High </a:t>
+            </a:r>
+            <a:r>
+              <a:rPr lang="it-IT" dirty="0" err="1">
+                <a:solidFill>
+                  <a:srgbClr val="FF0000"/>
+                </a:solidFill>
+              </a:rPr>
+              <a:t>Priority</a:t>
+            </a:r>
+            <a:r>
+              <a:rPr lang="it-IT" dirty="0">
+                <a:solidFill>
+                  <a:srgbClr val="FF0000"/>
+                </a:solidFill>
+              </a:rPr>
+              <a:t>): </a:t>
+            </a:r>
+            <a:r>
+              <a:rPr lang="it-IT" dirty="0" err="1"/>
+              <a:t>visible</a:t>
+            </a:r>
+            <a:r>
+              <a:rPr lang="it-IT" dirty="0"/>
+              <a:t> </a:t>
+            </a:r>
+            <a:r>
+              <a:rPr lang="it-IT" dirty="0" err="1"/>
+              <a:t>but</a:t>
+            </a:r>
+            <a:r>
+              <a:rPr lang="it-IT" dirty="0"/>
+              <a:t> </a:t>
+            </a:r>
+            <a:r>
+              <a:rPr lang="it-IT" dirty="0" err="1"/>
+              <a:t>inactive</a:t>
+            </a:r>
+            <a:r>
+              <a:rPr lang="it-IT" dirty="0"/>
+              <a:t> </a:t>
+            </a:r>
+            <a:r>
+              <a:rPr lang="it-IT" dirty="0" err="1"/>
+              <a:t>components</a:t>
+            </a:r>
+            <a:r>
+              <a:rPr lang="it-IT" dirty="0"/>
+              <a:t> (e.g. an activities </a:t>
+            </a:r>
+            <a:r>
+              <a:rPr lang="it-IT" dirty="0" err="1"/>
+              <a:t>partial</a:t>
+            </a:r>
+            <a:r>
+              <a:rPr lang="it-IT" dirty="0"/>
+              <a:t> </a:t>
+            </a:r>
+            <a:r>
+              <a:rPr lang="it-IT" dirty="0" err="1"/>
+              <a:t>obscured</a:t>
+            </a:r>
+            <a:r>
+              <a:rPr lang="it-IT" dirty="0"/>
+              <a:t> by a pop up </a:t>
+            </a:r>
+            <a:r>
+              <a:rPr lang="it-IT" dirty="0" err="1"/>
+              <a:t>element</a:t>
+            </a:r>
+            <a:r>
+              <a:rPr lang="it-IT" dirty="0"/>
+              <a:t>)</a:t>
+            </a:r>
+          </a:p>
+          <a:p>
+            <a:r>
+              <a:rPr lang="it-IT" dirty="0" err="1">
+                <a:solidFill>
+                  <a:srgbClr val="FF0000"/>
+                </a:solidFill>
+              </a:rPr>
+              <a:t>Started</a:t>
+            </a:r>
+            <a:r>
+              <a:rPr lang="it-IT" dirty="0">
+                <a:solidFill>
+                  <a:srgbClr val="FF0000"/>
+                </a:solidFill>
+              </a:rPr>
+              <a:t> background service </a:t>
+            </a:r>
+            <a:r>
+              <a:rPr lang="it-IT" dirty="0" err="1">
+                <a:solidFill>
+                  <a:srgbClr val="FF0000"/>
+                </a:solidFill>
+              </a:rPr>
+              <a:t>process</a:t>
+            </a:r>
+            <a:r>
+              <a:rPr lang="it-IT" dirty="0">
+                <a:solidFill>
+                  <a:srgbClr val="FF0000"/>
+                </a:solidFill>
+              </a:rPr>
+              <a:t> (Medium </a:t>
+            </a:r>
+            <a:r>
+              <a:rPr lang="it-IT" dirty="0" err="1">
+                <a:solidFill>
+                  <a:srgbClr val="FF0000"/>
+                </a:solidFill>
+              </a:rPr>
+              <a:t>priority</a:t>
+            </a:r>
+            <a:r>
+              <a:rPr lang="it-IT" dirty="0">
+                <a:solidFill>
+                  <a:srgbClr val="FF0000"/>
+                </a:solidFill>
+              </a:rPr>
+              <a:t>): </a:t>
+            </a:r>
+            <a:r>
+              <a:rPr lang="it-IT" dirty="0"/>
+              <a:t>hosting </a:t>
+            </a:r>
+            <a:r>
+              <a:rPr lang="it-IT" dirty="0" err="1"/>
+              <a:t>backgroud</a:t>
+            </a:r>
+            <a:r>
+              <a:rPr lang="it-IT" dirty="0"/>
+              <a:t> services </a:t>
+            </a:r>
+            <a:r>
+              <a:rPr lang="it-IT" dirty="0" err="1"/>
+              <a:t>that</a:t>
+            </a:r>
+            <a:r>
+              <a:rPr lang="it-IT" dirty="0"/>
+              <a:t> </a:t>
+            </a:r>
+            <a:r>
+              <a:rPr lang="it-IT" dirty="0" err="1"/>
+              <a:t>have</a:t>
+            </a:r>
+            <a:r>
+              <a:rPr lang="it-IT" dirty="0"/>
+              <a:t> </a:t>
+            </a:r>
+            <a:r>
+              <a:rPr lang="it-IT" dirty="0" err="1"/>
+              <a:t>been</a:t>
+            </a:r>
+            <a:r>
+              <a:rPr lang="it-IT" dirty="0"/>
+              <a:t> </a:t>
+            </a:r>
+            <a:r>
+              <a:rPr lang="it-IT" dirty="0" err="1"/>
+              <a:t>started</a:t>
+            </a:r>
+            <a:r>
+              <a:rPr lang="it-IT" dirty="0"/>
+              <a:t> </a:t>
+            </a:r>
+          </a:p>
+          <a:p>
+            <a:r>
+              <a:rPr lang="it-IT" dirty="0">
+                <a:solidFill>
+                  <a:srgbClr val="FF0000"/>
+                </a:solidFill>
+              </a:rPr>
+              <a:t>Background </a:t>
+            </a:r>
+            <a:r>
+              <a:rPr lang="it-IT" dirty="0" err="1">
+                <a:solidFill>
+                  <a:srgbClr val="FF0000"/>
+                </a:solidFill>
+              </a:rPr>
+              <a:t>process</a:t>
+            </a:r>
+            <a:r>
+              <a:rPr lang="it-IT" dirty="0">
+                <a:solidFill>
+                  <a:srgbClr val="FF0000"/>
+                </a:solidFill>
+              </a:rPr>
+              <a:t> (Low </a:t>
+            </a:r>
+            <a:r>
+              <a:rPr lang="it-IT" dirty="0" err="1">
+                <a:solidFill>
+                  <a:srgbClr val="FF0000"/>
+                </a:solidFill>
+              </a:rPr>
+              <a:t>Priority</a:t>
+            </a:r>
+            <a:r>
+              <a:rPr lang="it-IT" dirty="0">
+                <a:solidFill>
+                  <a:srgbClr val="FF0000"/>
+                </a:solidFill>
+              </a:rPr>
+              <a:t>): </a:t>
+            </a:r>
+            <a:r>
+              <a:rPr lang="it-IT" dirty="0"/>
+              <a:t>hosting activities </a:t>
+            </a:r>
+            <a:r>
+              <a:rPr lang="it-IT" dirty="0" err="1"/>
+              <a:t>wthat</a:t>
+            </a:r>
+            <a:r>
+              <a:rPr lang="it-IT" dirty="0"/>
+              <a:t> </a:t>
+            </a:r>
+            <a:r>
+              <a:rPr lang="it-IT" dirty="0" err="1"/>
+              <a:t>aren’t</a:t>
+            </a:r>
+            <a:r>
+              <a:rPr lang="it-IT" dirty="0"/>
+              <a:t> </a:t>
+            </a:r>
+            <a:r>
+              <a:rPr lang="it-IT" dirty="0" err="1"/>
+              <a:t>visible</a:t>
+            </a:r>
+            <a:r>
+              <a:rPr lang="it-IT" dirty="0"/>
+              <a:t> and </a:t>
+            </a:r>
+            <a:r>
+              <a:rPr lang="it-IT" dirty="0" err="1"/>
+              <a:t>don’t</a:t>
+            </a:r>
+            <a:r>
+              <a:rPr lang="it-IT" dirty="0"/>
+              <a:t> </a:t>
+            </a:r>
+            <a:r>
+              <a:rPr lang="it-IT" dirty="0" err="1"/>
+              <a:t>have</a:t>
+            </a:r>
+            <a:r>
+              <a:rPr lang="it-IT" dirty="0"/>
+              <a:t> running services (e.g. </a:t>
+            </a:r>
+            <a:r>
+              <a:rPr lang="it-IT" dirty="0" err="1"/>
+              <a:t>when</a:t>
+            </a:r>
+            <a:r>
+              <a:rPr lang="it-IT" dirty="0"/>
+              <a:t> </a:t>
+            </a:r>
+            <a:r>
+              <a:rPr lang="it-IT" dirty="0" err="1"/>
+              <a:t>you</a:t>
+            </a:r>
+            <a:r>
+              <a:rPr lang="it-IT" dirty="0"/>
+              <a:t> </a:t>
+            </a:r>
+            <a:r>
+              <a:rPr lang="it-IT" dirty="0" err="1"/>
+              <a:t>tap</a:t>
+            </a:r>
+            <a:r>
+              <a:rPr lang="it-IT" dirty="0"/>
+              <a:t> home screen or </a:t>
+            </a:r>
+            <a:r>
+              <a:rPr lang="it-IT" dirty="0" err="1"/>
+              <a:t>recent</a:t>
+            </a:r>
+            <a:r>
+              <a:rPr lang="it-IT" dirty="0"/>
+              <a:t> </a:t>
+            </a:r>
+            <a:r>
+              <a:rPr lang="it-IT" dirty="0" err="1"/>
+              <a:t>applications</a:t>
+            </a:r>
+            <a:r>
+              <a:rPr lang="it-IT" dirty="0"/>
+              <a:t> </a:t>
+            </a:r>
+            <a:r>
+              <a:rPr lang="it-IT" dirty="0" err="1"/>
+              <a:t>button</a:t>
+            </a:r>
+            <a:r>
+              <a:rPr lang="it-IT" dirty="0"/>
+              <a:t>, activity </a:t>
+            </a:r>
+            <a:r>
+              <a:rPr lang="it-IT" dirty="0" err="1"/>
+              <a:t>that</a:t>
+            </a:r>
+            <a:r>
+              <a:rPr lang="it-IT" dirty="0"/>
+              <a:t> </a:t>
+            </a:r>
+            <a:r>
+              <a:rPr lang="it-IT" dirty="0" err="1"/>
+              <a:t>was</a:t>
+            </a:r>
+            <a:r>
+              <a:rPr lang="it-IT" dirty="0"/>
+              <a:t> running go in background)</a:t>
+            </a:r>
+          </a:p>
+        </p:txBody>
+      </p:sp>
+      <p:sp>
+        <p:nvSpPr>
+          <p:cNvPr id="4" name="Segnaposto numero diapositiva 3">
+            <a:extLst>
+              <a:ext uri="{FF2B5EF4-FFF2-40B4-BE49-F238E27FC236}">
+                <a16:creationId xmlns:a16="http://schemas.microsoft.com/office/drawing/2014/main" id="{8DA66314-0731-4F76-9A8A-8AAEEA011B4B}"/>
+              </a:ext>
+            </a:extLst>
+          </p:cNvPr>
+          <p:cNvSpPr>
+            <a:spLocks noGrp="1"/>
+          </p:cNvSpPr>
+          <p:nvPr>
+            <p:ph type="sldNum" sz="quarter" idx="12"/>
+          </p:nvPr>
+        </p:nvSpPr>
+        <p:spPr/>
+        <p:txBody>
+          <a:bodyPr/>
+          <a:lstStyle/>
+          <a:p>
+            <a:fld id="{D2040F39-7941-49A4-B48D-F201B18B6351}" type="slidenum">
+              <a:rPr lang="it-IT" smtClean="0"/>
+              <a:pPr/>
+              <a:t>3</a:t>
+            </a:fld>
+            <a:endParaRPr lang="it-IT" dirty="0"/>
+          </a:p>
+        </p:txBody>
+      </p:sp>
+    </p:spTree>
+    <p:extLst>
+      <p:ext uri="{BB962C8B-B14F-4D97-AF65-F5344CB8AC3E}">
+        <p14:creationId xmlns:p14="http://schemas.microsoft.com/office/powerpoint/2010/main" val="272851862"/>
+      </p:ext>
+    </p:extLst>
+  </p:cSld>
+  <p:clrMapOvr>
+    <a:masterClrMapping/>
+  </p:clrMapOvr>
+</p:sld>
+</file>
+
+<file path=ppt/slides/slide30.xml><?xml version="1.0" encoding="utf-8"?>
 <p:sld xmlns:a="http://schemas.openxmlformats.org/drawingml/2006/main" xmlns:r="http://schemas.openxmlformats.org/officeDocument/2006/relationships" xmlns:p="http://schemas.openxmlformats.org/presentationml/2006/main">
   <p:cSld>
     <p:spTree>
@@ -15879,7 +15394,7 @@
             <a:fld id="{D2040F39-7941-49A4-B48D-F201B18B6351}" type="slidenum">
               <a:rPr lang="it-IT" smtClean="0"/>
               <a:pPr/>
-              <a:t>32</a:t>
+              <a:t>30</a:t>
             </a:fld>
             <a:endParaRPr lang="it-IT" dirty="0"/>
           </a:p>
@@ -15947,7 +15462,7 @@
 </p:sld>
 </file>
 
-<file path=ppt/slides/slide33.xml><?xml version="1.0" encoding="utf-8"?>
+<file path=ppt/slides/slide31.xml><?xml version="1.0" encoding="utf-8"?>
 <p:sld xmlns:a="http://schemas.openxmlformats.org/drawingml/2006/main" xmlns:r="http://schemas.openxmlformats.org/officeDocument/2006/relationships" xmlns:p="http://schemas.openxmlformats.org/presentationml/2006/main">
   <p:cSld>
     <p:spTree>
@@ -16426,7 +15941,7 @@
             <a:fld id="{D2040F39-7941-49A4-B48D-F201B18B6351}" type="slidenum">
               <a:rPr lang="it-IT" smtClean="0"/>
               <a:pPr/>
-              <a:t>33</a:t>
+              <a:t>31</a:t>
             </a:fld>
             <a:endParaRPr lang="it-IT" dirty="0"/>
           </a:p>
@@ -16445,7 +15960,7 @@
 </p:sld>
 </file>
 
-<file path=ppt/slides/slide34.xml><?xml version="1.0" encoding="utf-8"?>
+<file path=ppt/slides/slide32.xml><?xml version="1.0" encoding="utf-8"?>
 <p:sld xmlns:a="http://schemas.openxmlformats.org/drawingml/2006/main" xmlns:r="http://schemas.openxmlformats.org/officeDocument/2006/relationships" xmlns:p="http://schemas.openxmlformats.org/presentationml/2006/main">
   <p:cSld>
     <p:spTree>
@@ -16841,7 +16356,7 @@
             <a:fld id="{D2040F39-7941-49A4-B48D-F201B18B6351}" type="slidenum">
               <a:rPr lang="it-IT" smtClean="0"/>
               <a:pPr/>
-              <a:t>34</a:t>
+              <a:t>32</a:t>
             </a:fld>
             <a:endParaRPr lang="it-IT" dirty="0"/>
           </a:p>
@@ -16860,7 +16375,7 @@
 </p:sld>
 </file>
 
-<file path=ppt/slides/slide35.xml><?xml version="1.0" encoding="utf-8"?>
+<file path=ppt/slides/slide33.xml><?xml version="1.0" encoding="utf-8"?>
 <p:sld xmlns:a="http://schemas.openxmlformats.org/drawingml/2006/main" xmlns:r="http://schemas.openxmlformats.org/officeDocument/2006/relationships" xmlns:p="http://schemas.openxmlformats.org/presentationml/2006/main">
   <p:cSld>
     <p:spTree>
@@ -17301,7 +16816,7 @@
             <a:fld id="{D2040F39-7941-49A4-B48D-F201B18B6351}" type="slidenum">
               <a:rPr lang="it-IT" smtClean="0"/>
               <a:pPr/>
-              <a:t>35</a:t>
+              <a:t>33</a:t>
             </a:fld>
             <a:endParaRPr lang="it-IT" dirty="0"/>
           </a:p>
@@ -17320,7 +16835,7 @@
 </p:sld>
 </file>
 
-<file path=ppt/slides/slide36.xml><?xml version="1.0" encoding="utf-8"?>
+<file path=ppt/slides/slide34.xml><?xml version="1.0" encoding="utf-8"?>
 <p:sld xmlns:a="http://schemas.openxmlformats.org/drawingml/2006/main" xmlns:r="http://schemas.openxmlformats.org/officeDocument/2006/relationships" xmlns:p="http://schemas.openxmlformats.org/presentationml/2006/main">
   <p:cSld>
     <p:spTree>
@@ -17852,7 +17367,7 @@
             <a:fld id="{D2040F39-7941-49A4-B48D-F201B18B6351}" type="slidenum">
               <a:rPr lang="it-IT" smtClean="0"/>
               <a:pPr/>
-              <a:t>36</a:t>
+              <a:t>34</a:t>
             </a:fld>
             <a:endParaRPr lang="it-IT" dirty="0"/>
           </a:p>
@@ -17871,7 +17386,7 @@
 </p:sld>
 </file>
 
-<file path=ppt/slides/slide37.xml><?xml version="1.0" encoding="utf-8"?>
+<file path=ppt/slides/slide35.xml><?xml version="1.0" encoding="utf-8"?>
 <p:sld xmlns:a="http://schemas.openxmlformats.org/drawingml/2006/main" xmlns:r="http://schemas.openxmlformats.org/officeDocument/2006/relationships" xmlns:p="http://schemas.openxmlformats.org/presentationml/2006/main">
   <p:cSld>
     <p:spTree>
@@ -17948,7 +17463,7 @@
             <a:fld id="{D2040F39-7941-49A4-B48D-F201B18B6351}" type="slidenum">
               <a:rPr lang="it-IT" smtClean="0"/>
               <a:pPr/>
-              <a:t>37</a:t>
+              <a:t>35</a:t>
             </a:fld>
             <a:endParaRPr lang="it-IT" dirty="0"/>
           </a:p>
@@ -17967,7 +17482,7 @@
 </p:sld>
 </file>
 
-<file path=ppt/slides/slide38.xml><?xml version="1.0" encoding="utf-8"?>
+<file path=ppt/slides/slide36.xml><?xml version="1.0" encoding="utf-8"?>
 <p:sld xmlns:a="http://schemas.openxmlformats.org/drawingml/2006/main" xmlns:r="http://schemas.openxmlformats.org/officeDocument/2006/relationships" xmlns:p="http://schemas.openxmlformats.org/presentationml/2006/main">
   <p:cSld>
     <p:spTree>
@@ -18093,7 +17608,7 @@
             <a:fld id="{D2040F39-7941-49A4-B48D-F201B18B6351}" type="slidenum">
               <a:rPr lang="it-IT" smtClean="0"/>
               <a:pPr/>
-              <a:t>38</a:t>
+              <a:t>36</a:t>
             </a:fld>
             <a:endParaRPr lang="it-IT" dirty="0"/>
           </a:p>
@@ -18141,7 +17656,7 @@
 </p:sld>
 </file>
 
-<file path=ppt/slides/slide39.xml><?xml version="1.0" encoding="utf-8"?>
+<file path=ppt/slides/slide37.xml><?xml version="1.0" encoding="utf-8"?>
 <p:sld xmlns:a="http://schemas.openxmlformats.org/drawingml/2006/main" xmlns:r="http://schemas.openxmlformats.org/officeDocument/2006/relationships" xmlns:p="http://schemas.openxmlformats.org/presentationml/2006/main">
   <p:cSld>
     <p:spTree>
@@ -18354,7 +17869,7 @@
                   <a:spcPts val="600"/>
                 </a:spcAft>
               </a:pPr>
-              <a:t>39</a:t>
+              <a:t>37</a:t>
             </a:fld>
             <a:endParaRPr lang="it-IT"/>
           </a:p>
@@ -18364,6 +17879,516 @@
     <p:extLst>
       <p:ext uri="{BB962C8B-B14F-4D97-AF65-F5344CB8AC3E}">
         <p14:creationId xmlns:p14="http://schemas.microsoft.com/office/powerpoint/2010/main" val="3418899427"/>
+      </p:ext>
+    </p:extLst>
+  </p:cSld>
+  <p:clrMapOvr>
+    <a:masterClrMapping/>
+  </p:clrMapOvr>
+</p:sld>
+</file>
+
+<file path=ppt/slides/slide38.xml><?xml version="1.0" encoding="utf-8"?>
+<p:sld xmlns:a="http://schemas.openxmlformats.org/drawingml/2006/main" xmlns:r="http://schemas.openxmlformats.org/officeDocument/2006/relationships" xmlns:p="http://schemas.openxmlformats.org/presentationml/2006/main">
+  <p:cSld>
+    <p:spTree>
+      <p:nvGrpSpPr>
+        <p:cNvPr id="1" name=""/>
+        <p:cNvGrpSpPr/>
+        <p:nvPr/>
+      </p:nvGrpSpPr>
+      <p:grpSpPr>
+        <a:xfrm>
+          <a:off x="0" y="0"/>
+          <a:ext cx="0" cy="0"/>
+          <a:chOff x="0" y="0"/>
+          <a:chExt cx="0" cy="0"/>
+        </a:xfrm>
+      </p:grpSpPr>
+      <p:sp>
+        <p:nvSpPr>
+          <p:cNvPr id="2" name="Titolo 1">
+            <a:extLst>
+              <a:ext uri="{FF2B5EF4-FFF2-40B4-BE49-F238E27FC236}">
+                <a16:creationId xmlns:a16="http://schemas.microsoft.com/office/drawing/2014/main" id="{56EDEBDB-F718-A7F2-CFD7-7EBB1E9D0676}"/>
+              </a:ext>
+            </a:extLst>
+          </p:cNvPr>
+          <p:cNvSpPr>
+            <a:spLocks noGrp="1"/>
+          </p:cNvSpPr>
+          <p:nvPr>
+            <p:ph type="title"/>
+          </p:nvPr>
+        </p:nvSpPr>
+        <p:spPr/>
+        <p:txBody>
+          <a:bodyPr/>
+          <a:lstStyle/>
+          <a:p>
+            <a:r>
+              <a:rPr lang="en-GB" dirty="0"/>
+              <a:t>View hierarchy</a:t>
+            </a:r>
+          </a:p>
+        </p:txBody>
+      </p:sp>
+      <p:sp>
+        <p:nvSpPr>
+          <p:cNvPr id="4" name="Segnaposto numero diapositiva 3">
+            <a:extLst>
+              <a:ext uri="{FF2B5EF4-FFF2-40B4-BE49-F238E27FC236}">
+                <a16:creationId xmlns:a16="http://schemas.microsoft.com/office/drawing/2014/main" id="{F9E520C2-034B-2940-AD40-364F3C24302D}"/>
+              </a:ext>
+            </a:extLst>
+          </p:cNvPr>
+          <p:cNvSpPr>
+            <a:spLocks noGrp="1"/>
+          </p:cNvSpPr>
+          <p:nvPr>
+            <p:ph type="sldNum" sz="quarter" idx="12"/>
+          </p:nvPr>
+        </p:nvSpPr>
+        <p:spPr/>
+        <p:txBody>
+          <a:bodyPr/>
+          <a:lstStyle/>
+          <a:p>
+            <a:fld id="{D2040F39-7941-49A4-B48D-F201B18B6351}" type="slidenum">
+              <a:rPr lang="it-IT" smtClean="0"/>
+              <a:pPr/>
+              <a:t>38</a:t>
+            </a:fld>
+            <a:endParaRPr lang="it-IT" dirty="0"/>
+          </a:p>
+        </p:txBody>
+      </p:sp>
+      <p:pic>
+        <p:nvPicPr>
+          <p:cNvPr id="10242" name="Picture 2">
+            <a:extLst>
+              <a:ext uri="{FF2B5EF4-FFF2-40B4-BE49-F238E27FC236}">
+                <a16:creationId xmlns:a16="http://schemas.microsoft.com/office/drawing/2014/main" id="{FC4180EE-3C26-E27A-CC4F-C017C591795A}"/>
+              </a:ext>
+            </a:extLst>
+          </p:cNvPr>
+          <p:cNvPicPr>
+            <a:picLocks noGrp="1" noChangeAspect="1" noChangeArrowheads="1"/>
+          </p:cNvPicPr>
+          <p:nvPr>
+            <p:ph idx="1"/>
+          </p:nvPr>
+        </p:nvPicPr>
+        <p:blipFill rotWithShape="1">
+          <a:blip r:embed="rId2">
+            <a:extLst>
+              <a:ext uri="{28A0092B-C50C-407E-A947-70E740481C1C}">
+                <a14:useLocalDpi xmlns:a14="http://schemas.microsoft.com/office/drawing/2010/main" val="0"/>
+              </a:ext>
+            </a:extLst>
+          </a:blip>
+          <a:srcRect t="11567"/>
+          <a:stretch/>
+        </p:blipFill>
+        <p:spPr bwMode="auto">
+          <a:xfrm>
+            <a:off x="2722272" y="2123768"/>
+            <a:ext cx="6747456" cy="4002395"/>
+          </a:xfrm>
+          <a:prstGeom prst="rect">
+            <a:avLst/>
+          </a:prstGeom>
+          <a:noFill/>
+          <a:extLst>
+            <a:ext uri="{909E8E84-426E-40DD-AFC4-6F175D3DCCD1}">
+              <a14:hiddenFill xmlns:a14="http://schemas.microsoft.com/office/drawing/2010/main">
+                <a:solidFill>
+                  <a:srgbClr val="FFFFFF"/>
+                </a:solidFill>
+              </a14:hiddenFill>
+            </a:ext>
+          </a:extLst>
+        </p:spPr>
+      </p:pic>
+    </p:spTree>
+    <p:extLst>
+      <p:ext uri="{BB962C8B-B14F-4D97-AF65-F5344CB8AC3E}">
+        <p14:creationId xmlns:p14="http://schemas.microsoft.com/office/powerpoint/2010/main" val="3312885860"/>
+      </p:ext>
+    </p:extLst>
+  </p:cSld>
+  <p:clrMapOvr>
+    <a:masterClrMapping/>
+  </p:clrMapOvr>
+</p:sld>
+</file>
+
+<file path=ppt/slides/slide39.xml><?xml version="1.0" encoding="utf-8"?>
+<p:sld xmlns:a="http://schemas.openxmlformats.org/drawingml/2006/main" xmlns:r="http://schemas.openxmlformats.org/officeDocument/2006/relationships" xmlns:p="http://schemas.openxmlformats.org/presentationml/2006/main">
+  <p:cSld>
+    <p:spTree>
+      <p:nvGrpSpPr>
+        <p:cNvPr id="1" name=""/>
+        <p:cNvGrpSpPr/>
+        <p:nvPr/>
+      </p:nvGrpSpPr>
+      <p:grpSpPr>
+        <a:xfrm>
+          <a:off x="0" y="0"/>
+          <a:ext cx="0" cy="0"/>
+          <a:chOff x="0" y="0"/>
+          <a:chExt cx="0" cy="0"/>
+        </a:xfrm>
+      </p:grpSpPr>
+      <p:sp>
+        <p:nvSpPr>
+          <p:cNvPr id="2" name="Titolo 1">
+            <a:extLst>
+              <a:ext uri="{FF2B5EF4-FFF2-40B4-BE49-F238E27FC236}">
+                <a16:creationId xmlns:a16="http://schemas.microsoft.com/office/drawing/2014/main" id="{4E16DB0E-D6D1-4A7B-A3EB-71A08AA53892}"/>
+              </a:ext>
+            </a:extLst>
+          </p:cNvPr>
+          <p:cNvSpPr>
+            <a:spLocks noGrp="1"/>
+          </p:cNvSpPr>
+          <p:nvPr>
+            <p:ph type="title"/>
+          </p:nvPr>
+        </p:nvSpPr>
+        <p:spPr/>
+        <p:txBody>
+          <a:bodyPr/>
+          <a:lstStyle/>
+          <a:p>
+            <a:r>
+              <a:rPr lang="it-IT" dirty="0" err="1"/>
+              <a:t>View</a:t>
+            </a:r>
+            <a:r>
+              <a:rPr lang="it-IT" dirty="0"/>
+              <a:t> </a:t>
+            </a:r>
+            <a:r>
+              <a:rPr lang="it-IT" dirty="0" err="1"/>
+              <a:t>hierarchy</a:t>
+            </a:r>
+            <a:endParaRPr lang="it-IT" dirty="0"/>
+          </a:p>
+        </p:txBody>
+      </p:sp>
+      <p:sp>
+        <p:nvSpPr>
+          <p:cNvPr id="3" name="Segnaposto contenuto 2">
+            <a:extLst>
+              <a:ext uri="{FF2B5EF4-FFF2-40B4-BE49-F238E27FC236}">
+                <a16:creationId xmlns:a16="http://schemas.microsoft.com/office/drawing/2014/main" id="{47960B88-7ED2-41D7-BCC3-0AC476BB50CF}"/>
+              </a:ext>
+            </a:extLst>
+          </p:cNvPr>
+          <p:cNvSpPr>
+            <a:spLocks noGrp="1"/>
+          </p:cNvSpPr>
+          <p:nvPr>
+            <p:ph sz="half" idx="1"/>
+          </p:nvPr>
+        </p:nvSpPr>
+        <p:spPr/>
+        <p:txBody>
+          <a:bodyPr>
+            <a:normAutofit fontScale="92500" lnSpcReduction="20000"/>
+          </a:bodyPr>
+          <a:lstStyle/>
+          <a:p>
+            <a:r>
+              <a:rPr lang="it-IT" dirty="0" err="1"/>
+              <a:t>All</a:t>
+            </a:r>
+            <a:r>
+              <a:rPr lang="it-IT" dirty="0"/>
+              <a:t> UI are </a:t>
+            </a:r>
+            <a:r>
+              <a:rPr lang="it-IT" dirty="0" err="1"/>
+              <a:t>built</a:t>
+            </a:r>
+            <a:r>
+              <a:rPr lang="it-IT" dirty="0"/>
+              <a:t> </a:t>
+            </a:r>
+            <a:r>
+              <a:rPr lang="it-IT" dirty="0" err="1"/>
+              <a:t>using</a:t>
+            </a:r>
+            <a:r>
+              <a:rPr lang="it-IT" dirty="0"/>
+              <a:t> </a:t>
+            </a:r>
+            <a:r>
+              <a:rPr lang="it-IT" dirty="0" err="1"/>
+              <a:t>View</a:t>
+            </a:r>
+            <a:r>
+              <a:rPr lang="it-IT" dirty="0"/>
+              <a:t> </a:t>
+            </a:r>
+            <a:r>
+              <a:rPr lang="it-IT" dirty="0" err="1"/>
+              <a:t>hierarchy</a:t>
+            </a:r>
+            <a:r>
+              <a:rPr lang="it-IT" dirty="0"/>
+              <a:t>, </a:t>
+            </a:r>
+            <a:r>
+              <a:rPr lang="it-IT" dirty="0" err="1"/>
+              <a:t>which</a:t>
+            </a:r>
+            <a:r>
+              <a:rPr lang="it-IT" dirty="0"/>
+              <a:t> </a:t>
+            </a:r>
+            <a:r>
+              <a:rPr lang="it-IT" dirty="0" err="1"/>
+              <a:t>is</a:t>
+            </a:r>
+            <a:r>
+              <a:rPr lang="it-IT" dirty="0"/>
+              <a:t> </a:t>
+            </a:r>
+            <a:r>
+              <a:rPr lang="it-IT" dirty="0" err="1"/>
+              <a:t>structured</a:t>
+            </a:r>
+            <a:r>
+              <a:rPr lang="it-IT" dirty="0"/>
+              <a:t> </a:t>
+            </a:r>
+            <a:r>
+              <a:rPr lang="it-IT" dirty="0" err="1"/>
+              <a:t>using</a:t>
+            </a:r>
+            <a:r>
+              <a:rPr lang="it-IT" dirty="0"/>
+              <a:t> </a:t>
+            </a:r>
+            <a:r>
+              <a:rPr lang="it-IT" b="1" dirty="0"/>
+              <a:t>composite pattern</a:t>
+            </a:r>
+          </a:p>
+          <a:p>
+            <a:r>
+              <a:rPr lang="en-US" dirty="0" err="1">
+                <a:solidFill>
+                  <a:srgbClr val="FF0000"/>
+                </a:solidFill>
+              </a:rPr>
+              <a:t>ViewGroup</a:t>
+            </a:r>
+            <a:r>
+              <a:rPr lang="en-US" dirty="0">
+                <a:solidFill>
+                  <a:srgbClr val="FF0000"/>
+                </a:solidFill>
+              </a:rPr>
+              <a:t>:</a:t>
+            </a:r>
+            <a:r>
+              <a:rPr lang="en-US" dirty="0"/>
+              <a:t> is an invisible container that defines the layout structure for View and other </a:t>
+            </a:r>
+            <a:r>
+              <a:rPr lang="en-US" dirty="0" err="1"/>
+              <a:t>ViewGroup</a:t>
+            </a:r>
+            <a:r>
+              <a:rPr lang="en-US" dirty="0"/>
+              <a:t> objects; are usually called </a:t>
+            </a:r>
+            <a:r>
+              <a:rPr lang="en-US" dirty="0">
+                <a:solidFill>
+                  <a:srgbClr val="FF0000"/>
+                </a:solidFill>
+              </a:rPr>
+              <a:t>"layouts" </a:t>
+            </a:r>
+          </a:p>
+          <a:p>
+            <a:r>
+              <a:rPr lang="it-IT" dirty="0" err="1">
+                <a:solidFill>
+                  <a:srgbClr val="FF0000"/>
+                </a:solidFill>
+              </a:rPr>
+              <a:t>View</a:t>
+            </a:r>
+            <a:r>
+              <a:rPr lang="it-IT" dirty="0">
+                <a:solidFill>
+                  <a:srgbClr val="FF0000"/>
+                </a:solidFill>
+              </a:rPr>
+              <a:t>:</a:t>
+            </a:r>
+            <a:r>
+              <a:rPr lang="it-IT" dirty="0"/>
+              <a:t> </a:t>
+            </a:r>
+            <a:r>
+              <a:rPr lang="it-IT" dirty="0" err="1"/>
+              <a:t>represent</a:t>
+            </a:r>
+            <a:r>
+              <a:rPr lang="it-IT" dirty="0"/>
+              <a:t> </a:t>
+            </a:r>
+            <a:r>
+              <a:rPr lang="it-IT" dirty="0" err="1"/>
+              <a:t>individual</a:t>
+            </a:r>
+            <a:r>
+              <a:rPr lang="it-IT" dirty="0"/>
+              <a:t> UI </a:t>
+            </a:r>
+            <a:r>
+              <a:rPr lang="it-IT" dirty="0" err="1"/>
+              <a:t>elements</a:t>
+            </a:r>
+            <a:r>
+              <a:rPr lang="it-IT" dirty="0"/>
+              <a:t> (e.g. Button, </a:t>
+            </a:r>
+            <a:r>
+              <a:rPr lang="it-IT" dirty="0" err="1"/>
+              <a:t>TextView</a:t>
+            </a:r>
+            <a:r>
+              <a:rPr lang="it-IT" dirty="0"/>
+              <a:t>); are </a:t>
+            </a:r>
+            <a:r>
+              <a:rPr lang="it-IT" dirty="0" err="1"/>
+              <a:t>usually</a:t>
+            </a:r>
+            <a:r>
+              <a:rPr lang="it-IT" dirty="0"/>
+              <a:t> </a:t>
+            </a:r>
+            <a:r>
+              <a:rPr lang="it-IT" dirty="0" err="1"/>
+              <a:t>called</a:t>
+            </a:r>
+            <a:r>
+              <a:rPr lang="it-IT" dirty="0"/>
+              <a:t> </a:t>
+            </a:r>
+            <a:r>
+              <a:rPr lang="it-IT" dirty="0">
+                <a:solidFill>
+                  <a:srgbClr val="FF0000"/>
+                </a:solidFill>
+              </a:rPr>
+              <a:t>"widgets" </a:t>
+            </a:r>
+            <a:r>
+              <a:rPr lang="it-IT" dirty="0"/>
+              <a:t>or</a:t>
+            </a:r>
+            <a:r>
+              <a:rPr lang="it-IT" dirty="0">
+                <a:solidFill>
+                  <a:srgbClr val="FF0000"/>
+                </a:solidFill>
+              </a:rPr>
+              <a:t> "</a:t>
+            </a:r>
+            <a:r>
+              <a:rPr lang="it-IT" dirty="0" err="1">
+                <a:solidFill>
+                  <a:srgbClr val="FF0000"/>
+                </a:solidFill>
+              </a:rPr>
+              <a:t>views</a:t>
+            </a:r>
+            <a:r>
+              <a:rPr lang="it-IT" dirty="0">
+                <a:solidFill>
+                  <a:srgbClr val="FF0000"/>
+                </a:solidFill>
+              </a:rPr>
+              <a:t>"</a:t>
+            </a:r>
+          </a:p>
+          <a:p>
+            <a:endParaRPr lang="it-IT" dirty="0"/>
+          </a:p>
+        </p:txBody>
+      </p:sp>
+      <p:sp>
+        <p:nvSpPr>
+          <p:cNvPr id="4" name="Segnaposto numero diapositiva 3">
+            <a:extLst>
+              <a:ext uri="{FF2B5EF4-FFF2-40B4-BE49-F238E27FC236}">
+                <a16:creationId xmlns:a16="http://schemas.microsoft.com/office/drawing/2014/main" id="{72ED2310-FE41-4C25-B3E2-CAFA8E0B0A25}"/>
+              </a:ext>
+            </a:extLst>
+          </p:cNvPr>
+          <p:cNvSpPr>
+            <a:spLocks noGrp="1"/>
+          </p:cNvSpPr>
+          <p:nvPr>
+            <p:ph type="sldNum" sz="quarter" idx="12"/>
+          </p:nvPr>
+        </p:nvSpPr>
+        <p:spPr/>
+        <p:txBody>
+          <a:bodyPr/>
+          <a:lstStyle/>
+          <a:p>
+            <a:fld id="{D2040F39-7941-49A4-B48D-F201B18B6351}" type="slidenum">
+              <a:rPr lang="it-IT" smtClean="0"/>
+              <a:pPr/>
+              <a:t>39</a:t>
+            </a:fld>
+            <a:endParaRPr lang="it-IT" dirty="0"/>
+          </a:p>
+        </p:txBody>
+      </p:sp>
+      <p:pic>
+        <p:nvPicPr>
+          <p:cNvPr id="8" name="Content Placeholder 7">
+            <a:extLst>
+              <a:ext uri="{FF2B5EF4-FFF2-40B4-BE49-F238E27FC236}">
+                <a16:creationId xmlns:a16="http://schemas.microsoft.com/office/drawing/2014/main" id="{A11F8DBE-8CB3-4352-B59C-A63EEAEC60A2}"/>
+              </a:ext>
+            </a:extLst>
+          </p:cNvPr>
+          <p:cNvPicPr>
+            <a:picLocks noGrp="1" noChangeAspect="1"/>
+          </p:cNvPicPr>
+          <p:nvPr>
+            <p:ph sz="half" idx="2"/>
+          </p:nvPr>
+        </p:nvPicPr>
+        <p:blipFill>
+          <a:blip r:embed="rId2"/>
+          <a:stretch>
+            <a:fillRect/>
+          </a:stretch>
+        </p:blipFill>
+        <p:spPr>
+          <a:xfrm>
+            <a:off x="6746875" y="2829719"/>
+            <a:ext cx="4286250" cy="2066925"/>
+          </a:xfrm>
+        </p:spPr>
+      </p:pic>
+    </p:spTree>
+    <p:extLst>
+      <p:ext uri="{BB962C8B-B14F-4D97-AF65-F5344CB8AC3E}">
+        <p14:creationId xmlns:p14="http://schemas.microsoft.com/office/powerpoint/2010/main" val="966102344"/>
       </p:ext>
     </p:extLst>
   </p:cSld>
@@ -18547,516 +18572,6 @@
       </p:grpSpPr>
       <p:sp>
         <p:nvSpPr>
-          <p:cNvPr id="2" name="Titolo 1">
-            <a:extLst>
-              <a:ext uri="{FF2B5EF4-FFF2-40B4-BE49-F238E27FC236}">
-                <a16:creationId xmlns:a16="http://schemas.microsoft.com/office/drawing/2014/main" id="{56EDEBDB-F718-A7F2-CFD7-7EBB1E9D0676}"/>
-              </a:ext>
-            </a:extLst>
-          </p:cNvPr>
-          <p:cNvSpPr>
-            <a:spLocks noGrp="1"/>
-          </p:cNvSpPr>
-          <p:nvPr>
-            <p:ph type="title"/>
-          </p:nvPr>
-        </p:nvSpPr>
-        <p:spPr/>
-        <p:txBody>
-          <a:bodyPr/>
-          <a:lstStyle/>
-          <a:p>
-            <a:r>
-              <a:rPr lang="en-GB" dirty="0"/>
-              <a:t>View hierarchy</a:t>
-            </a:r>
-          </a:p>
-        </p:txBody>
-      </p:sp>
-      <p:sp>
-        <p:nvSpPr>
-          <p:cNvPr id="4" name="Segnaposto numero diapositiva 3">
-            <a:extLst>
-              <a:ext uri="{FF2B5EF4-FFF2-40B4-BE49-F238E27FC236}">
-                <a16:creationId xmlns:a16="http://schemas.microsoft.com/office/drawing/2014/main" id="{F9E520C2-034B-2940-AD40-364F3C24302D}"/>
-              </a:ext>
-            </a:extLst>
-          </p:cNvPr>
-          <p:cNvSpPr>
-            <a:spLocks noGrp="1"/>
-          </p:cNvSpPr>
-          <p:nvPr>
-            <p:ph type="sldNum" sz="quarter" idx="12"/>
-          </p:nvPr>
-        </p:nvSpPr>
-        <p:spPr/>
-        <p:txBody>
-          <a:bodyPr/>
-          <a:lstStyle/>
-          <a:p>
-            <a:fld id="{D2040F39-7941-49A4-B48D-F201B18B6351}" type="slidenum">
-              <a:rPr lang="it-IT" smtClean="0"/>
-              <a:pPr/>
-              <a:t>40</a:t>
-            </a:fld>
-            <a:endParaRPr lang="it-IT" dirty="0"/>
-          </a:p>
-        </p:txBody>
-      </p:sp>
-      <p:pic>
-        <p:nvPicPr>
-          <p:cNvPr id="10242" name="Picture 2">
-            <a:extLst>
-              <a:ext uri="{FF2B5EF4-FFF2-40B4-BE49-F238E27FC236}">
-                <a16:creationId xmlns:a16="http://schemas.microsoft.com/office/drawing/2014/main" id="{FC4180EE-3C26-E27A-CC4F-C017C591795A}"/>
-              </a:ext>
-            </a:extLst>
-          </p:cNvPr>
-          <p:cNvPicPr>
-            <a:picLocks noGrp="1" noChangeAspect="1" noChangeArrowheads="1"/>
-          </p:cNvPicPr>
-          <p:nvPr>
-            <p:ph idx="1"/>
-          </p:nvPr>
-        </p:nvPicPr>
-        <p:blipFill rotWithShape="1">
-          <a:blip r:embed="rId2">
-            <a:extLst>
-              <a:ext uri="{28A0092B-C50C-407E-A947-70E740481C1C}">
-                <a14:useLocalDpi xmlns:a14="http://schemas.microsoft.com/office/drawing/2010/main" val="0"/>
-              </a:ext>
-            </a:extLst>
-          </a:blip>
-          <a:srcRect t="11567"/>
-          <a:stretch/>
-        </p:blipFill>
-        <p:spPr bwMode="auto">
-          <a:xfrm>
-            <a:off x="2722272" y="2123768"/>
-            <a:ext cx="6747456" cy="4002395"/>
-          </a:xfrm>
-          <a:prstGeom prst="rect">
-            <a:avLst/>
-          </a:prstGeom>
-          <a:noFill/>
-          <a:extLst>
-            <a:ext uri="{909E8E84-426E-40DD-AFC4-6F175D3DCCD1}">
-              <a14:hiddenFill xmlns:a14="http://schemas.microsoft.com/office/drawing/2010/main">
-                <a:solidFill>
-                  <a:srgbClr val="FFFFFF"/>
-                </a:solidFill>
-              </a14:hiddenFill>
-            </a:ext>
-          </a:extLst>
-        </p:spPr>
-      </p:pic>
-    </p:spTree>
-    <p:extLst>
-      <p:ext uri="{BB962C8B-B14F-4D97-AF65-F5344CB8AC3E}">
-        <p14:creationId xmlns:p14="http://schemas.microsoft.com/office/powerpoint/2010/main" val="3312885860"/>
-      </p:ext>
-    </p:extLst>
-  </p:cSld>
-  <p:clrMapOvr>
-    <a:masterClrMapping/>
-  </p:clrMapOvr>
-</p:sld>
-</file>
-
-<file path=ppt/slides/slide41.xml><?xml version="1.0" encoding="utf-8"?>
-<p:sld xmlns:a="http://schemas.openxmlformats.org/drawingml/2006/main" xmlns:r="http://schemas.openxmlformats.org/officeDocument/2006/relationships" xmlns:p="http://schemas.openxmlformats.org/presentationml/2006/main">
-  <p:cSld>
-    <p:spTree>
-      <p:nvGrpSpPr>
-        <p:cNvPr id="1" name=""/>
-        <p:cNvGrpSpPr/>
-        <p:nvPr/>
-      </p:nvGrpSpPr>
-      <p:grpSpPr>
-        <a:xfrm>
-          <a:off x="0" y="0"/>
-          <a:ext cx="0" cy="0"/>
-          <a:chOff x="0" y="0"/>
-          <a:chExt cx="0" cy="0"/>
-        </a:xfrm>
-      </p:grpSpPr>
-      <p:sp>
-        <p:nvSpPr>
-          <p:cNvPr id="2" name="Titolo 1">
-            <a:extLst>
-              <a:ext uri="{FF2B5EF4-FFF2-40B4-BE49-F238E27FC236}">
-                <a16:creationId xmlns:a16="http://schemas.microsoft.com/office/drawing/2014/main" id="{4E16DB0E-D6D1-4A7B-A3EB-71A08AA53892}"/>
-              </a:ext>
-            </a:extLst>
-          </p:cNvPr>
-          <p:cNvSpPr>
-            <a:spLocks noGrp="1"/>
-          </p:cNvSpPr>
-          <p:nvPr>
-            <p:ph type="title"/>
-          </p:nvPr>
-        </p:nvSpPr>
-        <p:spPr/>
-        <p:txBody>
-          <a:bodyPr/>
-          <a:lstStyle/>
-          <a:p>
-            <a:r>
-              <a:rPr lang="it-IT" dirty="0" err="1"/>
-              <a:t>View</a:t>
-            </a:r>
-            <a:r>
-              <a:rPr lang="it-IT" dirty="0"/>
-              <a:t> </a:t>
-            </a:r>
-            <a:r>
-              <a:rPr lang="it-IT" dirty="0" err="1"/>
-              <a:t>hierarchy</a:t>
-            </a:r>
-            <a:endParaRPr lang="it-IT" dirty="0"/>
-          </a:p>
-        </p:txBody>
-      </p:sp>
-      <p:sp>
-        <p:nvSpPr>
-          <p:cNvPr id="3" name="Segnaposto contenuto 2">
-            <a:extLst>
-              <a:ext uri="{FF2B5EF4-FFF2-40B4-BE49-F238E27FC236}">
-                <a16:creationId xmlns:a16="http://schemas.microsoft.com/office/drawing/2014/main" id="{47960B88-7ED2-41D7-BCC3-0AC476BB50CF}"/>
-              </a:ext>
-            </a:extLst>
-          </p:cNvPr>
-          <p:cNvSpPr>
-            <a:spLocks noGrp="1"/>
-          </p:cNvSpPr>
-          <p:nvPr>
-            <p:ph sz="half" idx="1"/>
-          </p:nvPr>
-        </p:nvSpPr>
-        <p:spPr/>
-        <p:txBody>
-          <a:bodyPr>
-            <a:normAutofit fontScale="92500" lnSpcReduction="20000"/>
-          </a:bodyPr>
-          <a:lstStyle/>
-          <a:p>
-            <a:r>
-              <a:rPr lang="it-IT" dirty="0" err="1"/>
-              <a:t>All</a:t>
-            </a:r>
-            <a:r>
-              <a:rPr lang="it-IT" dirty="0"/>
-              <a:t> UI are </a:t>
-            </a:r>
-            <a:r>
-              <a:rPr lang="it-IT" dirty="0" err="1"/>
-              <a:t>built</a:t>
-            </a:r>
-            <a:r>
-              <a:rPr lang="it-IT" dirty="0"/>
-              <a:t> </a:t>
-            </a:r>
-            <a:r>
-              <a:rPr lang="it-IT" dirty="0" err="1"/>
-              <a:t>using</a:t>
-            </a:r>
-            <a:r>
-              <a:rPr lang="it-IT" dirty="0"/>
-              <a:t> </a:t>
-            </a:r>
-            <a:r>
-              <a:rPr lang="it-IT" dirty="0" err="1"/>
-              <a:t>View</a:t>
-            </a:r>
-            <a:r>
-              <a:rPr lang="it-IT" dirty="0"/>
-              <a:t> </a:t>
-            </a:r>
-            <a:r>
-              <a:rPr lang="it-IT" dirty="0" err="1"/>
-              <a:t>hierarchy</a:t>
-            </a:r>
-            <a:r>
-              <a:rPr lang="it-IT" dirty="0"/>
-              <a:t>, </a:t>
-            </a:r>
-            <a:r>
-              <a:rPr lang="it-IT" dirty="0" err="1"/>
-              <a:t>which</a:t>
-            </a:r>
-            <a:r>
-              <a:rPr lang="it-IT" dirty="0"/>
-              <a:t> </a:t>
-            </a:r>
-            <a:r>
-              <a:rPr lang="it-IT" dirty="0" err="1"/>
-              <a:t>is</a:t>
-            </a:r>
-            <a:r>
-              <a:rPr lang="it-IT" dirty="0"/>
-              <a:t> </a:t>
-            </a:r>
-            <a:r>
-              <a:rPr lang="it-IT" dirty="0" err="1"/>
-              <a:t>structured</a:t>
-            </a:r>
-            <a:r>
-              <a:rPr lang="it-IT" dirty="0"/>
-              <a:t> </a:t>
-            </a:r>
-            <a:r>
-              <a:rPr lang="it-IT" dirty="0" err="1"/>
-              <a:t>using</a:t>
-            </a:r>
-            <a:r>
-              <a:rPr lang="it-IT" dirty="0"/>
-              <a:t> </a:t>
-            </a:r>
-            <a:r>
-              <a:rPr lang="it-IT" b="1" dirty="0"/>
-              <a:t>composite pattern</a:t>
-            </a:r>
-          </a:p>
-          <a:p>
-            <a:r>
-              <a:rPr lang="en-US" dirty="0" err="1">
-                <a:solidFill>
-                  <a:srgbClr val="FF0000"/>
-                </a:solidFill>
-              </a:rPr>
-              <a:t>ViewGroup</a:t>
-            </a:r>
-            <a:r>
-              <a:rPr lang="en-US" dirty="0">
-                <a:solidFill>
-                  <a:srgbClr val="FF0000"/>
-                </a:solidFill>
-              </a:rPr>
-              <a:t>:</a:t>
-            </a:r>
-            <a:r>
-              <a:rPr lang="en-US" dirty="0"/>
-              <a:t> is an invisible container that defines the layout structure for View and other </a:t>
-            </a:r>
-            <a:r>
-              <a:rPr lang="en-US" dirty="0" err="1"/>
-              <a:t>ViewGroup</a:t>
-            </a:r>
-            <a:r>
-              <a:rPr lang="en-US" dirty="0"/>
-              <a:t> objects; are usually called </a:t>
-            </a:r>
-            <a:r>
-              <a:rPr lang="en-US" dirty="0">
-                <a:solidFill>
-                  <a:srgbClr val="FF0000"/>
-                </a:solidFill>
-              </a:rPr>
-              <a:t>"layouts" </a:t>
-            </a:r>
-          </a:p>
-          <a:p>
-            <a:r>
-              <a:rPr lang="it-IT" dirty="0" err="1">
-                <a:solidFill>
-                  <a:srgbClr val="FF0000"/>
-                </a:solidFill>
-              </a:rPr>
-              <a:t>View</a:t>
-            </a:r>
-            <a:r>
-              <a:rPr lang="it-IT" dirty="0">
-                <a:solidFill>
-                  <a:srgbClr val="FF0000"/>
-                </a:solidFill>
-              </a:rPr>
-              <a:t>:</a:t>
-            </a:r>
-            <a:r>
-              <a:rPr lang="it-IT" dirty="0"/>
-              <a:t> </a:t>
-            </a:r>
-            <a:r>
-              <a:rPr lang="it-IT" dirty="0" err="1"/>
-              <a:t>represent</a:t>
-            </a:r>
-            <a:r>
-              <a:rPr lang="it-IT" dirty="0"/>
-              <a:t> </a:t>
-            </a:r>
-            <a:r>
-              <a:rPr lang="it-IT" dirty="0" err="1"/>
-              <a:t>individual</a:t>
-            </a:r>
-            <a:r>
-              <a:rPr lang="it-IT" dirty="0"/>
-              <a:t> UI </a:t>
-            </a:r>
-            <a:r>
-              <a:rPr lang="it-IT" dirty="0" err="1"/>
-              <a:t>elements</a:t>
-            </a:r>
-            <a:r>
-              <a:rPr lang="it-IT" dirty="0"/>
-              <a:t> (e.g. Button, </a:t>
-            </a:r>
-            <a:r>
-              <a:rPr lang="it-IT" dirty="0" err="1"/>
-              <a:t>TextView</a:t>
-            </a:r>
-            <a:r>
-              <a:rPr lang="it-IT" dirty="0"/>
-              <a:t>); are </a:t>
-            </a:r>
-            <a:r>
-              <a:rPr lang="it-IT" dirty="0" err="1"/>
-              <a:t>usually</a:t>
-            </a:r>
-            <a:r>
-              <a:rPr lang="it-IT" dirty="0"/>
-              <a:t> </a:t>
-            </a:r>
-            <a:r>
-              <a:rPr lang="it-IT" dirty="0" err="1"/>
-              <a:t>called</a:t>
-            </a:r>
-            <a:r>
-              <a:rPr lang="it-IT" dirty="0"/>
-              <a:t> </a:t>
-            </a:r>
-            <a:r>
-              <a:rPr lang="it-IT" dirty="0">
-                <a:solidFill>
-                  <a:srgbClr val="FF0000"/>
-                </a:solidFill>
-              </a:rPr>
-              <a:t>"widgets" </a:t>
-            </a:r>
-            <a:r>
-              <a:rPr lang="it-IT" dirty="0"/>
-              <a:t>or</a:t>
-            </a:r>
-            <a:r>
-              <a:rPr lang="it-IT" dirty="0">
-                <a:solidFill>
-                  <a:srgbClr val="FF0000"/>
-                </a:solidFill>
-              </a:rPr>
-              <a:t> "</a:t>
-            </a:r>
-            <a:r>
-              <a:rPr lang="it-IT" dirty="0" err="1">
-                <a:solidFill>
-                  <a:srgbClr val="FF0000"/>
-                </a:solidFill>
-              </a:rPr>
-              <a:t>views</a:t>
-            </a:r>
-            <a:r>
-              <a:rPr lang="it-IT" dirty="0">
-                <a:solidFill>
-                  <a:srgbClr val="FF0000"/>
-                </a:solidFill>
-              </a:rPr>
-              <a:t>"</a:t>
-            </a:r>
-          </a:p>
-          <a:p>
-            <a:endParaRPr lang="it-IT" dirty="0"/>
-          </a:p>
-        </p:txBody>
-      </p:sp>
-      <p:sp>
-        <p:nvSpPr>
-          <p:cNvPr id="4" name="Segnaposto numero diapositiva 3">
-            <a:extLst>
-              <a:ext uri="{FF2B5EF4-FFF2-40B4-BE49-F238E27FC236}">
-                <a16:creationId xmlns:a16="http://schemas.microsoft.com/office/drawing/2014/main" id="{72ED2310-FE41-4C25-B3E2-CAFA8E0B0A25}"/>
-              </a:ext>
-            </a:extLst>
-          </p:cNvPr>
-          <p:cNvSpPr>
-            <a:spLocks noGrp="1"/>
-          </p:cNvSpPr>
-          <p:nvPr>
-            <p:ph type="sldNum" sz="quarter" idx="12"/>
-          </p:nvPr>
-        </p:nvSpPr>
-        <p:spPr/>
-        <p:txBody>
-          <a:bodyPr/>
-          <a:lstStyle/>
-          <a:p>
-            <a:fld id="{D2040F39-7941-49A4-B48D-F201B18B6351}" type="slidenum">
-              <a:rPr lang="it-IT" smtClean="0"/>
-              <a:pPr/>
-              <a:t>41</a:t>
-            </a:fld>
-            <a:endParaRPr lang="it-IT" dirty="0"/>
-          </a:p>
-        </p:txBody>
-      </p:sp>
-      <p:pic>
-        <p:nvPicPr>
-          <p:cNvPr id="8" name="Content Placeholder 7">
-            <a:extLst>
-              <a:ext uri="{FF2B5EF4-FFF2-40B4-BE49-F238E27FC236}">
-                <a16:creationId xmlns:a16="http://schemas.microsoft.com/office/drawing/2014/main" id="{A11F8DBE-8CB3-4352-B59C-A63EEAEC60A2}"/>
-              </a:ext>
-            </a:extLst>
-          </p:cNvPr>
-          <p:cNvPicPr>
-            <a:picLocks noGrp="1" noChangeAspect="1"/>
-          </p:cNvPicPr>
-          <p:nvPr>
-            <p:ph sz="half" idx="2"/>
-          </p:nvPr>
-        </p:nvPicPr>
-        <p:blipFill>
-          <a:blip r:embed="rId2"/>
-          <a:stretch>
-            <a:fillRect/>
-          </a:stretch>
-        </p:blipFill>
-        <p:spPr>
-          <a:xfrm>
-            <a:off x="6746875" y="2829719"/>
-            <a:ext cx="4286250" cy="2066925"/>
-          </a:xfrm>
-        </p:spPr>
-      </p:pic>
-    </p:spTree>
-    <p:extLst>
-      <p:ext uri="{BB962C8B-B14F-4D97-AF65-F5344CB8AC3E}">
-        <p14:creationId xmlns:p14="http://schemas.microsoft.com/office/powerpoint/2010/main" val="966102344"/>
-      </p:ext>
-    </p:extLst>
-  </p:cSld>
-  <p:clrMapOvr>
-    <a:masterClrMapping/>
-  </p:clrMapOvr>
-</p:sld>
-</file>
-
-<file path=ppt/slides/slide42.xml><?xml version="1.0" encoding="utf-8"?>
-<p:sld xmlns:a="http://schemas.openxmlformats.org/drawingml/2006/main" xmlns:r="http://schemas.openxmlformats.org/officeDocument/2006/relationships" xmlns:p="http://schemas.openxmlformats.org/presentationml/2006/main">
-  <p:cSld>
-    <p:spTree>
-      <p:nvGrpSpPr>
-        <p:cNvPr id="1" name=""/>
-        <p:cNvGrpSpPr/>
-        <p:nvPr/>
-      </p:nvGrpSpPr>
-      <p:grpSpPr>
-        <a:xfrm>
-          <a:off x="0" y="0"/>
-          <a:ext cx="0" cy="0"/>
-          <a:chOff x="0" y="0"/>
-          <a:chExt cx="0" cy="0"/>
-        </a:xfrm>
-      </p:grpSpPr>
-      <p:sp>
-        <p:nvSpPr>
           <p:cNvPr id="2" name="Title 1">
             <a:extLst>
               <a:ext uri="{FF2B5EF4-FFF2-40B4-BE49-F238E27FC236}">
@@ -19172,7 +18687,7 @@
             <a:fld id="{D2040F39-7941-49A4-B48D-F201B18B6351}" type="slidenum">
               <a:rPr lang="it-IT" smtClean="0"/>
               <a:pPr/>
-              <a:t>42</a:t>
+              <a:t>40</a:t>
             </a:fld>
             <a:endParaRPr lang="it-IT" dirty="0"/>
           </a:p>
@@ -19191,7 +18706,7 @@
 </p:sld>
 </file>
 
-<file path=ppt/slides/slide43.xml><?xml version="1.0" encoding="utf-8"?>
+<file path=ppt/slides/slide41.xml><?xml version="1.0" encoding="utf-8"?>
 <p:sld xmlns:a="http://schemas.openxmlformats.org/drawingml/2006/main" xmlns:r="http://schemas.openxmlformats.org/officeDocument/2006/relationships" xmlns:p="http://schemas.openxmlformats.org/presentationml/2006/main">
   <p:cSld>
     <p:spTree>
@@ -19332,7 +18847,7 @@
                   <a:spcPts val="600"/>
                 </a:spcAft>
               </a:pPr>
-              <a:t>43</a:t>
+              <a:t>41</a:t>
             </a:fld>
             <a:endParaRPr lang="it-IT"/>
           </a:p>
@@ -19351,7 +18866,7 @@
 </p:sld>
 </file>
 
-<file path=ppt/slides/slide44.xml><?xml version="1.0" encoding="utf-8"?>
+<file path=ppt/slides/slide42.xml><?xml version="1.0" encoding="utf-8"?>
 <p:sld xmlns:a="http://schemas.openxmlformats.org/drawingml/2006/main" xmlns:r="http://schemas.openxmlformats.org/officeDocument/2006/relationships" xmlns:p="http://schemas.openxmlformats.org/presentationml/2006/main">
   <p:cSld>
     <p:spTree>
@@ -19496,7 +19011,7 @@
             <a:fld id="{D2040F39-7941-49A4-B48D-F201B18B6351}" type="slidenum">
               <a:rPr lang="it-IT" smtClean="0"/>
               <a:pPr/>
-              <a:t>44</a:t>
+              <a:t>42</a:t>
             </a:fld>
             <a:endParaRPr lang="it-IT" dirty="0"/>
           </a:p>
@@ -19515,7 +19030,7 @@
 </p:sld>
 </file>
 
-<file path=ppt/slides/slide45.xml><?xml version="1.0" encoding="utf-8"?>
+<file path=ppt/slides/slide43.xml><?xml version="1.0" encoding="utf-8"?>
 <p:sld xmlns:a="http://schemas.openxmlformats.org/drawingml/2006/main" xmlns:r="http://schemas.openxmlformats.org/officeDocument/2006/relationships" xmlns:p="http://schemas.openxmlformats.org/presentationml/2006/main">
   <p:cSld>
     <p:spTree>
@@ -19905,7 +19420,7 @@
             <a:fld id="{D2040F39-7941-49A4-B48D-F201B18B6351}" type="slidenum">
               <a:rPr lang="it-IT" smtClean="0"/>
               <a:pPr/>
-              <a:t>45</a:t>
+              <a:t>43</a:t>
             </a:fld>
             <a:endParaRPr lang="it-IT" dirty="0"/>
           </a:p>
@@ -19924,7 +19439,7 @@
 </p:sld>
 </file>
 
-<file path=ppt/slides/slide46.xml><?xml version="1.0" encoding="utf-8"?>
+<file path=ppt/slides/slide44.xml><?xml version="1.0" encoding="utf-8"?>
 <p:sld xmlns:a="http://schemas.openxmlformats.org/drawingml/2006/main" xmlns:r="http://schemas.openxmlformats.org/officeDocument/2006/relationships" xmlns:p="http://schemas.openxmlformats.org/presentationml/2006/main">
   <p:cSld>
     <p:spTree>
@@ -20185,7 +19700,7 @@
             <a:fld id="{D2040F39-7941-49A4-B48D-F201B18B6351}" type="slidenum">
               <a:rPr lang="it-IT" smtClean="0"/>
               <a:pPr/>
-              <a:t>46</a:t>
+              <a:t>44</a:t>
             </a:fld>
             <a:endParaRPr lang="it-IT" dirty="0"/>
           </a:p>
@@ -20204,7 +19719,7 @@
 </p:sld>
 </file>
 
-<file path=ppt/slides/slide47.xml><?xml version="1.0" encoding="utf-8"?>
+<file path=ppt/slides/slide45.xml><?xml version="1.0" encoding="utf-8"?>
 <p:sld xmlns:a="http://schemas.openxmlformats.org/drawingml/2006/main" xmlns:r="http://schemas.openxmlformats.org/officeDocument/2006/relationships" xmlns:p="http://schemas.openxmlformats.org/presentationml/2006/main">
   <p:cSld>
     <p:spTree>
@@ -20398,7 +19913,7 @@
             <a:fld id="{D2040F39-7941-49A4-B48D-F201B18B6351}" type="slidenum">
               <a:rPr lang="it-IT" smtClean="0"/>
               <a:pPr/>
-              <a:t>47</a:t>
+              <a:t>45</a:t>
             </a:fld>
             <a:endParaRPr lang="it-IT" dirty="0"/>
           </a:p>
@@ -20417,7 +19932,7 @@
 </p:sld>
 </file>
 
-<file path=ppt/slides/slide48.xml><?xml version="1.0" encoding="utf-8"?>
+<file path=ppt/slides/slide46.xml><?xml version="1.0" encoding="utf-8"?>
 <p:sld xmlns:a="http://schemas.openxmlformats.org/drawingml/2006/main" xmlns:r="http://schemas.openxmlformats.org/officeDocument/2006/relationships" xmlns:p="http://schemas.openxmlformats.org/presentationml/2006/main">
   <p:cSld>
     <p:spTree>
@@ -20752,7 +20267,7 @@
             <a:fld id="{D2040F39-7941-49A4-B48D-F201B18B6351}" type="slidenum">
               <a:rPr lang="it-IT" smtClean="0"/>
               <a:pPr/>
-              <a:t>48</a:t>
+              <a:t>46</a:t>
             </a:fld>
             <a:endParaRPr lang="it-IT" dirty="0"/>
           </a:p>
@@ -20771,7 +20286,7 @@
 </p:sld>
 </file>
 
-<file path=ppt/slides/slide49.xml><?xml version="1.0" encoding="utf-8"?>
+<file path=ppt/slides/slide47.xml><?xml version="1.0" encoding="utf-8"?>
 <p:sld xmlns:a="http://schemas.openxmlformats.org/drawingml/2006/main" xmlns:r="http://schemas.openxmlformats.org/officeDocument/2006/relationships" xmlns:p="http://schemas.openxmlformats.org/presentationml/2006/main">
   <p:cSld>
     <p:spTree>
@@ -20966,7 +20481,7 @@
             <a:fld id="{D2040F39-7941-49A4-B48D-F201B18B6351}" type="slidenum">
               <a:rPr lang="it-IT" smtClean="0"/>
               <a:pPr/>
-              <a:t>49</a:t>
+              <a:t>47</a:t>
             </a:fld>
             <a:endParaRPr lang="it-IT" dirty="0"/>
           </a:p>
@@ -20985,215 +20500,7 @@
 </p:sld>
 </file>
 
-<file path=ppt/slides/slide5.xml><?xml version="1.0" encoding="utf-8"?>
-<p:sld xmlns:a="http://schemas.openxmlformats.org/drawingml/2006/main" xmlns:r="http://schemas.openxmlformats.org/officeDocument/2006/relationships" xmlns:p="http://schemas.openxmlformats.org/presentationml/2006/main">
-  <p:cSld>
-    <p:spTree>
-      <p:nvGrpSpPr>
-        <p:cNvPr id="1" name=""/>
-        <p:cNvGrpSpPr/>
-        <p:nvPr/>
-      </p:nvGrpSpPr>
-      <p:grpSpPr>
-        <a:xfrm>
-          <a:off x="0" y="0"/>
-          <a:ext cx="0" cy="0"/>
-          <a:chOff x="0" y="0"/>
-          <a:chExt cx="0" cy="0"/>
-        </a:xfrm>
-      </p:grpSpPr>
-      <p:sp>
-        <p:nvSpPr>
-          <p:cNvPr id="2" name="Titolo 1">
-            <a:extLst>
-              <a:ext uri="{FF2B5EF4-FFF2-40B4-BE49-F238E27FC236}">
-                <a16:creationId xmlns:a16="http://schemas.microsoft.com/office/drawing/2014/main" id="{13770CA3-0CE3-620B-0EF6-989D1BF68304}"/>
-              </a:ext>
-            </a:extLst>
-          </p:cNvPr>
-          <p:cNvSpPr>
-            <a:spLocks noGrp="1"/>
-          </p:cNvSpPr>
-          <p:nvPr>
-            <p:ph type="title"/>
-          </p:nvPr>
-        </p:nvSpPr>
-        <p:spPr/>
-        <p:txBody>
-          <a:bodyPr/>
-          <a:lstStyle/>
-          <a:p>
-            <a:r>
-              <a:rPr lang="en-GB" dirty="0"/>
-              <a:t>Application class: </a:t>
-            </a:r>
-            <a:r>
-              <a:rPr lang="en-GB" dirty="0" err="1"/>
-              <a:t>callback</a:t>
-            </a:r>
-            <a:r>
-              <a:rPr lang="en-GB" dirty="0"/>
-              <a:t> methods</a:t>
-            </a:r>
-          </a:p>
-        </p:txBody>
-      </p:sp>
-      <p:sp>
-        <p:nvSpPr>
-          <p:cNvPr id="3" name="Segnaposto contenuto 2">
-            <a:extLst>
-              <a:ext uri="{FF2B5EF4-FFF2-40B4-BE49-F238E27FC236}">
-                <a16:creationId xmlns:a16="http://schemas.microsoft.com/office/drawing/2014/main" id="{F6520334-D8A9-8B67-487D-DD8200EA667B}"/>
-              </a:ext>
-            </a:extLst>
-          </p:cNvPr>
-          <p:cNvSpPr>
-            <a:spLocks noGrp="1"/>
-          </p:cNvSpPr>
-          <p:nvPr>
-            <p:ph idx="1"/>
-          </p:nvPr>
-        </p:nvSpPr>
-        <p:spPr/>
-        <p:txBody>
-          <a:bodyPr/>
-          <a:lstStyle/>
-          <a:p>
-            <a:r>
-              <a:rPr lang="en-GB" dirty="0">
-                <a:solidFill>
-                  <a:srgbClr val="FF0000"/>
-                </a:solidFill>
-                <a:latin typeface="Consolas" panose="020B0609020204030204" pitchFamily="49" charset="0"/>
-              </a:rPr>
-              <a:t>void </a:t>
-            </a:r>
-            <a:r>
-              <a:rPr lang="en-GB" dirty="0" err="1">
-                <a:solidFill>
-                  <a:srgbClr val="FF0000"/>
-                </a:solidFill>
-                <a:latin typeface="Consolas" panose="020B0609020204030204" pitchFamily="49" charset="0"/>
-              </a:rPr>
-              <a:t>onConfigurationChanged</a:t>
-            </a:r>
-            <a:r>
-              <a:rPr lang="en-GB" dirty="0">
-                <a:solidFill>
-                  <a:srgbClr val="FF0000"/>
-                </a:solidFill>
-                <a:latin typeface="Consolas" panose="020B0609020204030204" pitchFamily="49" charset="0"/>
-              </a:rPr>
-              <a:t>(Configuration </a:t>
-            </a:r>
-            <a:r>
-              <a:rPr lang="en-GB" dirty="0" err="1">
-                <a:solidFill>
-                  <a:srgbClr val="FF0000"/>
-                </a:solidFill>
-                <a:latin typeface="Consolas" panose="020B0609020204030204" pitchFamily="49" charset="0"/>
-              </a:rPr>
-              <a:t>newConfig</a:t>
-            </a:r>
-            <a:r>
-              <a:rPr lang="en-GB" dirty="0">
-                <a:solidFill>
-                  <a:srgbClr val="FF0000"/>
-                </a:solidFill>
-                <a:latin typeface="Consolas" panose="020B0609020204030204" pitchFamily="49" charset="0"/>
-              </a:rPr>
-              <a:t>)</a:t>
-            </a:r>
-          </a:p>
-          <a:p>
-            <a:pPr lvl="1"/>
-            <a:r>
-              <a:rPr lang="en-GB" dirty="0"/>
-              <a:t>Called by the system when the device configuration changes while running the application. The resource values are always up to date in this method, and can be retrieved by other components at any time.</a:t>
-            </a:r>
-          </a:p>
-          <a:p>
-            <a:r>
-              <a:rPr lang="en-GB" dirty="0">
-                <a:solidFill>
-                  <a:srgbClr val="FF0000"/>
-                </a:solidFill>
-                <a:latin typeface="Consolas" panose="020B0609020204030204" pitchFamily="49" charset="0"/>
-              </a:rPr>
-              <a:t>void </a:t>
-            </a:r>
-            <a:r>
-              <a:rPr lang="en-GB" dirty="0" err="1">
-                <a:solidFill>
-                  <a:srgbClr val="FF0000"/>
-                </a:solidFill>
-                <a:latin typeface="Consolas" panose="020B0609020204030204" pitchFamily="49" charset="0"/>
-              </a:rPr>
-              <a:t>onCreate</a:t>
-            </a:r>
-            <a:r>
-              <a:rPr lang="en-GB" dirty="0">
-                <a:solidFill>
-                  <a:srgbClr val="FF0000"/>
-                </a:solidFill>
-                <a:latin typeface="Consolas" panose="020B0609020204030204" pitchFamily="49" charset="0"/>
-              </a:rPr>
-              <a:t>()</a:t>
-            </a:r>
-          </a:p>
-          <a:p>
-            <a:pPr lvl="1"/>
-            <a:r>
-              <a:rPr lang="en-GB" dirty="0"/>
-              <a:t>This method is called when the application is starting, before any activity, service, or receiver objects (excluding content providers) have been created.</a:t>
-            </a:r>
-          </a:p>
-        </p:txBody>
-      </p:sp>
-      <p:sp>
-        <p:nvSpPr>
-          <p:cNvPr id="4" name="Segnaposto numero diapositiva 3">
-            <a:extLst>
-              <a:ext uri="{FF2B5EF4-FFF2-40B4-BE49-F238E27FC236}">
-                <a16:creationId xmlns:a16="http://schemas.microsoft.com/office/drawing/2014/main" id="{40E86A2A-E56C-00E0-DAA8-935C874CFC3A}"/>
-              </a:ext>
-            </a:extLst>
-          </p:cNvPr>
-          <p:cNvSpPr>
-            <a:spLocks noGrp="1"/>
-          </p:cNvSpPr>
-          <p:nvPr>
-            <p:ph type="sldNum" sz="quarter" idx="12"/>
-          </p:nvPr>
-        </p:nvSpPr>
-        <p:spPr/>
-        <p:txBody>
-          <a:bodyPr/>
-          <a:lstStyle/>
-          <a:p>
-            <a:fld id="{D2040F39-7941-49A4-B48D-F201B18B6351}" type="slidenum">
-              <a:rPr lang="it-IT" smtClean="0"/>
-              <a:pPr/>
-              <a:t>5</a:t>
-            </a:fld>
-            <a:endParaRPr lang="it-IT" dirty="0"/>
-          </a:p>
-        </p:txBody>
-      </p:sp>
-    </p:spTree>
-    <p:extLst>
-      <p:ext uri="{BB962C8B-B14F-4D97-AF65-F5344CB8AC3E}">
-        <p14:creationId xmlns:p14="http://schemas.microsoft.com/office/powerpoint/2010/main" val="250079365"/>
-      </p:ext>
-    </p:extLst>
-  </p:cSld>
-  <p:clrMapOvr>
-    <a:masterClrMapping/>
-  </p:clrMapOvr>
-</p:sld>
-</file>
-
-<file path=ppt/slides/slide50.xml><?xml version="1.0" encoding="utf-8"?>
+<file path=ppt/slides/slide48.xml><?xml version="1.0" encoding="utf-8"?>
 <p:sld xmlns:a="http://schemas.openxmlformats.org/drawingml/2006/main" xmlns:r="http://schemas.openxmlformats.org/officeDocument/2006/relationships" xmlns:p="http://schemas.openxmlformats.org/presentationml/2006/main">
   <p:cSld>
     <p:spTree>
@@ -21403,7 +20710,7 @@
                   <a:spcPts val="600"/>
                 </a:spcAft>
               </a:pPr>
-              <a:t>50</a:t>
+              <a:t>48</a:t>
             </a:fld>
             <a:endParaRPr lang="it-IT"/>
           </a:p>
@@ -21422,7 +20729,7 @@
 </p:sld>
 </file>
 
-<file path=ppt/slides/slide51.xml><?xml version="1.0" encoding="utf-8"?>
+<file path=ppt/slides/slide49.xml><?xml version="1.0" encoding="utf-8"?>
 <p:sld xmlns:a="http://schemas.openxmlformats.org/drawingml/2006/main" xmlns:r="http://schemas.openxmlformats.org/officeDocument/2006/relationships" xmlns:p="http://schemas.openxmlformats.org/presentationml/2006/main">
   <p:cSld>
     <p:spTree>
@@ -21816,7 +21123,7 @@
             <a:fld id="{D2040F39-7941-49A4-B48D-F201B18B6351}" type="slidenum">
               <a:rPr lang="it-IT" smtClean="0"/>
               <a:pPr/>
-              <a:t>51</a:t>
+              <a:t>49</a:t>
             </a:fld>
             <a:endParaRPr lang="it-IT" dirty="0"/>
           </a:p>
@@ -21835,7 +21142,233 @@
 </p:sld>
 </file>
 
-<file path=ppt/slides/slide52.xml><?xml version="1.0" encoding="utf-8"?>
+<file path=ppt/slides/slide5.xml><?xml version="1.0" encoding="utf-8"?>
+<p:sld xmlns:a="http://schemas.openxmlformats.org/drawingml/2006/main" xmlns:r="http://schemas.openxmlformats.org/officeDocument/2006/relationships" xmlns:p="http://schemas.openxmlformats.org/presentationml/2006/main">
+  <p:cSld>
+    <p:spTree>
+      <p:nvGrpSpPr>
+        <p:cNvPr id="1" name=""/>
+        <p:cNvGrpSpPr/>
+        <p:nvPr/>
+      </p:nvGrpSpPr>
+      <p:grpSpPr>
+        <a:xfrm>
+          <a:off x="0" y="0"/>
+          <a:ext cx="0" cy="0"/>
+          <a:chOff x="0" y="0"/>
+          <a:chExt cx="0" cy="0"/>
+        </a:xfrm>
+      </p:grpSpPr>
+      <p:sp>
+        <p:nvSpPr>
+          <p:cNvPr id="2" name="Title 1"/>
+          <p:cNvSpPr>
+            <a:spLocks noGrp="1"/>
+          </p:cNvSpPr>
+          <p:nvPr>
+            <p:ph type="title"/>
+          </p:nvPr>
+        </p:nvSpPr>
+        <p:spPr/>
+        <p:txBody>
+          <a:bodyPr anchor="ctr">
+            <a:normAutofit/>
+          </a:bodyPr>
+          <a:lstStyle/>
+          <a:p>
+            <a:r>
+              <a:rPr lang="en-US" dirty="0"/>
+              <a:t>Application core components</a:t>
+            </a:r>
+          </a:p>
+        </p:txBody>
+      </p:sp>
+      <p:sp>
+        <p:nvSpPr>
+          <p:cNvPr id="9" name="Content Placeholder 2">
+            <a:extLst>
+              <a:ext uri="{FF2B5EF4-FFF2-40B4-BE49-F238E27FC236}">
+                <a16:creationId xmlns:a16="http://schemas.microsoft.com/office/drawing/2014/main" id="{EE8BC2F5-302E-4C97-82A7-705D04ABCB6B}"/>
+              </a:ext>
+            </a:extLst>
+          </p:cNvPr>
+          <p:cNvSpPr>
+            <a:spLocks noGrp="1"/>
+          </p:cNvSpPr>
+          <p:nvPr>
+            <p:ph idx="1"/>
+          </p:nvPr>
+        </p:nvSpPr>
+        <p:spPr/>
+        <p:txBody>
+          <a:bodyPr>
+            <a:normAutofit fontScale="77500" lnSpcReduction="20000"/>
+          </a:bodyPr>
+          <a:lstStyle/>
+          <a:p>
+            <a:pPr marL="0" indent="0">
+              <a:buNone/>
+            </a:pPr>
+            <a:r>
+              <a:rPr lang="en-US" dirty="0"/>
+              <a:t>App is composed by several elements, bounded in Android Manifest (which describe each of them and how they interact)</a:t>
+            </a:r>
+          </a:p>
+          <a:p>
+            <a:r>
+              <a:rPr lang="en-US" dirty="0">
+                <a:solidFill>
+                  <a:srgbClr val="FF0000"/>
+                </a:solidFill>
+              </a:rPr>
+              <a:t>Activities: </a:t>
+            </a:r>
+            <a:r>
+              <a:rPr lang="en-US" dirty="0"/>
+              <a:t>app presentation layer. The app’s UI is built around activities, which use </a:t>
+            </a:r>
+            <a:r>
+              <a:rPr lang="en-US" i="1" dirty="0"/>
+              <a:t>Views</a:t>
+            </a:r>
+            <a:r>
+              <a:rPr lang="en-US" dirty="0"/>
+              <a:t> and </a:t>
+            </a:r>
+            <a:r>
+              <a:rPr lang="en-US" i="1" dirty="0"/>
+              <a:t>Fragments</a:t>
+            </a:r>
+            <a:r>
+              <a:rPr lang="en-US" dirty="0"/>
+              <a:t> to display info and interact with user</a:t>
+            </a:r>
+          </a:p>
+          <a:p>
+            <a:r>
+              <a:rPr lang="en-US" dirty="0">
+                <a:solidFill>
+                  <a:srgbClr val="FF0000"/>
+                </a:solidFill>
+              </a:rPr>
+              <a:t>Services: </a:t>
+            </a:r>
+            <a:r>
+              <a:rPr lang="en-US" dirty="0"/>
+              <a:t>run without UI (update data, trigger notifications…)</a:t>
+            </a:r>
+          </a:p>
+          <a:p>
+            <a:r>
+              <a:rPr lang="en-US" dirty="0">
+                <a:solidFill>
+                  <a:srgbClr val="FF0000"/>
+                </a:solidFill>
+              </a:rPr>
+              <a:t>Broadcast receivers: </a:t>
+            </a:r>
+            <a:r>
+              <a:rPr lang="en-US" dirty="0"/>
+              <a:t>used to configure app to listen only Intents that match your specifications</a:t>
+            </a:r>
+          </a:p>
+          <a:p>
+            <a:r>
+              <a:rPr lang="en-US" dirty="0">
+                <a:solidFill>
+                  <a:srgbClr val="FF0000"/>
+                </a:solidFill>
+              </a:rPr>
+              <a:t>Content providers: </a:t>
+            </a:r>
+            <a:r>
+              <a:rPr lang="en-US" dirty="0"/>
+              <a:t>used to share data across application boundaries</a:t>
+            </a:r>
+          </a:p>
+          <a:p>
+            <a:r>
+              <a:rPr lang="en-US" dirty="0">
+                <a:solidFill>
+                  <a:srgbClr val="FF0000"/>
+                </a:solidFill>
+              </a:rPr>
+              <a:t>Intents: </a:t>
+            </a:r>
+            <a:r>
+              <a:rPr lang="en-US" dirty="0"/>
+              <a:t>inter and intra application  way to exchange massages, you can start Activities, Services… </a:t>
+            </a:r>
+          </a:p>
+          <a:p>
+            <a:r>
+              <a:rPr lang="en-US" dirty="0">
+                <a:solidFill>
+                  <a:srgbClr val="FF0000"/>
+                </a:solidFill>
+              </a:rPr>
+              <a:t>Notifications: </a:t>
+            </a:r>
+            <a:r>
+              <a:rPr lang="en-US" dirty="0"/>
+              <a:t>used to alert user to application events without interrupting current Activity</a:t>
+            </a:r>
+          </a:p>
+        </p:txBody>
+      </p:sp>
+      <p:sp>
+        <p:nvSpPr>
+          <p:cNvPr id="11" name="Slide Number Placeholder 3">
+            <a:extLst>
+              <a:ext uri="{FF2B5EF4-FFF2-40B4-BE49-F238E27FC236}">
+                <a16:creationId xmlns:a16="http://schemas.microsoft.com/office/drawing/2014/main" id="{CE491277-20F1-46D6-9B43-FE203ECD7578}"/>
+              </a:ext>
+            </a:extLst>
+          </p:cNvPr>
+          <p:cNvSpPr>
+            <a:spLocks noGrp="1"/>
+          </p:cNvSpPr>
+          <p:nvPr>
+            <p:ph type="sldNum" sz="quarter" idx="12"/>
+          </p:nvPr>
+        </p:nvSpPr>
+        <p:spPr/>
+        <p:txBody>
+          <a:bodyPr/>
+          <a:lstStyle/>
+          <a:p>
+            <a:pPr>
+              <a:spcAft>
+                <a:spcPts val="600"/>
+              </a:spcAft>
+            </a:pPr>
+            <a:fld id="{D2040F39-7941-49A4-B48D-F201B18B6351}" type="slidenum">
+              <a:rPr lang="it-IT" smtClean="0"/>
+              <a:pPr>
+                <a:spcAft>
+                  <a:spcPts val="600"/>
+                </a:spcAft>
+              </a:pPr>
+              <a:t>5</a:t>
+            </a:fld>
+            <a:endParaRPr lang="it-IT"/>
+          </a:p>
+        </p:txBody>
+      </p:sp>
+    </p:spTree>
+    <p:extLst>
+      <p:ext uri="{BB962C8B-B14F-4D97-AF65-F5344CB8AC3E}">
+        <p14:creationId xmlns:p14="http://schemas.microsoft.com/office/powerpoint/2010/main" val="265298269"/>
+      </p:ext>
+    </p:extLst>
+  </p:cSld>
+  <p:clrMapOvr>
+    <a:masterClrMapping/>
+  </p:clrMapOvr>
+</p:sld>
+</file>
+
+<file path=ppt/slides/slide50.xml><?xml version="1.0" encoding="utf-8"?>
 <p:sld xmlns:a="http://schemas.openxmlformats.org/drawingml/2006/main" xmlns:r="http://schemas.openxmlformats.org/officeDocument/2006/relationships" xmlns:p="http://schemas.openxmlformats.org/presentationml/2006/main">
   <p:cSld>
     <p:spTree>
@@ -21904,7 +21437,7 @@
             <a:fld id="{D2040F39-7941-49A4-B48D-F201B18B6351}" type="slidenum">
               <a:rPr lang="it-IT" smtClean="0"/>
               <a:pPr/>
-              <a:t>52</a:t>
+              <a:t>50</a:t>
             </a:fld>
             <a:endParaRPr lang="it-IT" dirty="0"/>
           </a:p>
@@ -22230,7 +21763,7 @@
 </p:sld>
 </file>
 
-<file path=ppt/slides/slide53.xml><?xml version="1.0" encoding="utf-8"?>
+<file path=ppt/slides/slide51.xml><?xml version="1.0" encoding="utf-8"?>
 <p:sld xmlns:a="http://schemas.openxmlformats.org/drawingml/2006/main" xmlns:r="http://schemas.openxmlformats.org/officeDocument/2006/relationships" xmlns:p="http://schemas.openxmlformats.org/presentationml/2006/main">
   <p:cSld>
     <p:spTree>
@@ -22824,7 +22357,7 @@
             <a:fld id="{D2040F39-7941-49A4-B48D-F201B18B6351}" type="slidenum">
               <a:rPr lang="it-IT" smtClean="0"/>
               <a:pPr/>
-              <a:t>53</a:t>
+              <a:t>51</a:t>
             </a:fld>
             <a:endParaRPr lang="it-IT" dirty="0"/>
           </a:p>
@@ -22843,7 +22376,7 @@
 </p:sld>
 </file>
 
-<file path=ppt/slides/slide54.xml><?xml version="1.0" encoding="utf-8"?>
+<file path=ppt/slides/slide52.xml><?xml version="1.0" encoding="utf-8"?>
 <p:sld xmlns:a="http://schemas.openxmlformats.org/drawingml/2006/main" xmlns:r="http://schemas.openxmlformats.org/officeDocument/2006/relationships" xmlns:p="http://schemas.openxmlformats.org/presentationml/2006/main">
   <p:cSld>
     <p:spTree>
@@ -23201,7 +22734,7 @@
             <a:fld id="{D2040F39-7941-49A4-B48D-F201B18B6351}" type="slidenum">
               <a:rPr lang="it-IT" smtClean="0"/>
               <a:pPr/>
-              <a:t>54</a:t>
+              <a:t>52</a:t>
             </a:fld>
             <a:endParaRPr lang="it-IT" dirty="0"/>
           </a:p>
@@ -23309,7 +22842,7 @@
 </p:sld>
 </file>
 
-<file path=ppt/slides/slide55.xml><?xml version="1.0" encoding="utf-8"?>
+<file path=ppt/slides/slide53.xml><?xml version="1.0" encoding="utf-8"?>
 <p:sld xmlns:a="http://schemas.openxmlformats.org/drawingml/2006/main" xmlns:r="http://schemas.openxmlformats.org/officeDocument/2006/relationships" xmlns:p="http://schemas.openxmlformats.org/presentationml/2006/main">
   <p:cSld>
     <p:spTree>
@@ -23583,7 +23116,7 @@
                   <a:spcPts val="600"/>
                 </a:spcAft>
               </a:pPr>
-              <a:t>55</a:t>
+              <a:t>53</a:t>
             </a:fld>
             <a:endParaRPr lang="it-IT"/>
           </a:p>
@@ -23602,7 +23135,7 @@
 </p:sld>
 </file>
 
-<file path=ppt/slides/slide56.xml><?xml version="1.0" encoding="utf-8"?>
+<file path=ppt/slides/slide54.xml><?xml version="1.0" encoding="utf-8"?>
 <p:sld xmlns:a="http://schemas.openxmlformats.org/drawingml/2006/main" xmlns:r="http://schemas.openxmlformats.org/officeDocument/2006/relationships" xmlns:p="http://schemas.openxmlformats.org/presentationml/2006/main">
   <p:cSld>
     <p:spTree>
@@ -23871,7 +23404,7 @@
             <a:fld id="{D2040F39-7941-49A4-B48D-F201B18B6351}" type="slidenum">
               <a:rPr lang="it-IT" smtClean="0"/>
               <a:pPr/>
-              <a:t>56</a:t>
+              <a:t>54</a:t>
             </a:fld>
             <a:endParaRPr lang="it-IT" dirty="0"/>
           </a:p>
@@ -23890,7 +23423,7 @@
 </p:sld>
 </file>
 
-<file path=ppt/slides/slide57.xml><?xml version="1.0" encoding="utf-8"?>
+<file path=ppt/slides/slide55.xml><?xml version="1.0" encoding="utf-8"?>
 <p:sld xmlns:a="http://schemas.openxmlformats.org/drawingml/2006/main" xmlns:r="http://schemas.openxmlformats.org/officeDocument/2006/relationships" xmlns:p="http://schemas.openxmlformats.org/presentationml/2006/main">
   <p:cSld>
     <p:spTree>
@@ -24057,7 +23590,7 @@
             <a:fld id="{D2040F39-7941-49A4-B48D-F201B18B6351}" type="slidenum">
               <a:rPr lang="it-IT" smtClean="0"/>
               <a:pPr/>
-              <a:t>57</a:t>
+              <a:t>55</a:t>
             </a:fld>
             <a:endParaRPr lang="it-IT" dirty="0"/>
           </a:p>
@@ -24076,7 +23609,7 @@
 </p:sld>
 </file>
 
-<file path=ppt/slides/slide58.xml><?xml version="1.0" encoding="utf-8"?>
+<file path=ppt/slides/slide56.xml><?xml version="1.0" encoding="utf-8"?>
 <p:sld xmlns:a="http://schemas.openxmlformats.org/drawingml/2006/main" xmlns:r="http://schemas.openxmlformats.org/officeDocument/2006/relationships" xmlns:p="http://schemas.openxmlformats.org/presentationml/2006/main">
   <p:cSld>
     <p:spTree>
@@ -24183,7 +23716,7 @@
             <a:fld id="{D2040F39-7941-49A4-B48D-F201B18B6351}" type="slidenum">
               <a:rPr lang="it-IT" smtClean="0"/>
               <a:pPr/>
-              <a:t>58</a:t>
+              <a:t>56</a:t>
             </a:fld>
             <a:endParaRPr lang="it-IT" dirty="0"/>
           </a:p>
@@ -24676,7 +24209,7 @@
 </p:sld>
 </file>
 
-<file path=ppt/slides/slide59.xml><?xml version="1.0" encoding="utf-8"?>
+<file path=ppt/slides/slide57.xml><?xml version="1.0" encoding="utf-8"?>
 <p:sld xmlns:a="http://schemas.openxmlformats.org/drawingml/2006/main" xmlns:r="http://schemas.openxmlformats.org/officeDocument/2006/relationships" xmlns:p="http://schemas.openxmlformats.org/presentationml/2006/main">
   <p:cSld>
     <p:spTree>
@@ -24850,7 +24383,7 @@
             <a:fld id="{D2040F39-7941-49A4-B48D-F201B18B6351}" type="slidenum">
               <a:rPr lang="it-IT" smtClean="0"/>
               <a:pPr/>
-              <a:t>59</a:t>
+              <a:t>57</a:t>
             </a:fld>
             <a:endParaRPr lang="it-IT" dirty="0"/>
           </a:p>
@@ -24903,187 +24436,7 @@
 </p:sld>
 </file>
 
-<file path=ppt/slides/slide6.xml><?xml version="1.0" encoding="utf-8"?>
-<p:sld xmlns:a="http://schemas.openxmlformats.org/drawingml/2006/main" xmlns:r="http://schemas.openxmlformats.org/officeDocument/2006/relationships" xmlns:p="http://schemas.openxmlformats.org/presentationml/2006/main">
-  <p:cSld>
-    <p:spTree>
-      <p:nvGrpSpPr>
-        <p:cNvPr id="1" name=""/>
-        <p:cNvGrpSpPr/>
-        <p:nvPr/>
-      </p:nvGrpSpPr>
-      <p:grpSpPr>
-        <a:xfrm>
-          <a:off x="0" y="0"/>
-          <a:ext cx="0" cy="0"/>
-          <a:chOff x="0" y="0"/>
-          <a:chExt cx="0" cy="0"/>
-        </a:xfrm>
-      </p:grpSpPr>
-      <p:sp>
-        <p:nvSpPr>
-          <p:cNvPr id="2" name="Titolo 1">
-            <a:extLst>
-              <a:ext uri="{FF2B5EF4-FFF2-40B4-BE49-F238E27FC236}">
-                <a16:creationId xmlns:a16="http://schemas.microsoft.com/office/drawing/2014/main" id="{F83E1A0A-C507-ECB1-73B9-94BA29B837DF}"/>
-              </a:ext>
-            </a:extLst>
-          </p:cNvPr>
-          <p:cNvSpPr>
-            <a:spLocks noGrp="1"/>
-          </p:cNvSpPr>
-          <p:nvPr>
-            <p:ph type="title"/>
-          </p:nvPr>
-        </p:nvSpPr>
-        <p:spPr/>
-        <p:txBody>
-          <a:bodyPr/>
-          <a:lstStyle/>
-          <a:p>
-            <a:endParaRPr lang="en-GB"/>
-          </a:p>
-        </p:txBody>
-      </p:sp>
-      <p:sp>
-        <p:nvSpPr>
-          <p:cNvPr id="3" name="Segnaposto contenuto 2">
-            <a:extLst>
-              <a:ext uri="{FF2B5EF4-FFF2-40B4-BE49-F238E27FC236}">
-                <a16:creationId xmlns:a16="http://schemas.microsoft.com/office/drawing/2014/main" id="{E662D512-F235-209C-2B4A-94AA076C0C89}"/>
-              </a:ext>
-            </a:extLst>
-          </p:cNvPr>
-          <p:cNvSpPr>
-            <a:spLocks noGrp="1"/>
-          </p:cNvSpPr>
-          <p:nvPr>
-            <p:ph idx="1"/>
-          </p:nvPr>
-        </p:nvSpPr>
-        <p:spPr/>
-        <p:txBody>
-          <a:bodyPr/>
-          <a:lstStyle/>
-          <a:p>
-            <a:r>
-              <a:rPr lang="en-GB" dirty="0">
-                <a:solidFill>
-                  <a:srgbClr val="FF0000"/>
-                </a:solidFill>
-                <a:latin typeface="Consolas" panose="020B0609020204030204" pitchFamily="49" charset="0"/>
-              </a:rPr>
-              <a:t>void </a:t>
-            </a:r>
-            <a:r>
-              <a:rPr lang="en-GB" dirty="0" err="1">
-                <a:solidFill>
-                  <a:srgbClr val="FF0000"/>
-                </a:solidFill>
-                <a:latin typeface="Consolas" panose="020B0609020204030204" pitchFamily="49" charset="0"/>
-              </a:rPr>
-              <a:t>onTrimMemory</a:t>
-            </a:r>
-            <a:r>
-              <a:rPr lang="en-GB" dirty="0">
-                <a:solidFill>
-                  <a:srgbClr val="FF0000"/>
-                </a:solidFill>
-                <a:latin typeface="Consolas" panose="020B0609020204030204" pitchFamily="49" charset="0"/>
-              </a:rPr>
-              <a:t>(int level)</a:t>
-            </a:r>
-          </a:p>
-          <a:p>
-            <a:pPr lvl="1"/>
-            <a:r>
-              <a:rPr lang="en-GB" dirty="0"/>
-              <a:t>This method is called when the operating system has determined that it is a good time for a process to trim unneeded memory from its process. This will happen for example, when it goes in the background and there is not enough memory to keep, as many background processes running as desired. This </a:t>
-            </a:r>
-            <a:r>
-              <a:rPr lang="en-GB" dirty="0" err="1"/>
-              <a:t>callback</a:t>
-            </a:r>
-            <a:r>
-              <a:rPr lang="en-GB" dirty="0"/>
-              <a:t> was added in API level 14. For older versions, you can use </a:t>
-            </a:r>
-            <a:r>
-              <a:rPr lang="en-GB" dirty="0" err="1">
-                <a:latin typeface="Consolas" panose="020B0609020204030204" pitchFamily="49" charset="0"/>
-              </a:rPr>
-              <a:t>onLowMemory</a:t>
-            </a:r>
-            <a:r>
-              <a:rPr lang="en-GB" dirty="0">
-                <a:latin typeface="Consolas" panose="020B0609020204030204" pitchFamily="49" charset="0"/>
-              </a:rPr>
-              <a:t>().</a:t>
-            </a:r>
-          </a:p>
-          <a:p>
-            <a:pPr lvl="1"/>
-            <a:r>
-              <a:rPr lang="en-GB" dirty="0"/>
-              <a:t>The params </a:t>
-            </a:r>
-            <a:r>
-              <a:rPr lang="en-GB" dirty="0">
-                <a:latin typeface="Consolas" panose="020B0609020204030204" pitchFamily="49" charset="0"/>
-              </a:rPr>
-              <a:t>level</a:t>
-            </a:r>
-            <a:r>
-              <a:rPr lang="en-GB" dirty="0"/>
-              <a:t> is included in application class like static attributes</a:t>
-            </a:r>
-          </a:p>
-        </p:txBody>
-      </p:sp>
-      <p:sp>
-        <p:nvSpPr>
-          <p:cNvPr id="4" name="Segnaposto numero diapositiva 3">
-            <a:extLst>
-              <a:ext uri="{FF2B5EF4-FFF2-40B4-BE49-F238E27FC236}">
-                <a16:creationId xmlns:a16="http://schemas.microsoft.com/office/drawing/2014/main" id="{F08B2F27-1C84-5076-FE1C-8075ABF0A9B4}"/>
-              </a:ext>
-            </a:extLst>
-          </p:cNvPr>
-          <p:cNvSpPr>
-            <a:spLocks noGrp="1"/>
-          </p:cNvSpPr>
-          <p:nvPr>
-            <p:ph type="sldNum" sz="quarter" idx="12"/>
-          </p:nvPr>
-        </p:nvSpPr>
-        <p:spPr/>
-        <p:txBody>
-          <a:bodyPr/>
-          <a:lstStyle/>
-          <a:p>
-            <a:fld id="{D2040F39-7941-49A4-B48D-F201B18B6351}" type="slidenum">
-              <a:rPr lang="it-IT" smtClean="0"/>
-              <a:pPr/>
-              <a:t>6</a:t>
-            </a:fld>
-            <a:endParaRPr lang="it-IT" dirty="0"/>
-          </a:p>
-        </p:txBody>
-      </p:sp>
-    </p:spTree>
-    <p:extLst>
-      <p:ext uri="{BB962C8B-B14F-4D97-AF65-F5344CB8AC3E}">
-        <p14:creationId xmlns:p14="http://schemas.microsoft.com/office/powerpoint/2010/main" val="2820950359"/>
-      </p:ext>
-    </p:extLst>
-  </p:cSld>
-  <p:clrMapOvr>
-    <a:masterClrMapping/>
-  </p:clrMapOvr>
-</p:sld>
-</file>
-
-<file path=ppt/slides/slide60.xml><?xml version="1.0" encoding="utf-8"?>
+<file path=ppt/slides/slide58.xml><?xml version="1.0" encoding="utf-8"?>
 <p:sld xmlns:a="http://schemas.openxmlformats.org/drawingml/2006/main" xmlns:r="http://schemas.openxmlformats.org/officeDocument/2006/relationships" xmlns:p="http://schemas.openxmlformats.org/presentationml/2006/main">
   <p:cSld>
     <p:spTree>
@@ -25186,7 +24539,7 @@
             <a:fld id="{D2040F39-7941-49A4-B48D-F201B18B6351}" type="slidenum">
               <a:rPr lang="it-IT" smtClean="0"/>
               <a:pPr/>
-              <a:t>60</a:t>
+              <a:t>58</a:t>
             </a:fld>
             <a:endParaRPr lang="it-IT" dirty="0"/>
           </a:p>
@@ -25254,7 +24607,7 @@
 </p:sld>
 </file>
 
-<file path=ppt/slides/slide61.xml><?xml version="1.0" encoding="utf-8"?>
+<file path=ppt/slides/slide59.xml><?xml version="1.0" encoding="utf-8"?>
 <p:sld xmlns:a="http://schemas.openxmlformats.org/drawingml/2006/main" xmlns:r="http://schemas.openxmlformats.org/officeDocument/2006/relationships" xmlns:p="http://schemas.openxmlformats.org/presentationml/2006/main">
   <p:cSld>
     <p:spTree>
@@ -25385,7 +24738,7 @@
             <a:fld id="{D2040F39-7941-49A4-B48D-F201B18B6351}" type="slidenum">
               <a:rPr lang="it-IT" smtClean="0"/>
               <a:pPr/>
-              <a:t>61</a:t>
+              <a:t>59</a:t>
             </a:fld>
             <a:endParaRPr lang="it-IT" dirty="0"/>
           </a:p>
@@ -25404,7 +24757,438 @@
 </p:sld>
 </file>
 
-<file path=ppt/slides/slide62.xml><?xml version="1.0" encoding="utf-8"?>
+<file path=ppt/slides/slide6.xml><?xml version="1.0" encoding="utf-8"?>
+<p:sld xmlns:a="http://schemas.openxmlformats.org/drawingml/2006/main" xmlns:r="http://schemas.openxmlformats.org/officeDocument/2006/relationships" xmlns:p="http://schemas.openxmlformats.org/presentationml/2006/main">
+  <p:cSld>
+    <p:spTree>
+      <p:nvGrpSpPr>
+        <p:cNvPr id="1" name=""/>
+        <p:cNvGrpSpPr/>
+        <p:nvPr/>
+      </p:nvGrpSpPr>
+      <p:grpSpPr>
+        <a:xfrm>
+          <a:off x="0" y="0"/>
+          <a:ext cx="0" cy="0"/>
+          <a:chOff x="0" y="0"/>
+          <a:chExt cx="0" cy="0"/>
+        </a:xfrm>
+      </p:grpSpPr>
+      <p:sp>
+        <p:nvSpPr>
+          <p:cNvPr id="2" name="Titolo 1">
+            <a:extLst>
+              <a:ext uri="{FF2B5EF4-FFF2-40B4-BE49-F238E27FC236}">
+                <a16:creationId xmlns:a16="http://schemas.microsoft.com/office/drawing/2014/main" id="{1F0B84B1-06CB-4AB0-A7AA-70D710FE60A9}"/>
+              </a:ext>
+            </a:extLst>
+          </p:cNvPr>
+          <p:cNvSpPr>
+            <a:spLocks noGrp="1"/>
+          </p:cNvSpPr>
+          <p:nvPr>
+            <p:ph type="title"/>
+          </p:nvPr>
+        </p:nvSpPr>
+        <p:spPr/>
+        <p:txBody>
+          <a:bodyPr/>
+          <a:lstStyle/>
+          <a:p>
+            <a:r>
+              <a:rPr lang="it-IT" dirty="0"/>
+              <a:t>Activity</a:t>
+            </a:r>
+          </a:p>
+        </p:txBody>
+      </p:sp>
+      <p:sp>
+        <p:nvSpPr>
+          <p:cNvPr id="3" name="Segnaposto contenuto 2">
+            <a:extLst>
+              <a:ext uri="{FF2B5EF4-FFF2-40B4-BE49-F238E27FC236}">
+                <a16:creationId xmlns:a16="http://schemas.microsoft.com/office/drawing/2014/main" id="{43D058E3-F6FC-4153-908B-BC6BB7823AAE}"/>
+              </a:ext>
+            </a:extLst>
+          </p:cNvPr>
+          <p:cNvSpPr>
+            <a:spLocks noGrp="1"/>
+          </p:cNvSpPr>
+          <p:nvPr>
+            <p:ph idx="1"/>
+          </p:nvPr>
+        </p:nvSpPr>
+        <p:spPr/>
+        <p:txBody>
+          <a:bodyPr>
+            <a:normAutofit fontScale="92500" lnSpcReduction="10000"/>
+          </a:bodyPr>
+          <a:lstStyle/>
+          <a:p>
+            <a:r>
+              <a:rPr lang="en-GB" dirty="0"/>
+              <a:t>Unlike</a:t>
+            </a:r>
+            <a:r>
+              <a:rPr lang="it-IT" dirty="0"/>
+              <a:t> programming para</a:t>
+            </a:r>
+            <a:r>
+              <a:rPr lang="en-GB" dirty="0"/>
+              <a:t>d</a:t>
+            </a:r>
+            <a:r>
+              <a:rPr lang="it-IT" dirty="0" err="1"/>
+              <a:t>igms</a:t>
+            </a:r>
+            <a:r>
+              <a:rPr lang="it-IT" dirty="0"/>
+              <a:t> in </a:t>
+            </a:r>
+            <a:r>
+              <a:rPr lang="it-IT" dirty="0" err="1"/>
+              <a:t>which</a:t>
+            </a:r>
+            <a:r>
+              <a:rPr lang="it-IT" dirty="0"/>
+              <a:t> app are </a:t>
+            </a:r>
+            <a:r>
+              <a:rPr lang="it-IT" dirty="0" err="1"/>
+              <a:t>launch</a:t>
+            </a:r>
+            <a:r>
+              <a:rPr lang="it-IT" dirty="0"/>
+              <a:t> with a </a:t>
+            </a:r>
+            <a:r>
+              <a:rPr lang="it-IT" dirty="0" err="1"/>
+              <a:t>main</a:t>
+            </a:r>
+            <a:r>
+              <a:rPr lang="it-IT" dirty="0"/>
+              <a:t>(), the Android system </a:t>
+            </a:r>
+            <a:r>
+              <a:rPr lang="it-IT" dirty="0" err="1"/>
+              <a:t>initiates</a:t>
+            </a:r>
+            <a:r>
+              <a:rPr lang="it-IT" dirty="0"/>
+              <a:t> code in an Activity by </a:t>
+            </a:r>
+            <a:r>
+              <a:rPr lang="it-IT" dirty="0" err="1"/>
+              <a:t>invoking</a:t>
+            </a:r>
+            <a:r>
+              <a:rPr lang="it-IT" dirty="0"/>
+              <a:t> </a:t>
+            </a:r>
+            <a:r>
+              <a:rPr lang="it-IT" dirty="0" err="1"/>
+              <a:t>specificic</a:t>
+            </a:r>
+            <a:r>
+              <a:rPr lang="it-IT" dirty="0"/>
+              <a:t> </a:t>
+            </a:r>
+            <a:r>
+              <a:rPr lang="it-IT" dirty="0" err="1"/>
+              <a:t>method</a:t>
+            </a:r>
+            <a:r>
+              <a:rPr lang="it-IT" dirty="0"/>
+              <a:t>.</a:t>
+            </a:r>
+          </a:p>
+          <a:p>
+            <a:r>
+              <a:rPr lang="it-IT" b="1" dirty="0" err="1"/>
+              <a:t>Why</a:t>
+            </a:r>
+            <a:r>
+              <a:rPr lang="it-IT" b="1" dirty="0"/>
+              <a:t>? </a:t>
+            </a:r>
+            <a:r>
+              <a:rPr lang="it-IT" dirty="0"/>
+              <a:t>In mobile-app, </a:t>
+            </a:r>
+            <a:r>
+              <a:rPr lang="it-IT" dirty="0" err="1"/>
+              <a:t>user's</a:t>
+            </a:r>
+            <a:r>
+              <a:rPr lang="it-IT" dirty="0"/>
+              <a:t> interaction </a:t>
+            </a:r>
+            <a:r>
+              <a:rPr lang="it-IT" dirty="0" err="1"/>
+              <a:t>doesn't</a:t>
+            </a:r>
+            <a:r>
+              <a:rPr lang="it-IT" dirty="0"/>
+              <a:t> </a:t>
+            </a:r>
+            <a:r>
+              <a:rPr lang="it-IT" dirty="0" err="1"/>
+              <a:t>always</a:t>
+            </a:r>
+            <a:r>
+              <a:rPr lang="it-IT" dirty="0"/>
+              <a:t> </a:t>
+            </a:r>
+            <a:r>
+              <a:rPr lang="it-IT" dirty="0" err="1"/>
+              <a:t>begin</a:t>
+            </a:r>
+            <a:r>
+              <a:rPr lang="it-IT" dirty="0"/>
+              <a:t> in the </a:t>
+            </a:r>
+            <a:r>
+              <a:rPr lang="it-IT" dirty="0" err="1"/>
+              <a:t>same</a:t>
+            </a:r>
+            <a:r>
+              <a:rPr lang="it-IT" dirty="0"/>
+              <a:t> place (e.g. app </a:t>
+            </a:r>
+            <a:r>
+              <a:rPr lang="it-IT" dirty="0" err="1"/>
+              <a:t>could</a:t>
+            </a:r>
+            <a:r>
+              <a:rPr lang="it-IT" dirty="0"/>
+              <a:t> be </a:t>
+            </a:r>
+            <a:r>
+              <a:rPr lang="it-IT" dirty="0" err="1"/>
+              <a:t>started</a:t>
+            </a:r>
+            <a:r>
+              <a:rPr lang="it-IT" dirty="0"/>
+              <a:t> with the </a:t>
+            </a:r>
+            <a:r>
+              <a:rPr lang="it-IT" dirty="0" err="1"/>
+              <a:t>launch</a:t>
+            </a:r>
+            <a:r>
+              <a:rPr lang="it-IT" dirty="0"/>
+              <a:t> </a:t>
+            </a:r>
+            <a:r>
+              <a:rPr lang="it-IT" dirty="0" err="1"/>
+              <a:t>icon</a:t>
+            </a:r>
+            <a:r>
+              <a:rPr lang="it-IT" dirty="0"/>
+              <a:t> and user </a:t>
+            </a:r>
+            <a:r>
+              <a:rPr lang="it-IT" dirty="0" err="1"/>
+              <a:t>might</a:t>
+            </a:r>
+            <a:r>
+              <a:rPr lang="it-IT" dirty="0"/>
+              <a:t> </a:t>
+            </a:r>
+            <a:r>
+              <a:rPr lang="it-IT" dirty="0" err="1"/>
+              <a:t>see</a:t>
+            </a:r>
+            <a:r>
+              <a:rPr lang="it-IT" dirty="0"/>
+              <a:t> a </a:t>
+            </a:r>
+            <a:r>
+              <a:rPr lang="it-IT" dirty="0" err="1"/>
+              <a:t>specific</a:t>
+            </a:r>
+            <a:r>
+              <a:rPr lang="it-IT" dirty="0"/>
+              <a:t> window, </a:t>
+            </a:r>
+            <a:r>
+              <a:rPr lang="it-IT" dirty="0" err="1"/>
+              <a:t>but</a:t>
+            </a:r>
+            <a:r>
+              <a:rPr lang="it-IT" dirty="0"/>
+              <a:t>, </a:t>
+            </a:r>
+            <a:r>
+              <a:rPr lang="it-IT" dirty="0" err="1"/>
+              <a:t>it</a:t>
+            </a:r>
+            <a:r>
+              <a:rPr lang="it-IT" dirty="0"/>
+              <a:t> </a:t>
+            </a:r>
+            <a:r>
+              <a:rPr lang="it-IT" dirty="0" err="1"/>
+              <a:t>could</a:t>
+            </a:r>
+            <a:r>
+              <a:rPr lang="it-IT" dirty="0"/>
+              <a:t> be </a:t>
+            </a:r>
+            <a:r>
+              <a:rPr lang="it-IT" dirty="0" err="1"/>
+              <a:t>started</a:t>
+            </a:r>
+            <a:r>
+              <a:rPr lang="it-IT" dirty="0"/>
+              <a:t> </a:t>
+            </a:r>
+            <a:r>
+              <a:rPr lang="it-IT" dirty="0" err="1"/>
+              <a:t>also</a:t>
+            </a:r>
+            <a:r>
+              <a:rPr lang="it-IT" dirty="0"/>
+              <a:t> </a:t>
+            </a:r>
+            <a:r>
+              <a:rPr lang="it-IT" dirty="0" err="1"/>
+              <a:t>using</a:t>
+            </a:r>
+            <a:r>
+              <a:rPr lang="it-IT" dirty="0"/>
+              <a:t> </a:t>
+            </a:r>
+            <a:r>
+              <a:rPr lang="it-IT" dirty="0" err="1"/>
+              <a:t>another</a:t>
+            </a:r>
+            <a:r>
+              <a:rPr lang="it-IT" dirty="0"/>
+              <a:t> app and user </a:t>
+            </a:r>
+            <a:r>
+              <a:rPr lang="it-IT" dirty="0" err="1"/>
+              <a:t>might</a:t>
+            </a:r>
+            <a:r>
+              <a:rPr lang="it-IT" dirty="0"/>
+              <a:t> se </a:t>
+            </a:r>
+            <a:r>
+              <a:rPr lang="it-IT" dirty="0" err="1"/>
+              <a:t>another</a:t>
+            </a:r>
+            <a:r>
+              <a:rPr lang="it-IT" dirty="0"/>
+              <a:t> </a:t>
+            </a:r>
+            <a:r>
+              <a:rPr lang="it-IT" dirty="0" err="1"/>
+              <a:t>different</a:t>
+            </a:r>
+            <a:r>
+              <a:rPr lang="it-IT" dirty="0"/>
+              <a:t> window). Activity </a:t>
+            </a:r>
+            <a:r>
+              <a:rPr lang="it-IT" dirty="0" err="1"/>
+              <a:t>is</a:t>
+            </a:r>
+            <a:r>
+              <a:rPr lang="it-IT" dirty="0"/>
+              <a:t> </a:t>
+            </a:r>
+            <a:r>
+              <a:rPr lang="it-IT" dirty="0" err="1"/>
+              <a:t>designed</a:t>
+            </a:r>
+            <a:r>
+              <a:rPr lang="it-IT" dirty="0"/>
+              <a:t> to facilitate </a:t>
+            </a:r>
+            <a:r>
+              <a:rPr lang="it-IT" dirty="0" err="1"/>
+              <a:t>this</a:t>
+            </a:r>
+            <a:r>
+              <a:rPr lang="it-IT" dirty="0"/>
+              <a:t> </a:t>
+            </a:r>
+            <a:r>
+              <a:rPr lang="it-IT" dirty="0" err="1"/>
+              <a:t>paradigm</a:t>
+            </a:r>
+            <a:r>
+              <a:rPr lang="it-IT" dirty="0"/>
+              <a:t>, </a:t>
+            </a:r>
+            <a:r>
+              <a:rPr lang="it-IT" dirty="0" err="1"/>
+              <a:t>it</a:t>
+            </a:r>
+            <a:r>
+              <a:rPr lang="it-IT" dirty="0"/>
+              <a:t> </a:t>
+            </a:r>
+            <a:r>
+              <a:rPr lang="en-GB" dirty="0"/>
+              <a:t>serves as the entry point for an app's interaction with the user</a:t>
+            </a:r>
+          </a:p>
+          <a:p>
+            <a:r>
+              <a:rPr lang="en-GB" b="1" dirty="0"/>
+              <a:t>An activity provides the window in which the app draws its UI.</a:t>
+            </a:r>
+            <a:endParaRPr lang="it-IT" b="1" dirty="0"/>
+          </a:p>
+        </p:txBody>
+      </p:sp>
+      <p:sp>
+        <p:nvSpPr>
+          <p:cNvPr id="4" name="Segnaposto numero diapositiva 3">
+            <a:extLst>
+              <a:ext uri="{FF2B5EF4-FFF2-40B4-BE49-F238E27FC236}">
+                <a16:creationId xmlns:a16="http://schemas.microsoft.com/office/drawing/2014/main" id="{3ED20E81-F9C3-4945-9EDA-7345CD0F69D3}"/>
+              </a:ext>
+            </a:extLst>
+          </p:cNvPr>
+          <p:cNvSpPr>
+            <a:spLocks noGrp="1"/>
+          </p:cNvSpPr>
+          <p:nvPr>
+            <p:ph type="sldNum" sz="quarter" idx="12"/>
+          </p:nvPr>
+        </p:nvSpPr>
+        <p:spPr/>
+        <p:txBody>
+          <a:bodyPr/>
+          <a:lstStyle/>
+          <a:p>
+            <a:fld id="{D2040F39-7941-49A4-B48D-F201B18B6351}" type="slidenum">
+              <a:rPr lang="it-IT" smtClean="0"/>
+              <a:pPr/>
+              <a:t>6</a:t>
+            </a:fld>
+            <a:endParaRPr lang="it-IT" dirty="0"/>
+          </a:p>
+        </p:txBody>
+      </p:sp>
+    </p:spTree>
+    <p:extLst>
+      <p:ext uri="{BB962C8B-B14F-4D97-AF65-F5344CB8AC3E}">
+        <p14:creationId xmlns:p14="http://schemas.microsoft.com/office/powerpoint/2010/main" val="3999457021"/>
+      </p:ext>
+    </p:extLst>
+  </p:cSld>
+  <p:clrMapOvr>
+    <a:masterClrMapping/>
+  </p:clrMapOvr>
+</p:sld>
+</file>
+
+<file path=ppt/slides/slide60.xml><?xml version="1.0" encoding="utf-8"?>
 <p:sld xmlns:a="http://schemas.openxmlformats.org/drawingml/2006/main" xmlns:r="http://schemas.openxmlformats.org/officeDocument/2006/relationships" xmlns:p="http://schemas.openxmlformats.org/presentationml/2006/main">
   <p:cSld>
     <p:spTree>
@@ -25761,7 +25545,7 @@
             <a:fld id="{D2040F39-7941-49A4-B48D-F201B18B6351}" type="slidenum">
               <a:rPr lang="it-IT" smtClean="0"/>
               <a:pPr/>
-              <a:t>62</a:t>
+              <a:t>60</a:t>
             </a:fld>
             <a:endParaRPr lang="it-IT" dirty="0"/>
           </a:p>
@@ -25809,7 +25593,7 @@
 </p:sld>
 </file>
 
-<file path=ppt/slides/slide63.xml><?xml version="1.0" encoding="utf-8"?>
+<file path=ppt/slides/slide61.xml><?xml version="1.0" encoding="utf-8"?>
 <p:sld xmlns:a="http://schemas.openxmlformats.org/drawingml/2006/main" xmlns:r="http://schemas.openxmlformats.org/officeDocument/2006/relationships" xmlns:p="http://schemas.openxmlformats.org/presentationml/2006/main">
   <p:cSld>
     <p:spTree>
@@ -25976,7 +25760,7 @@
             <a:fld id="{D2040F39-7941-49A4-B48D-F201B18B6351}" type="slidenum">
               <a:rPr lang="it-IT" smtClean="0"/>
               <a:pPr/>
-              <a:t>63</a:t>
+              <a:t>61</a:t>
             </a:fld>
             <a:endParaRPr lang="it-IT" dirty="0"/>
           </a:p>
@@ -26044,7 +25828,7 @@
 </p:sld>
 </file>
 
-<file path=ppt/slides/slide64.xml><?xml version="1.0" encoding="utf-8"?>
+<file path=ppt/slides/slide62.xml><?xml version="1.0" encoding="utf-8"?>
 <p:sld xmlns:a="http://schemas.openxmlformats.org/drawingml/2006/main" xmlns:r="http://schemas.openxmlformats.org/officeDocument/2006/relationships" xmlns:p="http://schemas.openxmlformats.org/presentationml/2006/main">
   <p:cSld>
     <p:spTree>
@@ -26288,7 +26072,7 @@
             <a:fld id="{D2040F39-7941-49A4-B48D-F201B18B6351}" type="slidenum">
               <a:rPr lang="it-IT" smtClean="0"/>
               <a:pPr/>
-              <a:t>64</a:t>
+              <a:t>62</a:t>
             </a:fld>
             <a:endParaRPr lang="it-IT" dirty="0"/>
           </a:p>
@@ -26336,7 +26120,7 @@
 </p:sld>
 </file>
 
-<file path=ppt/slides/slide65.xml><?xml version="1.0" encoding="utf-8"?>
+<file path=ppt/slides/slide63.xml><?xml version="1.0" encoding="utf-8"?>
 <p:sld xmlns:a="http://schemas.openxmlformats.org/drawingml/2006/main" xmlns:r="http://schemas.openxmlformats.org/officeDocument/2006/relationships" xmlns:p="http://schemas.openxmlformats.org/presentationml/2006/main">
   <p:cSld>
     <p:spTree>
@@ -26483,7 +26267,7 @@
             <a:fld id="{D2040F39-7941-49A4-B48D-F201B18B6351}" type="slidenum">
               <a:rPr lang="it-IT" smtClean="0"/>
               <a:pPr/>
-              <a:t>65</a:t>
+              <a:t>63</a:t>
             </a:fld>
             <a:endParaRPr lang="it-IT" dirty="0"/>
           </a:p>
@@ -26502,7 +26286,7 @@
 </p:sld>
 </file>
 
-<file path=ppt/slides/slide66.xml><?xml version="1.0" encoding="utf-8"?>
+<file path=ppt/slides/slide64.xml><?xml version="1.0" encoding="utf-8"?>
 <p:sld xmlns:a="http://schemas.openxmlformats.org/drawingml/2006/main" xmlns:r="http://schemas.openxmlformats.org/officeDocument/2006/relationships" xmlns:p="http://schemas.openxmlformats.org/presentationml/2006/main">
   <p:cSld>
     <p:spTree>
@@ -26650,7 +26434,7 @@
             <a:fld id="{D2040F39-7941-49A4-B48D-F201B18B6351}" type="slidenum">
               <a:rPr lang="it-IT" smtClean="0"/>
               <a:pPr/>
-              <a:t>66</a:t>
+              <a:t>64</a:t>
             </a:fld>
             <a:endParaRPr lang="it-IT" dirty="0"/>
           </a:p>
@@ -26762,7 +26546,7 @@
 </p:sld>
 </file>
 
-<file path=ppt/slides/slide67.xml><?xml version="1.0" encoding="utf-8"?>
+<file path=ppt/slides/slide65.xml><?xml version="1.0" encoding="utf-8"?>
 <p:sld xmlns:a="http://schemas.openxmlformats.org/drawingml/2006/main" xmlns:r="http://schemas.openxmlformats.org/officeDocument/2006/relationships" xmlns:p="http://schemas.openxmlformats.org/presentationml/2006/main">
   <p:cSld>
     <p:spTree>
@@ -26831,7 +26615,7 @@
             <a:fld id="{D2040F39-7941-49A4-B48D-F201B18B6351}" type="slidenum">
               <a:rPr lang="it-IT" smtClean="0"/>
               <a:pPr/>
-              <a:t>67</a:t>
+              <a:t>65</a:t>
             </a:fld>
             <a:endParaRPr lang="it-IT" dirty="0"/>
           </a:p>
@@ -28542,7 +28326,7 @@
 </p:sld>
 </file>
 
-<file path=ppt/slides/slide68.xml><?xml version="1.0" encoding="utf-8"?>
+<file path=ppt/slides/slide66.xml><?xml version="1.0" encoding="utf-8"?>
 <p:sld xmlns:a="http://schemas.openxmlformats.org/drawingml/2006/main" xmlns:r="http://schemas.openxmlformats.org/officeDocument/2006/relationships" xmlns:p="http://schemas.openxmlformats.org/presentationml/2006/main">
   <p:cSld>
     <p:spTree>
@@ -29639,7 +29423,7 @@
             <a:fld id="{D2040F39-7941-49A4-B48D-F201B18B6351}" type="slidenum">
               <a:rPr lang="it-IT" smtClean="0"/>
               <a:pPr/>
-              <a:t>68</a:t>
+              <a:t>66</a:t>
             </a:fld>
             <a:endParaRPr lang="it-IT" dirty="0"/>
           </a:p>
@@ -29658,7 +29442,7 @@
 </p:sld>
 </file>
 
-<file path=ppt/slides/slide69.xml><?xml version="1.0" encoding="utf-8"?>
+<file path=ppt/slides/slide67.xml><?xml version="1.0" encoding="utf-8"?>
 <p:sld xmlns:a="http://schemas.openxmlformats.org/drawingml/2006/main" xmlns:r="http://schemas.openxmlformats.org/officeDocument/2006/relationships" xmlns:p="http://schemas.openxmlformats.org/presentationml/2006/main">
   <p:cSld>
     <p:spTree>
@@ -29920,7 +29704,7 @@
             <a:fld id="{D2040F39-7941-49A4-B48D-F201B18B6351}" type="slidenum">
               <a:rPr lang="it-IT" smtClean="0"/>
               <a:pPr/>
-              <a:t>69</a:t>
+              <a:t>67</a:t>
             </a:fld>
             <a:endParaRPr lang="it-IT" dirty="0"/>
           </a:p>
@@ -29939,233 +29723,7 @@
 </p:sld>
 </file>
 
-<file path=ppt/slides/slide7.xml><?xml version="1.0" encoding="utf-8"?>
-<p:sld xmlns:a="http://schemas.openxmlformats.org/drawingml/2006/main" xmlns:r="http://schemas.openxmlformats.org/officeDocument/2006/relationships" xmlns:p="http://schemas.openxmlformats.org/presentationml/2006/main">
-  <p:cSld>
-    <p:spTree>
-      <p:nvGrpSpPr>
-        <p:cNvPr id="1" name=""/>
-        <p:cNvGrpSpPr/>
-        <p:nvPr/>
-      </p:nvGrpSpPr>
-      <p:grpSpPr>
-        <a:xfrm>
-          <a:off x="0" y="0"/>
-          <a:ext cx="0" cy="0"/>
-          <a:chOff x="0" y="0"/>
-          <a:chExt cx="0" cy="0"/>
-        </a:xfrm>
-      </p:grpSpPr>
-      <p:sp>
-        <p:nvSpPr>
-          <p:cNvPr id="2" name="Title 1"/>
-          <p:cNvSpPr>
-            <a:spLocks noGrp="1"/>
-          </p:cNvSpPr>
-          <p:nvPr>
-            <p:ph type="title"/>
-          </p:nvPr>
-        </p:nvSpPr>
-        <p:spPr/>
-        <p:txBody>
-          <a:bodyPr anchor="ctr">
-            <a:normAutofit/>
-          </a:bodyPr>
-          <a:lstStyle/>
-          <a:p>
-            <a:r>
-              <a:rPr lang="en-US" dirty="0"/>
-              <a:t>Application core components</a:t>
-            </a:r>
-          </a:p>
-        </p:txBody>
-      </p:sp>
-      <p:sp>
-        <p:nvSpPr>
-          <p:cNvPr id="9" name="Content Placeholder 2">
-            <a:extLst>
-              <a:ext uri="{FF2B5EF4-FFF2-40B4-BE49-F238E27FC236}">
-                <a16:creationId xmlns:a16="http://schemas.microsoft.com/office/drawing/2014/main" id="{EE8BC2F5-302E-4C97-82A7-705D04ABCB6B}"/>
-              </a:ext>
-            </a:extLst>
-          </p:cNvPr>
-          <p:cNvSpPr>
-            <a:spLocks noGrp="1"/>
-          </p:cNvSpPr>
-          <p:nvPr>
-            <p:ph idx="1"/>
-          </p:nvPr>
-        </p:nvSpPr>
-        <p:spPr/>
-        <p:txBody>
-          <a:bodyPr>
-            <a:normAutofit fontScale="77500" lnSpcReduction="20000"/>
-          </a:bodyPr>
-          <a:lstStyle/>
-          <a:p>
-            <a:pPr marL="0" indent="0">
-              <a:buNone/>
-            </a:pPr>
-            <a:r>
-              <a:rPr lang="en-US" dirty="0"/>
-              <a:t>App is composed by several elements, bounded in Android Manifest (which describe each of them and how they interact)</a:t>
-            </a:r>
-          </a:p>
-          <a:p>
-            <a:r>
-              <a:rPr lang="en-US" dirty="0">
-                <a:solidFill>
-                  <a:srgbClr val="FF0000"/>
-                </a:solidFill>
-              </a:rPr>
-              <a:t>Activities: </a:t>
-            </a:r>
-            <a:r>
-              <a:rPr lang="en-US" dirty="0"/>
-              <a:t>app presentation layer. The app’s UI is built around activities, which use </a:t>
-            </a:r>
-            <a:r>
-              <a:rPr lang="en-US" i="1" dirty="0"/>
-              <a:t>Views</a:t>
-            </a:r>
-            <a:r>
-              <a:rPr lang="en-US" dirty="0"/>
-              <a:t> and </a:t>
-            </a:r>
-            <a:r>
-              <a:rPr lang="en-US" i="1" dirty="0"/>
-              <a:t>Fragments</a:t>
-            </a:r>
-            <a:r>
-              <a:rPr lang="en-US" dirty="0"/>
-              <a:t> to display info and interact with user</a:t>
-            </a:r>
-          </a:p>
-          <a:p>
-            <a:r>
-              <a:rPr lang="en-US" dirty="0">
-                <a:solidFill>
-                  <a:srgbClr val="FF0000"/>
-                </a:solidFill>
-              </a:rPr>
-              <a:t>Services: </a:t>
-            </a:r>
-            <a:r>
-              <a:rPr lang="en-US" dirty="0"/>
-              <a:t>run without UI (update data, trigger notifications…)</a:t>
-            </a:r>
-          </a:p>
-          <a:p>
-            <a:r>
-              <a:rPr lang="en-US" dirty="0">
-                <a:solidFill>
-                  <a:srgbClr val="FF0000"/>
-                </a:solidFill>
-              </a:rPr>
-              <a:t>Broadcast receivers: </a:t>
-            </a:r>
-            <a:r>
-              <a:rPr lang="en-US" dirty="0"/>
-              <a:t>used to configure app to listen only Intents that match your specifications</a:t>
-            </a:r>
-          </a:p>
-          <a:p>
-            <a:r>
-              <a:rPr lang="en-US" dirty="0">
-                <a:solidFill>
-                  <a:srgbClr val="FF0000"/>
-                </a:solidFill>
-              </a:rPr>
-              <a:t>Content providers: </a:t>
-            </a:r>
-            <a:r>
-              <a:rPr lang="en-US" dirty="0"/>
-              <a:t>used to share data across application boundaries</a:t>
-            </a:r>
-          </a:p>
-          <a:p>
-            <a:r>
-              <a:rPr lang="en-US" dirty="0">
-                <a:solidFill>
-                  <a:srgbClr val="FF0000"/>
-                </a:solidFill>
-              </a:rPr>
-              <a:t>Intents: </a:t>
-            </a:r>
-            <a:r>
-              <a:rPr lang="en-US" dirty="0"/>
-              <a:t>inter and intra application  way to exchange massages, you can start Activities, Services… </a:t>
-            </a:r>
-          </a:p>
-          <a:p>
-            <a:r>
-              <a:rPr lang="en-US" dirty="0">
-                <a:solidFill>
-                  <a:srgbClr val="FF0000"/>
-                </a:solidFill>
-              </a:rPr>
-              <a:t>Notifications: </a:t>
-            </a:r>
-            <a:r>
-              <a:rPr lang="en-US" dirty="0"/>
-              <a:t>used to alert user to application events without interrupting current Activity</a:t>
-            </a:r>
-          </a:p>
-        </p:txBody>
-      </p:sp>
-      <p:sp>
-        <p:nvSpPr>
-          <p:cNvPr id="11" name="Slide Number Placeholder 3">
-            <a:extLst>
-              <a:ext uri="{FF2B5EF4-FFF2-40B4-BE49-F238E27FC236}">
-                <a16:creationId xmlns:a16="http://schemas.microsoft.com/office/drawing/2014/main" id="{CE491277-20F1-46D6-9B43-FE203ECD7578}"/>
-              </a:ext>
-            </a:extLst>
-          </p:cNvPr>
-          <p:cNvSpPr>
-            <a:spLocks noGrp="1"/>
-          </p:cNvSpPr>
-          <p:nvPr>
-            <p:ph type="sldNum" sz="quarter" idx="12"/>
-          </p:nvPr>
-        </p:nvSpPr>
-        <p:spPr/>
-        <p:txBody>
-          <a:bodyPr/>
-          <a:lstStyle/>
-          <a:p>
-            <a:pPr>
-              <a:spcAft>
-                <a:spcPts val="600"/>
-              </a:spcAft>
-            </a:pPr>
-            <a:fld id="{D2040F39-7941-49A4-B48D-F201B18B6351}" type="slidenum">
-              <a:rPr lang="it-IT" smtClean="0"/>
-              <a:pPr>
-                <a:spcAft>
-                  <a:spcPts val="600"/>
-                </a:spcAft>
-              </a:pPr>
-              <a:t>7</a:t>
-            </a:fld>
-            <a:endParaRPr lang="it-IT"/>
-          </a:p>
-        </p:txBody>
-      </p:sp>
-    </p:spTree>
-    <p:extLst>
-      <p:ext uri="{BB962C8B-B14F-4D97-AF65-F5344CB8AC3E}">
-        <p14:creationId xmlns:p14="http://schemas.microsoft.com/office/powerpoint/2010/main" val="265298269"/>
-      </p:ext>
-    </p:extLst>
-  </p:cSld>
-  <p:clrMapOvr>
-    <a:masterClrMapping/>
-  </p:clrMapOvr>
-</p:sld>
-</file>
-
-<file path=ppt/slides/slide70.xml><?xml version="1.0" encoding="utf-8"?>
+<file path=ppt/slides/slide68.xml><?xml version="1.0" encoding="utf-8"?>
 <p:sld xmlns:a="http://schemas.openxmlformats.org/drawingml/2006/main" xmlns:r="http://schemas.openxmlformats.org/officeDocument/2006/relationships" xmlns:p="http://schemas.openxmlformats.org/presentationml/2006/main">
   <p:cSld>
     <p:spTree>
@@ -30345,7 +29903,7 @@
             <a:fld id="{D2040F39-7941-49A4-B48D-F201B18B6351}" type="slidenum">
               <a:rPr lang="it-IT" smtClean="0"/>
               <a:pPr/>
-              <a:t>70</a:t>
+              <a:t>68</a:t>
             </a:fld>
             <a:endParaRPr lang="it-IT" dirty="0"/>
           </a:p>
@@ -30364,7 +29922,7 @@
 </p:sld>
 </file>
 
-<file path=ppt/slides/slide71.xml><?xml version="1.0" encoding="utf-8"?>
+<file path=ppt/slides/slide69.xml><?xml version="1.0" encoding="utf-8"?>
 <p:sld xmlns:a="http://schemas.openxmlformats.org/drawingml/2006/main" xmlns:r="http://schemas.openxmlformats.org/officeDocument/2006/relationships" xmlns:p="http://schemas.openxmlformats.org/presentationml/2006/main">
   <p:cSld>
     <p:spTree>
@@ -30589,7 +30147,7 @@
             <a:fld id="{D2040F39-7941-49A4-B48D-F201B18B6351}" type="slidenum">
               <a:rPr lang="it-IT" smtClean="0"/>
               <a:pPr/>
-              <a:t>71</a:t>
+              <a:t>69</a:t>
             </a:fld>
             <a:endParaRPr lang="it-IT" dirty="0"/>
           </a:p>
@@ -30608,7 +30166,164 @@
 </p:sld>
 </file>
 
-<file path=ppt/slides/slide72.xml><?xml version="1.0" encoding="utf-8"?>
+<file path=ppt/slides/slide7.xml><?xml version="1.0" encoding="utf-8"?>
+<p:sld xmlns:a="http://schemas.openxmlformats.org/drawingml/2006/main" xmlns:r="http://schemas.openxmlformats.org/officeDocument/2006/relationships" xmlns:p="http://schemas.openxmlformats.org/presentationml/2006/main">
+  <p:cSld>
+    <p:spTree>
+      <p:nvGrpSpPr>
+        <p:cNvPr id="1" name=""/>
+        <p:cNvGrpSpPr/>
+        <p:nvPr/>
+      </p:nvGrpSpPr>
+      <p:grpSpPr>
+        <a:xfrm>
+          <a:off x="0" y="0"/>
+          <a:ext cx="0" cy="0"/>
+          <a:chOff x="0" y="0"/>
+          <a:chExt cx="0" cy="0"/>
+        </a:xfrm>
+      </p:grpSpPr>
+      <p:sp>
+        <p:nvSpPr>
+          <p:cNvPr id="2" name="Title 1">
+            <a:extLst>
+              <a:ext uri="{FF2B5EF4-FFF2-40B4-BE49-F238E27FC236}">
+                <a16:creationId xmlns:a16="http://schemas.microsoft.com/office/drawing/2014/main" id="{21A46125-BE62-41FA-BB83-27D74BCA8247}"/>
+              </a:ext>
+            </a:extLst>
+          </p:cNvPr>
+          <p:cNvSpPr>
+            <a:spLocks noGrp="1"/>
+          </p:cNvSpPr>
+          <p:nvPr>
+            <p:ph type="title"/>
+          </p:nvPr>
+        </p:nvSpPr>
+        <p:spPr/>
+        <p:txBody>
+          <a:bodyPr/>
+          <a:lstStyle/>
+          <a:p>
+            <a:r>
+              <a:rPr lang="en-GB" dirty="0"/>
+              <a:t>Activity lifecycle</a:t>
+            </a:r>
+          </a:p>
+        </p:txBody>
+      </p:sp>
+      <p:sp>
+        <p:nvSpPr>
+          <p:cNvPr id="3" name="Content Placeholder 2">
+            <a:extLst>
+              <a:ext uri="{FF2B5EF4-FFF2-40B4-BE49-F238E27FC236}">
+                <a16:creationId xmlns:a16="http://schemas.microsoft.com/office/drawing/2014/main" id="{53FD6CF7-9F0C-4738-8B5F-83843AE743FF}"/>
+              </a:ext>
+            </a:extLst>
+          </p:cNvPr>
+          <p:cNvSpPr>
+            <a:spLocks noGrp="1"/>
+          </p:cNvSpPr>
+          <p:nvPr>
+            <p:ph idx="1"/>
+          </p:nvPr>
+        </p:nvSpPr>
+        <p:spPr/>
+        <p:txBody>
+          <a:bodyPr>
+            <a:normAutofit fontScale="92500" lnSpcReduction="10000"/>
+          </a:bodyPr>
+          <a:lstStyle/>
+          <a:p>
+            <a:r>
+              <a:rPr lang="en-GB" dirty="0"/>
+              <a:t>When user navigate through an app, the Activity instances transition through different states of their lifecycle. </a:t>
+            </a:r>
+          </a:p>
+          <a:p>
+            <a:r>
+              <a:rPr lang="en-GB" dirty="0"/>
+              <a:t>Activities in the system are managed as </a:t>
+            </a:r>
+            <a:r>
+              <a:rPr lang="en-GB" b="1" dirty="0"/>
+              <a:t>activity stacks </a:t>
+            </a:r>
+            <a:r>
+              <a:rPr lang="en-GB" dirty="0"/>
+              <a:t>by</a:t>
+            </a:r>
+            <a:r>
+              <a:rPr lang="en-GB" dirty="0">
+                <a:solidFill>
+                  <a:srgbClr val="FF0000"/>
+                </a:solidFill>
+              </a:rPr>
+              <a:t> </a:t>
+            </a:r>
+            <a:r>
+              <a:rPr lang="en-GB" b="1" dirty="0" err="1"/>
+              <a:t>ActivityManager</a:t>
+            </a:r>
+            <a:r>
+              <a:rPr lang="en-GB" dirty="0"/>
+              <a:t> using LRU-mechanism (When a new activity is started, it is usually placed on the top of the current stack and becomes the running activity -- the previous activity always remains below it in the stack, and will not come to the foreground again until the new activity exits.)</a:t>
+            </a:r>
+          </a:p>
+          <a:p>
+            <a:r>
+              <a:rPr lang="en-GB" dirty="0"/>
+              <a:t>Entire lifecycle is related to specific methods which are invoked by the system; developers can override them</a:t>
+            </a:r>
+          </a:p>
+          <a:p>
+            <a:endParaRPr lang="en-GB" dirty="0"/>
+          </a:p>
+        </p:txBody>
+      </p:sp>
+      <p:sp>
+        <p:nvSpPr>
+          <p:cNvPr id="4" name="Slide Number Placeholder 3">
+            <a:extLst>
+              <a:ext uri="{FF2B5EF4-FFF2-40B4-BE49-F238E27FC236}">
+                <a16:creationId xmlns:a16="http://schemas.microsoft.com/office/drawing/2014/main" id="{E606EF64-9EE0-461E-9376-C1A6FCDB33F1}"/>
+              </a:ext>
+            </a:extLst>
+          </p:cNvPr>
+          <p:cNvSpPr>
+            <a:spLocks noGrp="1"/>
+          </p:cNvSpPr>
+          <p:nvPr>
+            <p:ph type="sldNum" sz="quarter" idx="12"/>
+          </p:nvPr>
+        </p:nvSpPr>
+        <p:spPr/>
+        <p:txBody>
+          <a:bodyPr/>
+          <a:lstStyle/>
+          <a:p>
+            <a:fld id="{D2040F39-7941-49A4-B48D-F201B18B6351}" type="slidenum">
+              <a:rPr lang="it-IT" smtClean="0"/>
+              <a:pPr/>
+              <a:t>7</a:t>
+            </a:fld>
+            <a:endParaRPr lang="it-IT" dirty="0"/>
+          </a:p>
+        </p:txBody>
+      </p:sp>
+    </p:spTree>
+    <p:extLst>
+      <p:ext uri="{BB962C8B-B14F-4D97-AF65-F5344CB8AC3E}">
+        <p14:creationId xmlns:p14="http://schemas.microsoft.com/office/powerpoint/2010/main" val="4073641638"/>
+      </p:ext>
+    </p:extLst>
+  </p:cSld>
+  <p:clrMapOvr>
+    <a:masterClrMapping/>
+  </p:clrMapOvr>
+</p:sld>
+</file>
+
+<file path=ppt/slides/slide70.xml><?xml version="1.0" encoding="utf-8"?>
 <p:sld xmlns:a="http://schemas.openxmlformats.org/drawingml/2006/main" xmlns:r="http://schemas.openxmlformats.org/officeDocument/2006/relationships" xmlns:p="http://schemas.openxmlformats.org/presentationml/2006/main">
   <p:cSld>
     <p:spTree>
@@ -30792,7 +30507,7 @@
             <a:fld id="{D2040F39-7941-49A4-B48D-F201B18B6351}" type="slidenum">
               <a:rPr lang="it-IT" smtClean="0"/>
               <a:pPr/>
-              <a:t>72</a:t>
+              <a:t>70</a:t>
             </a:fld>
             <a:endParaRPr lang="it-IT" dirty="0"/>
           </a:p>
@@ -30811,7 +30526,7 @@
 </p:sld>
 </file>
 
-<file path=ppt/slides/slide73.xml><?xml version="1.0" encoding="utf-8"?>
+<file path=ppt/slides/slide71.xml><?xml version="1.0" encoding="utf-8"?>
 <p:sld xmlns:a="http://schemas.openxmlformats.org/drawingml/2006/main" xmlns:r="http://schemas.openxmlformats.org/officeDocument/2006/relationships" xmlns:p="http://schemas.openxmlformats.org/presentationml/2006/main">
   <p:cSld>
     <p:spTree>
@@ -31017,7 +30732,7 @@
             <a:fld id="{D2040F39-7941-49A4-B48D-F201B18B6351}" type="slidenum">
               <a:rPr lang="it-IT" smtClean="0"/>
               <a:pPr/>
-              <a:t>73</a:t>
+              <a:t>71</a:t>
             </a:fld>
             <a:endParaRPr lang="it-IT" dirty="0"/>
           </a:p>
@@ -31036,7 +30751,7 @@
 </p:sld>
 </file>
 
-<file path=ppt/slides/slide74.xml><?xml version="1.0" encoding="utf-8"?>
+<file path=ppt/slides/slide72.xml><?xml version="1.0" encoding="utf-8"?>
 <p:sld xmlns:a="http://schemas.openxmlformats.org/drawingml/2006/main" xmlns:r="http://schemas.openxmlformats.org/officeDocument/2006/relationships" xmlns:p="http://schemas.openxmlformats.org/presentationml/2006/main">
   <p:cSld>
     <p:spTree>
@@ -33812,7 +33527,7 @@
             <a:fld id="{D2040F39-7941-49A4-B48D-F201B18B6351}" type="slidenum">
               <a:rPr lang="it-IT" smtClean="0"/>
               <a:pPr/>
-              <a:t>74</a:t>
+              <a:t>72</a:t>
             </a:fld>
             <a:endParaRPr lang="it-IT" dirty="0"/>
           </a:p>
@@ -33831,7 +33546,7 @@
 </p:sld>
 </file>
 
-<file path=ppt/slides/slide75.xml><?xml version="1.0" encoding="utf-8"?>
+<file path=ppt/slides/slide73.xml><?xml version="1.0" encoding="utf-8"?>
 <p:sld xmlns:a="http://schemas.openxmlformats.org/drawingml/2006/main" xmlns:r="http://schemas.openxmlformats.org/officeDocument/2006/relationships" xmlns:p="http://schemas.openxmlformats.org/presentationml/2006/main">
   <p:cSld>
     <p:spTree>
@@ -35012,7 +34727,7 @@
             <a:fld id="{D2040F39-7941-49A4-B48D-F201B18B6351}" type="slidenum">
               <a:rPr lang="it-IT" smtClean="0"/>
               <a:pPr/>
-              <a:t>75</a:t>
+              <a:t>73</a:t>
             </a:fld>
             <a:endParaRPr lang="it-IT" dirty="0"/>
           </a:p>
@@ -35031,7 +34746,7 @@
 </p:sld>
 </file>
 
-<file path=ppt/slides/slide76.xml><?xml version="1.0" encoding="utf-8"?>
+<file path=ppt/slides/slide74.xml><?xml version="1.0" encoding="utf-8"?>
 <p:sld xmlns:a="http://schemas.openxmlformats.org/drawingml/2006/main" xmlns:r="http://schemas.openxmlformats.org/officeDocument/2006/relationships" xmlns:p="http://schemas.openxmlformats.org/presentationml/2006/main">
   <p:cSld>
     <p:spTree>
@@ -35716,7 +35431,7 @@
             <a:fld id="{D2040F39-7941-49A4-B48D-F201B18B6351}" type="slidenum">
               <a:rPr lang="it-IT" smtClean="0"/>
               <a:pPr/>
-              <a:t>76</a:t>
+              <a:t>74</a:t>
             </a:fld>
             <a:endParaRPr lang="it-IT" dirty="0"/>
           </a:p>
@@ -35754,10 +35469,10 @@
       </p:grpSpPr>
       <p:sp>
         <p:nvSpPr>
-          <p:cNvPr id="2" name="Titolo 1">
+          <p:cNvPr id="2" name="Title 1">
             <a:extLst>
               <a:ext uri="{FF2B5EF4-FFF2-40B4-BE49-F238E27FC236}">
-                <a16:creationId xmlns:a16="http://schemas.microsoft.com/office/drawing/2014/main" id="{1F0B84B1-06CB-4AB0-A7AA-70D710FE60A9}"/>
+                <a16:creationId xmlns:a16="http://schemas.microsoft.com/office/drawing/2014/main" id="{22E5FCF6-439B-4A4B-94C5-5CE9B66CA483}"/>
               </a:ext>
             </a:extLst>
           </p:cNvPr>
@@ -35774,18 +35489,18 @@
           <a:lstStyle/>
           <a:p>
             <a:r>
-              <a:rPr lang="it-IT" dirty="0"/>
-              <a:t>Activity</a:t>
+              <a:rPr lang="en-GB" dirty="0"/>
+              <a:t>Activity lifecycle</a:t>
             </a:r>
           </a:p>
         </p:txBody>
       </p:sp>
       <p:sp>
         <p:nvSpPr>
-          <p:cNvPr id="3" name="Segnaposto contenuto 2">
+          <p:cNvPr id="3" name="Content Placeholder 2">
             <a:extLst>
               <a:ext uri="{FF2B5EF4-FFF2-40B4-BE49-F238E27FC236}">
-                <a16:creationId xmlns:a16="http://schemas.microsoft.com/office/drawing/2014/main" id="{43D058E3-F6FC-4153-908B-BC6BB7823AAE}"/>
+                <a16:creationId xmlns:a16="http://schemas.microsoft.com/office/drawing/2014/main" id="{FE17CAF2-D62E-4849-923D-9437AAD240FB}"/>
               </a:ext>
             </a:extLst>
           </p:cNvPr>
@@ -35793,342 +35508,88 @@
             <a:spLocks noGrp="1"/>
           </p:cNvSpPr>
           <p:nvPr>
-            <p:ph idx="1"/>
+            <p:ph sz="half" idx="1"/>
           </p:nvPr>
         </p:nvSpPr>
         <p:spPr/>
         <p:txBody>
           <a:bodyPr>
-            <a:normAutofit fontScale="92500" lnSpcReduction="10000"/>
+            <a:normAutofit fontScale="77500" lnSpcReduction="20000"/>
           </a:bodyPr>
           <a:lstStyle/>
           <a:p>
+            <a:pPr marL="0" indent="0">
+              <a:buNone/>
+            </a:pPr>
             <a:r>
               <a:rPr lang="en-GB" dirty="0"/>
-              <a:t>Unlike</a:t>
-            </a:r>
-            <a:r>
-              <a:rPr lang="it-IT" dirty="0"/>
-              <a:t> programming para</a:t>
+              <a:t>Activity has 4 states (represented by oval):</a:t>
+            </a:r>
+          </a:p>
+          <a:p>
+            <a:r>
+              <a:rPr lang="en-GB" dirty="0">
+                <a:solidFill>
+                  <a:srgbClr val="FF0000"/>
+                </a:solidFill>
+              </a:rPr>
+              <a:t>Active or running: </a:t>
             </a:r>
             <a:r>
               <a:rPr lang="en-GB" dirty="0"/>
-              <a:t>d</a:t>
-            </a:r>
-            <a:r>
-              <a:rPr lang="it-IT" dirty="0" err="1"/>
-              <a:t>igms</a:t>
-            </a:r>
-            <a:r>
-              <a:rPr lang="it-IT" dirty="0"/>
-              <a:t> in </a:t>
-            </a:r>
-            <a:r>
-              <a:rPr lang="it-IT" dirty="0" err="1"/>
-              <a:t>which</a:t>
-            </a:r>
-            <a:r>
-              <a:rPr lang="it-IT" dirty="0"/>
-              <a:t> app are </a:t>
-            </a:r>
-            <a:r>
-              <a:rPr lang="it-IT" dirty="0" err="1"/>
-              <a:t>launch</a:t>
-            </a:r>
-            <a:r>
-              <a:rPr lang="it-IT" dirty="0"/>
-              <a:t> with a </a:t>
-            </a:r>
-            <a:r>
-              <a:rPr lang="it-IT" dirty="0" err="1"/>
-              <a:t>main</a:t>
-            </a:r>
-            <a:r>
-              <a:rPr lang="it-IT" dirty="0"/>
-              <a:t>(), the Android system </a:t>
-            </a:r>
-            <a:r>
-              <a:rPr lang="it-IT" dirty="0" err="1"/>
-              <a:t>initiates</a:t>
-            </a:r>
-            <a:r>
-              <a:rPr lang="it-IT" dirty="0"/>
-              <a:t> code in an Activity by </a:t>
-            </a:r>
-            <a:r>
-              <a:rPr lang="it-IT" dirty="0" err="1"/>
-              <a:t>invoking</a:t>
-            </a:r>
-            <a:r>
-              <a:rPr lang="it-IT" dirty="0"/>
-              <a:t> </a:t>
-            </a:r>
-            <a:r>
-              <a:rPr lang="it-IT" dirty="0" err="1"/>
-              <a:t>specificic</a:t>
-            </a:r>
-            <a:r>
-              <a:rPr lang="it-IT" dirty="0"/>
-              <a:t> </a:t>
-            </a:r>
-            <a:r>
-              <a:rPr lang="it-IT" dirty="0" err="1"/>
-              <a:t>method</a:t>
-            </a:r>
-            <a:r>
-              <a:rPr lang="it-IT" dirty="0"/>
-              <a:t>.</a:t>
-            </a:r>
-          </a:p>
-          <a:p>
-            <a:r>
-              <a:rPr lang="it-IT" b="1" dirty="0" err="1"/>
-              <a:t>Why</a:t>
-            </a:r>
-            <a:r>
-              <a:rPr lang="it-IT" b="1" dirty="0"/>
-              <a:t>? </a:t>
-            </a:r>
-            <a:r>
-              <a:rPr lang="it-IT" dirty="0"/>
-              <a:t>In mobile-app, </a:t>
-            </a:r>
-            <a:r>
-              <a:rPr lang="it-IT" dirty="0" err="1"/>
-              <a:t>user's</a:t>
-            </a:r>
-            <a:r>
-              <a:rPr lang="it-IT" dirty="0"/>
-              <a:t> interaction </a:t>
-            </a:r>
-            <a:r>
-              <a:rPr lang="it-IT" dirty="0" err="1"/>
-              <a:t>doesn't</a:t>
-            </a:r>
-            <a:r>
-              <a:rPr lang="it-IT" dirty="0"/>
-              <a:t> </a:t>
-            </a:r>
-            <a:r>
-              <a:rPr lang="it-IT" dirty="0" err="1"/>
-              <a:t>always</a:t>
-            </a:r>
-            <a:r>
-              <a:rPr lang="it-IT" dirty="0"/>
-              <a:t> </a:t>
-            </a:r>
-            <a:r>
-              <a:rPr lang="it-IT" dirty="0" err="1"/>
-              <a:t>begin</a:t>
-            </a:r>
-            <a:r>
-              <a:rPr lang="it-IT" dirty="0"/>
-              <a:t> in the </a:t>
-            </a:r>
-            <a:r>
-              <a:rPr lang="it-IT" dirty="0" err="1"/>
-              <a:t>same</a:t>
-            </a:r>
-            <a:r>
-              <a:rPr lang="it-IT" dirty="0"/>
-              <a:t> place (e.g. app </a:t>
-            </a:r>
-            <a:r>
-              <a:rPr lang="it-IT" dirty="0" err="1"/>
-              <a:t>could</a:t>
-            </a:r>
-            <a:r>
-              <a:rPr lang="it-IT" dirty="0"/>
-              <a:t> be </a:t>
-            </a:r>
-            <a:r>
-              <a:rPr lang="it-IT" dirty="0" err="1"/>
-              <a:t>started</a:t>
-            </a:r>
-            <a:r>
-              <a:rPr lang="it-IT" dirty="0"/>
-              <a:t> with the </a:t>
-            </a:r>
-            <a:r>
-              <a:rPr lang="it-IT" dirty="0" err="1"/>
-              <a:t>launch</a:t>
-            </a:r>
-            <a:r>
-              <a:rPr lang="it-IT" dirty="0"/>
-              <a:t> </a:t>
-            </a:r>
-            <a:r>
-              <a:rPr lang="it-IT" dirty="0" err="1"/>
-              <a:t>icon</a:t>
-            </a:r>
-            <a:r>
-              <a:rPr lang="it-IT" dirty="0"/>
-              <a:t> and user </a:t>
-            </a:r>
-            <a:r>
-              <a:rPr lang="it-IT" dirty="0" err="1"/>
-              <a:t>might</a:t>
-            </a:r>
-            <a:r>
-              <a:rPr lang="it-IT" dirty="0"/>
-              <a:t> </a:t>
-            </a:r>
-            <a:r>
-              <a:rPr lang="it-IT" dirty="0" err="1"/>
-              <a:t>see</a:t>
-            </a:r>
-            <a:r>
-              <a:rPr lang="it-IT" dirty="0"/>
-              <a:t> a </a:t>
-            </a:r>
-            <a:r>
-              <a:rPr lang="it-IT" dirty="0" err="1"/>
-              <a:t>specific</a:t>
-            </a:r>
-            <a:r>
-              <a:rPr lang="it-IT" dirty="0"/>
-              <a:t> window, </a:t>
-            </a:r>
-            <a:r>
-              <a:rPr lang="it-IT" dirty="0" err="1"/>
-              <a:t>but</a:t>
-            </a:r>
-            <a:r>
-              <a:rPr lang="it-IT" dirty="0"/>
-              <a:t>, </a:t>
-            </a:r>
-            <a:r>
-              <a:rPr lang="it-IT" dirty="0" err="1"/>
-              <a:t>it</a:t>
-            </a:r>
-            <a:r>
-              <a:rPr lang="it-IT" dirty="0"/>
-              <a:t> </a:t>
-            </a:r>
-            <a:r>
-              <a:rPr lang="it-IT" dirty="0" err="1"/>
-              <a:t>could</a:t>
-            </a:r>
-            <a:r>
-              <a:rPr lang="it-IT" dirty="0"/>
-              <a:t> be </a:t>
-            </a:r>
-            <a:r>
-              <a:rPr lang="it-IT" dirty="0" err="1"/>
-              <a:t>started</a:t>
-            </a:r>
-            <a:r>
-              <a:rPr lang="it-IT" dirty="0"/>
-              <a:t> </a:t>
-            </a:r>
-            <a:r>
-              <a:rPr lang="it-IT" dirty="0" err="1"/>
-              <a:t>also</a:t>
-            </a:r>
-            <a:r>
-              <a:rPr lang="it-IT" dirty="0"/>
-              <a:t> </a:t>
-            </a:r>
-            <a:r>
-              <a:rPr lang="it-IT" dirty="0" err="1"/>
-              <a:t>using</a:t>
-            </a:r>
-            <a:r>
-              <a:rPr lang="it-IT" dirty="0"/>
-              <a:t> </a:t>
-            </a:r>
-            <a:r>
-              <a:rPr lang="it-IT" dirty="0" err="1"/>
-              <a:t>another</a:t>
-            </a:r>
-            <a:r>
-              <a:rPr lang="it-IT" dirty="0"/>
-              <a:t> app and user </a:t>
-            </a:r>
-            <a:r>
-              <a:rPr lang="it-IT" dirty="0" err="1"/>
-              <a:t>might</a:t>
-            </a:r>
-            <a:r>
-              <a:rPr lang="it-IT" dirty="0"/>
-              <a:t> se </a:t>
-            </a:r>
-            <a:r>
-              <a:rPr lang="it-IT" dirty="0" err="1"/>
-              <a:t>another</a:t>
-            </a:r>
-            <a:r>
-              <a:rPr lang="it-IT" dirty="0"/>
-              <a:t> </a:t>
-            </a:r>
-            <a:r>
-              <a:rPr lang="it-IT" dirty="0" err="1"/>
-              <a:t>different</a:t>
-            </a:r>
-            <a:r>
-              <a:rPr lang="it-IT" dirty="0"/>
-              <a:t> window). Activity </a:t>
-            </a:r>
-            <a:r>
-              <a:rPr lang="it-IT" dirty="0" err="1"/>
-              <a:t>is</a:t>
-            </a:r>
-            <a:r>
-              <a:rPr lang="it-IT" dirty="0"/>
-              <a:t> </a:t>
-            </a:r>
-            <a:r>
-              <a:rPr lang="it-IT" dirty="0" err="1"/>
-              <a:t>designed</a:t>
-            </a:r>
-            <a:r>
-              <a:rPr lang="it-IT" dirty="0"/>
-              <a:t> to facilitate </a:t>
-            </a:r>
-            <a:r>
-              <a:rPr lang="it-IT" dirty="0" err="1"/>
-              <a:t>this</a:t>
-            </a:r>
-            <a:r>
-              <a:rPr lang="it-IT" dirty="0"/>
-              <a:t> </a:t>
-            </a:r>
-            <a:r>
-              <a:rPr lang="it-IT" dirty="0" err="1"/>
-              <a:t>paradigm</a:t>
-            </a:r>
-            <a:r>
-              <a:rPr lang="it-IT" dirty="0"/>
-              <a:t>, </a:t>
-            </a:r>
-            <a:r>
-              <a:rPr lang="it-IT" dirty="0" err="1"/>
-              <a:t>it</a:t>
-            </a:r>
-            <a:r>
-              <a:rPr lang="it-IT" dirty="0"/>
-              <a:t> </a:t>
+              <a:t>if activity is in the foreground of the screen (it is at the top of the stack). The user is interacting with.</a:t>
+            </a:r>
+          </a:p>
+          <a:p>
+            <a:r>
+              <a:rPr lang="en-GB" dirty="0">
+                <a:solidFill>
+                  <a:srgbClr val="FF0000"/>
+                </a:solidFill>
+              </a:rPr>
+              <a:t>Visible: </a:t>
             </a:r>
             <a:r>
               <a:rPr lang="en-GB" dirty="0"/>
-              <a:t>serves as the entry point for an app's interaction with the user</a:t>
-            </a:r>
-          </a:p>
-          <a:p>
-            <a:r>
-              <a:rPr lang="en-GB" b="1" dirty="0"/>
-              <a:t>An activity provides the window in which the app draws its UI.</a:t>
-            </a:r>
-            <a:endParaRPr lang="it-IT" b="1" dirty="0"/>
+              <a:t>If activity has lost focus but is still presented to the user (e.g. if activity has partial obscure by a pop-up) (activity is alive and maintains all information)</a:t>
+            </a:r>
+          </a:p>
+          <a:p>
+            <a:r>
+              <a:rPr lang="en-GB" dirty="0">
+                <a:solidFill>
+                  <a:srgbClr val="FF0000"/>
+                </a:solidFill>
+              </a:rPr>
+              <a:t>Stopped or hidden: </a:t>
+            </a:r>
+            <a:r>
+              <a:rPr lang="en-GB" dirty="0"/>
+              <a:t>if activity is completely obscured by another activity. (it maintains information but it could be killed by the system)</a:t>
+            </a:r>
+          </a:p>
+          <a:p>
+            <a:r>
+              <a:rPr lang="en-GB" dirty="0">
+                <a:solidFill>
+                  <a:srgbClr val="FF0000"/>
+                </a:solidFill>
+              </a:rPr>
+              <a:t>Destroyed: </a:t>
+            </a:r>
+            <a:r>
+              <a:rPr lang="en-GB" dirty="0"/>
+              <a:t>if activity is dropped from memory</a:t>
+            </a:r>
           </a:p>
         </p:txBody>
       </p:sp>
       <p:sp>
         <p:nvSpPr>
-          <p:cNvPr id="4" name="Segnaposto numero diapositiva 3">
+          <p:cNvPr id="5" name="Slide Number Placeholder 4">
             <a:extLst>
               <a:ext uri="{FF2B5EF4-FFF2-40B4-BE49-F238E27FC236}">
-                <a16:creationId xmlns:a16="http://schemas.microsoft.com/office/drawing/2014/main" id="{3ED20E81-F9C3-4945-9EDA-7345CD0F69D3}"/>
+                <a16:creationId xmlns:a16="http://schemas.microsoft.com/office/drawing/2014/main" id="{DD8E4127-44D6-420D-B92A-27FFE06EE8A0}"/>
               </a:ext>
             </a:extLst>
           </p:cNvPr>
@@ -36153,10 +35614,59 @@
           </a:p>
         </p:txBody>
       </p:sp>
+      <p:pic>
+        <p:nvPicPr>
+          <p:cNvPr id="2050" name="Picture 2" descr="State diagram for an Android Activity Lifecycle.">
+            <a:extLst>
+              <a:ext uri="{FF2B5EF4-FFF2-40B4-BE49-F238E27FC236}">
+                <a16:creationId xmlns:a16="http://schemas.microsoft.com/office/drawing/2014/main" id="{C1F69DD7-7411-4032-BA9F-F97D4F641755}"/>
+              </a:ext>
+            </a:extLst>
+          </p:cNvPr>
+          <p:cNvPicPr>
+            <a:picLocks noGrp="1" noChangeAspect="1" noChangeArrowheads="1"/>
+          </p:cNvPicPr>
+          <p:nvPr>
+            <p:ph sz="half" idx="2"/>
+          </p:nvPr>
+        </p:nvPicPr>
+        <p:blipFill>
+          <a:blip r:embed="rId2">
+            <a:extLst>
+              <a:ext uri="{28A0092B-C50C-407E-A947-70E740481C1C}">
+                <a14:useLocalDpi xmlns:a14="http://schemas.microsoft.com/office/drawing/2010/main" val="0"/>
+              </a:ext>
+            </a:extLst>
+          </a:blip>
+          <a:srcRect/>
+          <a:stretch>
+            <a:fillRect/>
+          </a:stretch>
+        </p:blipFill>
+        <p:spPr bwMode="auto">
+          <a:xfrm>
+            <a:off x="7139005" y="1600200"/>
+            <a:ext cx="3501989" cy="4525963"/>
+          </a:xfrm>
+          <a:prstGeom prst="rect">
+            <a:avLst/>
+          </a:prstGeom>
+          <a:noFill/>
+          <a:extLst>
+            <a:ext uri="{909E8E84-426E-40DD-AFC4-6F175D3DCCD1}">
+              <a14:hiddenFill xmlns:a14="http://schemas.microsoft.com/office/drawing/2010/main">
+                <a:solidFill>
+                  <a:srgbClr val="FFFFFF"/>
+                </a:solidFill>
+              </a14:hiddenFill>
+            </a:ext>
+          </a:extLst>
+        </p:spPr>
+      </p:pic>
     </p:spTree>
     <p:extLst>
       <p:ext uri="{BB962C8B-B14F-4D97-AF65-F5344CB8AC3E}">
-        <p14:creationId xmlns:p14="http://schemas.microsoft.com/office/powerpoint/2010/main" val="3999457021"/>
+        <p14:creationId xmlns:p14="http://schemas.microsoft.com/office/powerpoint/2010/main" val="683288592"/>
       </p:ext>
     </p:extLst>
   </p:cSld>
@@ -36185,10 +35695,10 @@
       </p:grpSpPr>
       <p:sp>
         <p:nvSpPr>
-          <p:cNvPr id="2" name="Title 1">
+          <p:cNvPr id="6" name="Title 5">
             <a:extLst>
               <a:ext uri="{FF2B5EF4-FFF2-40B4-BE49-F238E27FC236}">
-                <a16:creationId xmlns:a16="http://schemas.microsoft.com/office/drawing/2014/main" id="{21A46125-BE62-41FA-BB83-27D74BCA8247}"/>
+                <a16:creationId xmlns:a16="http://schemas.microsoft.com/office/drawing/2014/main" id="{4594C90E-1542-47C8-9333-850D43FB8D50}"/>
               </a:ext>
             </a:extLst>
           </p:cNvPr>
@@ -36213,10 +35723,10 @@
       </p:sp>
       <p:sp>
         <p:nvSpPr>
-          <p:cNvPr id="3" name="Content Placeholder 2">
+          <p:cNvPr id="7" name="Content Placeholder 6">
             <a:extLst>
               <a:ext uri="{FF2B5EF4-FFF2-40B4-BE49-F238E27FC236}">
-                <a16:creationId xmlns:a16="http://schemas.microsoft.com/office/drawing/2014/main" id="{53FD6CF7-9F0C-4738-8B5F-83843AE743FF}"/>
+                <a16:creationId xmlns:a16="http://schemas.microsoft.com/office/drawing/2014/main" id="{F85E9359-EBE1-4410-ADB8-22A7312E3023}"/>
               </a:ext>
             </a:extLst>
           </p:cNvPr>
@@ -36224,68 +35734,180 @@
             <a:spLocks noGrp="1"/>
           </p:cNvSpPr>
           <p:nvPr>
-            <p:ph idx="1"/>
+            <p:ph sz="half" idx="1"/>
           </p:nvPr>
         </p:nvSpPr>
         <p:spPr/>
         <p:txBody>
           <a:bodyPr>
-            <a:normAutofit fontScale="92500" lnSpcReduction="10000"/>
+            <a:normAutofit fontScale="92500" lnSpcReduction="20000"/>
           </a:bodyPr>
           <a:lstStyle/>
           <a:p>
+            <a:pPr marL="0" indent="0">
+              <a:buNone/>
+            </a:pPr>
             <a:r>
               <a:rPr lang="en-GB" dirty="0"/>
-              <a:t>When user navigate through an app, the Activity instances transition through different states of their lifecycle. </a:t>
-            </a:r>
-          </a:p>
-          <a:p>
+              <a:t>We can distinguish 3 loops:</a:t>
+            </a:r>
+          </a:p>
+          <a:p>
+            <a:r>
+              <a:rPr lang="en-GB" dirty="0">
+                <a:solidFill>
+                  <a:srgbClr val="FF0000"/>
+                </a:solidFill>
+              </a:rPr>
+              <a:t>Entire lifetime: </a:t>
+            </a:r>
+            <a:r>
+              <a:rPr lang="en-GB" b="1" dirty="0"/>
+              <a:t>from </a:t>
+            </a:r>
+            <a:r>
+              <a:rPr lang="en-GB" b="1" dirty="0" err="1"/>
+              <a:t>onCreate</a:t>
+            </a:r>
+            <a:r>
+              <a:rPr lang="en-GB" b="1" dirty="0"/>
+              <a:t>()</a:t>
+            </a:r>
             <a:r>
               <a:rPr lang="en-GB" dirty="0"/>
-              <a:t>Activities in the system are managed as </a:t>
+              <a:t>, where activity setup global </a:t>
+            </a:r>
+            <a:r>
+              <a:rPr lang="en-GB" dirty="0" err="1"/>
+              <a:t>stae</a:t>
+            </a:r>
+            <a:r>
+              <a:rPr lang="en-GB" dirty="0"/>
+              <a:t>, </a:t>
             </a:r>
             <a:r>
               <a:rPr lang="en-GB" b="1" dirty="0"/>
-              <a:t>activity stacks </a:t>
+              <a:t>until </a:t>
+            </a:r>
+            <a:r>
+              <a:rPr lang="en-GB" b="1" dirty="0" err="1"/>
+              <a:t>onDetroy</a:t>
+            </a:r>
+            <a:r>
+              <a:rPr lang="en-GB" b="1" dirty="0"/>
+              <a:t>()</a:t>
             </a:r>
             <a:r>
               <a:rPr lang="en-GB" dirty="0"/>
-              <a:t>by</a:t>
-            </a:r>
+              <a:t>, where activity release all resources</a:t>
+            </a:r>
+          </a:p>
+          <a:p>
             <a:r>
               <a:rPr lang="en-GB" dirty="0">
                 <a:solidFill>
                   <a:srgbClr val="FF0000"/>
                 </a:solidFill>
               </a:rPr>
-              <a:t> </a:t>
+              <a:t>Visible lifetime: </a:t>
+            </a:r>
+            <a:r>
+              <a:rPr lang="en-GB" b="1" dirty="0"/>
+              <a:t>from </a:t>
             </a:r>
             <a:r>
               <a:rPr lang="en-GB" b="1" dirty="0" err="1"/>
-              <a:t>ActivityManager</a:t>
+              <a:t>onStart</a:t>
+            </a:r>
+            <a:r>
+              <a:rPr lang="en-GB" b="1" dirty="0"/>
+              <a:t>() until </a:t>
+            </a:r>
+            <a:r>
+              <a:rPr lang="en-GB" b="1" dirty="0" err="1"/>
+              <a:t>onStop</a:t>
+            </a:r>
+            <a:r>
+              <a:rPr lang="en-GB" b="1" dirty="0"/>
+              <a:t>()</a:t>
             </a:r>
             <a:r>
               <a:rPr lang="en-GB" dirty="0"/>
-              <a:t> using LRU-mechanism (When a new activity is started, it is usually placed on the top of the current stack and becomes the running activity -- the previous activity always remains below it in the stack, and will not come to the foreground again until the new activity exits.)</a:t>
-            </a:r>
-          </a:p>
-          <a:p>
+              <a:t>, user can see the activity on screen, but it couldn't be in foreground</a:t>
+            </a:r>
+            <a:endParaRPr lang="en-GB" b="1" dirty="0"/>
+          </a:p>
+          <a:p>
+            <a:r>
+              <a:rPr lang="en-GB" dirty="0">
+                <a:solidFill>
+                  <a:srgbClr val="FF0000"/>
+                </a:solidFill>
+              </a:rPr>
+              <a:t>Foreground lifetime:  </a:t>
+            </a:r>
+            <a:r>
+              <a:rPr lang="en-GB" b="1" dirty="0"/>
+              <a:t>from </a:t>
+            </a:r>
+            <a:r>
+              <a:rPr lang="en-GB" b="1" dirty="0" err="1"/>
+              <a:t>onResume</a:t>
+            </a:r>
+            <a:r>
+              <a:rPr lang="en-GB" b="1" dirty="0"/>
+              <a:t>() until </a:t>
+            </a:r>
+            <a:r>
+              <a:rPr lang="en-GB" b="1" dirty="0" err="1"/>
+              <a:t>onPause</a:t>
+            </a:r>
+            <a:r>
+              <a:rPr lang="en-GB" b="1" dirty="0"/>
+              <a:t>()</a:t>
+            </a:r>
             <a:r>
               <a:rPr lang="en-GB" dirty="0"/>
-              <a:t>Entire lifecycle is related to specific methods which are invoked by the system; developers can override them</a:t>
-            </a:r>
-          </a:p>
-          <a:p>
-            <a:endParaRPr lang="en-GB" dirty="0"/>
+              <a:t>, user is interreacting with activity</a:t>
+            </a:r>
           </a:p>
         </p:txBody>
       </p:sp>
+      <p:pic>
+        <p:nvPicPr>
+          <p:cNvPr id="10" name="Content Placeholder 9">
+            <a:extLst>
+              <a:ext uri="{FF2B5EF4-FFF2-40B4-BE49-F238E27FC236}">
+                <a16:creationId xmlns:a16="http://schemas.microsoft.com/office/drawing/2014/main" id="{EA8DE925-0DAA-4F67-A34B-D490A26D4590}"/>
+              </a:ext>
+            </a:extLst>
+          </p:cNvPr>
+          <p:cNvPicPr>
+            <a:picLocks noGrp="1" noChangeAspect="1"/>
+          </p:cNvPicPr>
+          <p:nvPr>
+            <p:ph sz="half" idx="2"/>
+          </p:nvPr>
+        </p:nvPicPr>
+        <p:blipFill>
+          <a:blip r:embed="rId2"/>
+          <a:stretch>
+            <a:fillRect/>
+          </a:stretch>
+        </p:blipFill>
+        <p:spPr>
+          <a:xfrm>
+            <a:off x="6197600" y="2095302"/>
+            <a:ext cx="5384800" cy="3535759"/>
+          </a:xfrm>
+        </p:spPr>
+      </p:pic>
       <p:sp>
         <p:nvSpPr>
-          <p:cNvPr id="4" name="Slide Number Placeholder 3">
+          <p:cNvPr id="5" name="Slide Number Placeholder 4">
             <a:extLst>
               <a:ext uri="{FF2B5EF4-FFF2-40B4-BE49-F238E27FC236}">
-                <a16:creationId xmlns:a16="http://schemas.microsoft.com/office/drawing/2014/main" id="{E606EF64-9EE0-461E-9376-C1A6FCDB33F1}"/>
+                <a16:creationId xmlns:a16="http://schemas.microsoft.com/office/drawing/2014/main" id="{50751052-784A-4A5B-B78E-D475DF9D9121}"/>
               </a:ext>
             </a:extLst>
           </p:cNvPr>
@@ -36313,7 +35935,7 @@
     </p:spTree>
     <p:extLst>
       <p:ext uri="{BB962C8B-B14F-4D97-AF65-F5344CB8AC3E}">
-        <p14:creationId xmlns:p14="http://schemas.microsoft.com/office/powerpoint/2010/main" val="4073641638"/>
+        <p14:creationId xmlns:p14="http://schemas.microsoft.com/office/powerpoint/2010/main" val="583470196"/>
       </p:ext>
     </p:extLst>
   </p:cSld>

--- a/slides/04 - Activity, Intent and UI design.pptx
+++ b/slides/04 - Activity, Intent and UI design.pptx
@@ -11555,13 +11555,38 @@
           <a:lstStyle/>
           <a:p>
             <a:r>
+              <a:rPr lang="en-GB" dirty="0">
+                <a:solidFill>
+                  <a:srgbClr val="202124"/>
+                </a:solidFill>
+              </a:rPr>
+              <a:t>U</a:t>
+            </a:r>
+            <a:r>
               <a:rPr lang="en-GB" b="0" i="0" dirty="0">
                 <a:solidFill>
                   <a:srgbClr val="202124"/>
                 </a:solidFill>
                 <a:effectLst/>
               </a:rPr>
-              <a:t>used across process boundaries such us with IPC transactions,  between activities with intents or to store state across configuration changes. </a:t>
+              <a:t>sed across process boundaries such us with IPC (inter-process communication</a:t>
+            </a:r>
+            <a:r>
+              <a:rPr lang="en-GB" dirty="0">
+                <a:solidFill>
+                  <a:srgbClr val="202124"/>
+                </a:solidFill>
+              </a:rPr>
+              <a:t>)</a:t>
+            </a:r>
+            <a:r>
+              <a:rPr lang="en-GB" b="0" i="0" dirty="0">
+                <a:solidFill>
+                  <a:srgbClr val="202124"/>
+                </a:solidFill>
+                <a:effectLst/>
+              </a:rPr>
+              <a:t> transactions,  between activities with intents or to store state across configuration changes. </a:t>
             </a:r>
           </a:p>
           <a:p>
@@ -16069,7 +16094,10 @@
               <a:rPr lang="it-IT" dirty="0" err="1"/>
               <a:t>generic</a:t>
             </a:r>
-            <a:endParaRPr lang="it-IT" dirty="0"/>
+            <a:r>
+              <a:rPr lang="it-IT" dirty="0"/>
+              <a:t> action</a:t>
+            </a:r>
           </a:p>
           <a:p>
             <a:r>
@@ -16170,10 +16198,7 @@
             </a:r>
           </a:p>
           <a:p>
-            <a:r>
-              <a:rPr lang="it-IT" dirty="0"/>
-              <a:t>action</a:t>
-            </a:r>
+            <a:endParaRPr lang="it-IT" dirty="0"/>
           </a:p>
           <a:p>
             <a:endParaRPr lang="it-IT" dirty="0"/>
